--- a/Video/ISS IPA PROJECT PRESENTATION - SYSTEM ARCHITECTURE.pptx
+++ b/Video/ISS IPA PROJECT PRESENTATION - SYSTEM ARCHITECTURE.pptx
@@ -8,6 +8,10 @@
     <p:sldId id="256" r:id="rId2"/>
     <p:sldId id="260" r:id="rId3"/>
     <p:sldId id="257" r:id="rId4"/>
+    <p:sldId id="261" r:id="rId5"/>
+    <p:sldId id="262" r:id="rId6"/>
+    <p:sldId id="263" r:id="rId7"/>
+    <p:sldId id="264" r:id="rId8"/>
   </p:sldIdLst>
   <p:sldSz cx="12192000" cy="6858000"/>
   <p:notesSz cx="6858000" cy="9144000"/>
@@ -4265,110 +4269,53 @@
           </a:fontRef>
         </p:style>
       </p:cxnSp>
-      <p:grpSp>
-        <p:nvGrpSpPr>
-          <p:cNvPr id="21" name="Group 20">
-            <a:extLst>
-              <a:ext uri="{FF2B5EF4-FFF2-40B4-BE49-F238E27FC236}">
-                <a16:creationId xmlns:a16="http://schemas.microsoft.com/office/drawing/2014/main" id="{B618737A-D18C-4250-9BD5-D7F600EC73FA}"/>
-              </a:ext>
-            </a:extLst>
-          </p:cNvPr>
-          <p:cNvGrpSpPr/>
+      <p:pic>
+        <p:nvPicPr>
+          <p:cNvPr id="22" name="Picture 2" descr="Google Assistant - Wikipedia">
+            <a:extLst>
+              <a:ext uri="{FF2B5EF4-FFF2-40B4-BE49-F238E27FC236}">
+                <a16:creationId xmlns:a16="http://schemas.microsoft.com/office/drawing/2014/main" id="{EF700927-5EDC-4D6B-881A-3DAB0989C576}"/>
+              </a:ext>
+            </a:extLst>
+          </p:cNvPr>
+          <p:cNvPicPr>
+            <a:picLocks noChangeAspect="1" noChangeArrowheads="1"/>
+          </p:cNvPicPr>
           <p:nvPr/>
-        </p:nvGrpSpPr>
-        <p:grpSpPr>
+        </p:nvPicPr>
+        <p:blipFill>
+          <a:blip r:embed="rId2">
+            <a:extLst>
+              <a:ext uri="{28A0092B-C50C-407E-A947-70E740481C1C}">
+                <a14:useLocalDpi xmlns:a14="http://schemas.microsoft.com/office/drawing/2010/main" val="0"/>
+              </a:ext>
+            </a:extLst>
+          </a:blip>
+          <a:srcRect/>
+          <a:stretch>
+            <a:fillRect/>
+          </a:stretch>
+        </p:blipFill>
+        <p:spPr bwMode="auto">
           <a:xfrm>
-            <a:off x="10570730" y="121836"/>
-            <a:ext cx="1481310" cy="1292775"/>
-            <a:chOff x="116869" y="3841660"/>
-            <a:chExt cx="2610363" cy="2275936"/>
+            <a:off x="10760508" y="121836"/>
+            <a:ext cx="1291532" cy="1292775"/>
           </a:xfrm>
-        </p:grpSpPr>
-        <p:pic>
-          <p:nvPicPr>
-            <p:cNvPr id="22" name="Picture 2" descr="Google Assistant - Wikipedia">
-              <a:extLst>
-                <a:ext uri="{FF2B5EF4-FFF2-40B4-BE49-F238E27FC236}">
-                  <a16:creationId xmlns:a16="http://schemas.microsoft.com/office/drawing/2014/main" id="{EF700927-5EDC-4D6B-881A-3DAB0989C576}"/>
-                </a:ext>
-              </a:extLst>
-            </p:cNvPr>
-            <p:cNvPicPr>
-              <a:picLocks noChangeAspect="1" noChangeArrowheads="1"/>
-            </p:cNvPicPr>
-            <p:nvPr/>
-          </p:nvPicPr>
-          <p:blipFill>
-            <a:blip r:embed="rId2">
-              <a:extLst>
-                <a:ext uri="{28A0092B-C50C-407E-A947-70E740481C1C}">
-                  <a14:useLocalDpi xmlns:a14="http://schemas.microsoft.com/office/drawing/2010/main" val="0"/>
-                </a:ext>
-              </a:extLst>
-            </a:blip>
-            <a:srcRect/>
-            <a:stretch>
-              <a:fillRect/>
-            </a:stretch>
-          </p:blipFill>
-          <p:spPr bwMode="auto">
-            <a:xfrm>
-              <a:off x="451296" y="3841660"/>
-              <a:ext cx="2275936" cy="2275936"/>
-            </a:xfrm>
-            <a:prstGeom prst="rect">
-              <a:avLst/>
-            </a:prstGeom>
-            <a:noFill/>
-            <a:extLst>
-              <a:ext uri="{909E8E84-426E-40DD-AFC4-6F175D3DCCD1}">
-                <a14:hiddenFill xmlns:a14="http://schemas.microsoft.com/office/drawing/2010/main">
-                  <a:solidFill>
-                    <a:srgbClr val="FFFFFF"/>
-                  </a:solidFill>
-                </a14:hiddenFill>
-              </a:ext>
-            </a:extLst>
-          </p:spPr>
-        </p:pic>
-        <p:sp>
-          <p:nvSpPr>
-            <p:cNvPr id="23" name="TextBox 22">
-              <a:extLst>
-                <a:ext uri="{FF2B5EF4-FFF2-40B4-BE49-F238E27FC236}">
-                  <a16:creationId xmlns:a16="http://schemas.microsoft.com/office/drawing/2014/main" id="{CB63AD20-9099-42B2-A47E-76340BA182F7}"/>
-                </a:ext>
-              </a:extLst>
-            </p:cNvPr>
-            <p:cNvSpPr txBox="1"/>
-            <p:nvPr/>
-          </p:nvSpPr>
-          <p:spPr>
-            <a:xfrm>
-              <a:off x="116869" y="5600011"/>
-              <a:ext cx="1439796" cy="325303"/>
-            </a:xfrm>
-            <a:prstGeom prst="rect">
-              <a:avLst/>
-            </a:prstGeom>
-            <a:noFill/>
-          </p:spPr>
-          <p:txBody>
-            <a:bodyPr wrap="none" rtlCol="0">
-              <a:spAutoFit/>
-            </a:bodyPr>
-            <a:lstStyle/>
-            <a:p>
-              <a:pPr algn="ctr"/>
-              <a:r>
-                <a:rPr lang="en-SG" sz="1200" dirty="0"/>
-                <a:t>Google Assistant</a:t>
-              </a:r>
-            </a:p>
-          </p:txBody>
-        </p:sp>
-      </p:grpSp>
+          <a:prstGeom prst="rect">
+            <a:avLst/>
+          </a:prstGeom>
+          <a:noFill/>
+          <a:extLst>
+            <a:ext uri="{909E8E84-426E-40DD-AFC4-6F175D3DCCD1}">
+              <a14:hiddenFill xmlns:a14="http://schemas.microsoft.com/office/drawing/2010/main">
+                <a:solidFill>
+                  <a:srgbClr val="FFFFFF"/>
+                </a:solidFill>
+              </a14:hiddenFill>
+            </a:ext>
+          </a:extLst>
+        </p:spPr>
+      </p:pic>
       <p:grpSp>
         <p:nvGrpSpPr>
           <p:cNvPr id="5" name="Group 4">
@@ -6310,6 +6257,985 @@
 </p:sld>
 </file>
 
+<file path=ppt/slides/slide4.xml><?xml version="1.0" encoding="utf-8"?>
+<p:sld xmlns:a="http://schemas.openxmlformats.org/drawingml/2006/main" xmlns:r="http://schemas.openxmlformats.org/officeDocument/2006/relationships" xmlns:p="http://schemas.openxmlformats.org/presentationml/2006/main">
+  <p:cSld>
+    <p:spTree>
+      <p:nvGrpSpPr>
+        <p:cNvPr id="1" name=""/>
+        <p:cNvGrpSpPr/>
+        <p:nvPr/>
+      </p:nvGrpSpPr>
+      <p:grpSpPr>
+        <a:xfrm>
+          <a:off x="0" y="0"/>
+          <a:ext cx="0" cy="0"/>
+          <a:chOff x="0" y="0"/>
+          <a:chExt cx="0" cy="0"/>
+        </a:xfrm>
+      </p:grpSpPr>
+      <p:sp>
+        <p:nvSpPr>
+          <p:cNvPr id="24" name="TextBox 23">
+            <a:extLst>
+              <a:ext uri="{FF2B5EF4-FFF2-40B4-BE49-F238E27FC236}">
+                <a16:creationId xmlns:a16="http://schemas.microsoft.com/office/drawing/2014/main" id="{2728A82E-EB67-4925-A5D2-8F2ECE0F7D1B}"/>
+              </a:ext>
+            </a:extLst>
+          </p:cNvPr>
+          <p:cNvSpPr txBox="1"/>
+          <p:nvPr/>
+        </p:nvSpPr>
+        <p:spPr>
+          <a:xfrm>
+            <a:off x="597160" y="251927"/>
+            <a:ext cx="3407600" cy="369332"/>
+          </a:xfrm>
+          <a:prstGeom prst="rect">
+            <a:avLst/>
+          </a:prstGeom>
+          <a:noFill/>
+        </p:spPr>
+        <p:txBody>
+          <a:bodyPr wrap="none" rtlCol="0">
+            <a:spAutoFit/>
+          </a:bodyPr>
+          <a:lstStyle/>
+          <a:p>
+            <a:r>
+              <a:rPr lang="en-SG" b="1" u="sng" dirty="0"/>
+              <a:t>Technical Explanation of </a:t>
+            </a:r>
+            <a:r>
+              <a:rPr lang="en-SG" b="1" u="sng" dirty="0" err="1"/>
+              <a:t>Usecases</a:t>
+            </a:r>
+            <a:endParaRPr lang="en-SG" b="1" u="sng" dirty="0"/>
+          </a:p>
+        </p:txBody>
+      </p:sp>
+      <p:cxnSp>
+        <p:nvCxnSpPr>
+          <p:cNvPr id="25" name="Straight Connector 24">
+            <a:extLst>
+              <a:ext uri="{FF2B5EF4-FFF2-40B4-BE49-F238E27FC236}">
+                <a16:creationId xmlns:a16="http://schemas.microsoft.com/office/drawing/2014/main" id="{87FFB9B6-A7DC-42FA-A903-B18CF342DDD5}"/>
+              </a:ext>
+            </a:extLst>
+          </p:cNvPr>
+          <p:cNvCxnSpPr/>
+          <p:nvPr/>
+        </p:nvCxnSpPr>
+        <p:spPr>
+          <a:xfrm>
+            <a:off x="4095126" y="695885"/>
+            <a:ext cx="58723" cy="5850173"/>
+          </a:xfrm>
+          <a:prstGeom prst="line">
+            <a:avLst/>
+          </a:prstGeom>
+          <a:ln>
+            <a:solidFill>
+              <a:schemeClr val="bg1">
+                <a:lumMod val="50000"/>
+              </a:schemeClr>
+            </a:solidFill>
+            <a:prstDash val="lgDashDot"/>
+          </a:ln>
+        </p:spPr>
+        <p:style>
+          <a:lnRef idx="1">
+            <a:schemeClr val="accent1"/>
+          </a:lnRef>
+          <a:fillRef idx="0">
+            <a:schemeClr val="accent1"/>
+          </a:fillRef>
+          <a:effectRef idx="0">
+            <a:schemeClr val="accent1"/>
+          </a:effectRef>
+          <a:fontRef idx="minor">
+            <a:schemeClr val="tx1"/>
+          </a:fontRef>
+        </p:style>
+      </p:cxnSp>
+      <p:cxnSp>
+        <p:nvCxnSpPr>
+          <p:cNvPr id="26" name="Straight Connector 25">
+            <a:extLst>
+              <a:ext uri="{FF2B5EF4-FFF2-40B4-BE49-F238E27FC236}">
+                <a16:creationId xmlns:a16="http://schemas.microsoft.com/office/drawing/2014/main" id="{E237427C-908D-424B-AC7B-44A935386064}"/>
+              </a:ext>
+            </a:extLst>
+          </p:cNvPr>
+          <p:cNvCxnSpPr/>
+          <p:nvPr/>
+        </p:nvCxnSpPr>
+        <p:spPr>
+          <a:xfrm>
+            <a:off x="8037044" y="861256"/>
+            <a:ext cx="58723" cy="5850173"/>
+          </a:xfrm>
+          <a:prstGeom prst="line">
+            <a:avLst/>
+          </a:prstGeom>
+          <a:ln>
+            <a:solidFill>
+              <a:schemeClr val="bg1">
+                <a:lumMod val="50000"/>
+              </a:schemeClr>
+            </a:solidFill>
+            <a:prstDash val="lgDashDot"/>
+          </a:ln>
+        </p:spPr>
+        <p:style>
+          <a:lnRef idx="1">
+            <a:schemeClr val="accent1"/>
+          </a:lnRef>
+          <a:fillRef idx="0">
+            <a:schemeClr val="accent1"/>
+          </a:fillRef>
+          <a:effectRef idx="0">
+            <a:schemeClr val="accent1"/>
+          </a:effectRef>
+          <a:fontRef idx="minor">
+            <a:schemeClr val="tx1"/>
+          </a:fontRef>
+        </p:style>
+      </p:cxnSp>
+      <p:sp>
+        <p:nvSpPr>
+          <p:cNvPr id="27" name="Rectangle 26">
+            <a:extLst>
+              <a:ext uri="{FF2B5EF4-FFF2-40B4-BE49-F238E27FC236}">
+                <a16:creationId xmlns:a16="http://schemas.microsoft.com/office/drawing/2014/main" id="{3716DEF8-24E4-4B09-BE24-D013B44AB0A0}"/>
+              </a:ext>
+            </a:extLst>
+          </p:cNvPr>
+          <p:cNvSpPr/>
+          <p:nvPr/>
+        </p:nvSpPr>
+        <p:spPr>
+          <a:xfrm>
+            <a:off x="667030" y="3102478"/>
+            <a:ext cx="2922476" cy="1036986"/>
+          </a:xfrm>
+          <a:prstGeom prst="rect">
+            <a:avLst/>
+          </a:prstGeom>
+          <a:solidFill>
+            <a:srgbClr val="002060"/>
+          </a:solidFill>
+        </p:spPr>
+        <p:style>
+          <a:lnRef idx="2">
+            <a:schemeClr val="accent1">
+              <a:shade val="50000"/>
+            </a:schemeClr>
+          </a:lnRef>
+          <a:fillRef idx="1">
+            <a:schemeClr val="accent1"/>
+          </a:fillRef>
+          <a:effectRef idx="0">
+            <a:schemeClr val="accent1"/>
+          </a:effectRef>
+          <a:fontRef idx="minor">
+            <a:schemeClr val="lt1"/>
+          </a:fontRef>
+        </p:style>
+        <p:txBody>
+          <a:bodyPr rtlCol="0" anchor="ctr"/>
+          <a:lstStyle/>
+          <a:p>
+            <a:pPr algn="ctr"/>
+            <a:r>
+              <a:rPr kumimoji="0" lang="en-US" altLang="ja-JP" b="0" i="0" u="none" strike="noStrike" cap="none" normalizeH="0" baseline="0" dirty="0">
+                <a:ln>
+                  <a:noFill/>
+                </a:ln>
+                <a:solidFill>
+                  <a:schemeClr val="bg1"/>
+                </a:solidFill>
+                <a:effectLst/>
+                <a:latin typeface="Arial" panose="020B0604020202020204" pitchFamily="34" charset="0"/>
+                <a:ea typeface="DengXian" panose="02010600030101010101" pitchFamily="2" charset="-122"/>
+                <a:cs typeface="Arial" panose="020B0604020202020204" pitchFamily="34" charset="0"/>
+              </a:rPr>
+              <a:t>Conversational UI &amp; Email</a:t>
+            </a:r>
+            <a:endParaRPr kumimoji="0" lang="en-US" altLang="ja-JP" b="0" i="0" u="none" strike="noStrike" cap="none" normalizeH="0" baseline="0" dirty="0">
+              <a:ln>
+                <a:noFill/>
+              </a:ln>
+              <a:solidFill>
+                <a:schemeClr val="bg1"/>
+              </a:solidFill>
+              <a:effectLst/>
+              <a:latin typeface="Arial" panose="020B0604020202020204" pitchFamily="34" charset="0"/>
+            </a:endParaRPr>
+          </a:p>
+        </p:txBody>
+      </p:sp>
+      <p:sp>
+        <p:nvSpPr>
+          <p:cNvPr id="28" name="Rectangle 27">
+            <a:extLst>
+              <a:ext uri="{FF2B5EF4-FFF2-40B4-BE49-F238E27FC236}">
+                <a16:creationId xmlns:a16="http://schemas.microsoft.com/office/drawing/2014/main" id="{2B0A86B3-C356-420A-A818-8C3264B6A05C}"/>
+              </a:ext>
+            </a:extLst>
+          </p:cNvPr>
+          <p:cNvSpPr/>
+          <p:nvPr/>
+        </p:nvSpPr>
+        <p:spPr>
+          <a:xfrm>
+            <a:off x="4644116" y="3102478"/>
+            <a:ext cx="2903767" cy="1036986"/>
+          </a:xfrm>
+          <a:prstGeom prst="rect">
+            <a:avLst/>
+          </a:prstGeom>
+          <a:solidFill>
+            <a:srgbClr val="002060"/>
+          </a:solidFill>
+        </p:spPr>
+        <p:style>
+          <a:lnRef idx="2">
+            <a:schemeClr val="accent1">
+              <a:shade val="50000"/>
+            </a:schemeClr>
+          </a:lnRef>
+          <a:fillRef idx="1">
+            <a:schemeClr val="accent1"/>
+          </a:fillRef>
+          <a:effectRef idx="0">
+            <a:schemeClr val="accent1"/>
+          </a:effectRef>
+          <a:fontRef idx="minor">
+            <a:schemeClr val="lt1"/>
+          </a:fontRef>
+        </p:style>
+        <p:txBody>
+          <a:bodyPr rtlCol="0" anchor="ctr"/>
+          <a:lstStyle/>
+          <a:p>
+            <a:pPr algn="ctr"/>
+            <a:r>
+              <a:rPr kumimoji="0" lang="en-US" altLang="ja-JP" b="0" i="0" u="none" strike="noStrike" cap="none" normalizeH="0" baseline="0" dirty="0">
+                <a:ln>
+                  <a:noFill/>
+                </a:ln>
+                <a:solidFill>
+                  <a:schemeClr val="bg1"/>
+                </a:solidFill>
+                <a:effectLst/>
+                <a:latin typeface="Arial" panose="020B0604020202020204" pitchFamily="34" charset="0"/>
+              </a:rPr>
+              <a:t>NLB Availability Checker &amp; Amazon Recommendation Systems</a:t>
+            </a:r>
+          </a:p>
+        </p:txBody>
+      </p:sp>
+      <p:sp>
+        <p:nvSpPr>
+          <p:cNvPr id="29" name="Rectangle 28">
+            <a:extLst>
+              <a:ext uri="{FF2B5EF4-FFF2-40B4-BE49-F238E27FC236}">
+                <a16:creationId xmlns:a16="http://schemas.microsoft.com/office/drawing/2014/main" id="{D4581800-ED3C-45B7-A7FA-31C46DE532C0}"/>
+              </a:ext>
+            </a:extLst>
+          </p:cNvPr>
+          <p:cNvSpPr/>
+          <p:nvPr/>
+        </p:nvSpPr>
+        <p:spPr>
+          <a:xfrm>
+            <a:off x="8621203" y="3086874"/>
+            <a:ext cx="2903767" cy="1036986"/>
+          </a:xfrm>
+          <a:prstGeom prst="rect">
+            <a:avLst/>
+          </a:prstGeom>
+          <a:solidFill>
+            <a:srgbClr val="002060"/>
+          </a:solidFill>
+        </p:spPr>
+        <p:style>
+          <a:lnRef idx="2">
+            <a:schemeClr val="accent1">
+              <a:shade val="50000"/>
+            </a:schemeClr>
+          </a:lnRef>
+          <a:fillRef idx="1">
+            <a:schemeClr val="accent1"/>
+          </a:fillRef>
+          <a:effectRef idx="0">
+            <a:schemeClr val="accent1"/>
+          </a:effectRef>
+          <a:fontRef idx="minor">
+            <a:schemeClr val="lt1"/>
+          </a:fontRef>
+        </p:style>
+        <p:txBody>
+          <a:bodyPr rtlCol="0" anchor="ctr"/>
+          <a:lstStyle/>
+          <a:p>
+            <a:pPr algn="ctr"/>
+            <a:r>
+              <a:rPr kumimoji="0" lang="en-US" altLang="ja-JP" b="0" i="0" u="none" strike="noStrike" cap="none" normalizeH="0" baseline="0" dirty="0">
+                <a:ln>
+                  <a:noFill/>
+                </a:ln>
+                <a:solidFill>
+                  <a:schemeClr val="bg1"/>
+                </a:solidFill>
+                <a:effectLst/>
+                <a:latin typeface="Arial" panose="020B0604020202020204" pitchFamily="34" charset="0"/>
+              </a:rPr>
+              <a:t>Intelligent Title Matcher &amp; Abstract Summarizer</a:t>
+            </a:r>
+          </a:p>
+        </p:txBody>
+      </p:sp>
+      <p:sp>
+        <p:nvSpPr>
+          <p:cNvPr id="30" name="Rectangle 29">
+            <a:extLst>
+              <a:ext uri="{FF2B5EF4-FFF2-40B4-BE49-F238E27FC236}">
+                <a16:creationId xmlns:a16="http://schemas.microsoft.com/office/drawing/2014/main" id="{91BFAF68-63FA-4B7B-852A-4D9F6FACC22D}"/>
+              </a:ext>
+            </a:extLst>
+          </p:cNvPr>
+          <p:cNvSpPr/>
+          <p:nvPr/>
+        </p:nvSpPr>
+        <p:spPr>
+          <a:xfrm>
+            <a:off x="701092" y="4395020"/>
+            <a:ext cx="2915919" cy="1857983"/>
+          </a:xfrm>
+          <a:prstGeom prst="rect">
+            <a:avLst/>
+          </a:prstGeom>
+          <a:noFill/>
+          <a:ln w="25400">
+            <a:solidFill>
+              <a:srgbClr val="4285F4"/>
+            </a:solidFill>
+          </a:ln>
+        </p:spPr>
+        <p:style>
+          <a:lnRef idx="2">
+            <a:schemeClr val="accent1">
+              <a:shade val="50000"/>
+            </a:schemeClr>
+          </a:lnRef>
+          <a:fillRef idx="1">
+            <a:schemeClr val="accent1"/>
+          </a:fillRef>
+          <a:effectRef idx="0">
+            <a:schemeClr val="accent1"/>
+          </a:effectRef>
+          <a:fontRef idx="minor">
+            <a:schemeClr val="lt1"/>
+          </a:fontRef>
+        </p:style>
+        <p:txBody>
+          <a:bodyPr rtlCol="0" anchor="ctr"/>
+          <a:lstStyle/>
+          <a:p>
+            <a:pPr marL="285750" indent="-285750">
+              <a:buFont typeface="Arial" panose="020B0604020202020204" pitchFamily="34" charset="0"/>
+              <a:buChar char="•"/>
+            </a:pPr>
+            <a:r>
+              <a:rPr lang="en-SG" dirty="0">
+                <a:solidFill>
+                  <a:schemeClr val="tx1"/>
+                </a:solidFill>
+              </a:rPr>
+              <a:t>Powered by Google Assistant &amp; </a:t>
+            </a:r>
+            <a:r>
+              <a:rPr lang="en-SG" dirty="0" err="1">
+                <a:solidFill>
+                  <a:schemeClr val="tx1"/>
+                </a:solidFill>
+              </a:rPr>
+              <a:t>Dialogflow</a:t>
+            </a:r>
+            <a:endParaRPr lang="en-SG" dirty="0">
+              <a:solidFill>
+                <a:schemeClr val="tx1"/>
+              </a:solidFill>
+            </a:endParaRPr>
+          </a:p>
+          <a:p>
+            <a:pPr marL="285750" indent="-285750">
+              <a:buFont typeface="Arial" panose="020B0604020202020204" pitchFamily="34" charset="0"/>
+              <a:buChar char="•"/>
+            </a:pPr>
+            <a:r>
+              <a:rPr lang="en-SG" dirty="0">
+                <a:solidFill>
+                  <a:schemeClr val="tx1"/>
+                </a:solidFill>
+              </a:rPr>
+              <a:t>Qwerty</a:t>
+            </a:r>
+          </a:p>
+        </p:txBody>
+      </p:sp>
+      <p:sp>
+        <p:nvSpPr>
+          <p:cNvPr id="31" name="Rectangle 30">
+            <a:extLst>
+              <a:ext uri="{FF2B5EF4-FFF2-40B4-BE49-F238E27FC236}">
+                <a16:creationId xmlns:a16="http://schemas.microsoft.com/office/drawing/2014/main" id="{0872BC5F-BD41-4A94-B46D-E7EFFA0F55D7}"/>
+              </a:ext>
+            </a:extLst>
+          </p:cNvPr>
+          <p:cNvSpPr/>
+          <p:nvPr/>
+        </p:nvSpPr>
+        <p:spPr>
+          <a:xfrm>
+            <a:off x="4594015" y="4410624"/>
+            <a:ext cx="2915919" cy="1857983"/>
+          </a:xfrm>
+          <a:prstGeom prst="rect">
+            <a:avLst/>
+          </a:prstGeom>
+          <a:noFill/>
+          <a:ln w="25400">
+            <a:solidFill>
+              <a:srgbClr val="EA4335"/>
+            </a:solidFill>
+          </a:ln>
+        </p:spPr>
+        <p:style>
+          <a:lnRef idx="2">
+            <a:schemeClr val="accent1">
+              <a:shade val="50000"/>
+            </a:schemeClr>
+          </a:lnRef>
+          <a:fillRef idx="1">
+            <a:schemeClr val="accent1"/>
+          </a:fillRef>
+          <a:effectRef idx="0">
+            <a:schemeClr val="accent1"/>
+          </a:effectRef>
+          <a:fontRef idx="minor">
+            <a:schemeClr val="lt1"/>
+          </a:fontRef>
+        </p:style>
+        <p:txBody>
+          <a:bodyPr rtlCol="0" anchor="ctr"/>
+          <a:lstStyle/>
+          <a:p>
+            <a:pPr marL="285750" indent="-285750">
+              <a:buFont typeface="Arial" panose="020B0604020202020204" pitchFamily="34" charset="0"/>
+              <a:buChar char="•"/>
+            </a:pPr>
+            <a:r>
+              <a:rPr lang="en-SG" dirty="0">
+                <a:solidFill>
+                  <a:schemeClr val="tx1"/>
+                </a:solidFill>
+              </a:rPr>
+              <a:t>Powered by UI Tag</a:t>
+            </a:r>
+          </a:p>
+        </p:txBody>
+      </p:sp>
+      <p:sp>
+        <p:nvSpPr>
+          <p:cNvPr id="32" name="Rectangle 31">
+            <a:extLst>
+              <a:ext uri="{FF2B5EF4-FFF2-40B4-BE49-F238E27FC236}">
+                <a16:creationId xmlns:a16="http://schemas.microsoft.com/office/drawing/2014/main" id="{263A4C2F-3FCE-4954-87E5-2E588684D122}"/>
+              </a:ext>
+            </a:extLst>
+          </p:cNvPr>
+          <p:cNvSpPr/>
+          <p:nvPr/>
+        </p:nvSpPr>
+        <p:spPr>
+          <a:xfrm>
+            <a:off x="8615126" y="4410624"/>
+            <a:ext cx="2915919" cy="1857983"/>
+          </a:xfrm>
+          <a:prstGeom prst="rect">
+            <a:avLst/>
+          </a:prstGeom>
+          <a:noFill/>
+          <a:ln w="25400">
+            <a:solidFill>
+              <a:srgbClr val="FBBC05"/>
+            </a:solidFill>
+          </a:ln>
+        </p:spPr>
+        <p:style>
+          <a:lnRef idx="2">
+            <a:schemeClr val="accent1">
+              <a:shade val="50000"/>
+            </a:schemeClr>
+          </a:lnRef>
+          <a:fillRef idx="1">
+            <a:schemeClr val="accent1"/>
+          </a:fillRef>
+          <a:effectRef idx="0">
+            <a:schemeClr val="accent1"/>
+          </a:effectRef>
+          <a:fontRef idx="minor">
+            <a:schemeClr val="lt1"/>
+          </a:fontRef>
+        </p:style>
+        <p:txBody>
+          <a:bodyPr rtlCol="0" anchor="ctr"/>
+          <a:lstStyle/>
+          <a:p>
+            <a:pPr marL="285750" indent="-285750">
+              <a:buFont typeface="Arial" panose="020B0604020202020204" pitchFamily="34" charset="0"/>
+              <a:buChar char="•"/>
+            </a:pPr>
+            <a:r>
+              <a:rPr lang="en-SG" dirty="0">
+                <a:solidFill>
+                  <a:schemeClr val="tx1"/>
+                </a:solidFill>
+              </a:rPr>
+              <a:t>Powered by Bert </a:t>
+            </a:r>
+          </a:p>
+        </p:txBody>
+      </p:sp>
+      <p:pic>
+        <p:nvPicPr>
+          <p:cNvPr id="9" name="Picture 8">
+            <a:extLst>
+              <a:ext uri="{FF2B5EF4-FFF2-40B4-BE49-F238E27FC236}">
+                <a16:creationId xmlns:a16="http://schemas.microsoft.com/office/drawing/2014/main" id="{9E0F87DA-55CB-4B07-85D3-CD32A59E5178}"/>
+              </a:ext>
+            </a:extLst>
+          </p:cNvPr>
+          <p:cNvPicPr>
+            <a:picLocks noChangeAspect="1"/>
+          </p:cNvPicPr>
+          <p:nvPr/>
+        </p:nvPicPr>
+        <p:blipFill>
+          <a:blip r:embed="rId2"/>
+          <a:stretch>
+            <a:fillRect/>
+          </a:stretch>
+        </p:blipFill>
+        <p:spPr>
+          <a:xfrm>
+            <a:off x="640563" y="1548418"/>
+            <a:ext cx="2264130" cy="1333850"/>
+          </a:xfrm>
+          <a:prstGeom prst="rect">
+            <a:avLst/>
+          </a:prstGeom>
+        </p:spPr>
+      </p:pic>
+      <p:pic>
+        <p:nvPicPr>
+          <p:cNvPr id="36" name="Picture 2" descr="Google Assistant - Wikipedia">
+            <a:extLst>
+              <a:ext uri="{FF2B5EF4-FFF2-40B4-BE49-F238E27FC236}">
+                <a16:creationId xmlns:a16="http://schemas.microsoft.com/office/drawing/2014/main" id="{2BA0ECC8-1A81-48E9-807F-381E5C63762F}"/>
+              </a:ext>
+            </a:extLst>
+          </p:cNvPr>
+          <p:cNvPicPr>
+            <a:picLocks noChangeAspect="1" noChangeArrowheads="1"/>
+          </p:cNvPicPr>
+          <p:nvPr/>
+        </p:nvPicPr>
+        <p:blipFill>
+          <a:blip r:embed="rId3">
+            <a:extLst>
+              <a:ext uri="{28A0092B-C50C-407E-A947-70E740481C1C}">
+                <a14:useLocalDpi xmlns:a14="http://schemas.microsoft.com/office/drawing/2010/main" val="0"/>
+              </a:ext>
+            </a:extLst>
+          </a:blip>
+          <a:srcRect/>
+          <a:stretch>
+            <a:fillRect/>
+          </a:stretch>
+        </p:blipFill>
+        <p:spPr bwMode="auto">
+          <a:xfrm>
+            <a:off x="1901431" y="803072"/>
+            <a:ext cx="1703428" cy="1705067"/>
+          </a:xfrm>
+          <a:prstGeom prst="rect">
+            <a:avLst/>
+          </a:prstGeom>
+          <a:noFill/>
+          <a:extLst>
+            <a:ext uri="{909E8E84-426E-40DD-AFC4-6F175D3DCCD1}">
+              <a14:hiddenFill xmlns:a14="http://schemas.microsoft.com/office/drawing/2010/main">
+                <a:solidFill>
+                  <a:srgbClr val="FFFFFF"/>
+                </a:solidFill>
+              </a14:hiddenFill>
+            </a:ext>
+          </a:extLst>
+        </p:spPr>
+      </p:pic>
+      <p:pic>
+        <p:nvPicPr>
+          <p:cNvPr id="1026" name="Picture 2" descr="Amazon to expand to South East Asia through Singapore - KLGadgetGuy">
+            <a:extLst>
+              <a:ext uri="{FF2B5EF4-FFF2-40B4-BE49-F238E27FC236}">
+                <a16:creationId xmlns:a16="http://schemas.microsoft.com/office/drawing/2014/main" id="{10D99925-2D82-42A7-BC92-60BD91ABD7F2}"/>
+              </a:ext>
+            </a:extLst>
+          </p:cNvPr>
+          <p:cNvPicPr>
+            <a:picLocks noChangeAspect="1" noChangeArrowheads="1"/>
+          </p:cNvPicPr>
+          <p:nvPr/>
+        </p:nvPicPr>
+        <p:blipFill rotWithShape="1">
+          <a:blip r:embed="rId4">
+            <a:extLst>
+              <a:ext uri="{28A0092B-C50C-407E-A947-70E740481C1C}">
+                <a14:useLocalDpi xmlns:a14="http://schemas.microsoft.com/office/drawing/2010/main" val="0"/>
+              </a:ext>
+            </a:extLst>
+          </a:blip>
+          <a:srcRect l="7264" t="29085" r="7174" b="34689"/>
+          <a:stretch/>
+        </p:blipFill>
+        <p:spPr bwMode="auto">
+          <a:xfrm>
+            <a:off x="4659469" y="844478"/>
+            <a:ext cx="1770077" cy="749430"/>
+          </a:xfrm>
+          <a:prstGeom prst="rect">
+            <a:avLst/>
+          </a:prstGeom>
+          <a:noFill/>
+          <a:extLst>
+            <a:ext uri="{909E8E84-426E-40DD-AFC4-6F175D3DCCD1}">
+              <a14:hiddenFill xmlns:a14="http://schemas.microsoft.com/office/drawing/2010/main">
+                <a:solidFill>
+                  <a:srgbClr val="FFFFFF"/>
+                </a:solidFill>
+              </a14:hiddenFill>
+            </a:ext>
+          </a:extLst>
+        </p:spPr>
+      </p:pic>
+      <p:pic>
+        <p:nvPicPr>
+          <p:cNvPr id="1028" name="Picture 4" descr="Global Civica Office Locations Civica - induced.info">
+            <a:extLst>
+              <a:ext uri="{FF2B5EF4-FFF2-40B4-BE49-F238E27FC236}">
+                <a16:creationId xmlns:a16="http://schemas.microsoft.com/office/drawing/2014/main" id="{406ABC36-8590-4A24-AB54-21773F5013C8}"/>
+              </a:ext>
+            </a:extLst>
+          </p:cNvPr>
+          <p:cNvPicPr>
+            <a:picLocks noChangeAspect="1" noChangeArrowheads="1"/>
+          </p:cNvPicPr>
+          <p:nvPr/>
+        </p:nvPicPr>
+        <p:blipFill rotWithShape="1">
+          <a:blip r:embed="rId5">
+            <a:extLst>
+              <a:ext uri="{28A0092B-C50C-407E-A947-70E740481C1C}">
+                <a14:useLocalDpi xmlns:a14="http://schemas.microsoft.com/office/drawing/2010/main" val="0"/>
+              </a:ext>
+            </a:extLst>
+          </a:blip>
+          <a:srcRect l="12647" t="19936"/>
+          <a:stretch/>
+        </p:blipFill>
+        <p:spPr bwMode="auto">
+          <a:xfrm>
+            <a:off x="5890761" y="1333850"/>
+            <a:ext cx="1832710" cy="1425942"/>
+          </a:xfrm>
+          <a:prstGeom prst="rect">
+            <a:avLst/>
+          </a:prstGeom>
+          <a:noFill/>
+          <a:extLst>
+            <a:ext uri="{909E8E84-426E-40DD-AFC4-6F175D3DCCD1}">
+              <a14:hiddenFill xmlns:a14="http://schemas.microsoft.com/office/drawing/2010/main">
+                <a:solidFill>
+                  <a:srgbClr val="FFFFFF"/>
+                </a:solidFill>
+              </a14:hiddenFill>
+            </a:ext>
+          </a:extLst>
+        </p:spPr>
+      </p:pic>
+      <p:pic>
+        <p:nvPicPr>
+          <p:cNvPr id="1030" name="Picture 6" descr="Building a More Intelligent Enterprise">
+            <a:extLst>
+              <a:ext uri="{FF2B5EF4-FFF2-40B4-BE49-F238E27FC236}">
+                <a16:creationId xmlns:a16="http://schemas.microsoft.com/office/drawing/2014/main" id="{8B61D762-D553-41C8-BDFB-2008277CCCEA}"/>
+              </a:ext>
+            </a:extLst>
+          </p:cNvPr>
+          <p:cNvPicPr>
+            <a:picLocks noChangeAspect="1" noChangeArrowheads="1"/>
+          </p:cNvPicPr>
+          <p:nvPr/>
+        </p:nvPicPr>
+        <p:blipFill>
+          <a:blip r:embed="rId6">
+            <a:extLst>
+              <a:ext uri="{28A0092B-C50C-407E-A947-70E740481C1C}">
+                <a14:useLocalDpi xmlns:a14="http://schemas.microsoft.com/office/drawing/2010/main" val="0"/>
+              </a:ext>
+            </a:extLst>
+          </a:blip>
+          <a:srcRect/>
+          <a:stretch>
+            <a:fillRect/>
+          </a:stretch>
+        </p:blipFill>
+        <p:spPr bwMode="auto">
+          <a:xfrm>
+            <a:off x="9076850" y="767323"/>
+            <a:ext cx="1992469" cy="1992469"/>
+          </a:xfrm>
+          <a:prstGeom prst="rect">
+            <a:avLst/>
+          </a:prstGeom>
+          <a:noFill/>
+          <a:extLst>
+            <a:ext uri="{909E8E84-426E-40DD-AFC4-6F175D3DCCD1}">
+              <a14:hiddenFill xmlns:a14="http://schemas.microsoft.com/office/drawing/2010/main">
+                <a:solidFill>
+                  <a:srgbClr val="FFFFFF"/>
+                </a:solidFill>
+              </a14:hiddenFill>
+            </a:ext>
+          </a:extLst>
+        </p:spPr>
+      </p:pic>
+    </p:spTree>
+    <p:extLst>
+      <p:ext uri="{BB962C8B-B14F-4D97-AF65-F5344CB8AC3E}">
+        <p14:creationId xmlns:p14="http://schemas.microsoft.com/office/powerpoint/2010/main" val="2019296104"/>
+      </p:ext>
+    </p:extLst>
+  </p:cSld>
+  <p:clrMapOvr>
+    <a:masterClrMapping/>
+  </p:clrMapOvr>
+</p:sld>
+</file>
+
+<file path=ppt/slides/slide5.xml><?xml version="1.0" encoding="utf-8"?>
+<p:sld xmlns:a="http://schemas.openxmlformats.org/drawingml/2006/main" xmlns:r="http://schemas.openxmlformats.org/officeDocument/2006/relationships" xmlns:p="http://schemas.openxmlformats.org/presentationml/2006/main">
+  <p:cSld>
+    <p:spTree>
+      <p:nvGrpSpPr>
+        <p:cNvPr id="1" name=""/>
+        <p:cNvGrpSpPr/>
+        <p:nvPr/>
+      </p:nvGrpSpPr>
+      <p:grpSpPr>
+        <a:xfrm>
+          <a:off x="0" y="0"/>
+          <a:ext cx="0" cy="0"/>
+          <a:chOff x="0" y="0"/>
+          <a:chExt cx="0" cy="0"/>
+        </a:xfrm>
+      </p:grpSpPr>
+      <p:sp>
+        <p:nvSpPr>
+          <p:cNvPr id="24" name="TextBox 23">
+            <a:extLst>
+              <a:ext uri="{FF2B5EF4-FFF2-40B4-BE49-F238E27FC236}">
+                <a16:creationId xmlns:a16="http://schemas.microsoft.com/office/drawing/2014/main" id="{2728A82E-EB67-4925-A5D2-8F2ECE0F7D1B}"/>
+              </a:ext>
+            </a:extLst>
+          </p:cNvPr>
+          <p:cNvSpPr txBox="1"/>
+          <p:nvPr/>
+        </p:nvSpPr>
+        <p:spPr>
+          <a:xfrm>
+            <a:off x="597160" y="251927"/>
+            <a:ext cx="2551148" cy="369332"/>
+          </a:xfrm>
+          <a:prstGeom prst="rect">
+            <a:avLst/>
+          </a:prstGeom>
+          <a:noFill/>
+        </p:spPr>
+        <p:txBody>
+          <a:bodyPr wrap="none" rtlCol="0">
+            <a:spAutoFit/>
+          </a:bodyPr>
+          <a:lstStyle/>
+          <a:p>
+            <a:r>
+              <a:rPr lang="en-SG" b="1" u="sng" dirty="0" err="1"/>
+              <a:t>Converstional</a:t>
+            </a:r>
+            <a:r>
+              <a:rPr lang="en-SG" b="1" u="sng" dirty="0"/>
+              <a:t> UI &amp; Email</a:t>
+            </a:r>
+          </a:p>
+        </p:txBody>
+      </p:sp>
+    </p:spTree>
+    <p:extLst>
+      <p:ext uri="{BB962C8B-B14F-4D97-AF65-F5344CB8AC3E}">
+        <p14:creationId xmlns:p14="http://schemas.microsoft.com/office/powerpoint/2010/main" val="546075246"/>
+      </p:ext>
+    </p:extLst>
+  </p:cSld>
+  <p:clrMapOvr>
+    <a:masterClrMapping/>
+  </p:clrMapOvr>
+</p:sld>
+</file>
+
+<file path=ppt/slides/slide6.xml><?xml version="1.0" encoding="utf-8"?>
+<p:sld xmlns:a="http://schemas.openxmlformats.org/drawingml/2006/main" xmlns:r="http://schemas.openxmlformats.org/officeDocument/2006/relationships" xmlns:p="http://schemas.openxmlformats.org/presentationml/2006/main">
+  <p:cSld>
+    <p:spTree>
+      <p:nvGrpSpPr>
+        <p:cNvPr id="1" name=""/>
+        <p:cNvGrpSpPr/>
+        <p:nvPr/>
+      </p:nvGrpSpPr>
+      <p:grpSpPr>
+        <a:xfrm>
+          <a:off x="0" y="0"/>
+          <a:ext cx="0" cy="0"/>
+          <a:chOff x="0" y="0"/>
+          <a:chExt cx="0" cy="0"/>
+        </a:xfrm>
+      </p:grpSpPr>
+      <p:sp>
+        <p:nvSpPr>
+          <p:cNvPr id="24" name="TextBox 23">
+            <a:extLst>
+              <a:ext uri="{FF2B5EF4-FFF2-40B4-BE49-F238E27FC236}">
+                <a16:creationId xmlns:a16="http://schemas.microsoft.com/office/drawing/2014/main" id="{2728A82E-EB67-4925-A5D2-8F2ECE0F7D1B}"/>
+              </a:ext>
+            </a:extLst>
+          </p:cNvPr>
+          <p:cNvSpPr txBox="1"/>
+          <p:nvPr/>
+        </p:nvSpPr>
+        <p:spPr>
+          <a:xfrm>
+            <a:off x="597160" y="251927"/>
+            <a:ext cx="6012352" cy="369332"/>
+          </a:xfrm>
+          <a:prstGeom prst="rect">
+            <a:avLst/>
+          </a:prstGeom>
+          <a:noFill/>
+        </p:spPr>
+        <p:txBody>
+          <a:bodyPr wrap="none" rtlCol="0">
+            <a:spAutoFit/>
+          </a:bodyPr>
+          <a:lstStyle/>
+          <a:p>
+            <a:r>
+              <a:rPr lang="en-SG" b="1" u="sng" dirty="0"/>
+              <a:t>NLB Availability Checker &amp; Amazon Recommendation System</a:t>
+            </a:r>
+          </a:p>
+        </p:txBody>
+      </p:sp>
+    </p:spTree>
+    <p:extLst>
+      <p:ext uri="{BB962C8B-B14F-4D97-AF65-F5344CB8AC3E}">
+        <p14:creationId xmlns:p14="http://schemas.microsoft.com/office/powerpoint/2010/main" val="2484795649"/>
+      </p:ext>
+    </p:extLst>
+  </p:cSld>
+  <p:clrMapOvr>
+    <a:masterClrMapping/>
+  </p:clrMapOvr>
+</p:sld>
+</file>
+
+<file path=ppt/slides/slide7.xml><?xml version="1.0" encoding="utf-8"?>
+<p:sld xmlns:a="http://schemas.openxmlformats.org/drawingml/2006/main" xmlns:r="http://schemas.openxmlformats.org/officeDocument/2006/relationships" xmlns:p="http://schemas.openxmlformats.org/presentationml/2006/main">
+  <p:cSld>
+    <p:spTree>
+      <p:nvGrpSpPr>
+        <p:cNvPr id="1" name=""/>
+        <p:cNvGrpSpPr/>
+        <p:nvPr/>
+      </p:nvGrpSpPr>
+      <p:grpSpPr>
+        <a:xfrm>
+          <a:off x="0" y="0"/>
+          <a:ext cx="0" cy="0"/>
+          <a:chOff x="0" y="0"/>
+          <a:chExt cx="0" cy="0"/>
+        </a:xfrm>
+      </p:grpSpPr>
+      <p:sp>
+        <p:nvSpPr>
+          <p:cNvPr id="24" name="TextBox 23">
+            <a:extLst>
+              <a:ext uri="{FF2B5EF4-FFF2-40B4-BE49-F238E27FC236}">
+                <a16:creationId xmlns:a16="http://schemas.microsoft.com/office/drawing/2014/main" id="{2728A82E-EB67-4925-A5D2-8F2ECE0F7D1B}"/>
+              </a:ext>
+            </a:extLst>
+          </p:cNvPr>
+          <p:cNvSpPr txBox="1"/>
+          <p:nvPr/>
+        </p:nvSpPr>
+        <p:spPr>
+          <a:xfrm>
+            <a:off x="597160" y="251927"/>
+            <a:ext cx="4747903" cy="369332"/>
+          </a:xfrm>
+          <a:prstGeom prst="rect">
+            <a:avLst/>
+          </a:prstGeom>
+          <a:noFill/>
+        </p:spPr>
+        <p:txBody>
+          <a:bodyPr wrap="none" rtlCol="0">
+            <a:spAutoFit/>
+          </a:bodyPr>
+          <a:lstStyle/>
+          <a:p>
+            <a:r>
+              <a:rPr lang="en-SG" b="1" u="sng" dirty="0"/>
+              <a:t>Intelligent Title Matcher &amp; Abstract Summarizer</a:t>
+            </a:r>
+          </a:p>
+        </p:txBody>
+      </p:sp>
+    </p:spTree>
+    <p:extLst>
+      <p:ext uri="{BB962C8B-B14F-4D97-AF65-F5344CB8AC3E}">
+        <p14:creationId xmlns:p14="http://schemas.microsoft.com/office/powerpoint/2010/main" val="3018560542"/>
+      </p:ext>
+    </p:extLst>
+  </p:cSld>
+  <p:clrMapOvr>
+    <a:masterClrMapping/>
+  </p:clrMapOvr>
+</p:sld>
+</file>
+
 <file path=ppt/theme/theme1.xml><?xml version="1.0" encoding="utf-8"?>
 <a:theme xmlns:a="http://schemas.openxmlformats.org/drawingml/2006/main" name="Office Theme">
   <a:themeElements>

--- a/Video/ISS IPA PROJECT PRESENTATION - SYSTEM ARCHITECTURE.pptx
+++ b/Video/ISS IPA PROJECT PRESENTATION - SYSTEM ARCHITECTURE.pptx
@@ -12,6 +12,7 @@
     <p:sldId id="262" r:id="rId6"/>
     <p:sldId id="263" r:id="rId7"/>
     <p:sldId id="264" r:id="rId8"/>
+    <p:sldId id="266" r:id="rId9"/>
   </p:sldIdLst>
   <p:sldSz cx="12192000" cy="6858000"/>
   <p:notesSz cx="6858000" cy="9144000"/>
@@ -299,6 +300,2669 @@
 </pc:chgInfo>
 </file>
 
+<file path=ppt/diagrams/colors1.xml><?xml version="1.0" encoding="utf-8"?>
+<dgm:colorsDef xmlns:dgm="http://schemas.openxmlformats.org/drawingml/2006/diagram" xmlns:a="http://schemas.openxmlformats.org/drawingml/2006/main" uniqueId="urn:microsoft.com/office/officeart/2005/8/colors/accent1_2">
+  <dgm:title val=""/>
+  <dgm:desc val=""/>
+  <dgm:catLst>
+    <dgm:cat type="accent1" pri="11200"/>
+  </dgm:catLst>
+  <dgm:styleLbl name="node0">
+    <dgm:fillClrLst meth="repeat">
+      <a:schemeClr val="accent1"/>
+    </dgm:fillClrLst>
+    <dgm:linClrLst meth="repeat">
+      <a:schemeClr val="lt1"/>
+    </dgm:linClrLst>
+    <dgm:effectClrLst/>
+    <dgm:txLinClrLst/>
+    <dgm:txFillClrLst/>
+    <dgm:txEffectClrLst/>
+  </dgm:styleLbl>
+  <dgm:styleLbl name="alignNode1">
+    <dgm:fillClrLst meth="repeat">
+      <a:schemeClr val="accent1"/>
+    </dgm:fillClrLst>
+    <dgm:linClrLst meth="repeat">
+      <a:schemeClr val="accent1"/>
+    </dgm:linClrLst>
+    <dgm:effectClrLst/>
+    <dgm:txLinClrLst/>
+    <dgm:txFillClrLst/>
+    <dgm:txEffectClrLst/>
+  </dgm:styleLbl>
+  <dgm:styleLbl name="node1">
+    <dgm:fillClrLst meth="repeat">
+      <a:schemeClr val="accent1"/>
+    </dgm:fillClrLst>
+    <dgm:linClrLst meth="repeat">
+      <a:schemeClr val="lt1"/>
+    </dgm:linClrLst>
+    <dgm:effectClrLst/>
+    <dgm:txLinClrLst/>
+    <dgm:txFillClrLst/>
+    <dgm:txEffectClrLst/>
+  </dgm:styleLbl>
+  <dgm:styleLbl name="lnNode1">
+    <dgm:fillClrLst meth="repeat">
+      <a:schemeClr val="accent1"/>
+    </dgm:fillClrLst>
+    <dgm:linClrLst meth="repeat">
+      <a:schemeClr val="lt1"/>
+    </dgm:linClrLst>
+    <dgm:effectClrLst/>
+    <dgm:txLinClrLst/>
+    <dgm:txFillClrLst/>
+    <dgm:txEffectClrLst/>
+  </dgm:styleLbl>
+  <dgm:styleLbl name="vennNode1">
+    <dgm:fillClrLst meth="repeat">
+      <a:schemeClr val="accent1">
+        <a:alpha val="50000"/>
+      </a:schemeClr>
+    </dgm:fillClrLst>
+    <dgm:linClrLst meth="repeat">
+      <a:schemeClr val="lt1"/>
+    </dgm:linClrLst>
+    <dgm:effectClrLst/>
+    <dgm:txLinClrLst/>
+    <dgm:txFillClrLst/>
+    <dgm:txEffectClrLst/>
+  </dgm:styleLbl>
+  <dgm:styleLbl name="node2">
+    <dgm:fillClrLst meth="repeat">
+      <a:schemeClr val="accent1"/>
+    </dgm:fillClrLst>
+    <dgm:linClrLst meth="repeat">
+      <a:schemeClr val="lt1"/>
+    </dgm:linClrLst>
+    <dgm:effectClrLst/>
+    <dgm:txLinClrLst/>
+    <dgm:txFillClrLst/>
+    <dgm:txEffectClrLst/>
+  </dgm:styleLbl>
+  <dgm:styleLbl name="node3">
+    <dgm:fillClrLst meth="repeat">
+      <a:schemeClr val="accent1"/>
+    </dgm:fillClrLst>
+    <dgm:linClrLst meth="repeat">
+      <a:schemeClr val="lt1"/>
+    </dgm:linClrLst>
+    <dgm:effectClrLst/>
+    <dgm:txLinClrLst/>
+    <dgm:txFillClrLst/>
+    <dgm:txEffectClrLst/>
+  </dgm:styleLbl>
+  <dgm:styleLbl name="node4">
+    <dgm:fillClrLst meth="repeat">
+      <a:schemeClr val="accent1"/>
+    </dgm:fillClrLst>
+    <dgm:linClrLst meth="repeat">
+      <a:schemeClr val="lt1"/>
+    </dgm:linClrLst>
+    <dgm:effectClrLst/>
+    <dgm:txLinClrLst/>
+    <dgm:txFillClrLst/>
+    <dgm:txEffectClrLst/>
+  </dgm:styleLbl>
+  <dgm:styleLbl name="fgImgPlace1">
+    <dgm:fillClrLst meth="repeat">
+      <a:schemeClr val="accent1">
+        <a:tint val="50000"/>
+      </a:schemeClr>
+    </dgm:fillClrLst>
+    <dgm:linClrLst meth="repeat">
+      <a:schemeClr val="lt1"/>
+    </dgm:linClrLst>
+    <dgm:effectClrLst/>
+    <dgm:txLinClrLst/>
+    <dgm:txFillClrLst meth="repeat">
+      <a:schemeClr val="lt1"/>
+    </dgm:txFillClrLst>
+    <dgm:txEffectClrLst/>
+  </dgm:styleLbl>
+  <dgm:styleLbl name="alignImgPlace1">
+    <dgm:fillClrLst meth="repeat">
+      <a:schemeClr val="accent1">
+        <a:tint val="50000"/>
+      </a:schemeClr>
+    </dgm:fillClrLst>
+    <dgm:linClrLst meth="repeat">
+      <a:schemeClr val="lt1"/>
+    </dgm:linClrLst>
+    <dgm:effectClrLst/>
+    <dgm:txLinClrLst/>
+    <dgm:txFillClrLst meth="repeat">
+      <a:schemeClr val="lt1"/>
+    </dgm:txFillClrLst>
+    <dgm:txEffectClrLst/>
+  </dgm:styleLbl>
+  <dgm:styleLbl name="bgImgPlace1">
+    <dgm:fillClrLst meth="repeat">
+      <a:schemeClr val="accent1">
+        <a:tint val="50000"/>
+      </a:schemeClr>
+    </dgm:fillClrLst>
+    <dgm:linClrLst meth="repeat">
+      <a:schemeClr val="lt1"/>
+    </dgm:linClrLst>
+    <dgm:effectClrLst/>
+    <dgm:txLinClrLst/>
+    <dgm:txFillClrLst meth="repeat">
+      <a:schemeClr val="lt1"/>
+    </dgm:txFillClrLst>
+    <dgm:txEffectClrLst/>
+  </dgm:styleLbl>
+  <dgm:styleLbl name="sibTrans2D1">
+    <dgm:fillClrLst meth="repeat">
+      <a:schemeClr val="accent1">
+        <a:tint val="60000"/>
+      </a:schemeClr>
+    </dgm:fillClrLst>
+    <dgm:linClrLst meth="repeat">
+      <a:schemeClr val="accent1">
+        <a:tint val="60000"/>
+      </a:schemeClr>
+    </dgm:linClrLst>
+    <dgm:effectClrLst/>
+    <dgm:txLinClrLst/>
+    <dgm:txFillClrLst/>
+    <dgm:txEffectClrLst/>
+  </dgm:styleLbl>
+  <dgm:styleLbl name="fgSibTrans2D1">
+    <dgm:fillClrLst meth="repeat">
+      <a:schemeClr val="accent1">
+        <a:tint val="60000"/>
+      </a:schemeClr>
+    </dgm:fillClrLst>
+    <dgm:linClrLst meth="repeat">
+      <a:schemeClr val="accent1">
+        <a:tint val="60000"/>
+      </a:schemeClr>
+    </dgm:linClrLst>
+    <dgm:effectClrLst/>
+    <dgm:txLinClrLst/>
+    <dgm:txFillClrLst/>
+    <dgm:txEffectClrLst/>
+  </dgm:styleLbl>
+  <dgm:styleLbl name="bgSibTrans2D1">
+    <dgm:fillClrLst meth="repeat">
+      <a:schemeClr val="accent1">
+        <a:tint val="60000"/>
+      </a:schemeClr>
+    </dgm:fillClrLst>
+    <dgm:linClrLst meth="repeat">
+      <a:schemeClr val="accent1">
+        <a:tint val="60000"/>
+      </a:schemeClr>
+    </dgm:linClrLst>
+    <dgm:effectClrLst/>
+    <dgm:txLinClrLst/>
+    <dgm:txFillClrLst/>
+    <dgm:txEffectClrLst/>
+  </dgm:styleLbl>
+  <dgm:styleLbl name="sibTrans1D1">
+    <dgm:fillClrLst meth="repeat">
+      <a:schemeClr val="accent1"/>
+    </dgm:fillClrLst>
+    <dgm:linClrLst meth="repeat">
+      <a:schemeClr val="accent1"/>
+    </dgm:linClrLst>
+    <dgm:effectClrLst/>
+    <dgm:txLinClrLst/>
+    <dgm:txFillClrLst meth="repeat">
+      <a:schemeClr val="tx1"/>
+    </dgm:txFillClrLst>
+    <dgm:txEffectClrLst/>
+  </dgm:styleLbl>
+  <dgm:styleLbl name="callout">
+    <dgm:fillClrLst meth="repeat">
+      <a:schemeClr val="accent1"/>
+    </dgm:fillClrLst>
+    <dgm:linClrLst meth="repeat">
+      <a:schemeClr val="accent1">
+        <a:tint val="50000"/>
+      </a:schemeClr>
+    </dgm:linClrLst>
+    <dgm:effectClrLst/>
+    <dgm:txLinClrLst/>
+    <dgm:txFillClrLst meth="repeat">
+      <a:schemeClr val="tx1"/>
+    </dgm:txFillClrLst>
+    <dgm:txEffectClrLst/>
+  </dgm:styleLbl>
+  <dgm:styleLbl name="asst0">
+    <dgm:fillClrLst meth="repeat">
+      <a:schemeClr val="accent1"/>
+    </dgm:fillClrLst>
+    <dgm:linClrLst meth="repeat">
+      <a:schemeClr val="lt1"/>
+    </dgm:linClrLst>
+    <dgm:effectClrLst/>
+    <dgm:txLinClrLst/>
+    <dgm:txFillClrLst/>
+    <dgm:txEffectClrLst/>
+  </dgm:styleLbl>
+  <dgm:styleLbl name="asst1">
+    <dgm:fillClrLst meth="repeat">
+      <a:schemeClr val="accent1"/>
+    </dgm:fillClrLst>
+    <dgm:linClrLst meth="repeat">
+      <a:schemeClr val="lt1"/>
+    </dgm:linClrLst>
+    <dgm:effectClrLst/>
+    <dgm:txLinClrLst/>
+    <dgm:txFillClrLst/>
+    <dgm:txEffectClrLst/>
+  </dgm:styleLbl>
+  <dgm:styleLbl name="asst2">
+    <dgm:fillClrLst meth="repeat">
+      <a:schemeClr val="accent1"/>
+    </dgm:fillClrLst>
+    <dgm:linClrLst meth="repeat">
+      <a:schemeClr val="lt1"/>
+    </dgm:linClrLst>
+    <dgm:effectClrLst/>
+    <dgm:txLinClrLst/>
+    <dgm:txFillClrLst/>
+    <dgm:txEffectClrLst/>
+  </dgm:styleLbl>
+  <dgm:styleLbl name="asst3">
+    <dgm:fillClrLst meth="repeat">
+      <a:schemeClr val="accent1"/>
+    </dgm:fillClrLst>
+    <dgm:linClrLst meth="repeat">
+      <a:schemeClr val="lt1"/>
+    </dgm:linClrLst>
+    <dgm:effectClrLst/>
+    <dgm:txLinClrLst/>
+    <dgm:txFillClrLst/>
+    <dgm:txEffectClrLst/>
+  </dgm:styleLbl>
+  <dgm:styleLbl name="asst4">
+    <dgm:fillClrLst meth="repeat">
+      <a:schemeClr val="accent1"/>
+    </dgm:fillClrLst>
+    <dgm:linClrLst meth="repeat">
+      <a:schemeClr val="lt1"/>
+    </dgm:linClrLst>
+    <dgm:effectClrLst/>
+    <dgm:txLinClrLst/>
+    <dgm:txFillClrLst/>
+    <dgm:txEffectClrLst/>
+  </dgm:styleLbl>
+  <dgm:styleLbl name="parChTrans2D1">
+    <dgm:fillClrLst meth="repeat">
+      <a:schemeClr val="accent1">
+        <a:tint val="60000"/>
+      </a:schemeClr>
+    </dgm:fillClrLst>
+    <dgm:linClrLst meth="repeat">
+      <a:schemeClr val="accent1">
+        <a:tint val="60000"/>
+      </a:schemeClr>
+    </dgm:linClrLst>
+    <dgm:effectClrLst/>
+    <dgm:txLinClrLst/>
+    <dgm:txFillClrLst meth="repeat">
+      <a:schemeClr val="lt1"/>
+    </dgm:txFillClrLst>
+    <dgm:txEffectClrLst/>
+  </dgm:styleLbl>
+  <dgm:styleLbl name="parChTrans2D2">
+    <dgm:fillClrLst meth="repeat">
+      <a:schemeClr val="accent1"/>
+    </dgm:fillClrLst>
+    <dgm:linClrLst meth="repeat">
+      <a:schemeClr val="accent1"/>
+    </dgm:linClrLst>
+    <dgm:effectClrLst/>
+    <dgm:txLinClrLst/>
+    <dgm:txFillClrLst meth="repeat">
+      <a:schemeClr val="lt1"/>
+    </dgm:txFillClrLst>
+    <dgm:txEffectClrLst/>
+  </dgm:styleLbl>
+  <dgm:styleLbl name="parChTrans2D3">
+    <dgm:fillClrLst meth="repeat">
+      <a:schemeClr val="accent1"/>
+    </dgm:fillClrLst>
+    <dgm:linClrLst meth="repeat">
+      <a:schemeClr val="accent1"/>
+    </dgm:linClrLst>
+    <dgm:effectClrLst/>
+    <dgm:txLinClrLst/>
+    <dgm:txFillClrLst meth="repeat">
+      <a:schemeClr val="lt1"/>
+    </dgm:txFillClrLst>
+    <dgm:txEffectClrLst/>
+  </dgm:styleLbl>
+  <dgm:styleLbl name="parChTrans2D4">
+    <dgm:fillClrLst meth="repeat">
+      <a:schemeClr val="accent1"/>
+    </dgm:fillClrLst>
+    <dgm:linClrLst meth="repeat">
+      <a:schemeClr val="accent1"/>
+    </dgm:linClrLst>
+    <dgm:effectClrLst/>
+    <dgm:txLinClrLst/>
+    <dgm:txFillClrLst meth="repeat">
+      <a:schemeClr val="lt1"/>
+    </dgm:txFillClrLst>
+    <dgm:txEffectClrLst/>
+  </dgm:styleLbl>
+  <dgm:styleLbl name="parChTrans1D1">
+    <dgm:fillClrLst meth="repeat">
+      <a:schemeClr val="accent1"/>
+    </dgm:fillClrLst>
+    <dgm:linClrLst meth="repeat">
+      <a:schemeClr val="accent1">
+        <a:shade val="60000"/>
+      </a:schemeClr>
+    </dgm:linClrLst>
+    <dgm:effectClrLst/>
+    <dgm:txLinClrLst/>
+    <dgm:txFillClrLst meth="repeat">
+      <a:schemeClr val="tx1"/>
+    </dgm:txFillClrLst>
+    <dgm:txEffectClrLst/>
+  </dgm:styleLbl>
+  <dgm:styleLbl name="parChTrans1D2">
+    <dgm:fillClrLst meth="repeat">
+      <a:schemeClr val="accent1"/>
+    </dgm:fillClrLst>
+    <dgm:linClrLst meth="repeat">
+      <a:schemeClr val="accent1">
+        <a:shade val="60000"/>
+      </a:schemeClr>
+    </dgm:linClrLst>
+    <dgm:effectClrLst/>
+    <dgm:txLinClrLst/>
+    <dgm:txFillClrLst meth="repeat">
+      <a:schemeClr val="tx1"/>
+    </dgm:txFillClrLst>
+    <dgm:txEffectClrLst/>
+  </dgm:styleLbl>
+  <dgm:styleLbl name="parChTrans1D3">
+    <dgm:fillClrLst meth="repeat">
+      <a:schemeClr val="accent1"/>
+    </dgm:fillClrLst>
+    <dgm:linClrLst meth="repeat">
+      <a:schemeClr val="accent1">
+        <a:shade val="80000"/>
+      </a:schemeClr>
+    </dgm:linClrLst>
+    <dgm:effectClrLst/>
+    <dgm:txLinClrLst/>
+    <dgm:txFillClrLst meth="repeat">
+      <a:schemeClr val="tx1"/>
+    </dgm:txFillClrLst>
+    <dgm:txEffectClrLst/>
+  </dgm:styleLbl>
+  <dgm:styleLbl name="parChTrans1D4">
+    <dgm:fillClrLst meth="repeat">
+      <a:schemeClr val="accent1"/>
+    </dgm:fillClrLst>
+    <dgm:linClrLst meth="repeat">
+      <a:schemeClr val="accent1">
+        <a:shade val="80000"/>
+      </a:schemeClr>
+    </dgm:linClrLst>
+    <dgm:effectClrLst/>
+    <dgm:txLinClrLst/>
+    <dgm:txFillClrLst meth="repeat">
+      <a:schemeClr val="tx1"/>
+    </dgm:txFillClrLst>
+    <dgm:txEffectClrLst/>
+  </dgm:styleLbl>
+  <dgm:styleLbl name="fgAcc1">
+    <dgm:fillClrLst meth="repeat">
+      <a:schemeClr val="lt1">
+        <a:alpha val="90000"/>
+      </a:schemeClr>
+    </dgm:fillClrLst>
+    <dgm:linClrLst meth="repeat">
+      <a:schemeClr val="accent1"/>
+    </dgm:linClrLst>
+    <dgm:effectClrLst/>
+    <dgm:txLinClrLst/>
+    <dgm:txFillClrLst meth="repeat">
+      <a:schemeClr val="dk1"/>
+    </dgm:txFillClrLst>
+    <dgm:txEffectClrLst/>
+  </dgm:styleLbl>
+  <dgm:styleLbl name="conFgAcc1">
+    <dgm:fillClrLst meth="repeat">
+      <a:schemeClr val="lt1">
+        <a:alpha val="90000"/>
+      </a:schemeClr>
+    </dgm:fillClrLst>
+    <dgm:linClrLst meth="repeat">
+      <a:schemeClr val="accent1"/>
+    </dgm:linClrLst>
+    <dgm:effectClrLst/>
+    <dgm:txLinClrLst/>
+    <dgm:txFillClrLst meth="repeat">
+      <a:schemeClr val="dk1"/>
+    </dgm:txFillClrLst>
+    <dgm:txEffectClrLst/>
+  </dgm:styleLbl>
+  <dgm:styleLbl name="alignAcc1">
+    <dgm:fillClrLst meth="repeat">
+      <a:schemeClr val="lt1">
+        <a:alpha val="90000"/>
+      </a:schemeClr>
+    </dgm:fillClrLst>
+    <dgm:linClrLst meth="repeat">
+      <a:schemeClr val="accent1"/>
+    </dgm:linClrLst>
+    <dgm:effectClrLst/>
+    <dgm:txLinClrLst/>
+    <dgm:txFillClrLst meth="repeat">
+      <a:schemeClr val="dk1"/>
+    </dgm:txFillClrLst>
+    <dgm:txEffectClrLst/>
+  </dgm:styleLbl>
+  <dgm:styleLbl name="trAlignAcc1">
+    <dgm:fillClrLst meth="repeat">
+      <a:schemeClr val="lt1">
+        <a:alpha val="40000"/>
+      </a:schemeClr>
+    </dgm:fillClrLst>
+    <dgm:linClrLst meth="repeat">
+      <a:schemeClr val="accent1"/>
+    </dgm:linClrLst>
+    <dgm:effectClrLst/>
+    <dgm:txLinClrLst/>
+    <dgm:txFillClrLst meth="repeat">
+      <a:schemeClr val="dk1"/>
+    </dgm:txFillClrLst>
+    <dgm:txEffectClrLst/>
+  </dgm:styleLbl>
+  <dgm:styleLbl name="bgAcc1">
+    <dgm:fillClrLst meth="repeat">
+      <a:schemeClr val="lt1">
+        <a:alpha val="90000"/>
+      </a:schemeClr>
+    </dgm:fillClrLst>
+    <dgm:linClrLst meth="repeat">
+      <a:schemeClr val="accent1"/>
+    </dgm:linClrLst>
+    <dgm:effectClrLst/>
+    <dgm:txLinClrLst/>
+    <dgm:txFillClrLst meth="repeat">
+      <a:schemeClr val="dk1"/>
+    </dgm:txFillClrLst>
+    <dgm:txEffectClrLst/>
+  </dgm:styleLbl>
+  <dgm:styleLbl name="solidFgAcc1">
+    <dgm:fillClrLst meth="repeat">
+      <a:schemeClr val="lt1"/>
+    </dgm:fillClrLst>
+    <dgm:linClrLst meth="repeat">
+      <a:schemeClr val="accent1"/>
+    </dgm:linClrLst>
+    <dgm:effectClrLst/>
+    <dgm:txLinClrLst/>
+    <dgm:txFillClrLst meth="repeat">
+      <a:schemeClr val="dk1"/>
+    </dgm:txFillClrLst>
+    <dgm:txEffectClrLst/>
+  </dgm:styleLbl>
+  <dgm:styleLbl name="solidAlignAcc1">
+    <dgm:fillClrLst meth="repeat">
+      <a:schemeClr val="lt1"/>
+    </dgm:fillClrLst>
+    <dgm:linClrLst meth="repeat">
+      <a:schemeClr val="accent1"/>
+    </dgm:linClrLst>
+    <dgm:effectClrLst/>
+    <dgm:txLinClrLst/>
+    <dgm:txFillClrLst meth="repeat">
+      <a:schemeClr val="dk1"/>
+    </dgm:txFillClrLst>
+    <dgm:txEffectClrLst/>
+  </dgm:styleLbl>
+  <dgm:styleLbl name="solidBgAcc1">
+    <dgm:fillClrLst meth="repeat">
+      <a:schemeClr val="lt1"/>
+    </dgm:fillClrLst>
+    <dgm:linClrLst meth="repeat">
+      <a:schemeClr val="accent1"/>
+    </dgm:linClrLst>
+    <dgm:effectClrLst/>
+    <dgm:txLinClrLst/>
+    <dgm:txFillClrLst meth="repeat">
+      <a:schemeClr val="dk1"/>
+    </dgm:txFillClrLst>
+    <dgm:txEffectClrLst/>
+  </dgm:styleLbl>
+  <dgm:styleLbl name="fgAccFollowNode1">
+    <dgm:fillClrLst meth="repeat">
+      <a:schemeClr val="accent1">
+        <a:alpha val="90000"/>
+        <a:tint val="40000"/>
+      </a:schemeClr>
+    </dgm:fillClrLst>
+    <dgm:linClrLst meth="repeat">
+      <a:schemeClr val="accent1">
+        <a:alpha val="90000"/>
+        <a:tint val="40000"/>
+      </a:schemeClr>
+    </dgm:linClrLst>
+    <dgm:effectClrLst/>
+    <dgm:txLinClrLst/>
+    <dgm:txFillClrLst meth="repeat">
+      <a:schemeClr val="dk1"/>
+    </dgm:txFillClrLst>
+    <dgm:txEffectClrLst/>
+  </dgm:styleLbl>
+  <dgm:styleLbl name="alignAccFollowNode1">
+    <dgm:fillClrLst meth="repeat">
+      <a:schemeClr val="accent1">
+        <a:alpha val="90000"/>
+        <a:tint val="40000"/>
+      </a:schemeClr>
+    </dgm:fillClrLst>
+    <dgm:linClrLst meth="repeat">
+      <a:schemeClr val="accent1">
+        <a:alpha val="90000"/>
+        <a:tint val="40000"/>
+      </a:schemeClr>
+    </dgm:linClrLst>
+    <dgm:effectClrLst/>
+    <dgm:txLinClrLst/>
+    <dgm:txFillClrLst meth="repeat">
+      <a:schemeClr val="dk1"/>
+    </dgm:txFillClrLst>
+    <dgm:txEffectClrLst/>
+  </dgm:styleLbl>
+  <dgm:styleLbl name="bgAccFollowNode1">
+    <dgm:fillClrLst meth="repeat">
+      <a:schemeClr val="accent1">
+        <a:alpha val="90000"/>
+        <a:tint val="40000"/>
+      </a:schemeClr>
+    </dgm:fillClrLst>
+    <dgm:linClrLst meth="repeat">
+      <a:schemeClr val="accent1">
+        <a:alpha val="90000"/>
+        <a:tint val="40000"/>
+      </a:schemeClr>
+    </dgm:linClrLst>
+    <dgm:effectClrLst/>
+    <dgm:txLinClrLst/>
+    <dgm:txFillClrLst meth="repeat">
+      <a:schemeClr val="dk1"/>
+    </dgm:txFillClrLst>
+    <dgm:txEffectClrLst/>
+  </dgm:styleLbl>
+  <dgm:styleLbl name="fgAcc0">
+    <dgm:fillClrLst meth="repeat">
+      <a:schemeClr val="lt1">
+        <a:alpha val="90000"/>
+      </a:schemeClr>
+    </dgm:fillClrLst>
+    <dgm:linClrLst meth="repeat">
+      <a:schemeClr val="accent1"/>
+    </dgm:linClrLst>
+    <dgm:effectClrLst/>
+    <dgm:txLinClrLst/>
+    <dgm:txFillClrLst meth="repeat">
+      <a:schemeClr val="dk1"/>
+    </dgm:txFillClrLst>
+    <dgm:txEffectClrLst/>
+  </dgm:styleLbl>
+  <dgm:styleLbl name="fgAcc2">
+    <dgm:fillClrLst meth="repeat">
+      <a:schemeClr val="lt1">
+        <a:alpha val="90000"/>
+      </a:schemeClr>
+    </dgm:fillClrLst>
+    <dgm:linClrLst meth="repeat">
+      <a:schemeClr val="accent1"/>
+    </dgm:linClrLst>
+    <dgm:effectClrLst/>
+    <dgm:txLinClrLst/>
+    <dgm:txFillClrLst meth="repeat">
+      <a:schemeClr val="dk1"/>
+    </dgm:txFillClrLst>
+    <dgm:txEffectClrLst/>
+  </dgm:styleLbl>
+  <dgm:styleLbl name="fgAcc3">
+    <dgm:fillClrLst meth="repeat">
+      <a:schemeClr val="lt1">
+        <a:alpha val="90000"/>
+      </a:schemeClr>
+    </dgm:fillClrLst>
+    <dgm:linClrLst meth="repeat">
+      <a:schemeClr val="accent1"/>
+    </dgm:linClrLst>
+    <dgm:effectClrLst/>
+    <dgm:txLinClrLst/>
+    <dgm:txFillClrLst meth="repeat">
+      <a:schemeClr val="dk1"/>
+    </dgm:txFillClrLst>
+    <dgm:txEffectClrLst/>
+  </dgm:styleLbl>
+  <dgm:styleLbl name="fgAcc4">
+    <dgm:fillClrLst meth="repeat">
+      <a:schemeClr val="lt1">
+        <a:alpha val="90000"/>
+      </a:schemeClr>
+    </dgm:fillClrLst>
+    <dgm:linClrLst meth="repeat">
+      <a:schemeClr val="accent1"/>
+    </dgm:linClrLst>
+    <dgm:effectClrLst/>
+    <dgm:txLinClrLst/>
+    <dgm:txFillClrLst meth="repeat">
+      <a:schemeClr val="dk1"/>
+    </dgm:txFillClrLst>
+    <dgm:txEffectClrLst/>
+  </dgm:styleLbl>
+  <dgm:styleLbl name="bgShp">
+    <dgm:fillClrLst meth="repeat">
+      <a:schemeClr val="accent1">
+        <a:tint val="40000"/>
+      </a:schemeClr>
+    </dgm:fillClrLst>
+    <dgm:linClrLst meth="repeat">
+      <a:schemeClr val="accent1"/>
+    </dgm:linClrLst>
+    <dgm:effectClrLst/>
+    <dgm:txLinClrLst/>
+    <dgm:txFillClrLst meth="repeat">
+      <a:schemeClr val="dk1"/>
+    </dgm:txFillClrLst>
+    <dgm:txEffectClrLst/>
+  </dgm:styleLbl>
+  <dgm:styleLbl name="dkBgShp">
+    <dgm:fillClrLst meth="repeat">
+      <a:schemeClr val="accent1">
+        <a:shade val="80000"/>
+      </a:schemeClr>
+    </dgm:fillClrLst>
+    <dgm:linClrLst meth="repeat">
+      <a:schemeClr val="accent1"/>
+    </dgm:linClrLst>
+    <dgm:effectClrLst/>
+    <dgm:txLinClrLst/>
+    <dgm:txFillClrLst meth="repeat">
+      <a:schemeClr val="lt1"/>
+    </dgm:txFillClrLst>
+    <dgm:txEffectClrLst/>
+  </dgm:styleLbl>
+  <dgm:styleLbl name="trBgShp">
+    <dgm:fillClrLst meth="repeat">
+      <a:schemeClr val="accent1">
+        <a:tint val="50000"/>
+        <a:alpha val="40000"/>
+      </a:schemeClr>
+    </dgm:fillClrLst>
+    <dgm:linClrLst meth="repeat">
+      <a:schemeClr val="accent1"/>
+    </dgm:linClrLst>
+    <dgm:effectClrLst/>
+    <dgm:txLinClrLst/>
+    <dgm:txFillClrLst meth="repeat">
+      <a:schemeClr val="lt1"/>
+    </dgm:txFillClrLst>
+    <dgm:txEffectClrLst/>
+  </dgm:styleLbl>
+  <dgm:styleLbl name="fgShp">
+    <dgm:fillClrLst meth="repeat">
+      <a:schemeClr val="accent1">
+        <a:tint val="60000"/>
+      </a:schemeClr>
+    </dgm:fillClrLst>
+    <dgm:linClrLst meth="repeat">
+      <a:schemeClr val="lt1"/>
+    </dgm:linClrLst>
+    <dgm:effectClrLst/>
+    <dgm:txLinClrLst/>
+    <dgm:txFillClrLst meth="repeat">
+      <a:schemeClr val="dk1"/>
+    </dgm:txFillClrLst>
+    <dgm:txEffectClrLst/>
+  </dgm:styleLbl>
+  <dgm:styleLbl name="revTx">
+    <dgm:fillClrLst meth="repeat">
+      <a:schemeClr val="lt1">
+        <a:alpha val="0"/>
+      </a:schemeClr>
+    </dgm:fillClrLst>
+    <dgm:linClrLst meth="repeat">
+      <a:schemeClr val="dk1">
+        <a:alpha val="0"/>
+      </a:schemeClr>
+    </dgm:linClrLst>
+    <dgm:effectClrLst/>
+    <dgm:txLinClrLst/>
+    <dgm:txFillClrLst meth="repeat">
+      <a:schemeClr val="tx1"/>
+    </dgm:txFillClrLst>
+    <dgm:txEffectClrLst/>
+  </dgm:styleLbl>
+</dgm:colorsDef>
+</file>
+
+<file path=ppt/diagrams/data1.xml><?xml version="1.0" encoding="utf-8"?>
+<dgm:dataModel xmlns:dgm="http://schemas.openxmlformats.org/drawingml/2006/diagram" xmlns:a="http://schemas.openxmlformats.org/drawingml/2006/main">
+  <dgm:ptLst>
+    <dgm:pt modelId="{7F6912D0-70EF-4681-B5BA-6D45C0FC1937}" type="doc">
+      <dgm:prSet loTypeId="urn:microsoft.com/office/officeart/2005/8/layout/cycle7" loCatId="cycle" qsTypeId="urn:microsoft.com/office/officeart/2005/8/quickstyle/simple2" qsCatId="simple" csTypeId="urn:microsoft.com/office/officeart/2005/8/colors/accent1_2" csCatId="accent1" phldr="1"/>
+      <dgm:spPr/>
+      <dgm:t>
+        <a:bodyPr/>
+        <a:lstStyle/>
+        <a:p>
+          <a:endParaRPr lang="en-GB"/>
+        </a:p>
+      </dgm:t>
+    </dgm:pt>
+    <dgm:pt modelId="{9CBE2E0E-7EE2-482A-B5EC-3C69EF07B59B}">
+      <dgm:prSet phldrT="[Text]"/>
+      <dgm:spPr>
+        <a:solidFill>
+          <a:srgbClr val="002060"/>
+        </a:solidFill>
+      </dgm:spPr>
+      <dgm:t>
+        <a:bodyPr/>
+        <a:lstStyle/>
+        <a:p>
+          <a:r>
+            <a:rPr lang="en-US" dirty="0"/>
+            <a:t>NLB Availability Checker</a:t>
+          </a:r>
+          <a:endParaRPr lang="en-GB" dirty="0"/>
+        </a:p>
+      </dgm:t>
+    </dgm:pt>
+    <dgm:pt modelId="{A5084073-7551-4B73-9C9B-AF9A19208FE7}" type="parTrans" cxnId="{1E8E5253-A376-41D7-A2DC-79807036DDBA}">
+      <dgm:prSet/>
+      <dgm:spPr/>
+      <dgm:t>
+        <a:bodyPr/>
+        <a:lstStyle/>
+        <a:p>
+          <a:endParaRPr lang="en-GB"/>
+        </a:p>
+      </dgm:t>
+    </dgm:pt>
+    <dgm:pt modelId="{7D57B14D-DB53-4643-87A9-B931BB6B5D7C}" type="sibTrans" cxnId="{1E8E5253-A376-41D7-A2DC-79807036DDBA}">
+      <dgm:prSet/>
+      <dgm:spPr>
+        <a:solidFill>
+          <a:srgbClr val="00B0F0"/>
+        </a:solidFill>
+        <a:ln>
+          <a:solidFill>
+            <a:schemeClr val="tx1"/>
+          </a:solidFill>
+        </a:ln>
+      </dgm:spPr>
+      <dgm:t>
+        <a:bodyPr/>
+        <a:lstStyle/>
+        <a:p>
+          <a:endParaRPr lang="en-GB"/>
+        </a:p>
+      </dgm:t>
+    </dgm:pt>
+    <dgm:pt modelId="{6BC7B54A-CA0E-494A-80EF-D34369007173}">
+      <dgm:prSet phldrT="[Text]"/>
+      <dgm:spPr>
+        <a:solidFill>
+          <a:srgbClr val="002060"/>
+        </a:solidFill>
+      </dgm:spPr>
+      <dgm:t>
+        <a:bodyPr/>
+        <a:lstStyle/>
+        <a:p>
+          <a:r>
+            <a:rPr lang="en-US" dirty="0"/>
+            <a:t>Intelligent Title Matcher and Abstract Summary</a:t>
+          </a:r>
+          <a:endParaRPr lang="en-GB" dirty="0"/>
+        </a:p>
+      </dgm:t>
+    </dgm:pt>
+    <dgm:pt modelId="{C71F379E-6216-4F87-BB1B-073F863612BD}" type="parTrans" cxnId="{F7E1B1CF-6956-4361-8EC3-A63959FADA59}">
+      <dgm:prSet/>
+      <dgm:spPr/>
+      <dgm:t>
+        <a:bodyPr/>
+        <a:lstStyle/>
+        <a:p>
+          <a:endParaRPr lang="en-GB"/>
+        </a:p>
+      </dgm:t>
+    </dgm:pt>
+    <dgm:pt modelId="{EDF74137-28FD-40C0-AE20-8267EB85F3EA}" type="sibTrans" cxnId="{F7E1B1CF-6956-4361-8EC3-A63959FADA59}">
+      <dgm:prSet/>
+      <dgm:spPr>
+        <a:solidFill>
+          <a:srgbClr val="00B0F0"/>
+        </a:solidFill>
+        <a:ln>
+          <a:solidFill>
+            <a:schemeClr val="tx1"/>
+          </a:solidFill>
+        </a:ln>
+      </dgm:spPr>
+      <dgm:t>
+        <a:bodyPr/>
+        <a:lstStyle/>
+        <a:p>
+          <a:endParaRPr lang="en-GB"/>
+        </a:p>
+      </dgm:t>
+    </dgm:pt>
+    <dgm:pt modelId="{E4D46893-99B7-4C8F-80BD-D32F867265F6}">
+      <dgm:prSet phldrT="[Text]"/>
+      <dgm:spPr>
+        <a:solidFill>
+          <a:srgbClr val="002060"/>
+        </a:solidFill>
+      </dgm:spPr>
+      <dgm:t>
+        <a:bodyPr/>
+        <a:lstStyle/>
+        <a:p>
+          <a:r>
+            <a:rPr lang="en-US" dirty="0"/>
+            <a:t>Amazon Recommendation System</a:t>
+          </a:r>
+          <a:endParaRPr lang="en-GB" dirty="0"/>
+        </a:p>
+      </dgm:t>
+    </dgm:pt>
+    <dgm:pt modelId="{FDC1A311-5742-413B-BDA1-0CCF9591EBF6}" type="parTrans" cxnId="{732AA1F8-9CD1-4D82-8711-7215D9F6F88A}">
+      <dgm:prSet/>
+      <dgm:spPr/>
+      <dgm:t>
+        <a:bodyPr/>
+        <a:lstStyle/>
+        <a:p>
+          <a:endParaRPr lang="en-GB"/>
+        </a:p>
+      </dgm:t>
+    </dgm:pt>
+    <dgm:pt modelId="{B6562DF0-32DD-4250-9D20-A2BF2EB543DC}" type="sibTrans" cxnId="{732AA1F8-9CD1-4D82-8711-7215D9F6F88A}">
+      <dgm:prSet/>
+      <dgm:spPr>
+        <a:solidFill>
+          <a:srgbClr val="00B0F0"/>
+        </a:solidFill>
+        <a:ln>
+          <a:solidFill>
+            <a:schemeClr val="tx1"/>
+          </a:solidFill>
+        </a:ln>
+      </dgm:spPr>
+      <dgm:t>
+        <a:bodyPr/>
+        <a:lstStyle/>
+        <a:p>
+          <a:endParaRPr lang="en-GB"/>
+        </a:p>
+      </dgm:t>
+    </dgm:pt>
+    <dgm:pt modelId="{61378296-D8C1-4C43-B2B5-864EE6ABFB01}" type="pres">
+      <dgm:prSet presAssocID="{7F6912D0-70EF-4681-B5BA-6D45C0FC1937}" presName="Name0" presStyleCnt="0">
+        <dgm:presLayoutVars>
+          <dgm:dir/>
+          <dgm:resizeHandles val="exact"/>
+        </dgm:presLayoutVars>
+      </dgm:prSet>
+      <dgm:spPr/>
+    </dgm:pt>
+    <dgm:pt modelId="{0AE36B6F-2109-4959-986C-43DF82C19A76}" type="pres">
+      <dgm:prSet presAssocID="{9CBE2E0E-7EE2-482A-B5EC-3C69EF07B59B}" presName="node" presStyleLbl="node1" presStyleIdx="0" presStyleCnt="3" custRadScaleRad="99525">
+        <dgm:presLayoutVars>
+          <dgm:bulletEnabled val="1"/>
+        </dgm:presLayoutVars>
+      </dgm:prSet>
+      <dgm:spPr/>
+    </dgm:pt>
+    <dgm:pt modelId="{13E5FB38-E292-4676-8D24-1F814DEA220B}" type="pres">
+      <dgm:prSet presAssocID="{7D57B14D-DB53-4643-87A9-B931BB6B5D7C}" presName="sibTrans" presStyleLbl="sibTrans2D1" presStyleIdx="0" presStyleCnt="3" custScaleX="123048" custScaleY="123531"/>
+      <dgm:spPr/>
+    </dgm:pt>
+    <dgm:pt modelId="{D9D07908-5AFE-44D6-B2B9-67783735C9BA}" type="pres">
+      <dgm:prSet presAssocID="{7D57B14D-DB53-4643-87A9-B931BB6B5D7C}" presName="connectorText" presStyleLbl="sibTrans2D1" presStyleIdx="0" presStyleCnt="3"/>
+      <dgm:spPr/>
+    </dgm:pt>
+    <dgm:pt modelId="{68B2CC35-B542-4108-AE55-BF4BBDEA6707}" type="pres">
+      <dgm:prSet presAssocID="{6BC7B54A-CA0E-494A-80EF-D34369007173}" presName="node" presStyleLbl="node1" presStyleIdx="1" presStyleCnt="3">
+        <dgm:presLayoutVars>
+          <dgm:bulletEnabled val="1"/>
+        </dgm:presLayoutVars>
+      </dgm:prSet>
+      <dgm:spPr/>
+    </dgm:pt>
+    <dgm:pt modelId="{7EC17D98-2A4D-4182-B234-CEE03AD2216F}" type="pres">
+      <dgm:prSet presAssocID="{EDF74137-28FD-40C0-AE20-8267EB85F3EA}" presName="sibTrans" presStyleLbl="sibTrans2D1" presStyleIdx="1" presStyleCnt="3" custScaleX="123048" custScaleY="123531"/>
+      <dgm:spPr/>
+    </dgm:pt>
+    <dgm:pt modelId="{4097039B-0795-4636-AF2F-6CEA7090FF8E}" type="pres">
+      <dgm:prSet presAssocID="{EDF74137-28FD-40C0-AE20-8267EB85F3EA}" presName="connectorText" presStyleLbl="sibTrans2D1" presStyleIdx="1" presStyleCnt="3"/>
+      <dgm:spPr/>
+    </dgm:pt>
+    <dgm:pt modelId="{D99BE87E-6735-4AF5-B98F-3D065A66BEE8}" type="pres">
+      <dgm:prSet presAssocID="{E4D46893-99B7-4C8F-80BD-D32F867265F6}" presName="node" presStyleLbl="node1" presStyleIdx="2" presStyleCnt="3">
+        <dgm:presLayoutVars>
+          <dgm:bulletEnabled val="1"/>
+        </dgm:presLayoutVars>
+      </dgm:prSet>
+      <dgm:spPr/>
+    </dgm:pt>
+    <dgm:pt modelId="{AE71EE6F-F10D-4639-9236-9172C773AB54}" type="pres">
+      <dgm:prSet presAssocID="{B6562DF0-32DD-4250-9D20-A2BF2EB543DC}" presName="sibTrans" presStyleLbl="sibTrans2D1" presStyleIdx="2" presStyleCnt="3" custScaleX="123048" custScaleY="123531"/>
+      <dgm:spPr/>
+    </dgm:pt>
+    <dgm:pt modelId="{DB5413F2-8EFF-4902-9EC4-92A94511D8C8}" type="pres">
+      <dgm:prSet presAssocID="{B6562DF0-32DD-4250-9D20-A2BF2EB543DC}" presName="connectorText" presStyleLbl="sibTrans2D1" presStyleIdx="2" presStyleCnt="3"/>
+      <dgm:spPr/>
+    </dgm:pt>
+  </dgm:ptLst>
+  <dgm:cxnLst>
+    <dgm:cxn modelId="{6E59B00C-C27B-4BB9-B2D5-7F5D1A0AD17E}" type="presOf" srcId="{7F6912D0-70EF-4681-B5BA-6D45C0FC1937}" destId="{61378296-D8C1-4C43-B2B5-864EE6ABFB01}" srcOrd="0" destOrd="0" presId="urn:microsoft.com/office/officeart/2005/8/layout/cycle7"/>
+    <dgm:cxn modelId="{ACB9E01E-690E-4523-A6DF-694DD34C0B7E}" type="presOf" srcId="{E4D46893-99B7-4C8F-80BD-D32F867265F6}" destId="{D99BE87E-6735-4AF5-B98F-3D065A66BEE8}" srcOrd="0" destOrd="0" presId="urn:microsoft.com/office/officeart/2005/8/layout/cycle7"/>
+    <dgm:cxn modelId="{59467744-0F9E-4BA8-9B33-486C0C834774}" type="presOf" srcId="{B6562DF0-32DD-4250-9D20-A2BF2EB543DC}" destId="{AE71EE6F-F10D-4639-9236-9172C773AB54}" srcOrd="0" destOrd="0" presId="urn:microsoft.com/office/officeart/2005/8/layout/cycle7"/>
+    <dgm:cxn modelId="{1E8E5253-A376-41D7-A2DC-79807036DDBA}" srcId="{7F6912D0-70EF-4681-B5BA-6D45C0FC1937}" destId="{9CBE2E0E-7EE2-482A-B5EC-3C69EF07B59B}" srcOrd="0" destOrd="0" parTransId="{A5084073-7551-4B73-9C9B-AF9A19208FE7}" sibTransId="{7D57B14D-DB53-4643-87A9-B931BB6B5D7C}"/>
+    <dgm:cxn modelId="{791D3481-41C2-4116-B387-0B86DFD5884C}" type="presOf" srcId="{7D57B14D-DB53-4643-87A9-B931BB6B5D7C}" destId="{D9D07908-5AFE-44D6-B2B9-67783735C9BA}" srcOrd="1" destOrd="0" presId="urn:microsoft.com/office/officeart/2005/8/layout/cycle7"/>
+    <dgm:cxn modelId="{EF585884-1F87-486D-BCD3-5F4ED4F3160B}" type="presOf" srcId="{EDF74137-28FD-40C0-AE20-8267EB85F3EA}" destId="{7EC17D98-2A4D-4182-B234-CEE03AD2216F}" srcOrd="0" destOrd="0" presId="urn:microsoft.com/office/officeart/2005/8/layout/cycle7"/>
+    <dgm:cxn modelId="{70C7D384-A15C-40CA-8372-D5E908D54A46}" type="presOf" srcId="{7D57B14D-DB53-4643-87A9-B931BB6B5D7C}" destId="{13E5FB38-E292-4676-8D24-1F814DEA220B}" srcOrd="0" destOrd="0" presId="urn:microsoft.com/office/officeart/2005/8/layout/cycle7"/>
+    <dgm:cxn modelId="{C2DB8C9A-4911-486B-A02E-871E114F3638}" type="presOf" srcId="{6BC7B54A-CA0E-494A-80EF-D34369007173}" destId="{68B2CC35-B542-4108-AE55-BF4BBDEA6707}" srcOrd="0" destOrd="0" presId="urn:microsoft.com/office/officeart/2005/8/layout/cycle7"/>
+    <dgm:cxn modelId="{AA07A5A8-AA28-4A3C-87FE-F30CF5D0E37B}" type="presOf" srcId="{9CBE2E0E-7EE2-482A-B5EC-3C69EF07B59B}" destId="{0AE36B6F-2109-4959-986C-43DF82C19A76}" srcOrd="0" destOrd="0" presId="urn:microsoft.com/office/officeart/2005/8/layout/cycle7"/>
+    <dgm:cxn modelId="{C8A599AE-5734-496F-8089-17B597B9076E}" type="presOf" srcId="{EDF74137-28FD-40C0-AE20-8267EB85F3EA}" destId="{4097039B-0795-4636-AF2F-6CEA7090FF8E}" srcOrd="1" destOrd="0" presId="urn:microsoft.com/office/officeart/2005/8/layout/cycle7"/>
+    <dgm:cxn modelId="{F7E1B1CF-6956-4361-8EC3-A63959FADA59}" srcId="{7F6912D0-70EF-4681-B5BA-6D45C0FC1937}" destId="{6BC7B54A-CA0E-494A-80EF-D34369007173}" srcOrd="1" destOrd="0" parTransId="{C71F379E-6216-4F87-BB1B-073F863612BD}" sibTransId="{EDF74137-28FD-40C0-AE20-8267EB85F3EA}"/>
+    <dgm:cxn modelId="{77E0B0DF-595D-4F53-A6E5-54D694DDB54B}" type="presOf" srcId="{B6562DF0-32DD-4250-9D20-A2BF2EB543DC}" destId="{DB5413F2-8EFF-4902-9EC4-92A94511D8C8}" srcOrd="1" destOrd="0" presId="urn:microsoft.com/office/officeart/2005/8/layout/cycle7"/>
+    <dgm:cxn modelId="{732AA1F8-9CD1-4D82-8711-7215D9F6F88A}" srcId="{7F6912D0-70EF-4681-B5BA-6D45C0FC1937}" destId="{E4D46893-99B7-4C8F-80BD-D32F867265F6}" srcOrd="2" destOrd="0" parTransId="{FDC1A311-5742-413B-BDA1-0CCF9591EBF6}" sibTransId="{B6562DF0-32DD-4250-9D20-A2BF2EB543DC}"/>
+    <dgm:cxn modelId="{831A2CB9-6C9A-4F6A-9458-04CCAE61F3EE}" type="presParOf" srcId="{61378296-D8C1-4C43-B2B5-864EE6ABFB01}" destId="{0AE36B6F-2109-4959-986C-43DF82C19A76}" srcOrd="0" destOrd="0" presId="urn:microsoft.com/office/officeart/2005/8/layout/cycle7"/>
+    <dgm:cxn modelId="{871DAC51-9FDC-431E-97B9-047875E2D31E}" type="presParOf" srcId="{61378296-D8C1-4C43-B2B5-864EE6ABFB01}" destId="{13E5FB38-E292-4676-8D24-1F814DEA220B}" srcOrd="1" destOrd="0" presId="urn:microsoft.com/office/officeart/2005/8/layout/cycle7"/>
+    <dgm:cxn modelId="{920ACFF4-DF48-47CE-BEB2-06757A3BE10F}" type="presParOf" srcId="{13E5FB38-E292-4676-8D24-1F814DEA220B}" destId="{D9D07908-5AFE-44D6-B2B9-67783735C9BA}" srcOrd="0" destOrd="0" presId="urn:microsoft.com/office/officeart/2005/8/layout/cycle7"/>
+    <dgm:cxn modelId="{0CEEA701-D1B7-4231-8BF7-E15E224ED1E6}" type="presParOf" srcId="{61378296-D8C1-4C43-B2B5-864EE6ABFB01}" destId="{68B2CC35-B542-4108-AE55-BF4BBDEA6707}" srcOrd="2" destOrd="0" presId="urn:microsoft.com/office/officeart/2005/8/layout/cycle7"/>
+    <dgm:cxn modelId="{9899F44C-4385-4F52-832D-F916A8F1071B}" type="presParOf" srcId="{61378296-D8C1-4C43-B2B5-864EE6ABFB01}" destId="{7EC17D98-2A4D-4182-B234-CEE03AD2216F}" srcOrd="3" destOrd="0" presId="urn:microsoft.com/office/officeart/2005/8/layout/cycle7"/>
+    <dgm:cxn modelId="{928C866A-3CF2-4CC4-A1A8-86C23AFDE1C0}" type="presParOf" srcId="{7EC17D98-2A4D-4182-B234-CEE03AD2216F}" destId="{4097039B-0795-4636-AF2F-6CEA7090FF8E}" srcOrd="0" destOrd="0" presId="urn:microsoft.com/office/officeart/2005/8/layout/cycle7"/>
+    <dgm:cxn modelId="{84193CCD-3BC8-4839-AD59-9EF10EFBE48D}" type="presParOf" srcId="{61378296-D8C1-4C43-B2B5-864EE6ABFB01}" destId="{D99BE87E-6735-4AF5-B98F-3D065A66BEE8}" srcOrd="4" destOrd="0" presId="urn:microsoft.com/office/officeart/2005/8/layout/cycle7"/>
+    <dgm:cxn modelId="{E1AEE229-1DD0-42EE-8637-57AB3B72E8AC}" type="presParOf" srcId="{61378296-D8C1-4C43-B2B5-864EE6ABFB01}" destId="{AE71EE6F-F10D-4639-9236-9172C773AB54}" srcOrd="5" destOrd="0" presId="urn:microsoft.com/office/officeart/2005/8/layout/cycle7"/>
+    <dgm:cxn modelId="{B44A572A-2CE8-4C7D-8A79-5C24776EBC48}" type="presParOf" srcId="{AE71EE6F-F10D-4639-9236-9172C773AB54}" destId="{DB5413F2-8EFF-4902-9EC4-92A94511D8C8}" srcOrd="0" destOrd="0" presId="urn:microsoft.com/office/officeart/2005/8/layout/cycle7"/>
+  </dgm:cxnLst>
+  <dgm:bg/>
+  <dgm:whole/>
+  <dgm:extLst>
+    <a:ext uri="http://schemas.microsoft.com/office/drawing/2008/diagram">
+      <dsp:dataModelExt xmlns:dsp="http://schemas.microsoft.com/office/drawing/2008/diagram" relId="rId6" minVer="http://schemas.openxmlformats.org/drawingml/2006/diagram"/>
+    </a:ext>
+  </dgm:extLst>
+</dgm:dataModel>
+</file>
+
+<file path=ppt/diagrams/drawing1.xml><?xml version="1.0" encoding="utf-8"?>
+<dsp:drawing xmlns:dgm="http://schemas.openxmlformats.org/drawingml/2006/diagram" xmlns:dsp="http://schemas.microsoft.com/office/drawing/2008/diagram" xmlns:a="http://schemas.openxmlformats.org/drawingml/2006/main">
+  <dsp:spTree>
+    <dsp:nvGrpSpPr>
+      <dsp:cNvPr id="0" name=""/>
+      <dsp:cNvGrpSpPr/>
+    </dsp:nvGrpSpPr>
+    <dsp:grpSpPr/>
+    <dsp:sp modelId="{0AE36B6F-2109-4959-986C-43DF82C19A76}">
+      <dsp:nvSpPr>
+        <dsp:cNvPr id="0" name=""/>
+        <dsp:cNvSpPr/>
+      </dsp:nvSpPr>
+      <dsp:spPr>
+        <a:xfrm>
+          <a:off x="1777224" y="8834"/>
+          <a:ext cx="1720558" cy="860279"/>
+        </a:xfrm>
+        <a:prstGeom prst="roundRect">
+          <a:avLst>
+            <a:gd name="adj" fmla="val 10000"/>
+          </a:avLst>
+        </a:prstGeom>
+        <a:solidFill>
+          <a:srgbClr val="002060"/>
+        </a:solidFill>
+        <a:ln w="19050" cap="flat" cmpd="sng" algn="ctr">
+          <a:solidFill>
+            <a:schemeClr val="lt1">
+              <a:hueOff val="0"/>
+              <a:satOff val="0"/>
+              <a:lumOff val="0"/>
+              <a:alphaOff val="0"/>
+            </a:schemeClr>
+          </a:solidFill>
+          <a:prstDash val="solid"/>
+          <a:miter lim="800000"/>
+        </a:ln>
+        <a:effectLst/>
+      </dsp:spPr>
+      <dsp:style>
+        <a:lnRef idx="3">
+          <a:scrgbClr r="0" g="0" b="0"/>
+        </a:lnRef>
+        <a:fillRef idx="1">
+          <a:scrgbClr r="0" g="0" b="0"/>
+        </a:fillRef>
+        <a:effectRef idx="1">
+          <a:scrgbClr r="0" g="0" b="0"/>
+        </a:effectRef>
+        <a:fontRef idx="minor">
+          <a:schemeClr val="lt1"/>
+        </a:fontRef>
+      </dsp:style>
+      <dsp:txBody>
+        <a:bodyPr spcFirstLastPara="0" vert="horz" wrap="square" lIns="60960" tIns="60960" rIns="60960" bIns="60960" numCol="1" spcCol="1270" anchor="ctr" anchorCtr="0">
+          <a:noAutofit/>
+        </a:bodyPr>
+        <a:lstStyle/>
+        <a:p>
+          <a:pPr marL="0" lvl="0" indent="0" algn="ctr" defTabSz="711200">
+            <a:lnSpc>
+              <a:spcPct val="90000"/>
+            </a:lnSpc>
+            <a:spcBef>
+              <a:spcPct val="0"/>
+            </a:spcBef>
+            <a:spcAft>
+              <a:spcPct val="35000"/>
+            </a:spcAft>
+            <a:buNone/>
+          </a:pPr>
+          <a:r>
+            <a:rPr lang="en-US" sz="1600" kern="1200" dirty="0"/>
+            <a:t>NLB Availability Checker</a:t>
+          </a:r>
+          <a:endParaRPr lang="en-GB" sz="1600" kern="1200" dirty="0"/>
+        </a:p>
+      </dsp:txBody>
+      <dsp:txXfrm>
+        <a:off x="1802421" y="34031"/>
+        <a:ext cx="1670164" cy="809885"/>
+      </dsp:txXfrm>
+    </dsp:sp>
+    <dsp:sp modelId="{13E5FB38-E292-4676-8D24-1F814DEA220B}">
+      <dsp:nvSpPr>
+        <dsp:cNvPr id="0" name=""/>
+        <dsp:cNvSpPr/>
+      </dsp:nvSpPr>
+      <dsp:spPr>
+        <a:xfrm rot="3595275">
+          <a:off x="2796083" y="1479646"/>
+          <a:ext cx="1103749" cy="371949"/>
+        </a:xfrm>
+        <a:prstGeom prst="leftRightArrow">
+          <a:avLst>
+            <a:gd name="adj1" fmla="val 60000"/>
+            <a:gd name="adj2" fmla="val 50000"/>
+          </a:avLst>
+        </a:prstGeom>
+        <a:solidFill>
+          <a:srgbClr val="00B0F0"/>
+        </a:solidFill>
+        <a:ln>
+          <a:solidFill>
+            <a:schemeClr val="tx1"/>
+          </a:solidFill>
+        </a:ln>
+        <a:effectLst/>
+      </dsp:spPr>
+      <dsp:style>
+        <a:lnRef idx="0">
+          <a:scrgbClr r="0" g="0" b="0"/>
+        </a:lnRef>
+        <a:fillRef idx="1">
+          <a:scrgbClr r="0" g="0" b="0"/>
+        </a:fillRef>
+        <a:effectRef idx="1">
+          <a:scrgbClr r="0" g="0" b="0"/>
+        </a:effectRef>
+        <a:fontRef idx="minor">
+          <a:schemeClr val="lt1"/>
+        </a:fontRef>
+      </dsp:style>
+      <dsp:txBody>
+        <a:bodyPr spcFirstLastPara="0" vert="horz" wrap="square" lIns="0" tIns="0" rIns="0" bIns="0" numCol="1" spcCol="1270" anchor="ctr" anchorCtr="0">
+          <a:noAutofit/>
+        </a:bodyPr>
+        <a:lstStyle/>
+        <a:p>
+          <a:pPr marL="0" lvl="0" indent="0" algn="ctr" defTabSz="577850">
+            <a:lnSpc>
+              <a:spcPct val="90000"/>
+            </a:lnSpc>
+            <a:spcBef>
+              <a:spcPct val="0"/>
+            </a:spcBef>
+            <a:spcAft>
+              <a:spcPct val="35000"/>
+            </a:spcAft>
+            <a:buNone/>
+          </a:pPr>
+          <a:endParaRPr lang="en-GB" sz="1300" kern="1200"/>
+        </a:p>
+      </dsp:txBody>
+      <dsp:txXfrm>
+        <a:off x="2907668" y="1554036"/>
+        <a:ext cx="880579" cy="223169"/>
+      </dsp:txXfrm>
+    </dsp:sp>
+    <dsp:sp modelId="{68B2CC35-B542-4108-AE55-BF4BBDEA6707}">
+      <dsp:nvSpPr>
+        <dsp:cNvPr id="0" name=""/>
+        <dsp:cNvSpPr/>
+      </dsp:nvSpPr>
+      <dsp:spPr>
+        <a:xfrm>
+          <a:off x="3198133" y="2462127"/>
+          <a:ext cx="1720558" cy="860279"/>
+        </a:xfrm>
+        <a:prstGeom prst="roundRect">
+          <a:avLst>
+            <a:gd name="adj" fmla="val 10000"/>
+          </a:avLst>
+        </a:prstGeom>
+        <a:solidFill>
+          <a:srgbClr val="002060"/>
+        </a:solidFill>
+        <a:ln w="19050" cap="flat" cmpd="sng" algn="ctr">
+          <a:solidFill>
+            <a:schemeClr val="lt1">
+              <a:hueOff val="0"/>
+              <a:satOff val="0"/>
+              <a:lumOff val="0"/>
+              <a:alphaOff val="0"/>
+            </a:schemeClr>
+          </a:solidFill>
+          <a:prstDash val="solid"/>
+          <a:miter lim="800000"/>
+        </a:ln>
+        <a:effectLst/>
+      </dsp:spPr>
+      <dsp:style>
+        <a:lnRef idx="3">
+          <a:scrgbClr r="0" g="0" b="0"/>
+        </a:lnRef>
+        <a:fillRef idx="1">
+          <a:scrgbClr r="0" g="0" b="0"/>
+        </a:fillRef>
+        <a:effectRef idx="1">
+          <a:scrgbClr r="0" g="0" b="0"/>
+        </a:effectRef>
+        <a:fontRef idx="minor">
+          <a:schemeClr val="lt1"/>
+        </a:fontRef>
+      </dsp:style>
+      <dsp:txBody>
+        <a:bodyPr spcFirstLastPara="0" vert="horz" wrap="square" lIns="60960" tIns="60960" rIns="60960" bIns="60960" numCol="1" spcCol="1270" anchor="ctr" anchorCtr="0">
+          <a:noAutofit/>
+        </a:bodyPr>
+        <a:lstStyle/>
+        <a:p>
+          <a:pPr marL="0" lvl="0" indent="0" algn="ctr" defTabSz="711200">
+            <a:lnSpc>
+              <a:spcPct val="90000"/>
+            </a:lnSpc>
+            <a:spcBef>
+              <a:spcPct val="0"/>
+            </a:spcBef>
+            <a:spcAft>
+              <a:spcPct val="35000"/>
+            </a:spcAft>
+            <a:buNone/>
+          </a:pPr>
+          <a:r>
+            <a:rPr lang="en-US" sz="1600" kern="1200" dirty="0"/>
+            <a:t>Intelligent Title Matcher and Abstract Summary</a:t>
+          </a:r>
+          <a:endParaRPr lang="en-GB" sz="1600" kern="1200" dirty="0"/>
+        </a:p>
+      </dsp:txBody>
+      <dsp:txXfrm>
+        <a:off x="3223330" y="2487324"/>
+        <a:ext cx="1670164" cy="809885"/>
+      </dsp:txXfrm>
+    </dsp:sp>
+    <dsp:sp modelId="{7EC17D98-2A4D-4182-B234-CEE03AD2216F}">
+      <dsp:nvSpPr>
+        <dsp:cNvPr id="0" name=""/>
+        <dsp:cNvSpPr/>
+      </dsp:nvSpPr>
+      <dsp:spPr>
+        <a:xfrm rot="10800000">
+          <a:off x="2085628" y="2706292"/>
+          <a:ext cx="1103749" cy="371949"/>
+        </a:xfrm>
+        <a:prstGeom prst="leftRightArrow">
+          <a:avLst>
+            <a:gd name="adj1" fmla="val 60000"/>
+            <a:gd name="adj2" fmla="val 50000"/>
+          </a:avLst>
+        </a:prstGeom>
+        <a:solidFill>
+          <a:srgbClr val="00B0F0"/>
+        </a:solidFill>
+        <a:ln>
+          <a:solidFill>
+            <a:schemeClr val="tx1"/>
+          </a:solidFill>
+        </a:ln>
+        <a:effectLst/>
+      </dsp:spPr>
+      <dsp:style>
+        <a:lnRef idx="0">
+          <a:scrgbClr r="0" g="0" b="0"/>
+        </a:lnRef>
+        <a:fillRef idx="1">
+          <a:scrgbClr r="0" g="0" b="0"/>
+        </a:fillRef>
+        <a:effectRef idx="1">
+          <a:scrgbClr r="0" g="0" b="0"/>
+        </a:effectRef>
+        <a:fontRef idx="minor">
+          <a:schemeClr val="lt1"/>
+        </a:fontRef>
+      </dsp:style>
+      <dsp:txBody>
+        <a:bodyPr spcFirstLastPara="0" vert="horz" wrap="square" lIns="0" tIns="0" rIns="0" bIns="0" numCol="1" spcCol="1270" anchor="ctr" anchorCtr="0">
+          <a:noAutofit/>
+        </a:bodyPr>
+        <a:lstStyle/>
+        <a:p>
+          <a:pPr marL="0" lvl="0" indent="0" algn="ctr" defTabSz="577850">
+            <a:lnSpc>
+              <a:spcPct val="90000"/>
+            </a:lnSpc>
+            <a:spcBef>
+              <a:spcPct val="0"/>
+            </a:spcBef>
+            <a:spcAft>
+              <a:spcPct val="35000"/>
+            </a:spcAft>
+            <a:buNone/>
+          </a:pPr>
+          <a:endParaRPr lang="en-GB" sz="1300" kern="1200"/>
+        </a:p>
+      </dsp:txBody>
+      <dsp:txXfrm rot="10800000">
+        <a:off x="2197213" y="2780682"/>
+        <a:ext cx="880579" cy="223169"/>
+      </dsp:txXfrm>
+    </dsp:sp>
+    <dsp:sp modelId="{D99BE87E-6735-4AF5-B98F-3D065A66BEE8}">
+      <dsp:nvSpPr>
+        <dsp:cNvPr id="0" name=""/>
+        <dsp:cNvSpPr/>
+      </dsp:nvSpPr>
+      <dsp:spPr>
+        <a:xfrm>
+          <a:off x="356315" y="2462127"/>
+          <a:ext cx="1720558" cy="860279"/>
+        </a:xfrm>
+        <a:prstGeom prst="roundRect">
+          <a:avLst>
+            <a:gd name="adj" fmla="val 10000"/>
+          </a:avLst>
+        </a:prstGeom>
+        <a:solidFill>
+          <a:srgbClr val="002060"/>
+        </a:solidFill>
+        <a:ln w="19050" cap="flat" cmpd="sng" algn="ctr">
+          <a:solidFill>
+            <a:schemeClr val="lt1">
+              <a:hueOff val="0"/>
+              <a:satOff val="0"/>
+              <a:lumOff val="0"/>
+              <a:alphaOff val="0"/>
+            </a:schemeClr>
+          </a:solidFill>
+          <a:prstDash val="solid"/>
+          <a:miter lim="800000"/>
+        </a:ln>
+        <a:effectLst/>
+      </dsp:spPr>
+      <dsp:style>
+        <a:lnRef idx="3">
+          <a:scrgbClr r="0" g="0" b="0"/>
+        </a:lnRef>
+        <a:fillRef idx="1">
+          <a:scrgbClr r="0" g="0" b="0"/>
+        </a:fillRef>
+        <a:effectRef idx="1">
+          <a:scrgbClr r="0" g="0" b="0"/>
+        </a:effectRef>
+        <a:fontRef idx="minor">
+          <a:schemeClr val="lt1"/>
+        </a:fontRef>
+      </dsp:style>
+      <dsp:txBody>
+        <a:bodyPr spcFirstLastPara="0" vert="horz" wrap="square" lIns="60960" tIns="60960" rIns="60960" bIns="60960" numCol="1" spcCol="1270" anchor="ctr" anchorCtr="0">
+          <a:noAutofit/>
+        </a:bodyPr>
+        <a:lstStyle/>
+        <a:p>
+          <a:pPr marL="0" lvl="0" indent="0" algn="ctr" defTabSz="711200">
+            <a:lnSpc>
+              <a:spcPct val="90000"/>
+            </a:lnSpc>
+            <a:spcBef>
+              <a:spcPct val="0"/>
+            </a:spcBef>
+            <a:spcAft>
+              <a:spcPct val="35000"/>
+            </a:spcAft>
+            <a:buNone/>
+          </a:pPr>
+          <a:r>
+            <a:rPr lang="en-US" sz="1600" kern="1200" dirty="0"/>
+            <a:t>Amazon Recommendation System</a:t>
+          </a:r>
+          <a:endParaRPr lang="en-GB" sz="1600" kern="1200" dirty="0"/>
+        </a:p>
+      </dsp:txBody>
+      <dsp:txXfrm>
+        <a:off x="381512" y="2487324"/>
+        <a:ext cx="1670164" cy="809885"/>
+      </dsp:txXfrm>
+    </dsp:sp>
+    <dsp:sp modelId="{AE71EE6F-F10D-4639-9236-9172C773AB54}">
+      <dsp:nvSpPr>
+        <dsp:cNvPr id="0" name=""/>
+        <dsp:cNvSpPr/>
+      </dsp:nvSpPr>
+      <dsp:spPr>
+        <a:xfrm rot="18004725">
+          <a:off x="1375174" y="1479646"/>
+          <a:ext cx="1103749" cy="371949"/>
+        </a:xfrm>
+        <a:prstGeom prst="leftRightArrow">
+          <a:avLst>
+            <a:gd name="adj1" fmla="val 60000"/>
+            <a:gd name="adj2" fmla="val 50000"/>
+          </a:avLst>
+        </a:prstGeom>
+        <a:solidFill>
+          <a:srgbClr val="00B0F0"/>
+        </a:solidFill>
+        <a:ln>
+          <a:solidFill>
+            <a:schemeClr val="tx1"/>
+          </a:solidFill>
+        </a:ln>
+        <a:effectLst/>
+      </dsp:spPr>
+      <dsp:style>
+        <a:lnRef idx="0">
+          <a:scrgbClr r="0" g="0" b="0"/>
+        </a:lnRef>
+        <a:fillRef idx="1">
+          <a:scrgbClr r="0" g="0" b="0"/>
+        </a:fillRef>
+        <a:effectRef idx="1">
+          <a:scrgbClr r="0" g="0" b="0"/>
+        </a:effectRef>
+        <a:fontRef idx="minor">
+          <a:schemeClr val="lt1"/>
+        </a:fontRef>
+      </dsp:style>
+      <dsp:txBody>
+        <a:bodyPr spcFirstLastPara="0" vert="horz" wrap="square" lIns="0" tIns="0" rIns="0" bIns="0" numCol="1" spcCol="1270" anchor="ctr" anchorCtr="0">
+          <a:noAutofit/>
+        </a:bodyPr>
+        <a:lstStyle/>
+        <a:p>
+          <a:pPr marL="0" lvl="0" indent="0" algn="ctr" defTabSz="577850">
+            <a:lnSpc>
+              <a:spcPct val="90000"/>
+            </a:lnSpc>
+            <a:spcBef>
+              <a:spcPct val="0"/>
+            </a:spcBef>
+            <a:spcAft>
+              <a:spcPct val="35000"/>
+            </a:spcAft>
+            <a:buNone/>
+          </a:pPr>
+          <a:endParaRPr lang="en-GB" sz="1300" kern="1200"/>
+        </a:p>
+      </dsp:txBody>
+      <dsp:txXfrm>
+        <a:off x="1486759" y="1554036"/>
+        <a:ext cx="880579" cy="223169"/>
+      </dsp:txXfrm>
+    </dsp:sp>
+  </dsp:spTree>
+</dsp:drawing>
+</file>
+
+<file path=ppt/diagrams/layout1.xml><?xml version="1.0" encoding="utf-8"?>
+<dgm:layoutDef xmlns:dgm="http://schemas.openxmlformats.org/drawingml/2006/diagram" xmlns:a="http://schemas.openxmlformats.org/drawingml/2006/main" uniqueId="urn:microsoft.com/office/officeart/2005/8/layout/cycle7">
+  <dgm:title val=""/>
+  <dgm:desc val=""/>
+  <dgm:catLst>
+    <dgm:cat type="cycle" pri="6000"/>
+  </dgm:catLst>
+  <dgm:sampData>
+    <dgm:dataModel>
+      <dgm:ptLst>
+        <dgm:pt modelId="0" type="doc"/>
+        <dgm:pt modelId="1">
+          <dgm:prSet phldr="1"/>
+        </dgm:pt>
+        <dgm:pt modelId="2">
+          <dgm:prSet phldr="1"/>
+        </dgm:pt>
+        <dgm:pt modelId="3">
+          <dgm:prSet phldr="1"/>
+        </dgm:pt>
+      </dgm:ptLst>
+      <dgm:cxnLst>
+        <dgm:cxn modelId="6" srcId="0" destId="1" srcOrd="0" destOrd="0"/>
+        <dgm:cxn modelId="7" srcId="0" destId="2" srcOrd="1" destOrd="0"/>
+        <dgm:cxn modelId="8" srcId="0" destId="3" srcOrd="2" destOrd="0"/>
+      </dgm:cxnLst>
+      <dgm:bg/>
+      <dgm:whole/>
+    </dgm:dataModel>
+  </dgm:sampData>
+  <dgm:styleData>
+    <dgm:dataModel>
+      <dgm:ptLst>
+        <dgm:pt modelId="0" type="doc"/>
+        <dgm:pt modelId="1"/>
+        <dgm:pt modelId="2"/>
+        <dgm:pt modelId="3"/>
+      </dgm:ptLst>
+      <dgm:cxnLst>
+        <dgm:cxn modelId="4" srcId="0" destId="1" srcOrd="0" destOrd="0"/>
+        <dgm:cxn modelId="5" srcId="0" destId="2" srcOrd="1" destOrd="0"/>
+        <dgm:cxn modelId="6" srcId="0" destId="3" srcOrd="2" destOrd="0"/>
+      </dgm:cxnLst>
+      <dgm:bg/>
+      <dgm:whole/>
+    </dgm:dataModel>
+  </dgm:styleData>
+  <dgm:clrData>
+    <dgm:dataModel>
+      <dgm:ptLst>
+        <dgm:pt modelId="0" type="doc"/>
+        <dgm:pt modelId="1"/>
+        <dgm:pt modelId="2"/>
+        <dgm:pt modelId="3"/>
+        <dgm:pt modelId="4"/>
+        <dgm:pt modelId="5"/>
+        <dgm:pt modelId="6"/>
+      </dgm:ptLst>
+      <dgm:cxnLst>
+        <dgm:cxn modelId="7" srcId="0" destId="1" srcOrd="0" destOrd="0"/>
+        <dgm:cxn modelId="8" srcId="0" destId="2" srcOrd="1" destOrd="0"/>
+        <dgm:cxn modelId="9" srcId="0" destId="3" srcOrd="2" destOrd="0"/>
+        <dgm:cxn modelId="10" srcId="0" destId="4" srcOrd="3" destOrd="0"/>
+        <dgm:cxn modelId="11" srcId="0" destId="5" srcOrd="4" destOrd="0"/>
+        <dgm:cxn modelId="12" srcId="0" destId="6" srcOrd="5" destOrd="0"/>
+      </dgm:cxnLst>
+      <dgm:bg/>
+      <dgm:whole/>
+    </dgm:dataModel>
+  </dgm:clrData>
+  <dgm:layoutNode name="Name0">
+    <dgm:varLst>
+      <dgm:dir/>
+      <dgm:resizeHandles val="exact"/>
+    </dgm:varLst>
+    <dgm:choose name="Name1">
+      <dgm:if name="Name2" func="var" arg="dir" op="equ" val="norm">
+        <dgm:alg type="cycle">
+          <dgm:param type="stAng" val="0"/>
+          <dgm:param type="spanAng" val="360"/>
+        </dgm:alg>
+      </dgm:if>
+      <dgm:else name="Name3">
+        <dgm:alg type="cycle">
+          <dgm:param type="stAng" val="0"/>
+          <dgm:param type="spanAng" val="-360"/>
+        </dgm:alg>
+      </dgm:else>
+    </dgm:choose>
+    <dgm:shape xmlns:r="http://schemas.openxmlformats.org/officeDocument/2006/relationships" r:blip="">
+      <dgm:adjLst/>
+    </dgm:shape>
+    <dgm:presOf/>
+    <dgm:constrLst>
+      <dgm:constr type="diam" refType="w"/>
+      <dgm:constr type="w" for="ch" ptType="node" refType="w"/>
+      <dgm:constr type="primFontSz" for="ch" ptType="node" op="equ" val="65"/>
+      <dgm:constr type="w" for="ch" forName="sibTrans" refType="w" refFor="ch" refPtType="node" op="equ" fact="0.35"/>
+      <dgm:constr type="connDist" for="ch" forName="sibTrans" op="equ"/>
+      <dgm:constr type="primFontSz" for="des" forName="connectorText" op="equ" val="55"/>
+      <dgm:constr type="primFontSz" for="des" forName="connectorText" refType="primFontSz" refFor="ch" refPtType="node" op="lte" fact="0.8"/>
+      <dgm:constr type="sibSp" refType="w" refFor="ch" refPtType="node" op="equ" fact="0.65"/>
+    </dgm:constrLst>
+    <dgm:ruleLst/>
+    <dgm:forEach name="nodesForEach" axis="ch" ptType="node">
+      <dgm:layoutNode name="node">
+        <dgm:varLst>
+          <dgm:bulletEnabled val="1"/>
+        </dgm:varLst>
+        <dgm:alg type="tx"/>
+        <dgm:shape xmlns:r="http://schemas.openxmlformats.org/officeDocument/2006/relationships" type="roundRect" r:blip="">
+          <dgm:adjLst>
+            <dgm:adj idx="1" val="0.1"/>
+          </dgm:adjLst>
+        </dgm:shape>
+        <dgm:presOf axis="desOrSelf" ptType="node"/>
+        <dgm:constrLst>
+          <dgm:constr type="h" refType="w" fact="0.5"/>
+          <dgm:constr type="tMarg" refType="primFontSz" fact="0.3"/>
+          <dgm:constr type="bMarg" refType="primFontSz" fact="0.3"/>
+          <dgm:constr type="lMarg" refType="primFontSz" fact="0.3"/>
+          <dgm:constr type="rMarg" refType="primFontSz" fact="0.3"/>
+        </dgm:constrLst>
+        <dgm:ruleLst>
+          <dgm:rule type="primFontSz" val="5" fact="NaN" max="NaN"/>
+        </dgm:ruleLst>
+      </dgm:layoutNode>
+      <dgm:choose name="Name4">
+        <dgm:if name="Name5" axis="par ch" ptType="doc node" func="cnt" op="gt" val="1">
+          <dgm:forEach name="sibTransForEach" axis="followSib" ptType="sibTrans" hideLastTrans="0" cnt="1">
+            <dgm:layoutNode name="sibTrans">
+              <dgm:choose name="Name6">
+                <dgm:if name="Name7" axis="par ch" ptType="doc node" func="posEven" op="equ" val="1">
+                  <dgm:alg type="conn">
+                    <dgm:param type="begPts" val="radial"/>
+                    <dgm:param type="endPts" val="radial"/>
+                    <dgm:param type="begSty" val="arr"/>
+                    <dgm:param type="endSty" val="arr"/>
+                  </dgm:alg>
+                </dgm:if>
+                <dgm:else name="Name8">
+                  <dgm:alg type="conn">
+                    <dgm:param type="begPts" val="auto"/>
+                    <dgm:param type="endPts" val="auto"/>
+                    <dgm:param type="begSty" val="arr"/>
+                    <dgm:param type="endSty" val="arr"/>
+                  </dgm:alg>
+                </dgm:else>
+              </dgm:choose>
+              <dgm:shape xmlns:r="http://schemas.openxmlformats.org/officeDocument/2006/relationships" type="conn" r:blip="">
+                <dgm:adjLst/>
+              </dgm:shape>
+              <dgm:presOf axis="self"/>
+              <dgm:constrLst>
+                <dgm:constr type="h" refType="w" fact="0.5"/>
+                <dgm:constr type="connDist"/>
+                <dgm:constr type="begPad" refType="connDist" fact="0.1"/>
+                <dgm:constr type="endPad" refType="connDist" fact="0.1"/>
+              </dgm:constrLst>
+              <dgm:ruleLst/>
+              <dgm:layoutNode name="connectorText">
+                <dgm:alg type="tx">
+                  <dgm:param type="autoTxRot" val="grav"/>
+                </dgm:alg>
+                <dgm:shape xmlns:r="http://schemas.openxmlformats.org/officeDocument/2006/relationships" type="conn" r:blip="" hideGeom="1">
+                  <dgm:adjLst/>
+                </dgm:shape>
+                <dgm:presOf axis="self"/>
+                <dgm:constrLst>
+                  <dgm:constr type="lMarg"/>
+                  <dgm:constr type="rMarg"/>
+                  <dgm:constr type="tMarg"/>
+                  <dgm:constr type="bMarg"/>
+                </dgm:constrLst>
+                <dgm:ruleLst>
+                  <dgm:rule type="primFontSz" val="5" fact="NaN" max="NaN"/>
+                </dgm:ruleLst>
+              </dgm:layoutNode>
+            </dgm:layoutNode>
+          </dgm:forEach>
+        </dgm:if>
+        <dgm:else name="Name9"/>
+      </dgm:choose>
+    </dgm:forEach>
+  </dgm:layoutNode>
+</dgm:layoutDef>
+</file>
+
+<file path=ppt/diagrams/quickStyle1.xml><?xml version="1.0" encoding="utf-8"?>
+<dgm:styleDef xmlns:dgm="http://schemas.openxmlformats.org/drawingml/2006/diagram" xmlns:a="http://schemas.openxmlformats.org/drawingml/2006/main" uniqueId="urn:microsoft.com/office/officeart/2005/8/quickstyle/simple2">
+  <dgm:title val=""/>
+  <dgm:desc val=""/>
+  <dgm:catLst>
+    <dgm:cat type="simple" pri="10200"/>
+  </dgm:catLst>
+  <dgm:scene3d>
+    <a:camera prst="orthographicFront"/>
+    <a:lightRig rig="threePt" dir="t"/>
+  </dgm:scene3d>
+  <dgm:styleLbl name="node0">
+    <dgm:scene3d>
+      <a:camera prst="orthographicFront"/>
+      <a:lightRig rig="threePt" dir="t"/>
+    </dgm:scene3d>
+    <dgm:sp3d/>
+    <dgm:txPr/>
+    <dgm:style>
+      <a:lnRef idx="3">
+        <a:scrgbClr r="0" g="0" b="0"/>
+      </a:lnRef>
+      <a:fillRef idx="1">
+        <a:scrgbClr r="0" g="0" b="0"/>
+      </a:fillRef>
+      <a:effectRef idx="1">
+        <a:scrgbClr r="0" g="0" b="0"/>
+      </a:effectRef>
+      <a:fontRef idx="minor">
+        <a:schemeClr val="lt1"/>
+      </a:fontRef>
+    </dgm:style>
+  </dgm:styleLbl>
+  <dgm:styleLbl name="lnNode1">
+    <dgm:scene3d>
+      <a:camera prst="orthographicFront"/>
+      <a:lightRig rig="threePt" dir="t"/>
+    </dgm:scene3d>
+    <dgm:sp3d/>
+    <dgm:txPr/>
+    <dgm:style>
+      <a:lnRef idx="3">
+        <a:scrgbClr r="0" g="0" b="0"/>
+      </a:lnRef>
+      <a:fillRef idx="1">
+        <a:scrgbClr r="0" g="0" b="0"/>
+      </a:fillRef>
+      <a:effectRef idx="1">
+        <a:scrgbClr r="0" g="0" b="0"/>
+      </a:effectRef>
+      <a:fontRef idx="minor">
+        <a:schemeClr val="lt1"/>
+      </a:fontRef>
+    </dgm:style>
+  </dgm:styleLbl>
+  <dgm:styleLbl name="vennNode1">
+    <dgm:scene3d>
+      <a:camera prst="orthographicFront"/>
+      <a:lightRig rig="threePt" dir="t"/>
+    </dgm:scene3d>
+    <dgm:sp3d/>
+    <dgm:txPr/>
+    <dgm:style>
+      <a:lnRef idx="3">
+        <a:scrgbClr r="0" g="0" b="0"/>
+      </a:lnRef>
+      <a:fillRef idx="1">
+        <a:scrgbClr r="0" g="0" b="0"/>
+      </a:fillRef>
+      <a:effectRef idx="0">
+        <a:scrgbClr r="0" g="0" b="0"/>
+      </a:effectRef>
+      <a:fontRef idx="minor">
+        <a:schemeClr val="tx1"/>
+      </a:fontRef>
+    </dgm:style>
+  </dgm:styleLbl>
+  <dgm:styleLbl name="alignNode1">
+    <dgm:scene3d>
+      <a:camera prst="orthographicFront"/>
+      <a:lightRig rig="threePt" dir="t"/>
+    </dgm:scene3d>
+    <dgm:sp3d/>
+    <dgm:txPr/>
+    <dgm:style>
+      <a:lnRef idx="2">
+        <a:scrgbClr r="0" g="0" b="0"/>
+      </a:lnRef>
+      <a:fillRef idx="1">
+        <a:scrgbClr r="0" g="0" b="0"/>
+      </a:fillRef>
+      <a:effectRef idx="1">
+        <a:scrgbClr r="0" g="0" b="0"/>
+      </a:effectRef>
+      <a:fontRef idx="minor">
+        <a:schemeClr val="lt1"/>
+      </a:fontRef>
+    </dgm:style>
+  </dgm:styleLbl>
+  <dgm:styleLbl name="node1">
+    <dgm:scene3d>
+      <a:camera prst="orthographicFront"/>
+      <a:lightRig rig="threePt" dir="t"/>
+    </dgm:scene3d>
+    <dgm:sp3d/>
+    <dgm:txPr/>
+    <dgm:style>
+      <a:lnRef idx="3">
+        <a:scrgbClr r="0" g="0" b="0"/>
+      </a:lnRef>
+      <a:fillRef idx="1">
+        <a:scrgbClr r="0" g="0" b="0"/>
+      </a:fillRef>
+      <a:effectRef idx="1">
+        <a:scrgbClr r="0" g="0" b="0"/>
+      </a:effectRef>
+      <a:fontRef idx="minor">
+        <a:schemeClr val="lt1"/>
+      </a:fontRef>
+    </dgm:style>
+  </dgm:styleLbl>
+  <dgm:styleLbl name="node2">
+    <dgm:scene3d>
+      <a:camera prst="orthographicFront"/>
+      <a:lightRig rig="threePt" dir="t"/>
+    </dgm:scene3d>
+    <dgm:sp3d/>
+    <dgm:txPr/>
+    <dgm:style>
+      <a:lnRef idx="3">
+        <a:scrgbClr r="0" g="0" b="0"/>
+      </a:lnRef>
+      <a:fillRef idx="1">
+        <a:scrgbClr r="0" g="0" b="0"/>
+      </a:fillRef>
+      <a:effectRef idx="1">
+        <a:scrgbClr r="0" g="0" b="0"/>
+      </a:effectRef>
+      <a:fontRef idx="minor">
+        <a:schemeClr val="lt1"/>
+      </a:fontRef>
+    </dgm:style>
+  </dgm:styleLbl>
+  <dgm:styleLbl name="node3">
+    <dgm:scene3d>
+      <a:camera prst="orthographicFront"/>
+      <a:lightRig rig="threePt" dir="t"/>
+    </dgm:scene3d>
+    <dgm:sp3d/>
+    <dgm:txPr/>
+    <dgm:style>
+      <a:lnRef idx="3">
+        <a:scrgbClr r="0" g="0" b="0"/>
+      </a:lnRef>
+      <a:fillRef idx="1">
+        <a:scrgbClr r="0" g="0" b="0"/>
+      </a:fillRef>
+      <a:effectRef idx="1">
+        <a:scrgbClr r="0" g="0" b="0"/>
+      </a:effectRef>
+      <a:fontRef idx="minor">
+        <a:schemeClr val="lt1"/>
+      </a:fontRef>
+    </dgm:style>
+  </dgm:styleLbl>
+  <dgm:styleLbl name="node4">
+    <dgm:scene3d>
+      <a:camera prst="orthographicFront"/>
+      <a:lightRig rig="threePt" dir="t"/>
+    </dgm:scene3d>
+    <dgm:sp3d/>
+    <dgm:txPr/>
+    <dgm:style>
+      <a:lnRef idx="3">
+        <a:scrgbClr r="0" g="0" b="0"/>
+      </a:lnRef>
+      <a:fillRef idx="1">
+        <a:scrgbClr r="0" g="0" b="0"/>
+      </a:fillRef>
+      <a:effectRef idx="1">
+        <a:scrgbClr r="0" g="0" b="0"/>
+      </a:effectRef>
+      <a:fontRef idx="minor">
+        <a:schemeClr val="lt1"/>
+      </a:fontRef>
+    </dgm:style>
+  </dgm:styleLbl>
+  <dgm:styleLbl name="fgImgPlace1">
+    <dgm:scene3d>
+      <a:camera prst="orthographicFront"/>
+      <a:lightRig rig="threePt" dir="t"/>
+    </dgm:scene3d>
+    <dgm:sp3d/>
+    <dgm:txPr/>
+    <dgm:style>
+      <a:lnRef idx="3">
+        <a:scrgbClr r="0" g="0" b="0"/>
+      </a:lnRef>
+      <a:fillRef idx="1">
+        <a:scrgbClr r="0" g="0" b="0"/>
+      </a:fillRef>
+      <a:effectRef idx="1">
+        <a:scrgbClr r="0" g="0" b="0"/>
+      </a:effectRef>
+      <a:fontRef idx="minor"/>
+    </dgm:style>
+  </dgm:styleLbl>
+  <dgm:styleLbl name="alignImgPlace1">
+    <dgm:scene3d>
+      <a:camera prst="orthographicFront"/>
+      <a:lightRig rig="threePt" dir="t"/>
+    </dgm:scene3d>
+    <dgm:sp3d/>
+    <dgm:txPr/>
+    <dgm:style>
+      <a:lnRef idx="3">
+        <a:scrgbClr r="0" g="0" b="0"/>
+      </a:lnRef>
+      <a:fillRef idx="1">
+        <a:scrgbClr r="0" g="0" b="0"/>
+      </a:fillRef>
+      <a:effectRef idx="1">
+        <a:scrgbClr r="0" g="0" b="0"/>
+      </a:effectRef>
+      <a:fontRef idx="minor"/>
+    </dgm:style>
+  </dgm:styleLbl>
+  <dgm:styleLbl name="bgImgPlace1">
+    <dgm:scene3d>
+      <a:camera prst="orthographicFront"/>
+      <a:lightRig rig="threePt" dir="t"/>
+    </dgm:scene3d>
+    <dgm:sp3d/>
+    <dgm:txPr/>
+    <dgm:style>
+      <a:lnRef idx="3">
+        <a:scrgbClr r="0" g="0" b="0"/>
+      </a:lnRef>
+      <a:fillRef idx="1">
+        <a:scrgbClr r="0" g="0" b="0"/>
+      </a:fillRef>
+      <a:effectRef idx="1">
+        <a:scrgbClr r="0" g="0" b="0"/>
+      </a:effectRef>
+      <a:fontRef idx="minor"/>
+    </dgm:style>
+  </dgm:styleLbl>
+  <dgm:styleLbl name="sibTrans2D1">
+    <dgm:scene3d>
+      <a:camera prst="orthographicFront"/>
+      <a:lightRig rig="threePt" dir="t"/>
+    </dgm:scene3d>
+    <dgm:sp3d/>
+    <dgm:txPr/>
+    <dgm:style>
+      <a:lnRef idx="0">
+        <a:scrgbClr r="0" g="0" b="0"/>
+      </a:lnRef>
+      <a:fillRef idx="1">
+        <a:scrgbClr r="0" g="0" b="0"/>
+      </a:fillRef>
+      <a:effectRef idx="1">
+        <a:scrgbClr r="0" g="0" b="0"/>
+      </a:effectRef>
+      <a:fontRef idx="minor">
+        <a:schemeClr val="lt1"/>
+      </a:fontRef>
+    </dgm:style>
+  </dgm:styleLbl>
+  <dgm:styleLbl name="fgSibTrans2D1">
+    <dgm:scene3d>
+      <a:camera prst="orthographicFront"/>
+      <a:lightRig rig="threePt" dir="t"/>
+    </dgm:scene3d>
+    <dgm:sp3d/>
+    <dgm:txPr/>
+    <dgm:style>
+      <a:lnRef idx="0">
+        <a:scrgbClr r="0" g="0" b="0"/>
+      </a:lnRef>
+      <a:fillRef idx="1">
+        <a:scrgbClr r="0" g="0" b="0"/>
+      </a:fillRef>
+      <a:effectRef idx="1">
+        <a:scrgbClr r="0" g="0" b="0"/>
+      </a:effectRef>
+      <a:fontRef idx="minor">
+        <a:schemeClr val="lt1"/>
+      </a:fontRef>
+    </dgm:style>
+  </dgm:styleLbl>
+  <dgm:styleLbl name="bgSibTrans2D1">
+    <dgm:scene3d>
+      <a:camera prst="orthographicFront"/>
+      <a:lightRig rig="threePt" dir="t"/>
+    </dgm:scene3d>
+    <dgm:sp3d/>
+    <dgm:txPr/>
+    <dgm:style>
+      <a:lnRef idx="0">
+        <a:scrgbClr r="0" g="0" b="0"/>
+      </a:lnRef>
+      <a:fillRef idx="1">
+        <a:scrgbClr r="0" g="0" b="0"/>
+      </a:fillRef>
+      <a:effectRef idx="1">
+        <a:scrgbClr r="0" g="0" b="0"/>
+      </a:effectRef>
+      <a:fontRef idx="minor">
+        <a:schemeClr val="lt1"/>
+      </a:fontRef>
+    </dgm:style>
+  </dgm:styleLbl>
+  <dgm:styleLbl name="sibTrans1D1">
+    <dgm:scene3d>
+      <a:camera prst="orthographicFront"/>
+      <a:lightRig rig="threePt" dir="t"/>
+    </dgm:scene3d>
+    <dgm:sp3d/>
+    <dgm:txPr/>
+    <dgm:style>
+      <a:lnRef idx="1">
+        <a:scrgbClr r="0" g="0" b="0"/>
+      </a:lnRef>
+      <a:fillRef idx="0">
+        <a:scrgbClr r="0" g="0" b="0"/>
+      </a:fillRef>
+      <a:effectRef idx="0">
+        <a:scrgbClr r="0" g="0" b="0"/>
+      </a:effectRef>
+      <a:fontRef idx="minor"/>
+    </dgm:style>
+  </dgm:styleLbl>
+  <dgm:styleLbl name="callout">
+    <dgm:scene3d>
+      <a:camera prst="orthographicFront"/>
+      <a:lightRig rig="threePt" dir="t"/>
+    </dgm:scene3d>
+    <dgm:sp3d/>
+    <dgm:txPr/>
+    <dgm:style>
+      <a:lnRef idx="2">
+        <a:scrgbClr r="0" g="0" b="0"/>
+      </a:lnRef>
+      <a:fillRef idx="1">
+        <a:scrgbClr r="0" g="0" b="0"/>
+      </a:fillRef>
+      <a:effectRef idx="1">
+        <a:scrgbClr r="0" g="0" b="0"/>
+      </a:effectRef>
+      <a:fontRef idx="minor"/>
+    </dgm:style>
+  </dgm:styleLbl>
+  <dgm:styleLbl name="asst0">
+    <dgm:scene3d>
+      <a:camera prst="orthographicFront"/>
+      <a:lightRig rig="threePt" dir="t"/>
+    </dgm:scene3d>
+    <dgm:sp3d/>
+    <dgm:txPr/>
+    <dgm:style>
+      <a:lnRef idx="3">
+        <a:scrgbClr r="0" g="0" b="0"/>
+      </a:lnRef>
+      <a:fillRef idx="1">
+        <a:scrgbClr r="0" g="0" b="0"/>
+      </a:fillRef>
+      <a:effectRef idx="1">
+        <a:scrgbClr r="0" g="0" b="0"/>
+      </a:effectRef>
+      <a:fontRef idx="minor">
+        <a:schemeClr val="lt1"/>
+      </a:fontRef>
+    </dgm:style>
+  </dgm:styleLbl>
+  <dgm:styleLbl name="asst1">
+    <dgm:scene3d>
+      <a:camera prst="orthographicFront"/>
+      <a:lightRig rig="threePt" dir="t"/>
+    </dgm:scene3d>
+    <dgm:sp3d/>
+    <dgm:txPr/>
+    <dgm:style>
+      <a:lnRef idx="3">
+        <a:scrgbClr r="0" g="0" b="0"/>
+      </a:lnRef>
+      <a:fillRef idx="1">
+        <a:scrgbClr r="0" g="0" b="0"/>
+      </a:fillRef>
+      <a:effectRef idx="1">
+        <a:scrgbClr r="0" g="0" b="0"/>
+      </a:effectRef>
+      <a:fontRef idx="minor">
+        <a:schemeClr val="lt1"/>
+      </a:fontRef>
+    </dgm:style>
+  </dgm:styleLbl>
+  <dgm:styleLbl name="asst2">
+    <dgm:scene3d>
+      <a:camera prst="orthographicFront"/>
+      <a:lightRig rig="threePt" dir="t"/>
+    </dgm:scene3d>
+    <dgm:sp3d/>
+    <dgm:txPr/>
+    <dgm:style>
+      <a:lnRef idx="3">
+        <a:scrgbClr r="0" g="0" b="0"/>
+      </a:lnRef>
+      <a:fillRef idx="1">
+        <a:scrgbClr r="0" g="0" b="0"/>
+      </a:fillRef>
+      <a:effectRef idx="1">
+        <a:scrgbClr r="0" g="0" b="0"/>
+      </a:effectRef>
+      <a:fontRef idx="minor">
+        <a:schemeClr val="lt1"/>
+      </a:fontRef>
+    </dgm:style>
+  </dgm:styleLbl>
+  <dgm:styleLbl name="asst3">
+    <dgm:scene3d>
+      <a:camera prst="orthographicFront"/>
+      <a:lightRig rig="threePt" dir="t"/>
+    </dgm:scene3d>
+    <dgm:sp3d/>
+    <dgm:txPr/>
+    <dgm:style>
+      <a:lnRef idx="3">
+        <a:scrgbClr r="0" g="0" b="0"/>
+      </a:lnRef>
+      <a:fillRef idx="1">
+        <a:scrgbClr r="0" g="0" b="0"/>
+      </a:fillRef>
+      <a:effectRef idx="1">
+        <a:scrgbClr r="0" g="0" b="0"/>
+      </a:effectRef>
+      <a:fontRef idx="minor">
+        <a:schemeClr val="lt1"/>
+      </a:fontRef>
+    </dgm:style>
+  </dgm:styleLbl>
+  <dgm:styleLbl name="asst4">
+    <dgm:scene3d>
+      <a:camera prst="orthographicFront"/>
+      <a:lightRig rig="threePt" dir="t"/>
+    </dgm:scene3d>
+    <dgm:sp3d/>
+    <dgm:txPr/>
+    <dgm:style>
+      <a:lnRef idx="3">
+        <a:scrgbClr r="0" g="0" b="0"/>
+      </a:lnRef>
+      <a:fillRef idx="1">
+        <a:scrgbClr r="0" g="0" b="0"/>
+      </a:fillRef>
+      <a:effectRef idx="1">
+        <a:scrgbClr r="0" g="0" b="0"/>
+      </a:effectRef>
+      <a:fontRef idx="minor">
+        <a:schemeClr val="lt1"/>
+      </a:fontRef>
+    </dgm:style>
+  </dgm:styleLbl>
+  <dgm:styleLbl name="parChTrans2D1">
+    <dgm:scene3d>
+      <a:camera prst="orthographicFront"/>
+      <a:lightRig rig="threePt" dir="t"/>
+    </dgm:scene3d>
+    <dgm:sp3d/>
+    <dgm:txPr/>
+    <dgm:style>
+      <a:lnRef idx="3">
+        <a:scrgbClr r="0" g="0" b="0"/>
+      </a:lnRef>
+      <a:fillRef idx="1">
+        <a:scrgbClr r="0" g="0" b="0"/>
+      </a:fillRef>
+      <a:effectRef idx="1">
+        <a:scrgbClr r="0" g="0" b="0"/>
+      </a:effectRef>
+      <a:fontRef idx="minor">
+        <a:schemeClr val="lt1"/>
+      </a:fontRef>
+    </dgm:style>
+  </dgm:styleLbl>
+  <dgm:styleLbl name="parChTrans2D2">
+    <dgm:scene3d>
+      <a:camera prst="orthographicFront"/>
+      <a:lightRig rig="threePt" dir="t"/>
+    </dgm:scene3d>
+    <dgm:sp3d/>
+    <dgm:txPr/>
+    <dgm:style>
+      <a:lnRef idx="3">
+        <a:scrgbClr r="0" g="0" b="0"/>
+      </a:lnRef>
+      <a:fillRef idx="1">
+        <a:scrgbClr r="0" g="0" b="0"/>
+      </a:fillRef>
+      <a:effectRef idx="1">
+        <a:scrgbClr r="0" g="0" b="0"/>
+      </a:effectRef>
+      <a:fontRef idx="minor">
+        <a:schemeClr val="lt1"/>
+      </a:fontRef>
+    </dgm:style>
+  </dgm:styleLbl>
+  <dgm:styleLbl name="parChTrans2D3">
+    <dgm:scene3d>
+      <a:camera prst="orthographicFront"/>
+      <a:lightRig rig="threePt" dir="t"/>
+    </dgm:scene3d>
+    <dgm:sp3d/>
+    <dgm:txPr/>
+    <dgm:style>
+      <a:lnRef idx="3">
+        <a:scrgbClr r="0" g="0" b="0"/>
+      </a:lnRef>
+      <a:fillRef idx="1">
+        <a:scrgbClr r="0" g="0" b="0"/>
+      </a:fillRef>
+      <a:effectRef idx="1">
+        <a:scrgbClr r="0" g="0" b="0"/>
+      </a:effectRef>
+      <a:fontRef idx="minor">
+        <a:schemeClr val="lt1"/>
+      </a:fontRef>
+    </dgm:style>
+  </dgm:styleLbl>
+  <dgm:styleLbl name="parChTrans2D4">
+    <dgm:scene3d>
+      <a:camera prst="orthographicFront"/>
+      <a:lightRig rig="threePt" dir="t"/>
+    </dgm:scene3d>
+    <dgm:sp3d/>
+    <dgm:txPr/>
+    <dgm:style>
+      <a:lnRef idx="3">
+        <a:scrgbClr r="0" g="0" b="0"/>
+      </a:lnRef>
+      <a:fillRef idx="1">
+        <a:scrgbClr r="0" g="0" b="0"/>
+      </a:fillRef>
+      <a:effectRef idx="1">
+        <a:scrgbClr r="0" g="0" b="0"/>
+      </a:effectRef>
+      <a:fontRef idx="minor">
+        <a:schemeClr val="lt1"/>
+      </a:fontRef>
+    </dgm:style>
+  </dgm:styleLbl>
+  <dgm:styleLbl name="parChTrans1D1">
+    <dgm:scene3d>
+      <a:camera prst="orthographicFront"/>
+      <a:lightRig rig="threePt" dir="t"/>
+    </dgm:scene3d>
+    <dgm:sp3d/>
+    <dgm:txPr/>
+    <dgm:style>
+      <a:lnRef idx="2">
+        <a:scrgbClr r="0" g="0" b="0"/>
+      </a:lnRef>
+      <a:fillRef idx="0">
+        <a:scrgbClr r="0" g="0" b="0"/>
+      </a:fillRef>
+      <a:effectRef idx="0">
+        <a:scrgbClr r="0" g="0" b="0"/>
+      </a:effectRef>
+      <a:fontRef idx="minor"/>
+    </dgm:style>
+  </dgm:styleLbl>
+  <dgm:styleLbl name="parChTrans1D2">
+    <dgm:scene3d>
+      <a:camera prst="orthographicFront"/>
+      <a:lightRig rig="threePt" dir="t"/>
+    </dgm:scene3d>
+    <dgm:sp3d/>
+    <dgm:txPr/>
+    <dgm:style>
+      <a:lnRef idx="2">
+        <a:scrgbClr r="0" g="0" b="0"/>
+      </a:lnRef>
+      <a:fillRef idx="0">
+        <a:scrgbClr r="0" g="0" b="0"/>
+      </a:fillRef>
+      <a:effectRef idx="0">
+        <a:scrgbClr r="0" g="0" b="0"/>
+      </a:effectRef>
+      <a:fontRef idx="minor"/>
+    </dgm:style>
+  </dgm:styleLbl>
+  <dgm:styleLbl name="parChTrans1D3">
+    <dgm:scene3d>
+      <a:camera prst="orthographicFront"/>
+      <a:lightRig rig="threePt" dir="t"/>
+    </dgm:scene3d>
+    <dgm:sp3d/>
+    <dgm:txPr/>
+    <dgm:style>
+      <a:lnRef idx="2">
+        <a:scrgbClr r="0" g="0" b="0"/>
+      </a:lnRef>
+      <a:fillRef idx="0">
+        <a:scrgbClr r="0" g="0" b="0"/>
+      </a:fillRef>
+      <a:effectRef idx="0">
+        <a:scrgbClr r="0" g="0" b="0"/>
+      </a:effectRef>
+      <a:fontRef idx="minor"/>
+    </dgm:style>
+  </dgm:styleLbl>
+  <dgm:styleLbl name="parChTrans1D4">
+    <dgm:scene3d>
+      <a:camera prst="orthographicFront"/>
+      <a:lightRig rig="threePt" dir="t"/>
+    </dgm:scene3d>
+    <dgm:sp3d/>
+    <dgm:txPr/>
+    <dgm:style>
+      <a:lnRef idx="2">
+        <a:scrgbClr r="0" g="0" b="0"/>
+      </a:lnRef>
+      <a:fillRef idx="0">
+        <a:scrgbClr r="0" g="0" b="0"/>
+      </a:fillRef>
+      <a:effectRef idx="0">
+        <a:scrgbClr r="0" g="0" b="0"/>
+      </a:effectRef>
+      <a:fontRef idx="minor"/>
+    </dgm:style>
+  </dgm:styleLbl>
+  <dgm:styleLbl name="fgAcc1">
+    <dgm:scene3d>
+      <a:camera prst="orthographicFront"/>
+      <a:lightRig rig="threePt" dir="t"/>
+    </dgm:scene3d>
+    <dgm:sp3d/>
+    <dgm:txPr/>
+    <dgm:style>
+      <a:lnRef idx="2">
+        <a:scrgbClr r="0" g="0" b="0"/>
+      </a:lnRef>
+      <a:fillRef idx="1">
+        <a:scrgbClr r="0" g="0" b="0"/>
+      </a:fillRef>
+      <a:effectRef idx="0">
+        <a:scrgbClr r="0" g="0" b="0"/>
+      </a:effectRef>
+      <a:fontRef idx="minor"/>
+    </dgm:style>
+  </dgm:styleLbl>
+  <dgm:styleLbl name="conFgAcc1">
+    <dgm:scene3d>
+      <a:camera prst="orthographicFront"/>
+      <a:lightRig rig="threePt" dir="t"/>
+    </dgm:scene3d>
+    <dgm:sp3d/>
+    <dgm:txPr/>
+    <dgm:style>
+      <a:lnRef idx="2">
+        <a:scrgbClr r="0" g="0" b="0"/>
+      </a:lnRef>
+      <a:fillRef idx="1">
+        <a:scrgbClr r="0" g="0" b="0"/>
+      </a:fillRef>
+      <a:effectRef idx="0">
+        <a:scrgbClr r="0" g="0" b="0"/>
+      </a:effectRef>
+      <a:fontRef idx="minor"/>
+    </dgm:style>
+  </dgm:styleLbl>
+  <dgm:styleLbl name="alignAcc1">
+    <dgm:scene3d>
+      <a:camera prst="orthographicFront"/>
+      <a:lightRig rig="threePt" dir="t"/>
+    </dgm:scene3d>
+    <dgm:sp3d/>
+    <dgm:txPr/>
+    <dgm:style>
+      <a:lnRef idx="2">
+        <a:scrgbClr r="0" g="0" b="0"/>
+      </a:lnRef>
+      <a:fillRef idx="1">
+        <a:scrgbClr r="0" g="0" b="0"/>
+      </a:fillRef>
+      <a:effectRef idx="0">
+        <a:scrgbClr r="0" g="0" b="0"/>
+      </a:effectRef>
+      <a:fontRef idx="minor"/>
+    </dgm:style>
+  </dgm:styleLbl>
+  <dgm:styleLbl name="trAlignAcc1">
+    <dgm:scene3d>
+      <a:camera prst="orthographicFront"/>
+      <a:lightRig rig="threePt" dir="t"/>
+    </dgm:scene3d>
+    <dgm:sp3d/>
+    <dgm:txPr/>
+    <dgm:style>
+      <a:lnRef idx="1">
+        <a:scrgbClr r="0" g="0" b="0"/>
+      </a:lnRef>
+      <a:fillRef idx="1">
+        <a:scrgbClr r="0" g="0" b="0"/>
+      </a:fillRef>
+      <a:effectRef idx="0">
+        <a:scrgbClr r="0" g="0" b="0"/>
+      </a:effectRef>
+      <a:fontRef idx="minor"/>
+    </dgm:style>
+  </dgm:styleLbl>
+  <dgm:styleLbl name="bgAcc1">
+    <dgm:scene3d>
+      <a:camera prst="orthographicFront"/>
+      <a:lightRig rig="threePt" dir="t"/>
+    </dgm:scene3d>
+    <dgm:sp3d/>
+    <dgm:txPr/>
+    <dgm:style>
+      <a:lnRef idx="2">
+        <a:scrgbClr r="0" g="0" b="0"/>
+      </a:lnRef>
+      <a:fillRef idx="1">
+        <a:scrgbClr r="0" g="0" b="0"/>
+      </a:fillRef>
+      <a:effectRef idx="0">
+        <a:scrgbClr r="0" g="0" b="0"/>
+      </a:effectRef>
+      <a:fontRef idx="minor"/>
+    </dgm:style>
+  </dgm:styleLbl>
+  <dgm:styleLbl name="solidFgAcc1">
+    <dgm:scene3d>
+      <a:camera prst="orthographicFront"/>
+      <a:lightRig rig="threePt" dir="t"/>
+    </dgm:scene3d>
+    <dgm:sp3d/>
+    <dgm:txPr/>
+    <dgm:style>
+      <a:lnRef idx="2">
+        <a:scrgbClr r="0" g="0" b="0"/>
+      </a:lnRef>
+      <a:fillRef idx="1">
+        <a:scrgbClr r="0" g="0" b="0"/>
+      </a:fillRef>
+      <a:effectRef idx="0">
+        <a:scrgbClr r="0" g="0" b="0"/>
+      </a:effectRef>
+      <a:fontRef idx="minor"/>
+    </dgm:style>
+  </dgm:styleLbl>
+  <dgm:styleLbl name="solidAlignAcc1">
+    <dgm:scene3d>
+      <a:camera prst="orthographicFront"/>
+      <a:lightRig rig="threePt" dir="t"/>
+    </dgm:scene3d>
+    <dgm:sp3d/>
+    <dgm:txPr/>
+    <dgm:style>
+      <a:lnRef idx="2">
+        <a:scrgbClr r="0" g="0" b="0"/>
+      </a:lnRef>
+      <a:fillRef idx="1">
+        <a:scrgbClr r="0" g="0" b="0"/>
+      </a:fillRef>
+      <a:effectRef idx="0">
+        <a:scrgbClr r="0" g="0" b="0"/>
+      </a:effectRef>
+      <a:fontRef idx="minor"/>
+    </dgm:style>
+  </dgm:styleLbl>
+  <dgm:styleLbl name="solidBgAcc1">
+    <dgm:scene3d>
+      <a:camera prst="orthographicFront"/>
+      <a:lightRig rig="threePt" dir="t"/>
+    </dgm:scene3d>
+    <dgm:sp3d/>
+    <dgm:txPr/>
+    <dgm:style>
+      <a:lnRef idx="2">
+        <a:scrgbClr r="0" g="0" b="0"/>
+      </a:lnRef>
+      <a:fillRef idx="1">
+        <a:scrgbClr r="0" g="0" b="0"/>
+      </a:fillRef>
+      <a:effectRef idx="0">
+        <a:scrgbClr r="0" g="0" b="0"/>
+      </a:effectRef>
+      <a:fontRef idx="minor"/>
+    </dgm:style>
+  </dgm:styleLbl>
+  <dgm:styleLbl name="fgAccFollowNode1">
+    <dgm:scene3d>
+      <a:camera prst="orthographicFront"/>
+      <a:lightRig rig="threePt" dir="t"/>
+    </dgm:scene3d>
+    <dgm:sp3d/>
+    <dgm:txPr/>
+    <dgm:style>
+      <a:lnRef idx="2">
+        <a:scrgbClr r="0" g="0" b="0"/>
+      </a:lnRef>
+      <a:fillRef idx="1">
+        <a:scrgbClr r="0" g="0" b="0"/>
+      </a:fillRef>
+      <a:effectRef idx="0">
+        <a:scrgbClr r="0" g="0" b="0"/>
+      </a:effectRef>
+      <a:fontRef idx="minor"/>
+    </dgm:style>
+  </dgm:styleLbl>
+  <dgm:styleLbl name="alignAccFollowNode1">
+    <dgm:scene3d>
+      <a:camera prst="orthographicFront"/>
+      <a:lightRig rig="threePt" dir="t"/>
+    </dgm:scene3d>
+    <dgm:sp3d/>
+    <dgm:txPr/>
+    <dgm:style>
+      <a:lnRef idx="2">
+        <a:scrgbClr r="0" g="0" b="0"/>
+      </a:lnRef>
+      <a:fillRef idx="1">
+        <a:scrgbClr r="0" g="0" b="0"/>
+      </a:fillRef>
+      <a:effectRef idx="0">
+        <a:scrgbClr r="0" g="0" b="0"/>
+      </a:effectRef>
+      <a:fontRef idx="minor"/>
+    </dgm:style>
+  </dgm:styleLbl>
+  <dgm:styleLbl name="bgAccFollowNode1">
+    <dgm:scene3d>
+      <a:camera prst="orthographicFront"/>
+      <a:lightRig rig="threePt" dir="t"/>
+    </dgm:scene3d>
+    <dgm:sp3d/>
+    <dgm:txPr/>
+    <dgm:style>
+      <a:lnRef idx="2">
+        <a:scrgbClr r="0" g="0" b="0"/>
+      </a:lnRef>
+      <a:fillRef idx="1">
+        <a:scrgbClr r="0" g="0" b="0"/>
+      </a:fillRef>
+      <a:effectRef idx="0">
+        <a:scrgbClr r="0" g="0" b="0"/>
+      </a:effectRef>
+      <a:fontRef idx="minor"/>
+    </dgm:style>
+  </dgm:styleLbl>
+  <dgm:styleLbl name="fgAcc0">
+    <dgm:scene3d>
+      <a:camera prst="orthographicFront"/>
+      <a:lightRig rig="threePt" dir="t"/>
+    </dgm:scene3d>
+    <dgm:sp3d/>
+    <dgm:txPr/>
+    <dgm:style>
+      <a:lnRef idx="2">
+        <a:scrgbClr r="0" g="0" b="0"/>
+      </a:lnRef>
+      <a:fillRef idx="1">
+        <a:scrgbClr r="0" g="0" b="0"/>
+      </a:fillRef>
+      <a:effectRef idx="0">
+        <a:scrgbClr r="0" g="0" b="0"/>
+      </a:effectRef>
+      <a:fontRef idx="minor"/>
+    </dgm:style>
+  </dgm:styleLbl>
+  <dgm:styleLbl name="fgAcc2">
+    <dgm:scene3d>
+      <a:camera prst="orthographicFront"/>
+      <a:lightRig rig="threePt" dir="t"/>
+    </dgm:scene3d>
+    <dgm:sp3d/>
+    <dgm:txPr/>
+    <dgm:style>
+      <a:lnRef idx="2">
+        <a:scrgbClr r="0" g="0" b="0"/>
+      </a:lnRef>
+      <a:fillRef idx="1">
+        <a:scrgbClr r="0" g="0" b="0"/>
+      </a:fillRef>
+      <a:effectRef idx="0">
+        <a:scrgbClr r="0" g="0" b="0"/>
+      </a:effectRef>
+      <a:fontRef idx="minor"/>
+    </dgm:style>
+  </dgm:styleLbl>
+  <dgm:styleLbl name="fgAcc3">
+    <dgm:scene3d>
+      <a:camera prst="orthographicFront"/>
+      <a:lightRig rig="threePt" dir="t"/>
+    </dgm:scene3d>
+    <dgm:sp3d/>
+    <dgm:txPr/>
+    <dgm:style>
+      <a:lnRef idx="2">
+        <a:scrgbClr r="0" g="0" b="0"/>
+      </a:lnRef>
+      <a:fillRef idx="1">
+        <a:scrgbClr r="0" g="0" b="0"/>
+      </a:fillRef>
+      <a:effectRef idx="0">
+        <a:scrgbClr r="0" g="0" b="0"/>
+      </a:effectRef>
+      <a:fontRef idx="minor"/>
+    </dgm:style>
+  </dgm:styleLbl>
+  <dgm:styleLbl name="fgAcc4">
+    <dgm:scene3d>
+      <a:camera prst="orthographicFront"/>
+      <a:lightRig rig="threePt" dir="t"/>
+    </dgm:scene3d>
+    <dgm:sp3d/>
+    <dgm:txPr/>
+    <dgm:style>
+      <a:lnRef idx="2">
+        <a:scrgbClr r="0" g="0" b="0"/>
+      </a:lnRef>
+      <a:fillRef idx="1">
+        <a:scrgbClr r="0" g="0" b="0"/>
+      </a:fillRef>
+      <a:effectRef idx="0">
+        <a:scrgbClr r="0" g="0" b="0"/>
+      </a:effectRef>
+      <a:fontRef idx="minor"/>
+    </dgm:style>
+  </dgm:styleLbl>
+  <dgm:styleLbl name="bgShp">
+    <dgm:scene3d>
+      <a:camera prst="orthographicFront"/>
+      <a:lightRig rig="threePt" dir="t"/>
+    </dgm:scene3d>
+    <dgm:sp3d/>
+    <dgm:txPr/>
+    <dgm:style>
+      <a:lnRef idx="0">
+        <a:scrgbClr r="0" g="0" b="0"/>
+      </a:lnRef>
+      <a:fillRef idx="1">
+        <a:scrgbClr r="0" g="0" b="0"/>
+      </a:fillRef>
+      <a:effectRef idx="0">
+        <a:scrgbClr r="0" g="0" b="0"/>
+      </a:effectRef>
+      <a:fontRef idx="minor"/>
+    </dgm:style>
+  </dgm:styleLbl>
+  <dgm:styleLbl name="dkBgShp">
+    <dgm:scene3d>
+      <a:camera prst="orthographicFront"/>
+      <a:lightRig rig="threePt" dir="t"/>
+    </dgm:scene3d>
+    <dgm:sp3d/>
+    <dgm:txPr/>
+    <dgm:style>
+      <a:lnRef idx="0">
+        <a:scrgbClr r="0" g="0" b="0"/>
+      </a:lnRef>
+      <a:fillRef idx="1">
+        <a:scrgbClr r="0" g="0" b="0"/>
+      </a:fillRef>
+      <a:effectRef idx="0">
+        <a:scrgbClr r="0" g="0" b="0"/>
+      </a:effectRef>
+      <a:fontRef idx="minor"/>
+    </dgm:style>
+  </dgm:styleLbl>
+  <dgm:styleLbl name="trBgShp">
+    <dgm:scene3d>
+      <a:camera prst="orthographicFront"/>
+      <a:lightRig rig="threePt" dir="t"/>
+    </dgm:scene3d>
+    <dgm:sp3d/>
+    <dgm:txPr/>
+    <dgm:style>
+      <a:lnRef idx="0">
+        <a:scrgbClr r="0" g="0" b="0"/>
+      </a:lnRef>
+      <a:fillRef idx="1">
+        <a:scrgbClr r="0" g="0" b="0"/>
+      </a:fillRef>
+      <a:effectRef idx="0">
+        <a:scrgbClr r="0" g="0" b="0"/>
+      </a:effectRef>
+      <a:fontRef idx="minor"/>
+    </dgm:style>
+  </dgm:styleLbl>
+  <dgm:styleLbl name="fgShp">
+    <dgm:scene3d>
+      <a:camera prst="orthographicFront"/>
+      <a:lightRig rig="threePt" dir="t"/>
+    </dgm:scene3d>
+    <dgm:sp3d/>
+    <dgm:txPr/>
+    <dgm:style>
+      <a:lnRef idx="3">
+        <a:scrgbClr r="0" g="0" b="0"/>
+      </a:lnRef>
+      <a:fillRef idx="1">
+        <a:scrgbClr r="0" g="0" b="0"/>
+      </a:fillRef>
+      <a:effectRef idx="1">
+        <a:scrgbClr r="0" g="0" b="0"/>
+      </a:effectRef>
+      <a:fontRef idx="minor"/>
+    </dgm:style>
+  </dgm:styleLbl>
+  <dgm:styleLbl name="revTx">
+    <dgm:scene3d>
+      <a:camera prst="orthographicFront"/>
+      <a:lightRig rig="threePt" dir="t"/>
+    </dgm:scene3d>
+    <dgm:sp3d/>
+    <dgm:txPr/>
+    <dgm:style>
+      <a:lnRef idx="0">
+        <a:scrgbClr r="0" g="0" b="0"/>
+      </a:lnRef>
+      <a:fillRef idx="0">
+        <a:scrgbClr r="0" g="0" b="0"/>
+      </a:fillRef>
+      <a:effectRef idx="0">
+        <a:scrgbClr r="0" g="0" b="0"/>
+      </a:effectRef>
+      <a:fontRef idx="minor"/>
+    </dgm:style>
+  </dgm:styleLbl>
+</dgm:styleDef>
+</file>
+
 <file path=ppt/slideLayouts/slideLayout1.xml><?xml version="1.0" encoding="utf-8"?>
 <p:sldLayout xmlns:a="http://schemas.openxmlformats.org/drawingml/2006/main" xmlns:r="http://schemas.openxmlformats.org/officeDocument/2006/relationships" xmlns:p="http://schemas.openxmlformats.org/presentationml/2006/main" type="title" preserve="1">
   <p:cSld name="Title Slide">
@@ -448,7 +3112,7 @@
           <a:p>
             <a:fld id="{A5DFF91C-4E09-4FFC-8A24-B7B9DFB15E04}" type="datetimeFigureOut">
               <a:rPr lang="en-SG" smtClean="0"/>
-              <a:t>22/4/2021</a:t>
+              <a:t>25/4/2021</a:t>
             </a:fld>
             <a:endParaRPr lang="en-SG"/>
           </a:p>
@@ -648,7 +3312,7 @@
           <a:p>
             <a:fld id="{A5DFF91C-4E09-4FFC-8A24-B7B9DFB15E04}" type="datetimeFigureOut">
               <a:rPr lang="en-SG" smtClean="0"/>
-              <a:t>22/4/2021</a:t>
+              <a:t>25/4/2021</a:t>
             </a:fld>
             <a:endParaRPr lang="en-SG"/>
           </a:p>
@@ -858,7 +3522,7 @@
           <a:p>
             <a:fld id="{A5DFF91C-4E09-4FFC-8A24-B7B9DFB15E04}" type="datetimeFigureOut">
               <a:rPr lang="en-SG" smtClean="0"/>
-              <a:t>22/4/2021</a:t>
+              <a:t>25/4/2021</a:t>
             </a:fld>
             <a:endParaRPr lang="en-SG"/>
           </a:p>
@@ -1058,7 +3722,7 @@
           <a:p>
             <a:fld id="{A5DFF91C-4E09-4FFC-8A24-B7B9DFB15E04}" type="datetimeFigureOut">
               <a:rPr lang="en-SG" smtClean="0"/>
-              <a:t>22/4/2021</a:t>
+              <a:t>25/4/2021</a:t>
             </a:fld>
             <a:endParaRPr lang="en-SG"/>
           </a:p>
@@ -1334,7 +3998,7 @@
           <a:p>
             <a:fld id="{A5DFF91C-4E09-4FFC-8A24-B7B9DFB15E04}" type="datetimeFigureOut">
               <a:rPr lang="en-SG" smtClean="0"/>
-              <a:t>22/4/2021</a:t>
+              <a:t>25/4/2021</a:t>
             </a:fld>
             <a:endParaRPr lang="en-SG"/>
           </a:p>
@@ -1602,7 +4266,7 @@
           <a:p>
             <a:fld id="{A5DFF91C-4E09-4FFC-8A24-B7B9DFB15E04}" type="datetimeFigureOut">
               <a:rPr lang="en-SG" smtClean="0"/>
-              <a:t>22/4/2021</a:t>
+              <a:t>25/4/2021</a:t>
             </a:fld>
             <a:endParaRPr lang="en-SG"/>
           </a:p>
@@ -2017,7 +4681,7 @@
           <a:p>
             <a:fld id="{A5DFF91C-4E09-4FFC-8A24-B7B9DFB15E04}" type="datetimeFigureOut">
               <a:rPr lang="en-SG" smtClean="0"/>
-              <a:t>22/4/2021</a:t>
+              <a:t>25/4/2021</a:t>
             </a:fld>
             <a:endParaRPr lang="en-SG"/>
           </a:p>
@@ -2159,7 +4823,7 @@
           <a:p>
             <a:fld id="{A5DFF91C-4E09-4FFC-8A24-B7B9DFB15E04}" type="datetimeFigureOut">
               <a:rPr lang="en-SG" smtClean="0"/>
-              <a:t>22/4/2021</a:t>
+              <a:t>25/4/2021</a:t>
             </a:fld>
             <a:endParaRPr lang="en-SG"/>
           </a:p>
@@ -2272,7 +4936,7 @@
           <a:p>
             <a:fld id="{A5DFF91C-4E09-4FFC-8A24-B7B9DFB15E04}" type="datetimeFigureOut">
               <a:rPr lang="en-SG" smtClean="0"/>
-              <a:t>22/4/2021</a:t>
+              <a:t>25/4/2021</a:t>
             </a:fld>
             <a:endParaRPr lang="en-SG"/>
           </a:p>
@@ -2585,7 +5249,7 @@
           <a:p>
             <a:fld id="{A5DFF91C-4E09-4FFC-8A24-B7B9DFB15E04}" type="datetimeFigureOut">
               <a:rPr lang="en-SG" smtClean="0"/>
-              <a:t>22/4/2021</a:t>
+              <a:t>25/4/2021</a:t>
             </a:fld>
             <a:endParaRPr lang="en-SG"/>
           </a:p>
@@ -2874,7 +5538,7 @@
           <a:p>
             <a:fld id="{A5DFF91C-4E09-4FFC-8A24-B7B9DFB15E04}" type="datetimeFigureOut">
               <a:rPr lang="en-SG" smtClean="0"/>
-              <a:t>22/4/2021</a:t>
+              <a:t>25/4/2021</a:t>
             </a:fld>
             <a:endParaRPr lang="en-SG"/>
           </a:p>
@@ -3117,7 +5781,7 @@
           <a:p>
             <a:fld id="{A5DFF91C-4E09-4FFC-8A24-B7B9DFB15E04}" type="datetimeFigureOut">
               <a:rPr lang="en-SG" smtClean="0"/>
-              <a:t>22/4/2021</a:t>
+              <a:t>25/4/2021</a:t>
             </a:fld>
             <a:endParaRPr lang="en-SG"/>
           </a:p>
@@ -5399,12 +8063,214 @@
           <a:chExt cx="0" cy="0"/>
         </a:xfrm>
       </p:grpSpPr>
+      <p:sp>
+        <p:nvSpPr>
+          <p:cNvPr id="36" name="Rectangle: Rounded Corners 35">
+            <a:extLst>
+              <a:ext uri="{FF2B5EF4-FFF2-40B4-BE49-F238E27FC236}">
+                <a16:creationId xmlns:a16="http://schemas.microsoft.com/office/drawing/2014/main" id="{CBB4D8E1-FD71-4746-8152-541C10CAC6BF}"/>
+              </a:ext>
+            </a:extLst>
+          </p:cNvPr>
+          <p:cNvSpPr/>
+          <p:nvPr/>
+        </p:nvSpPr>
+        <p:spPr>
+          <a:xfrm>
+            <a:off x="274884" y="1446184"/>
+            <a:ext cx="2651324" cy="4261723"/>
+          </a:xfrm>
+          <a:prstGeom prst="roundRect">
+            <a:avLst/>
+          </a:prstGeom>
+          <a:noFill/>
+          <a:ln w="38100">
+            <a:solidFill>
+              <a:srgbClr val="002060"/>
+            </a:solidFill>
+            <a:prstDash val="dash"/>
+          </a:ln>
+        </p:spPr>
+        <p:style>
+          <a:lnRef idx="2">
+            <a:schemeClr val="accent1">
+              <a:shade val="50000"/>
+            </a:schemeClr>
+          </a:lnRef>
+          <a:fillRef idx="1">
+            <a:schemeClr val="accent1"/>
+          </a:fillRef>
+          <a:effectRef idx="0">
+            <a:schemeClr val="accent1"/>
+          </a:effectRef>
+          <a:fontRef idx="minor">
+            <a:schemeClr val="lt1"/>
+          </a:fontRef>
+        </p:style>
+        <p:txBody>
+          <a:bodyPr rtlCol="0" anchor="b" anchorCtr="0"/>
+          <a:lstStyle/>
+          <a:p>
+            <a:pPr algn="r"/>
+            <a:endParaRPr lang="en-SG" sz="1600" dirty="0">
+              <a:solidFill>
+                <a:schemeClr val="tx1"/>
+              </a:solidFill>
+            </a:endParaRPr>
+          </a:p>
+        </p:txBody>
+      </p:sp>
+      <p:sp>
+        <p:nvSpPr>
+          <p:cNvPr id="7" name="Rectangle: Rounded Corners 6">
+            <a:extLst>
+              <a:ext uri="{FF2B5EF4-FFF2-40B4-BE49-F238E27FC236}">
+                <a16:creationId xmlns:a16="http://schemas.microsoft.com/office/drawing/2014/main" id="{08C722D0-77D2-4A38-89DA-728E6665E314}"/>
+              </a:ext>
+            </a:extLst>
+          </p:cNvPr>
+          <p:cNvSpPr/>
+          <p:nvPr/>
+        </p:nvSpPr>
+        <p:spPr>
+          <a:xfrm>
+            <a:off x="601461" y="2032009"/>
+            <a:ext cx="1997798" cy="1206230"/>
+          </a:xfrm>
+          <a:prstGeom prst="roundRect">
+            <a:avLst/>
+          </a:prstGeom>
+          <a:solidFill>
+            <a:srgbClr val="002060"/>
+          </a:solidFill>
+          <a:ln>
+            <a:noFill/>
+          </a:ln>
+        </p:spPr>
+        <p:style>
+          <a:lnRef idx="2">
+            <a:schemeClr val="accent1">
+              <a:shade val="50000"/>
+            </a:schemeClr>
+          </a:lnRef>
+          <a:fillRef idx="1">
+            <a:schemeClr val="accent1"/>
+          </a:fillRef>
+          <a:effectRef idx="0">
+            <a:schemeClr val="accent1"/>
+          </a:effectRef>
+          <a:fontRef idx="minor">
+            <a:schemeClr val="lt1"/>
+          </a:fontRef>
+        </p:style>
+        <p:txBody>
+          <a:bodyPr rtlCol="0" anchor="ctr"/>
+          <a:lstStyle/>
+          <a:p>
+            <a:pPr algn="ctr"/>
+            <a:r>
+              <a:rPr lang="en-SG" sz="1600" dirty="0"/>
+              <a:t>Input from user through text or voice</a:t>
+            </a:r>
+          </a:p>
+        </p:txBody>
+      </p:sp>
+      <p:sp>
+        <p:nvSpPr>
+          <p:cNvPr id="8" name="Rectangle: Rounded Corners 7">
+            <a:extLst>
+              <a:ext uri="{FF2B5EF4-FFF2-40B4-BE49-F238E27FC236}">
+                <a16:creationId xmlns:a16="http://schemas.microsoft.com/office/drawing/2014/main" id="{80867651-018F-4F41-9F9D-05CD4090FFE1}"/>
+              </a:ext>
+            </a:extLst>
+          </p:cNvPr>
+          <p:cNvSpPr/>
+          <p:nvPr/>
+        </p:nvSpPr>
+        <p:spPr>
+          <a:xfrm>
+            <a:off x="601461" y="4018703"/>
+            <a:ext cx="1996459" cy="1206230"/>
+          </a:xfrm>
+          <a:prstGeom prst="roundRect">
+            <a:avLst/>
+          </a:prstGeom>
+          <a:solidFill>
+            <a:srgbClr val="002060"/>
+          </a:solidFill>
+          <a:ln>
+            <a:noFill/>
+          </a:ln>
+        </p:spPr>
+        <p:style>
+          <a:lnRef idx="2">
+            <a:schemeClr val="accent1">
+              <a:shade val="50000"/>
+            </a:schemeClr>
+          </a:lnRef>
+          <a:fillRef idx="1">
+            <a:schemeClr val="accent1"/>
+          </a:fillRef>
+          <a:effectRef idx="0">
+            <a:schemeClr val="accent1"/>
+          </a:effectRef>
+          <a:fontRef idx="minor">
+            <a:schemeClr val="lt1"/>
+          </a:fontRef>
+        </p:style>
+        <p:txBody>
+          <a:bodyPr rtlCol="0" anchor="ctr"/>
+          <a:lstStyle/>
+          <a:p>
+            <a:pPr algn="ctr"/>
+            <a:r>
+              <a:rPr lang="en-SG" sz="1600" dirty="0"/>
+              <a:t>Email for User</a:t>
+            </a:r>
+          </a:p>
+        </p:txBody>
+      </p:sp>
+      <p:sp>
+        <p:nvSpPr>
+          <p:cNvPr id="24" name="TextBox 23">
+            <a:extLst>
+              <a:ext uri="{FF2B5EF4-FFF2-40B4-BE49-F238E27FC236}">
+                <a16:creationId xmlns:a16="http://schemas.microsoft.com/office/drawing/2014/main" id="{2728A82E-EB67-4925-A5D2-8F2ECE0F7D1B}"/>
+              </a:ext>
+            </a:extLst>
+          </p:cNvPr>
+          <p:cNvSpPr txBox="1"/>
+          <p:nvPr/>
+        </p:nvSpPr>
+        <p:spPr>
+          <a:xfrm>
+            <a:off x="597160" y="251927"/>
+            <a:ext cx="2100703" cy="369332"/>
+          </a:xfrm>
+          <a:prstGeom prst="rect">
+            <a:avLst/>
+          </a:prstGeom>
+          <a:noFill/>
+        </p:spPr>
+        <p:txBody>
+          <a:bodyPr wrap="none" rtlCol="0">
+            <a:spAutoFit/>
+          </a:bodyPr>
+          <a:lstStyle/>
+          <a:p>
+            <a:r>
+              <a:rPr lang="en-SG" b="1" u="sng" dirty="0"/>
+              <a:t>System Architecture</a:t>
+            </a:r>
+          </a:p>
+        </p:txBody>
+      </p:sp>
       <p:grpSp>
         <p:nvGrpSpPr>
-          <p:cNvPr id="23" name="Group 22">
-            <a:extLst>
-              <a:ext uri="{FF2B5EF4-FFF2-40B4-BE49-F238E27FC236}">
-                <a16:creationId xmlns:a16="http://schemas.microsoft.com/office/drawing/2014/main" id="{10EE158C-5E1D-4127-A123-EA193BD903ED}"/>
+          <p:cNvPr id="3" name="Group 2">
+            <a:extLst>
+              <a:ext uri="{FF2B5EF4-FFF2-40B4-BE49-F238E27FC236}">
+                <a16:creationId xmlns:a16="http://schemas.microsoft.com/office/drawing/2014/main" id="{D8C1EC2D-B73C-40F1-8871-54E9D8392060}"/>
               </a:ext>
             </a:extLst>
           </p:cNvPr>
@@ -5413,18 +8279,18 @@
         </p:nvGrpSpPr>
         <p:grpSpPr>
           <a:xfrm>
-            <a:off x="1113008" y="811790"/>
-            <a:ext cx="9776149" cy="5506017"/>
-            <a:chOff x="698940" y="501239"/>
-            <a:chExt cx="9776149" cy="5506017"/>
+            <a:off x="3446936" y="1446185"/>
+            <a:ext cx="2651324" cy="2462684"/>
+            <a:chOff x="3316616" y="1096445"/>
+            <a:chExt cx="2651324" cy="2462684"/>
           </a:xfrm>
         </p:grpSpPr>
         <p:sp>
           <p:nvSpPr>
-            <p:cNvPr id="6" name="Rectangle 5">
+            <p:cNvPr id="25" name="Rectangle: Rounded Corners 24">
               <a:extLst>
                 <a:ext uri="{FF2B5EF4-FFF2-40B4-BE49-F238E27FC236}">
-                  <a16:creationId xmlns:a16="http://schemas.microsoft.com/office/drawing/2014/main" id="{C9AAB3E2-6C0E-4F9E-ABFC-D1D81228E389}"/>
+                  <a16:creationId xmlns:a16="http://schemas.microsoft.com/office/drawing/2014/main" id="{9FA99CDD-2986-4564-80C1-63FFEEDDEC9B}"/>
                 </a:ext>
               </a:extLst>
             </p:cNvPr>
@@ -5433,73 +8299,10 @@
           </p:nvSpPr>
           <p:spPr>
             <a:xfrm>
-              <a:off x="2941568" y="501239"/>
-              <a:ext cx="7533521" cy="5506017"/>
+              <a:off x="3664648" y="1335143"/>
+              <a:ext cx="1955260" cy="921467"/>
             </a:xfrm>
-            <a:prstGeom prst="rect">
-              <a:avLst/>
-            </a:prstGeom>
-            <a:solidFill>
-              <a:schemeClr val="accent1">
-                <a:lumMod val="60000"/>
-                <a:lumOff val="40000"/>
-                <a:alpha val="50000"/>
-              </a:schemeClr>
-            </a:solidFill>
-            <a:ln>
-              <a:noFill/>
-            </a:ln>
-          </p:spPr>
-          <p:style>
-            <a:lnRef idx="2">
-              <a:schemeClr val="accent1">
-                <a:shade val="50000"/>
-              </a:schemeClr>
-            </a:lnRef>
-            <a:fillRef idx="1">
-              <a:schemeClr val="accent1"/>
-            </a:fillRef>
-            <a:effectRef idx="0">
-              <a:schemeClr val="accent1"/>
-            </a:effectRef>
-            <a:fontRef idx="minor">
-              <a:schemeClr val="lt1"/>
-            </a:fontRef>
-          </p:style>
-          <p:txBody>
-            <a:bodyPr rtlCol="0" anchor="b" anchorCtr="0"/>
-            <a:lstStyle/>
-            <a:p>
-              <a:pPr algn="r"/>
-              <a:r>
-                <a:rPr lang="en-SG" dirty="0">
-                  <a:solidFill>
-                    <a:schemeClr val="tx1"/>
-                  </a:solidFill>
-                </a:rPr>
-                <a:t>Conversational UI</a:t>
-              </a:r>
-            </a:p>
-          </p:txBody>
-        </p:sp>
-        <p:sp>
-          <p:nvSpPr>
-            <p:cNvPr id="4" name="Rectangle 3">
-              <a:extLst>
-                <a:ext uri="{FF2B5EF4-FFF2-40B4-BE49-F238E27FC236}">
-                  <a16:creationId xmlns:a16="http://schemas.microsoft.com/office/drawing/2014/main" id="{5D09589E-B838-4F04-AC8D-7D0E6CD819A8}"/>
-                </a:ext>
-              </a:extLst>
-            </p:cNvPr>
-            <p:cNvSpPr/>
-            <p:nvPr/>
-          </p:nvSpPr>
-          <p:spPr>
-            <a:xfrm>
-              <a:off x="5644729" y="1058083"/>
-              <a:ext cx="1955260" cy="1206230"/>
-            </a:xfrm>
-            <a:prstGeom prst="rect">
+            <a:prstGeom prst="roundRect">
               <a:avLst/>
             </a:prstGeom>
             <a:solidFill>
@@ -5531,18 +8334,18 @@
             <a:p>
               <a:pPr algn="ctr"/>
               <a:r>
-                <a:rPr lang="en-SG" dirty="0"/>
-                <a:t>NLB Availability Checker </a:t>
+                <a:rPr lang="en-SG" sz="1600" dirty="0"/>
+                <a:t>User Intent Handling</a:t>
               </a:r>
             </a:p>
           </p:txBody>
         </p:sp>
         <p:sp>
           <p:nvSpPr>
-            <p:cNvPr id="5" name="Rectangle 4">
+            <p:cNvPr id="26" name="Rectangle: Rounded Corners 25">
               <a:extLst>
                 <a:ext uri="{FF2B5EF4-FFF2-40B4-BE49-F238E27FC236}">
-                  <a16:creationId xmlns:a16="http://schemas.microsoft.com/office/drawing/2014/main" id="{0F9C952F-D174-4F47-B70B-28DC4DE32934}"/>
+                  <a16:creationId xmlns:a16="http://schemas.microsoft.com/office/drawing/2014/main" id="{318919DB-F13F-488C-84A8-934A8AC215C3}"/>
                 </a:ext>
               </a:extLst>
             </p:cNvPr>
@@ -5551,10 +8354,10 @@
           </p:nvSpPr>
           <p:spPr>
             <a:xfrm>
-              <a:off x="7792123" y="3533457"/>
-              <a:ext cx="1955260" cy="1206230"/>
+              <a:off x="3664648" y="2346347"/>
+              <a:ext cx="1955260" cy="921467"/>
             </a:xfrm>
-            <a:prstGeom prst="rect">
+            <a:prstGeom prst="roundRect">
               <a:avLst/>
             </a:prstGeom>
             <a:solidFill>
@@ -5586,18 +8389,18 @@
             <a:p>
               <a:pPr algn="ctr"/>
               <a:r>
-                <a:rPr lang="en-SG" dirty="0"/>
-                <a:t>Intelligent Title Matcher and Abstract Summary</a:t>
+                <a:rPr lang="en-SG" sz="1600" dirty="0"/>
+                <a:t>Response Handling</a:t>
               </a:r>
             </a:p>
           </p:txBody>
         </p:sp>
         <p:sp>
           <p:nvSpPr>
-            <p:cNvPr id="7" name="Rectangle 6">
+            <p:cNvPr id="27" name="Rectangle: Rounded Corners 26">
               <a:extLst>
                 <a:ext uri="{FF2B5EF4-FFF2-40B4-BE49-F238E27FC236}">
-                  <a16:creationId xmlns:a16="http://schemas.microsoft.com/office/drawing/2014/main" id="{08C722D0-77D2-4A38-89DA-728E6665E314}"/>
+                  <a16:creationId xmlns:a16="http://schemas.microsoft.com/office/drawing/2014/main" id="{209EF772-40D5-46D6-8035-B4CF29ECF87B}"/>
                 </a:ext>
               </a:extLst>
             </p:cNvPr>
@@ -5605,18 +8408,22 @@
             <p:nvPr/>
           </p:nvSpPr>
           <p:spPr>
-            <a:xfrm rot="16200000">
-              <a:off x="144888" y="1185962"/>
-              <a:ext cx="2314333" cy="1206230"/>
+            <a:xfrm>
+              <a:off x="3316616" y="1096445"/>
+              <a:ext cx="2651324" cy="2462684"/>
             </a:xfrm>
-            <a:prstGeom prst="rect">
+            <a:prstGeom prst="roundRect">
               <a:avLst/>
             </a:prstGeom>
-            <a:solidFill>
-              <a:srgbClr val="002060"/>
-            </a:solidFill>
-            <a:ln>
-              <a:noFill/>
+            <a:noFill/>
+            <a:ln w="38100">
+              <a:solidFill>
+                <a:schemeClr val="accent4">
+                  <a:lumMod val="40000"/>
+                  <a:lumOff val="60000"/>
+                </a:schemeClr>
+              </a:solidFill>
+              <a:prstDash val="dash"/>
             </a:ln>
           </p:spPr>
           <p:style>
@@ -5636,23 +8443,45 @@
             </a:fontRef>
           </p:style>
           <p:txBody>
-            <a:bodyPr rtlCol="0" anchor="ctr"/>
+            <a:bodyPr rtlCol="0" anchor="b" anchorCtr="0"/>
             <a:lstStyle/>
             <a:p>
-              <a:pPr algn="ctr"/>
-              <a:r>
-                <a:rPr lang="en-SG" dirty="0"/>
-                <a:t>Intent from user</a:t>
-              </a:r>
+              <a:pPr algn="r"/>
+              <a:endParaRPr lang="en-SG" sz="1600" dirty="0">
+                <a:solidFill>
+                  <a:schemeClr val="tx1"/>
+                </a:solidFill>
+              </a:endParaRPr>
             </a:p>
           </p:txBody>
         </p:sp>
+      </p:grpSp>
+      <p:grpSp>
+        <p:nvGrpSpPr>
+          <p:cNvPr id="29" name="Group 28">
+            <a:extLst>
+              <a:ext uri="{FF2B5EF4-FFF2-40B4-BE49-F238E27FC236}">
+                <a16:creationId xmlns:a16="http://schemas.microsoft.com/office/drawing/2014/main" id="{90EA6B7B-1E37-4788-A974-3AD688FE1888}"/>
+              </a:ext>
+            </a:extLst>
+          </p:cNvPr>
+          <p:cNvGrpSpPr/>
+          <p:nvPr/>
+        </p:nvGrpSpPr>
+        <p:grpSpPr>
+          <a:xfrm>
+            <a:off x="6618987" y="1446185"/>
+            <a:ext cx="5275007" cy="4261722"/>
+            <a:chOff x="6531903" y="1298139"/>
+            <a:chExt cx="5275007" cy="4261722"/>
+          </a:xfrm>
+        </p:grpSpPr>
         <p:sp>
           <p:nvSpPr>
-            <p:cNvPr id="8" name="Rectangle 7">
+            <p:cNvPr id="6" name="Rectangle: Rounded Corners 5">
               <a:extLst>
                 <a:ext uri="{FF2B5EF4-FFF2-40B4-BE49-F238E27FC236}">
-                  <a16:creationId xmlns:a16="http://schemas.microsoft.com/office/drawing/2014/main" id="{80867651-018F-4F41-9F9D-05CD4090FFE1}"/>
+                  <a16:creationId xmlns:a16="http://schemas.microsoft.com/office/drawing/2014/main" id="{C9AAB3E2-6C0E-4F9E-ABFC-D1D81228E389}"/>
                 </a:ext>
               </a:extLst>
             </p:cNvPr>
@@ -5660,18 +8489,19 @@
             <p:nvPr/>
           </p:nvSpPr>
           <p:spPr>
-            <a:xfrm rot="16200000">
-              <a:off x="144889" y="4087508"/>
-              <a:ext cx="2314333" cy="1206230"/>
+            <a:xfrm>
+              <a:off x="6531904" y="1298139"/>
+              <a:ext cx="5275006" cy="4261722"/>
             </a:xfrm>
-            <a:prstGeom prst="rect">
+            <a:prstGeom prst="roundRect">
               <a:avLst/>
             </a:prstGeom>
-            <a:solidFill>
-              <a:srgbClr val="002060"/>
-            </a:solidFill>
-            <a:ln>
-              <a:noFill/>
+            <a:noFill/>
+            <a:ln w="38100">
+              <a:solidFill>
+                <a:srgbClr val="4285F4"/>
+              </a:solidFill>
+              <a:prstDash val="dash"/>
             </a:ln>
           </p:spPr>
           <p:style>
@@ -5691,530 +8521,303 @@
             </a:fontRef>
           </p:style>
           <p:txBody>
-            <a:bodyPr rtlCol="0" anchor="ctr"/>
+            <a:bodyPr rtlCol="0" anchor="b" anchorCtr="0"/>
             <a:lstStyle/>
             <a:p>
-              <a:pPr algn="ctr"/>
-              <a:r>
-                <a:rPr lang="en-SG" dirty="0"/>
-                <a:t>Email for User</a:t>
-              </a:r>
+              <a:pPr algn="r"/>
+              <a:endParaRPr lang="en-SG" dirty="0">
+                <a:solidFill>
+                  <a:schemeClr val="tx1"/>
+                </a:solidFill>
+              </a:endParaRPr>
             </a:p>
           </p:txBody>
         </p:sp>
-        <p:cxnSp>
-          <p:nvCxnSpPr>
-            <p:cNvPr id="10" name="Straight Arrow Connector 9">
+        <p:graphicFrame>
+          <p:nvGraphicFramePr>
+            <p:cNvPr id="28" name="Diagram 27">
               <a:extLst>
                 <a:ext uri="{FF2B5EF4-FFF2-40B4-BE49-F238E27FC236}">
-                  <a16:creationId xmlns:a16="http://schemas.microsoft.com/office/drawing/2014/main" id="{F46C74D3-5AB8-4868-B9E8-2BEA029C7A57}"/>
+                  <a16:creationId xmlns:a16="http://schemas.microsoft.com/office/drawing/2014/main" id="{1BE63BD0-6329-410A-AD91-EEB6EF4D174F}"/>
                 </a:ext>
               </a:extLst>
             </p:cNvPr>
-            <p:cNvCxnSpPr/>
-            <p:nvPr/>
-          </p:nvCxnSpPr>
-          <p:spPr>
-            <a:xfrm>
-              <a:off x="2100455" y="1759353"/>
-              <a:ext cx="682907" cy="0"/>
-            </a:xfrm>
-            <a:prstGeom prst="straightConnector1">
-              <a:avLst/>
-            </a:prstGeom>
-            <a:ln w="31750">
-              <a:solidFill>
-                <a:schemeClr val="tx1"/>
-              </a:solidFill>
-              <a:tailEnd type="triangle"/>
-            </a:ln>
-          </p:spPr>
-          <p:style>
-            <a:lnRef idx="1">
-              <a:schemeClr val="accent1"/>
-            </a:lnRef>
-            <a:fillRef idx="0">
-              <a:schemeClr val="accent1"/>
-            </a:fillRef>
-            <a:effectRef idx="0">
-              <a:schemeClr val="accent1"/>
-            </a:effectRef>
-            <a:fontRef idx="minor">
-              <a:schemeClr val="tx1"/>
-            </a:fontRef>
-          </p:style>
-        </p:cxnSp>
-        <p:cxnSp>
-          <p:nvCxnSpPr>
-            <p:cNvPr id="11" name="Straight Arrow Connector 10">
-              <a:extLst>
-                <a:ext uri="{FF2B5EF4-FFF2-40B4-BE49-F238E27FC236}">
-                  <a16:creationId xmlns:a16="http://schemas.microsoft.com/office/drawing/2014/main" id="{3E8AA017-082D-4644-A985-E547B4339975}"/>
-                </a:ext>
-              </a:extLst>
-            </p:cNvPr>
-            <p:cNvCxnSpPr>
-              <a:cxnSpLocks/>
-            </p:cNvCxnSpPr>
-            <p:nvPr/>
-          </p:nvCxnSpPr>
-          <p:spPr>
-            <a:xfrm flipH="1">
-              <a:off x="2100455" y="1969626"/>
-              <a:ext cx="682907" cy="0"/>
-            </a:xfrm>
-            <a:prstGeom prst="straightConnector1">
-              <a:avLst/>
-            </a:prstGeom>
-            <a:ln w="31750">
-              <a:solidFill>
-                <a:schemeClr val="tx1"/>
-              </a:solidFill>
-              <a:tailEnd type="triangle"/>
-            </a:ln>
-          </p:spPr>
-          <p:style>
-            <a:lnRef idx="1">
-              <a:schemeClr val="accent1"/>
-            </a:lnRef>
-            <a:fillRef idx="0">
-              <a:schemeClr val="accent1"/>
-            </a:fillRef>
-            <a:effectRef idx="0">
-              <a:schemeClr val="accent1"/>
-            </a:effectRef>
-            <a:fontRef idx="minor">
-              <a:schemeClr val="tx1"/>
-            </a:fontRef>
-          </p:style>
-        </p:cxnSp>
-        <p:cxnSp>
-          <p:nvCxnSpPr>
-            <p:cNvPr id="12" name="Straight Arrow Connector 11">
-              <a:extLst>
-                <a:ext uri="{FF2B5EF4-FFF2-40B4-BE49-F238E27FC236}">
-                  <a16:creationId xmlns:a16="http://schemas.microsoft.com/office/drawing/2014/main" id="{E1C00D71-EB08-4345-98E4-88C062E12AF7}"/>
-                </a:ext>
-              </a:extLst>
-            </p:cNvPr>
-            <p:cNvCxnSpPr>
-              <a:cxnSpLocks/>
-            </p:cNvCxnSpPr>
-            <p:nvPr/>
-          </p:nvCxnSpPr>
-          <p:spPr>
-            <a:xfrm flipH="1">
-              <a:off x="2100455" y="4739687"/>
-              <a:ext cx="682907" cy="0"/>
-            </a:xfrm>
-            <a:prstGeom prst="straightConnector1">
-              <a:avLst/>
-            </a:prstGeom>
-            <a:ln w="31750">
-              <a:solidFill>
-                <a:schemeClr val="tx1"/>
-              </a:solidFill>
-              <a:tailEnd type="triangle"/>
-            </a:ln>
-          </p:spPr>
-          <p:style>
-            <a:lnRef idx="1">
-              <a:schemeClr val="accent1"/>
-            </a:lnRef>
-            <a:fillRef idx="0">
-              <a:schemeClr val="accent1"/>
-            </a:fillRef>
-            <a:effectRef idx="0">
-              <a:schemeClr val="accent1"/>
-            </a:effectRef>
-            <a:fontRef idx="minor">
-              <a:schemeClr val="tx1"/>
-            </a:fontRef>
-          </p:style>
-        </p:cxnSp>
-        <p:sp>
-          <p:nvSpPr>
-            <p:cNvPr id="13" name="Rectangle 12">
-              <a:extLst>
-                <a:ext uri="{FF2B5EF4-FFF2-40B4-BE49-F238E27FC236}">
-                  <a16:creationId xmlns:a16="http://schemas.microsoft.com/office/drawing/2014/main" id="{CD9AA2B2-243C-4506-A7E5-949CCF7861AA}"/>
-                </a:ext>
-              </a:extLst>
-            </p:cNvPr>
-            <p:cNvSpPr/>
-            <p:nvPr/>
-          </p:nvSpPr>
-          <p:spPr>
-            <a:xfrm>
-              <a:off x="3686211" y="3533457"/>
-              <a:ext cx="1955260" cy="1206230"/>
-            </a:xfrm>
-            <a:prstGeom prst="rect">
-              <a:avLst/>
-            </a:prstGeom>
-            <a:solidFill>
-              <a:srgbClr val="002060"/>
-            </a:solidFill>
-            <a:ln>
-              <a:noFill/>
-            </a:ln>
-          </p:spPr>
-          <p:style>
-            <a:lnRef idx="2">
-              <a:schemeClr val="accent1">
-                <a:shade val="50000"/>
-              </a:schemeClr>
-            </a:lnRef>
-            <a:fillRef idx="1">
-              <a:schemeClr val="accent1"/>
-            </a:fillRef>
-            <a:effectRef idx="0">
-              <a:schemeClr val="accent1"/>
-            </a:effectRef>
-            <a:fontRef idx="minor">
-              <a:schemeClr val="lt1"/>
-            </a:fontRef>
-          </p:style>
-          <p:txBody>
-            <a:bodyPr rtlCol="0" anchor="ctr"/>
-            <a:lstStyle/>
-            <a:p>
-              <a:pPr algn="ctr"/>
-              <a:r>
-                <a:rPr lang="en-SG" dirty="0"/>
-                <a:t>Amazon Recommendation System</a:t>
-              </a:r>
-            </a:p>
-          </p:txBody>
-        </p:sp>
-        <p:grpSp>
-          <p:nvGrpSpPr>
-            <p:cNvPr id="16" name="Group 15">
-              <a:extLst>
-                <a:ext uri="{FF2B5EF4-FFF2-40B4-BE49-F238E27FC236}">
-                  <a16:creationId xmlns:a16="http://schemas.microsoft.com/office/drawing/2014/main" id="{B24E3B85-06DC-46BD-BA0C-6294FE2FD96F}"/>
-                </a:ext>
-              </a:extLst>
-            </p:cNvPr>
-            <p:cNvGrpSpPr/>
-            <p:nvPr/>
-          </p:nvGrpSpPr>
-          <p:grpSpPr>
-            <a:xfrm rot="18769017">
-              <a:off x="4031599" y="2503768"/>
-              <a:ext cx="1358786" cy="308261"/>
-              <a:chOff x="2437475" y="1787231"/>
-              <a:chExt cx="682907" cy="210265"/>
-            </a:xfrm>
-          </p:grpSpPr>
-          <p:cxnSp>
-            <p:nvCxnSpPr>
-              <p:cNvPr id="14" name="Straight Arrow Connector 13">
-                <a:extLst>
-                  <a:ext uri="{FF2B5EF4-FFF2-40B4-BE49-F238E27FC236}">
-                    <a16:creationId xmlns:a16="http://schemas.microsoft.com/office/drawing/2014/main" id="{9F04AC3C-177F-47A6-9E4A-B7276FE55EDC}"/>
-                  </a:ext>
-                </a:extLst>
-              </p:cNvPr>
-              <p:cNvCxnSpPr/>
-              <p:nvPr/>
-            </p:nvCxnSpPr>
-            <p:spPr>
-              <a:xfrm>
-                <a:off x="2437475" y="1787231"/>
-                <a:ext cx="682907" cy="0"/>
-              </a:xfrm>
-              <a:prstGeom prst="straightConnector1">
-                <a:avLst/>
-              </a:prstGeom>
-              <a:ln w="31750">
-                <a:solidFill>
-                  <a:schemeClr val="tx1"/>
-                </a:solidFill>
-                <a:tailEnd type="triangle"/>
-              </a:ln>
-            </p:spPr>
-            <p:style>
-              <a:lnRef idx="1">
-                <a:schemeClr val="accent1"/>
-              </a:lnRef>
-              <a:fillRef idx="0">
-                <a:schemeClr val="accent1"/>
-              </a:fillRef>
-              <a:effectRef idx="0">
-                <a:schemeClr val="accent1"/>
-              </a:effectRef>
-              <a:fontRef idx="minor">
-                <a:schemeClr val="tx1"/>
-              </a:fontRef>
-            </p:style>
-          </p:cxnSp>
-          <p:cxnSp>
-            <p:nvCxnSpPr>
-              <p:cNvPr id="15" name="Straight Arrow Connector 14">
-                <a:extLst>
-                  <a:ext uri="{FF2B5EF4-FFF2-40B4-BE49-F238E27FC236}">
-                    <a16:creationId xmlns:a16="http://schemas.microsoft.com/office/drawing/2014/main" id="{3EA36BE2-A878-4049-A3AF-49BB64114D68}"/>
-                  </a:ext>
-                </a:extLst>
-              </p:cNvPr>
-              <p:cNvCxnSpPr>
-                <a:cxnSpLocks/>
-              </p:cNvCxnSpPr>
-              <p:nvPr/>
-            </p:nvCxnSpPr>
-            <p:spPr>
-              <a:xfrm flipH="1">
-                <a:off x="2437475" y="1997496"/>
-                <a:ext cx="682907" cy="0"/>
-              </a:xfrm>
-              <a:prstGeom prst="straightConnector1">
-                <a:avLst/>
-              </a:prstGeom>
-              <a:ln w="31750">
-                <a:solidFill>
-                  <a:schemeClr val="tx1"/>
-                </a:solidFill>
-                <a:tailEnd type="triangle"/>
-              </a:ln>
-            </p:spPr>
-            <p:style>
-              <a:lnRef idx="1">
-                <a:schemeClr val="accent1"/>
-              </a:lnRef>
-              <a:fillRef idx="0">
-                <a:schemeClr val="accent1"/>
-              </a:fillRef>
-              <a:effectRef idx="0">
-                <a:schemeClr val="accent1"/>
-              </a:effectRef>
-              <a:fontRef idx="minor">
-                <a:schemeClr val="tx1"/>
-              </a:fontRef>
-            </p:style>
-          </p:cxnSp>
-        </p:grpSp>
-        <p:grpSp>
-          <p:nvGrpSpPr>
-            <p:cNvPr id="17" name="Group 16">
-              <a:extLst>
-                <a:ext uri="{FF2B5EF4-FFF2-40B4-BE49-F238E27FC236}">
-                  <a16:creationId xmlns:a16="http://schemas.microsoft.com/office/drawing/2014/main" id="{4F5330D3-6E31-4391-BD86-60544DFA8CA5}"/>
-                </a:ext>
-              </a:extLst>
-            </p:cNvPr>
-            <p:cNvGrpSpPr/>
-            <p:nvPr/>
-          </p:nvGrpSpPr>
-          <p:grpSpPr>
-            <a:xfrm>
-              <a:off x="6032039" y="3982438"/>
-              <a:ext cx="1358786" cy="308252"/>
-              <a:chOff x="2311026" y="1643323"/>
-              <a:chExt cx="682907" cy="210257"/>
-            </a:xfrm>
-          </p:grpSpPr>
-          <p:cxnSp>
-            <p:nvCxnSpPr>
-              <p:cNvPr id="18" name="Straight Arrow Connector 17">
-                <a:extLst>
-                  <a:ext uri="{FF2B5EF4-FFF2-40B4-BE49-F238E27FC236}">
-                    <a16:creationId xmlns:a16="http://schemas.microsoft.com/office/drawing/2014/main" id="{3488845C-9374-4919-A71B-B741A94DDAE9}"/>
-                  </a:ext>
-                </a:extLst>
-              </p:cNvPr>
-              <p:cNvCxnSpPr/>
-              <p:nvPr/>
-            </p:nvCxnSpPr>
-            <p:spPr>
-              <a:xfrm>
-                <a:off x="2311026" y="1643323"/>
-                <a:ext cx="682907" cy="0"/>
-              </a:xfrm>
-              <a:prstGeom prst="straightConnector1">
-                <a:avLst/>
-              </a:prstGeom>
-              <a:ln w="31750">
-                <a:solidFill>
-                  <a:schemeClr val="tx1"/>
-                </a:solidFill>
-                <a:tailEnd type="triangle"/>
-              </a:ln>
-            </p:spPr>
-            <p:style>
-              <a:lnRef idx="1">
-                <a:schemeClr val="accent1"/>
-              </a:lnRef>
-              <a:fillRef idx="0">
-                <a:schemeClr val="accent1"/>
-              </a:fillRef>
-              <a:effectRef idx="0">
-                <a:schemeClr val="accent1"/>
-              </a:effectRef>
-              <a:fontRef idx="minor">
-                <a:schemeClr val="tx1"/>
-              </a:fontRef>
-            </p:style>
-          </p:cxnSp>
-          <p:cxnSp>
-            <p:nvCxnSpPr>
-              <p:cNvPr id="19" name="Straight Arrow Connector 18">
-                <a:extLst>
-                  <a:ext uri="{FF2B5EF4-FFF2-40B4-BE49-F238E27FC236}">
-                    <a16:creationId xmlns:a16="http://schemas.microsoft.com/office/drawing/2014/main" id="{B9E787A1-E3B1-4D5B-9B54-F3F2ED5D3244}"/>
-                  </a:ext>
-                </a:extLst>
-              </p:cNvPr>
-              <p:cNvCxnSpPr>
-                <a:cxnSpLocks/>
-              </p:cNvCxnSpPr>
-              <p:nvPr/>
-            </p:nvCxnSpPr>
-            <p:spPr>
-              <a:xfrm flipH="1">
-                <a:off x="2311026" y="1853580"/>
-                <a:ext cx="682907" cy="0"/>
-              </a:xfrm>
-              <a:prstGeom prst="straightConnector1">
-                <a:avLst/>
-              </a:prstGeom>
-              <a:ln w="31750">
-                <a:solidFill>
-                  <a:schemeClr val="tx1"/>
-                </a:solidFill>
-                <a:tailEnd type="triangle"/>
-              </a:ln>
-            </p:spPr>
-            <p:style>
-              <a:lnRef idx="1">
-                <a:schemeClr val="accent1"/>
-              </a:lnRef>
-              <a:fillRef idx="0">
-                <a:schemeClr val="accent1"/>
-              </a:fillRef>
-              <a:effectRef idx="0">
-                <a:schemeClr val="accent1"/>
-              </a:effectRef>
-              <a:fontRef idx="minor">
-                <a:schemeClr val="tx1"/>
-              </a:fontRef>
-            </p:style>
-          </p:cxnSp>
-        </p:grpSp>
-        <p:grpSp>
-          <p:nvGrpSpPr>
-            <p:cNvPr id="20" name="Group 19">
-              <a:extLst>
-                <a:ext uri="{FF2B5EF4-FFF2-40B4-BE49-F238E27FC236}">
-                  <a16:creationId xmlns:a16="http://schemas.microsoft.com/office/drawing/2014/main" id="{7B4D8BC1-CB59-437B-AE43-E1A4FCF803E7}"/>
-                </a:ext>
-              </a:extLst>
-            </p:cNvPr>
-            <p:cNvGrpSpPr/>
-            <p:nvPr/>
-          </p:nvGrpSpPr>
-          <p:grpSpPr>
-            <a:xfrm rot="2830983" flipH="1">
-              <a:off x="7839582" y="2462820"/>
-              <a:ext cx="1358794" cy="308273"/>
-              <a:chOff x="2358394" y="1671399"/>
-              <a:chExt cx="682911" cy="210273"/>
-            </a:xfrm>
-          </p:grpSpPr>
-          <p:cxnSp>
-            <p:nvCxnSpPr>
-              <p:cNvPr id="21" name="Straight Arrow Connector 20">
-                <a:extLst>
-                  <a:ext uri="{FF2B5EF4-FFF2-40B4-BE49-F238E27FC236}">
-                    <a16:creationId xmlns:a16="http://schemas.microsoft.com/office/drawing/2014/main" id="{F43F4E9F-129A-4688-9C8B-2F483B0C712C}"/>
-                  </a:ext>
-                </a:extLst>
-              </p:cNvPr>
-              <p:cNvCxnSpPr/>
-              <p:nvPr/>
-            </p:nvCxnSpPr>
-            <p:spPr>
-              <a:xfrm>
-                <a:off x="2358394" y="1671399"/>
-                <a:ext cx="682907" cy="0"/>
-              </a:xfrm>
-              <a:prstGeom prst="straightConnector1">
-                <a:avLst/>
-              </a:prstGeom>
-              <a:ln w="31750">
-                <a:solidFill>
-                  <a:schemeClr val="tx1"/>
-                </a:solidFill>
-                <a:tailEnd type="triangle"/>
-              </a:ln>
-            </p:spPr>
-            <p:style>
-              <a:lnRef idx="1">
-                <a:schemeClr val="accent1"/>
-              </a:lnRef>
-              <a:fillRef idx="0">
-                <a:schemeClr val="accent1"/>
-              </a:fillRef>
-              <a:effectRef idx="0">
-                <a:schemeClr val="accent1"/>
-              </a:effectRef>
-              <a:fontRef idx="minor">
-                <a:schemeClr val="tx1"/>
-              </a:fontRef>
-            </p:style>
-          </p:cxnSp>
-          <p:cxnSp>
-            <p:nvCxnSpPr>
-              <p:cNvPr id="22" name="Straight Arrow Connector 21">
-                <a:extLst>
-                  <a:ext uri="{FF2B5EF4-FFF2-40B4-BE49-F238E27FC236}">
-                    <a16:creationId xmlns:a16="http://schemas.microsoft.com/office/drawing/2014/main" id="{58AFBB8F-52DD-4682-B663-DE5B81E03F7B}"/>
-                  </a:ext>
-                </a:extLst>
-              </p:cNvPr>
-              <p:cNvCxnSpPr>
-                <a:cxnSpLocks/>
-              </p:cNvCxnSpPr>
-              <p:nvPr/>
-            </p:nvCxnSpPr>
-            <p:spPr>
-              <a:xfrm flipH="1">
-                <a:off x="2358398" y="1881672"/>
-                <a:ext cx="682907" cy="0"/>
-              </a:xfrm>
-              <a:prstGeom prst="straightConnector1">
-                <a:avLst/>
-              </a:prstGeom>
-              <a:ln w="31750">
-                <a:solidFill>
-                  <a:schemeClr val="tx1"/>
-                </a:solidFill>
-                <a:tailEnd type="triangle"/>
-              </a:ln>
-            </p:spPr>
-            <p:style>
-              <a:lnRef idx="1">
-                <a:schemeClr val="accent1"/>
-              </a:lnRef>
-              <a:fillRef idx="0">
-                <a:schemeClr val="accent1"/>
-              </a:fillRef>
-              <a:effectRef idx="0">
-                <a:schemeClr val="accent1"/>
-              </a:effectRef>
-              <a:fontRef idx="minor">
-                <a:schemeClr val="tx1"/>
-              </a:fontRef>
-            </p:style>
-          </p:cxnSp>
-        </p:grpSp>
+            <p:cNvGraphicFramePr/>
+            <p:nvPr>
+              <p:extLst>
+                <p:ext uri="{D42A27DB-BD31-4B8C-83A1-F6EECF244321}">
+                  <p14:modId xmlns:p14="http://schemas.microsoft.com/office/powerpoint/2010/main" val="1453472786"/>
+                </p:ext>
+              </p:extLst>
+            </p:nvPr>
+          </p:nvGraphicFramePr>
+          <p:xfrm>
+            <a:off x="6531903" y="1595741"/>
+            <a:ext cx="5275007" cy="3323448"/>
+          </p:xfrm>
+          <a:graphic>
+            <a:graphicData uri="http://schemas.openxmlformats.org/drawingml/2006/diagram">
+              <dgm:relIds xmlns:dgm="http://schemas.openxmlformats.org/drawingml/2006/diagram" xmlns:r="http://schemas.openxmlformats.org/officeDocument/2006/relationships" r:dm="rId2" r:lo="rId3" r:qs="rId4" r:cs="rId5"/>
+            </a:graphicData>
+          </a:graphic>
+        </p:graphicFrame>
       </p:grpSp>
       <p:sp>
         <p:nvSpPr>
-          <p:cNvPr id="24" name="TextBox 23">
-            <a:extLst>
-              <a:ext uri="{FF2B5EF4-FFF2-40B4-BE49-F238E27FC236}">
-                <a16:creationId xmlns:a16="http://schemas.microsoft.com/office/drawing/2014/main" id="{2728A82E-EB67-4925-A5D2-8F2ECE0F7D1B}"/>
+          <p:cNvPr id="30" name="Arrow: Right 29">
+            <a:extLst>
+              <a:ext uri="{FF2B5EF4-FFF2-40B4-BE49-F238E27FC236}">
+                <a16:creationId xmlns:a16="http://schemas.microsoft.com/office/drawing/2014/main" id="{5E930A03-8823-4B24-81DD-DE99213FDF58}"/>
+              </a:ext>
+            </a:extLst>
+          </p:cNvPr>
+          <p:cNvSpPr/>
+          <p:nvPr/>
+        </p:nvSpPr>
+        <p:spPr>
+          <a:xfrm>
+            <a:off x="5932050" y="2373867"/>
+            <a:ext cx="912711" cy="522515"/>
+          </a:xfrm>
+          <a:prstGeom prst="rightArrow">
+            <a:avLst/>
+          </a:prstGeom>
+          <a:solidFill>
+            <a:srgbClr val="00B0F0"/>
+          </a:solidFill>
+          <a:ln>
+            <a:solidFill>
+              <a:schemeClr val="tx1"/>
+            </a:solidFill>
+          </a:ln>
+        </p:spPr>
+        <p:style>
+          <a:lnRef idx="2">
+            <a:schemeClr val="accent1">
+              <a:shade val="50000"/>
+            </a:schemeClr>
+          </a:lnRef>
+          <a:fillRef idx="1">
+            <a:schemeClr val="accent1"/>
+          </a:fillRef>
+          <a:effectRef idx="0">
+            <a:schemeClr val="accent1"/>
+          </a:effectRef>
+          <a:fontRef idx="minor">
+            <a:schemeClr val="lt1"/>
+          </a:fontRef>
+        </p:style>
+        <p:txBody>
+          <a:bodyPr rtlCol="0" anchor="ctr"/>
+          <a:lstStyle/>
+          <a:p>
+            <a:pPr algn="ctr"/>
+            <a:endParaRPr lang="en-GB"/>
+          </a:p>
+        </p:txBody>
+      </p:sp>
+      <p:sp>
+        <p:nvSpPr>
+          <p:cNvPr id="34" name="Arrow: Left-Right 33">
+            <a:extLst>
+              <a:ext uri="{FF2B5EF4-FFF2-40B4-BE49-F238E27FC236}">
+                <a16:creationId xmlns:a16="http://schemas.microsoft.com/office/drawing/2014/main" id="{AE442A0B-69C8-479C-A954-82EC147820F6}"/>
+              </a:ext>
+            </a:extLst>
+          </p:cNvPr>
+          <p:cNvSpPr/>
+          <p:nvPr/>
+        </p:nvSpPr>
+        <p:spPr>
+          <a:xfrm>
+            <a:off x="2732089" y="2373877"/>
+            <a:ext cx="912711" cy="522494"/>
+          </a:xfrm>
+          <a:prstGeom prst="leftRightArrow">
+            <a:avLst/>
+          </a:prstGeom>
+          <a:solidFill>
+            <a:srgbClr val="00B0F0"/>
+          </a:solidFill>
+          <a:ln>
+            <a:solidFill>
+              <a:schemeClr val="tx1"/>
+            </a:solidFill>
+          </a:ln>
+        </p:spPr>
+        <p:style>
+          <a:lnRef idx="2">
+            <a:schemeClr val="accent1">
+              <a:shade val="50000"/>
+            </a:schemeClr>
+          </a:lnRef>
+          <a:fillRef idx="1">
+            <a:schemeClr val="accent1"/>
+          </a:fillRef>
+          <a:effectRef idx="0">
+            <a:schemeClr val="accent1"/>
+          </a:effectRef>
+          <a:fontRef idx="minor">
+            <a:schemeClr val="lt1"/>
+          </a:fontRef>
+        </p:style>
+        <p:txBody>
+          <a:bodyPr rtlCol="0" anchor="ctr"/>
+          <a:lstStyle/>
+          <a:p>
+            <a:pPr algn="ctr"/>
+            <a:endParaRPr lang="en-GB"/>
+          </a:p>
+        </p:txBody>
+      </p:sp>
+      <p:sp>
+        <p:nvSpPr>
+          <p:cNvPr id="35" name="Arrow: Right 34">
+            <a:extLst>
+              <a:ext uri="{FF2B5EF4-FFF2-40B4-BE49-F238E27FC236}">
+                <a16:creationId xmlns:a16="http://schemas.microsoft.com/office/drawing/2014/main" id="{BFD9606E-1753-4D44-B54B-1964B415A4BD}"/>
+              </a:ext>
+            </a:extLst>
+          </p:cNvPr>
+          <p:cNvSpPr/>
+          <p:nvPr/>
+        </p:nvSpPr>
+        <p:spPr>
+          <a:xfrm rot="10800000">
+            <a:off x="2708365" y="4360559"/>
+            <a:ext cx="4023360" cy="522515"/>
+          </a:xfrm>
+          <a:prstGeom prst="rightArrow">
+            <a:avLst/>
+          </a:prstGeom>
+          <a:solidFill>
+            <a:srgbClr val="00B0F0"/>
+          </a:solidFill>
+          <a:ln>
+            <a:solidFill>
+              <a:schemeClr val="tx1"/>
+            </a:solidFill>
+          </a:ln>
+        </p:spPr>
+        <p:style>
+          <a:lnRef idx="2">
+            <a:schemeClr val="accent1">
+              <a:shade val="50000"/>
+            </a:schemeClr>
+          </a:lnRef>
+          <a:fillRef idx="1">
+            <a:schemeClr val="accent1"/>
+          </a:fillRef>
+          <a:effectRef idx="0">
+            <a:schemeClr val="accent1"/>
+          </a:effectRef>
+          <a:fontRef idx="minor">
+            <a:schemeClr val="lt1"/>
+          </a:fontRef>
+        </p:style>
+        <p:txBody>
+          <a:bodyPr rtlCol="0" anchor="ctr"/>
+          <a:lstStyle/>
+          <a:p>
+            <a:pPr algn="ctr"/>
+            <a:endParaRPr lang="en-GB"/>
+          </a:p>
+        </p:txBody>
+      </p:sp>
+      <p:pic>
+        <p:nvPicPr>
+          <p:cNvPr id="37" name="Picture 2">
+            <a:extLst>
+              <a:ext uri="{FF2B5EF4-FFF2-40B4-BE49-F238E27FC236}">
+                <a16:creationId xmlns:a16="http://schemas.microsoft.com/office/drawing/2014/main" id="{3581F00A-6249-493D-82EC-BD85FC6DF0B0}"/>
+              </a:ext>
+            </a:extLst>
+          </p:cNvPr>
+          <p:cNvPicPr>
+            <a:picLocks noChangeAspect="1" noChangeArrowheads="1"/>
+          </p:cNvPicPr>
+          <p:nvPr/>
+        </p:nvPicPr>
+        <p:blipFill>
+          <a:blip r:embed="rId7">
+            <a:extLst>
+              <a:ext uri="{28A0092B-C50C-407E-A947-70E740481C1C}">
+                <a14:useLocalDpi xmlns:a14="http://schemas.microsoft.com/office/drawing/2010/main" val="0"/>
+              </a:ext>
+            </a:extLst>
+          </a:blip>
+          <a:srcRect/>
+          <a:stretch>
+            <a:fillRect/>
+          </a:stretch>
+        </p:blipFill>
+        <p:spPr bwMode="auto">
+          <a:xfrm>
+            <a:off x="4830687" y="3974821"/>
+            <a:ext cx="1267573" cy="335709"/>
+          </a:xfrm>
+          <a:prstGeom prst="rect">
+            <a:avLst/>
+          </a:prstGeom>
+          <a:solidFill>
+            <a:schemeClr val="bg1"/>
+          </a:solidFill>
+        </p:spPr>
+      </p:pic>
+      <p:pic>
+        <p:nvPicPr>
+          <p:cNvPr id="38" name="Picture 6" descr="Release 6.14.0">
+            <a:extLst>
+              <a:ext uri="{FF2B5EF4-FFF2-40B4-BE49-F238E27FC236}">
+                <a16:creationId xmlns:a16="http://schemas.microsoft.com/office/drawing/2014/main" id="{1F91342E-A6F5-40F1-9F57-8B22838C97D3}"/>
+              </a:ext>
+            </a:extLst>
+          </p:cNvPr>
+          <p:cNvPicPr>
+            <a:picLocks noChangeAspect="1" noChangeArrowheads="1"/>
+          </p:cNvPicPr>
+          <p:nvPr/>
+        </p:nvPicPr>
+        <p:blipFill>
+          <a:blip r:embed="rId8">
+            <a:extLst>
+              <a:ext uri="{28A0092B-C50C-407E-A947-70E740481C1C}">
+                <a14:useLocalDpi xmlns:a14="http://schemas.microsoft.com/office/drawing/2010/main" val="0"/>
+              </a:ext>
+            </a:extLst>
+          </a:blip>
+          <a:srcRect/>
+          <a:stretch>
+            <a:fillRect/>
+          </a:stretch>
+        </p:blipFill>
+        <p:spPr bwMode="auto">
+          <a:xfrm>
+            <a:off x="10757503" y="5793129"/>
+            <a:ext cx="1136491" cy="416612"/>
+          </a:xfrm>
+          <a:prstGeom prst="rect">
+            <a:avLst/>
+          </a:prstGeom>
+          <a:noFill/>
+          <a:effectLst/>
+          <a:extLst>
+            <a:ext uri="{909E8E84-426E-40DD-AFC4-6F175D3DCCD1}">
+              <a14:hiddenFill xmlns:a14="http://schemas.microsoft.com/office/drawing/2010/main">
+                <a:solidFill>
+                  <a:srgbClr val="FFFFFF"/>
+                </a:solidFill>
+              </a14:hiddenFill>
+            </a:ext>
+          </a:extLst>
+        </p:spPr>
+      </p:pic>
+      <p:sp>
+        <p:nvSpPr>
+          <p:cNvPr id="39" name="TextBox 38">
+            <a:extLst>
+              <a:ext uri="{FF2B5EF4-FFF2-40B4-BE49-F238E27FC236}">
+                <a16:creationId xmlns:a16="http://schemas.microsoft.com/office/drawing/2014/main" id="{80DDA2D2-E961-4158-B36A-E50823ADDC62}"/>
               </a:ext>
             </a:extLst>
           </p:cNvPr>
@@ -6223,13 +8826,27 @@
         </p:nvSpPr>
         <p:spPr>
           <a:xfrm>
-            <a:off x="597160" y="251927"/>
-            <a:ext cx="2100703" cy="369332"/>
+            <a:off x="548015" y="1155053"/>
+            <a:ext cx="2105063" cy="369332"/>
           </a:xfrm>
           <a:prstGeom prst="rect">
             <a:avLst/>
           </a:prstGeom>
-          <a:noFill/>
+          <a:solidFill>
+            <a:schemeClr val="bg1"/>
+          </a:solidFill>
+          <a:ln>
+            <a:solidFill>
+              <a:srgbClr val="002060"/>
+            </a:solidFill>
+          </a:ln>
+          <a:effectLst>
+            <a:outerShdw blurRad="50800" dist="38100" dir="2700000" algn="tl" rotWithShape="0">
+              <a:prstClr val="black">
+                <a:alpha val="40000"/>
+              </a:prstClr>
+            </a:outerShdw>
+          </a:effectLst>
         </p:spPr>
         <p:txBody>
           <a:bodyPr wrap="none" rtlCol="0">
@@ -6238,8 +8855,106 @@
           <a:lstStyle/>
           <a:p>
             <a:r>
-              <a:rPr lang="en-SG" b="1" u="sng" dirty="0"/>
-              <a:t>System Architecture</a:t>
+              <a:rPr lang="en-SG" dirty="0"/>
+              <a:t>User Input &amp; Output</a:t>
+            </a:r>
+          </a:p>
+        </p:txBody>
+      </p:sp>
+      <p:sp>
+        <p:nvSpPr>
+          <p:cNvPr id="40" name="TextBox 39">
+            <a:extLst>
+              <a:ext uri="{FF2B5EF4-FFF2-40B4-BE49-F238E27FC236}">
+                <a16:creationId xmlns:a16="http://schemas.microsoft.com/office/drawing/2014/main" id="{DB53C88C-85C4-41FC-A7B1-670BD4C7EAAA}"/>
+              </a:ext>
+            </a:extLst>
+          </p:cNvPr>
+          <p:cNvSpPr txBox="1"/>
+          <p:nvPr/>
+        </p:nvSpPr>
+        <p:spPr>
+          <a:xfrm>
+            <a:off x="3855198" y="1152657"/>
+            <a:ext cx="1834798" cy="369332"/>
+          </a:xfrm>
+          <a:prstGeom prst="rect">
+            <a:avLst/>
+          </a:prstGeom>
+          <a:solidFill>
+            <a:schemeClr val="bg1"/>
+          </a:solidFill>
+          <a:ln>
+            <a:solidFill>
+              <a:srgbClr val="002060"/>
+            </a:solidFill>
+          </a:ln>
+          <a:effectLst>
+            <a:outerShdw blurRad="50800" dist="38100" dir="2700000" algn="tl" rotWithShape="0">
+              <a:prstClr val="black">
+                <a:alpha val="40000"/>
+              </a:prstClr>
+            </a:outerShdw>
+          </a:effectLst>
+        </p:spPr>
+        <p:txBody>
+          <a:bodyPr wrap="none" rtlCol="0">
+            <a:spAutoFit/>
+          </a:bodyPr>
+          <a:lstStyle/>
+          <a:p>
+            <a:r>
+              <a:rPr lang="en-SG" dirty="0"/>
+              <a:t>Conversational UI</a:t>
+            </a:r>
+          </a:p>
+        </p:txBody>
+      </p:sp>
+      <p:sp>
+        <p:nvSpPr>
+          <p:cNvPr id="41" name="TextBox 40">
+            <a:extLst>
+              <a:ext uri="{FF2B5EF4-FFF2-40B4-BE49-F238E27FC236}">
+                <a16:creationId xmlns:a16="http://schemas.microsoft.com/office/drawing/2014/main" id="{78B52E51-4252-40B5-AE6B-FBAE7CBDADBB}"/>
+              </a:ext>
+            </a:extLst>
+          </p:cNvPr>
+          <p:cNvSpPr txBox="1"/>
+          <p:nvPr/>
+        </p:nvSpPr>
+        <p:spPr>
+          <a:xfrm>
+            <a:off x="8487080" y="1152657"/>
+            <a:ext cx="1538819" cy="369332"/>
+          </a:xfrm>
+          <a:prstGeom prst="rect">
+            <a:avLst/>
+          </a:prstGeom>
+          <a:solidFill>
+            <a:schemeClr val="bg1"/>
+          </a:solidFill>
+          <a:ln>
+            <a:solidFill>
+              <a:srgbClr val="002060"/>
+            </a:solidFill>
+          </a:ln>
+          <a:effectLst>
+            <a:outerShdw blurRad="50800" dist="38100" dir="2700000" algn="tl" rotWithShape="0">
+              <a:prstClr val="black">
+                <a:alpha val="40000"/>
+              </a:prstClr>
+            </a:outerShdw>
+          </a:effectLst>
+        </p:spPr>
+        <p:txBody>
+          <a:bodyPr wrap="none" rtlCol="0">
+            <a:spAutoFit/>
+          </a:bodyPr>
+          <a:lstStyle/>
+          <a:p>
+            <a:r>
+              <a:rPr lang="en-SG" dirty="0"/>
+              <a:t>RPA Controller</a:t>
             </a:r>
           </a:p>
         </p:txBody>
@@ -6289,7 +9004,7 @@
         <p:spPr>
           <a:xfrm>
             <a:off x="597160" y="251927"/>
-            <a:ext cx="3407600" cy="369332"/>
+            <a:ext cx="3460499" cy="369332"/>
           </a:xfrm>
           <a:prstGeom prst="rect">
             <a:avLst/>
@@ -6304,13 +9019,8 @@
           <a:p>
             <a:r>
               <a:rPr lang="en-SG" b="1" u="sng" dirty="0"/>
-              <a:t>Technical Explanation of </a:t>
+              <a:t>Technical Explanation of Use Cases</a:t>
             </a:r>
-            <a:r>
-              <a:rPr lang="en-SG" b="1" u="sng" dirty="0" err="1"/>
-              <a:t>Usecases</a:t>
-            </a:r>
-            <a:endParaRPr lang="en-SG" b="1" u="sng" dirty="0"/>
           </a:p>
         </p:txBody>
       </p:sp>
@@ -6460,7 +9170,33 @@
                 <a:ea typeface="DengXian" panose="02010600030101010101" pitchFamily="2" charset="-122"/>
                 <a:cs typeface="Arial" panose="020B0604020202020204" pitchFamily="34" charset="0"/>
               </a:rPr>
-              <a:t>Conversational UI &amp; Email</a:t>
+              <a:t>Conversational UI &amp; </a:t>
+            </a:r>
+            <a:r>
+              <a:rPr lang="en-US" altLang="ja-JP" dirty="0">
+                <a:solidFill>
+                  <a:schemeClr val="bg1"/>
+                </a:solidFill>
+                <a:latin typeface="Arial" panose="020B0604020202020204" pitchFamily="34" charset="0"/>
+                <a:ea typeface="DengXian" panose="02010600030101010101" pitchFamily="2" charset="-122"/>
+                <a:cs typeface="Arial" panose="020B0604020202020204" pitchFamily="34" charset="0"/>
+              </a:rPr>
+              <a:t>E</a:t>
+            </a:r>
+            <a:r>
+              <a:rPr kumimoji="0" lang="en-US" altLang="ja-JP" b="0" i="0" u="none" strike="noStrike" cap="none" normalizeH="0" baseline="0" dirty="0">
+                <a:ln>
+                  <a:noFill/>
+                </a:ln>
+                <a:solidFill>
+                  <a:schemeClr val="bg1"/>
+                </a:solidFill>
+                <a:effectLst/>
+                <a:latin typeface="Arial" panose="020B0604020202020204" pitchFamily="34" charset="0"/>
+                <a:ea typeface="DengXian" panose="02010600030101010101" pitchFamily="2" charset="-122"/>
+                <a:cs typeface="Arial" panose="020B0604020202020204" pitchFamily="34" charset="0"/>
+              </a:rPr>
+              <a:t>mail</a:t>
             </a:r>
             <a:endParaRPr kumimoji="0" lang="en-US" altLang="ja-JP" b="0" i="0" u="none" strike="noStrike" cap="none" normalizeH="0" baseline="0" dirty="0">
               <a:ln>
@@ -6675,13 +9411,24 @@
               <a:buFont typeface="Arial" panose="020B0604020202020204" pitchFamily="34" charset="0"/>
               <a:buChar char="•"/>
             </a:pPr>
+            <a:endParaRPr lang="en-SG" dirty="0">
+              <a:solidFill>
+                <a:schemeClr val="tx1"/>
+              </a:solidFill>
+            </a:endParaRPr>
+          </a:p>
+          <a:p>
+            <a:pPr marL="285750" indent="-285750">
+              <a:buFont typeface="Arial" panose="020B0604020202020204" pitchFamily="34" charset="0"/>
+              <a:buChar char="•"/>
+            </a:pPr>
             <a:r>
               <a:rPr lang="en-SG" dirty="0">
                 <a:solidFill>
                   <a:schemeClr val="tx1"/>
                 </a:solidFill>
               </a:rPr>
-              <a:t>Qwerty</a:t>
+              <a:t>Powered by Gmail</a:t>
             </a:r>
           </a:p>
         </p:txBody>
@@ -6869,7 +9616,7 @@
         </p:blipFill>
         <p:spPr bwMode="auto">
           <a:xfrm>
-            <a:off x="1901431" y="803072"/>
+            <a:off x="2069721" y="777786"/>
             <a:ext cx="1703428" cy="1705067"/>
           </a:xfrm>
           <a:prstGeom prst="rect">
@@ -6914,8 +9661,8 @@
         </p:blipFill>
         <p:spPr bwMode="auto">
           <a:xfrm>
-            <a:off x="4659469" y="844478"/>
-            <a:ext cx="1770077" cy="749430"/>
+            <a:off x="6225471" y="1397231"/>
+            <a:ext cx="1730449" cy="732652"/>
           </a:xfrm>
           <a:prstGeom prst="rect">
             <a:avLst/>
@@ -6959,8 +9706,8 @@
         </p:blipFill>
         <p:spPr bwMode="auto">
           <a:xfrm>
-            <a:off x="5890761" y="1333850"/>
-            <a:ext cx="1832710" cy="1425942"/>
+            <a:off x="4463092" y="1121982"/>
+            <a:ext cx="1762379" cy="1371221"/>
           </a:xfrm>
           <a:prstGeom prst="rect">
             <a:avLst/>
@@ -7013,6 +9760,100 @@
             <a:avLst/>
           </a:prstGeom>
           <a:noFill/>
+          <a:extLst>
+            <a:ext uri="{909E8E84-426E-40DD-AFC4-6F175D3DCCD1}">
+              <a14:hiddenFill xmlns:a14="http://schemas.microsoft.com/office/drawing/2010/main">
+                <a:solidFill>
+                  <a:srgbClr val="FFFFFF"/>
+                </a:solidFill>
+              </a14:hiddenFill>
+            </a:ext>
+          </a:extLst>
+        </p:spPr>
+      </p:pic>
+      <p:pic>
+        <p:nvPicPr>
+          <p:cNvPr id="2" name="Picture 2">
+            <a:extLst>
+              <a:ext uri="{FF2B5EF4-FFF2-40B4-BE49-F238E27FC236}">
+                <a16:creationId xmlns:a16="http://schemas.microsoft.com/office/drawing/2014/main" id="{E9ACEE18-34A1-433F-BCE3-148909EDB217}"/>
+              </a:ext>
+            </a:extLst>
+          </p:cNvPr>
+          <p:cNvPicPr>
+            <a:picLocks noChangeAspect="1" noChangeArrowheads="1"/>
+          </p:cNvPicPr>
+          <p:nvPr/>
+        </p:nvPicPr>
+        <p:blipFill>
+          <a:blip r:embed="rId7">
+            <a:extLst>
+              <a:ext uri="{28A0092B-C50C-407E-A947-70E740481C1C}">
+                <a14:useLocalDpi xmlns:a14="http://schemas.microsoft.com/office/drawing/2010/main" val="0"/>
+              </a:ext>
+            </a:extLst>
+          </a:blip>
+          <a:srcRect/>
+          <a:stretch>
+            <a:fillRect/>
+          </a:stretch>
+        </p:blipFill>
+        <p:spPr bwMode="auto">
+          <a:xfrm>
+            <a:off x="1950268" y="2557479"/>
+            <a:ext cx="1998895" cy="529395"/>
+          </a:xfrm>
+          <a:prstGeom prst="rect">
+            <a:avLst/>
+          </a:prstGeom>
+          <a:solidFill>
+            <a:schemeClr val="bg1"/>
+          </a:solidFill>
+        </p:spPr>
+      </p:pic>
+      <p:pic>
+        <p:nvPicPr>
+          <p:cNvPr id="17" name="Picture 6" descr="Release 6.14.0">
+            <a:extLst>
+              <a:ext uri="{FF2B5EF4-FFF2-40B4-BE49-F238E27FC236}">
+                <a16:creationId xmlns:a16="http://schemas.microsoft.com/office/drawing/2014/main" id="{B9708D2D-7439-4C37-9549-9E86CF20F61F}"/>
+              </a:ext>
+            </a:extLst>
+          </p:cNvPr>
+          <p:cNvPicPr>
+            <a:picLocks noChangeAspect="1" noChangeArrowheads="1"/>
+          </p:cNvPicPr>
+          <p:nvPr/>
+        </p:nvPicPr>
+        <p:blipFill>
+          <a:blip r:embed="rId8">
+            <a:extLst>
+              <a:ext uri="{28A0092B-C50C-407E-A947-70E740481C1C}">
+                <a14:useLocalDpi xmlns:a14="http://schemas.microsoft.com/office/drawing/2010/main" val="0"/>
+              </a:ext>
+            </a:extLst>
+          </a:blip>
+          <a:srcRect/>
+          <a:stretch>
+            <a:fillRect/>
+          </a:stretch>
+        </p:blipFill>
+        <p:spPr bwMode="auto">
+          <a:xfrm>
+            <a:off x="5349447" y="2369735"/>
+            <a:ext cx="1628678" cy="597036"/>
+          </a:xfrm>
+          <a:prstGeom prst="rect">
+            <a:avLst/>
+          </a:prstGeom>
+          <a:noFill/>
+          <a:effectLst>
+            <a:outerShdw blurRad="50800" dist="38100" dir="2700000" algn="tl" rotWithShape="0">
+              <a:prstClr val="black">
+                <a:alpha val="40000"/>
+              </a:prstClr>
+            </a:outerShdw>
+          </a:effectLst>
           <a:extLst>
             <a:ext uri="{909E8E84-426E-40DD-AFC4-6F175D3DCCD1}">
               <a14:hiddenFill xmlns:a14="http://schemas.microsoft.com/office/drawing/2010/main">
@@ -7054,6 +9895,483 @@
           <a:chExt cx="0" cy="0"/>
         </a:xfrm>
       </p:grpSpPr>
+      <p:pic>
+        <p:nvPicPr>
+          <p:cNvPr id="52" name="Picture 51">
+            <a:extLst>
+              <a:ext uri="{FF2B5EF4-FFF2-40B4-BE49-F238E27FC236}">
+                <a16:creationId xmlns:a16="http://schemas.microsoft.com/office/drawing/2014/main" id="{155126E9-0A69-4C32-988D-12D625D441C9}"/>
+              </a:ext>
+            </a:extLst>
+          </p:cNvPr>
+          <p:cNvPicPr>
+            <a:picLocks noChangeAspect="1"/>
+          </p:cNvPicPr>
+          <p:nvPr/>
+        </p:nvPicPr>
+        <p:blipFill rotWithShape="1">
+          <a:blip r:embed="rId2" cstate="print">
+            <a:extLst>
+              <a:ext uri="{28A0092B-C50C-407E-A947-70E740481C1C}">
+                <a14:useLocalDpi xmlns:a14="http://schemas.microsoft.com/office/drawing/2010/main" val="0"/>
+              </a:ext>
+            </a:extLst>
+          </a:blip>
+          <a:srcRect t="12343" b="71284"/>
+          <a:stretch/>
+        </p:blipFill>
+        <p:spPr bwMode="auto">
+          <a:xfrm>
+            <a:off x="5564701" y="5967469"/>
+            <a:ext cx="2286000" cy="811053"/>
+          </a:xfrm>
+          <a:prstGeom prst="rect">
+            <a:avLst/>
+          </a:prstGeom>
+          <a:noFill/>
+          <a:ln>
+            <a:noFill/>
+          </a:ln>
+          <a:effectLst>
+            <a:outerShdw blurRad="50800" dist="38100" dir="2700000" algn="tl" rotWithShape="0">
+              <a:prstClr val="black">
+                <a:alpha val="40000"/>
+              </a:prstClr>
+            </a:outerShdw>
+          </a:effectLst>
+        </p:spPr>
+      </p:pic>
+      <p:sp>
+        <p:nvSpPr>
+          <p:cNvPr id="36" name="Rectangle 35">
+            <a:extLst>
+              <a:ext uri="{FF2B5EF4-FFF2-40B4-BE49-F238E27FC236}">
+                <a16:creationId xmlns:a16="http://schemas.microsoft.com/office/drawing/2014/main" id="{BC6D5EF3-2BCB-4C9C-9710-50244CD3B25D}"/>
+              </a:ext>
+            </a:extLst>
+          </p:cNvPr>
+          <p:cNvSpPr/>
+          <p:nvPr/>
+        </p:nvSpPr>
+        <p:spPr>
+          <a:xfrm>
+            <a:off x="9116521" y="609651"/>
+            <a:ext cx="1035661" cy="6154022"/>
+          </a:xfrm>
+          <a:prstGeom prst="rect">
+            <a:avLst/>
+          </a:prstGeom>
+          <a:solidFill>
+            <a:schemeClr val="accent4">
+              <a:lumMod val="60000"/>
+              <a:lumOff val="40000"/>
+            </a:schemeClr>
+          </a:solidFill>
+          <a:ln w="19050">
+            <a:solidFill>
+              <a:schemeClr val="tx1"/>
+            </a:solidFill>
+          </a:ln>
+        </p:spPr>
+        <p:style>
+          <a:lnRef idx="2">
+            <a:schemeClr val="accent1">
+              <a:shade val="50000"/>
+            </a:schemeClr>
+          </a:lnRef>
+          <a:fillRef idx="1">
+            <a:schemeClr val="accent1"/>
+          </a:fillRef>
+          <a:effectRef idx="0">
+            <a:schemeClr val="accent1"/>
+          </a:effectRef>
+          <a:fontRef idx="minor">
+            <a:schemeClr val="lt1"/>
+          </a:fontRef>
+        </p:style>
+        <p:txBody>
+          <a:bodyPr rtlCol="0" anchor="ctr"/>
+          <a:lstStyle/>
+          <a:p>
+            <a:pPr algn="ctr"/>
+            <a:r>
+              <a:rPr lang="en-US" sz="1400" dirty="0">
+                <a:solidFill>
+                  <a:sysClr val="windowText" lastClr="000000"/>
+                </a:solidFill>
+              </a:rPr>
+              <a:t>Python Webhook Thread</a:t>
+            </a:r>
+          </a:p>
+          <a:p>
+            <a:pPr algn="ctr"/>
+            <a:endParaRPr lang="en-US" sz="1400" dirty="0">
+              <a:solidFill>
+                <a:sysClr val="windowText" lastClr="000000"/>
+              </a:solidFill>
+            </a:endParaRPr>
+          </a:p>
+          <a:p>
+            <a:pPr algn="ctr"/>
+            <a:r>
+              <a:rPr lang="en-US" sz="1400" dirty="0">
+                <a:solidFill>
+                  <a:sysClr val="windowText" lastClr="000000"/>
+                </a:solidFill>
+              </a:rPr>
+              <a:t>Flask Library</a:t>
+            </a:r>
+          </a:p>
+        </p:txBody>
+      </p:sp>
+      <p:grpSp>
+        <p:nvGrpSpPr>
+          <p:cNvPr id="47" name="Group 46">
+            <a:extLst>
+              <a:ext uri="{FF2B5EF4-FFF2-40B4-BE49-F238E27FC236}">
+                <a16:creationId xmlns:a16="http://schemas.microsoft.com/office/drawing/2014/main" id="{FE811B1E-A79B-4019-A3A7-B8A5288FBEA3}"/>
+              </a:ext>
+            </a:extLst>
+          </p:cNvPr>
+          <p:cNvGrpSpPr/>
+          <p:nvPr/>
+        </p:nvGrpSpPr>
+        <p:grpSpPr>
+          <a:xfrm>
+            <a:off x="3802944" y="4062148"/>
+            <a:ext cx="5342684" cy="2004591"/>
+            <a:chOff x="3907452" y="4227619"/>
+            <a:chExt cx="5342684" cy="2004591"/>
+          </a:xfrm>
+        </p:grpSpPr>
+        <p:sp>
+          <p:nvSpPr>
+            <p:cNvPr id="44" name="Freeform: Shape 43">
+              <a:extLst>
+                <a:ext uri="{FF2B5EF4-FFF2-40B4-BE49-F238E27FC236}">
+                  <a16:creationId xmlns:a16="http://schemas.microsoft.com/office/drawing/2014/main" id="{EB788737-59A6-4A3D-BE6F-A43F6D9E42D4}"/>
+                </a:ext>
+              </a:extLst>
+            </p:cNvPr>
+            <p:cNvSpPr/>
+            <p:nvPr/>
+          </p:nvSpPr>
+          <p:spPr>
+            <a:xfrm rot="5400000">
+              <a:off x="5576498" y="2558573"/>
+              <a:ext cx="2004591" cy="5342684"/>
+            </a:xfrm>
+            <a:custGeom>
+              <a:avLst/>
+              <a:gdLst>
+                <a:gd name="connsiteX0" fmla="*/ 0 w 2004591"/>
+                <a:gd name="connsiteY0" fmla="*/ 5443413 h 5443413"/>
+                <a:gd name="connsiteX1" fmla="*/ 0 w 2004591"/>
+                <a:gd name="connsiteY1" fmla="*/ 5139978 h 5443413"/>
+                <a:gd name="connsiteX2" fmla="*/ 1557938 w 2004591"/>
+                <a:gd name="connsiteY2" fmla="*/ 5139978 h 5443413"/>
+                <a:gd name="connsiteX3" fmla="*/ 1557938 w 2004591"/>
+                <a:gd name="connsiteY3" fmla="*/ 2690714 h 5443413"/>
+                <a:gd name="connsiteX4" fmla="*/ 1166568 w 2004591"/>
+                <a:gd name="connsiteY4" fmla="*/ 2690714 h 5443413"/>
+                <a:gd name="connsiteX5" fmla="*/ 1166568 w 2004591"/>
+                <a:gd name="connsiteY5" fmla="*/ 2391924 h 5443413"/>
+                <a:gd name="connsiteX6" fmla="*/ 1557938 w 2004591"/>
+                <a:gd name="connsiteY6" fmla="*/ 2391924 h 5443413"/>
+                <a:gd name="connsiteX7" fmla="*/ 1557938 w 2004591"/>
+                <a:gd name="connsiteY7" fmla="*/ 306342 h 5443413"/>
+                <a:gd name="connsiteX8" fmla="*/ 1414720 w 2004591"/>
+                <a:gd name="connsiteY8" fmla="*/ 306342 h 5443413"/>
+                <a:gd name="connsiteX9" fmla="*/ 1709656 w 2004591"/>
+                <a:gd name="connsiteY9" fmla="*/ 0 h 5443413"/>
+                <a:gd name="connsiteX10" fmla="*/ 2004591 w 2004591"/>
+                <a:gd name="connsiteY10" fmla="*/ 306342 h 5443413"/>
+                <a:gd name="connsiteX11" fmla="*/ 1861373 w 2004591"/>
+                <a:gd name="connsiteY11" fmla="*/ 306342 h 5443413"/>
+                <a:gd name="connsiteX12" fmla="*/ 1861373 w 2004591"/>
+                <a:gd name="connsiteY12" fmla="*/ 5443413 h 5443413"/>
+              </a:gdLst>
+              <a:ahLst/>
+              <a:cxnLst>
+                <a:cxn ang="0">
+                  <a:pos x="connsiteX0" y="connsiteY0"/>
+                </a:cxn>
+                <a:cxn ang="0">
+                  <a:pos x="connsiteX1" y="connsiteY1"/>
+                </a:cxn>
+                <a:cxn ang="0">
+                  <a:pos x="connsiteX2" y="connsiteY2"/>
+                </a:cxn>
+                <a:cxn ang="0">
+                  <a:pos x="connsiteX3" y="connsiteY3"/>
+                </a:cxn>
+                <a:cxn ang="0">
+                  <a:pos x="connsiteX4" y="connsiteY4"/>
+                </a:cxn>
+                <a:cxn ang="0">
+                  <a:pos x="connsiteX5" y="connsiteY5"/>
+                </a:cxn>
+                <a:cxn ang="0">
+                  <a:pos x="connsiteX6" y="connsiteY6"/>
+                </a:cxn>
+                <a:cxn ang="0">
+                  <a:pos x="connsiteX7" y="connsiteY7"/>
+                </a:cxn>
+                <a:cxn ang="0">
+                  <a:pos x="connsiteX8" y="connsiteY8"/>
+                </a:cxn>
+                <a:cxn ang="0">
+                  <a:pos x="connsiteX9" y="connsiteY9"/>
+                </a:cxn>
+                <a:cxn ang="0">
+                  <a:pos x="connsiteX10" y="connsiteY10"/>
+                </a:cxn>
+                <a:cxn ang="0">
+                  <a:pos x="connsiteX11" y="connsiteY11"/>
+                </a:cxn>
+                <a:cxn ang="0">
+                  <a:pos x="connsiteX12" y="connsiteY12"/>
+                </a:cxn>
+              </a:cxnLst>
+              <a:rect l="l" t="t" r="r" b="b"/>
+              <a:pathLst>
+                <a:path w="2004591" h="5443413">
+                  <a:moveTo>
+                    <a:pt x="0" y="5443413"/>
+                  </a:moveTo>
+                  <a:lnTo>
+                    <a:pt x="0" y="5139978"/>
+                  </a:lnTo>
+                  <a:lnTo>
+                    <a:pt x="1557938" y="5139978"/>
+                  </a:lnTo>
+                  <a:lnTo>
+                    <a:pt x="1557938" y="2690714"/>
+                  </a:lnTo>
+                  <a:lnTo>
+                    <a:pt x="1166568" y="2690714"/>
+                  </a:lnTo>
+                  <a:lnTo>
+                    <a:pt x="1166568" y="2391924"/>
+                  </a:lnTo>
+                  <a:lnTo>
+                    <a:pt x="1557938" y="2391924"/>
+                  </a:lnTo>
+                  <a:lnTo>
+                    <a:pt x="1557938" y="306342"/>
+                  </a:lnTo>
+                  <a:lnTo>
+                    <a:pt x="1414720" y="306342"/>
+                  </a:lnTo>
+                  <a:lnTo>
+                    <a:pt x="1709656" y="0"/>
+                  </a:lnTo>
+                  <a:lnTo>
+                    <a:pt x="2004591" y="306342"/>
+                  </a:lnTo>
+                  <a:lnTo>
+                    <a:pt x="1861373" y="306342"/>
+                  </a:lnTo>
+                  <a:lnTo>
+                    <a:pt x="1861373" y="5443413"/>
+                  </a:lnTo>
+                  <a:close/>
+                </a:path>
+              </a:pathLst>
+            </a:custGeom>
+            <a:solidFill>
+              <a:srgbClr val="002060"/>
+            </a:solidFill>
+            <a:effectLst>
+              <a:outerShdw blurRad="50800" dist="38100" dir="2700000" algn="tl" rotWithShape="0">
+                <a:prstClr val="black">
+                  <a:alpha val="40000"/>
+                </a:prstClr>
+              </a:outerShdw>
+            </a:effectLst>
+          </p:spPr>
+          <p:style>
+            <a:lnRef idx="2">
+              <a:schemeClr val="accent1">
+                <a:shade val="50000"/>
+              </a:schemeClr>
+            </a:lnRef>
+            <a:fillRef idx="1">
+              <a:schemeClr val="accent1"/>
+            </a:fillRef>
+            <a:effectRef idx="0">
+              <a:schemeClr val="accent1"/>
+            </a:effectRef>
+            <a:fontRef idx="minor">
+              <a:schemeClr val="lt1"/>
+            </a:fontRef>
+          </p:style>
+          <p:txBody>
+            <a:bodyPr wrap="square" rtlCol="0" anchor="ctr">
+              <a:noAutofit/>
+            </a:bodyPr>
+            <a:lstStyle/>
+            <a:p>
+              <a:pPr algn="ctr"/>
+              <a:endParaRPr lang="en-GB" dirty="0"/>
+            </a:p>
+          </p:txBody>
+        </p:sp>
+        <p:sp>
+          <p:nvSpPr>
+            <p:cNvPr id="43" name="TextBox 42">
+              <a:extLst>
+                <a:ext uri="{FF2B5EF4-FFF2-40B4-BE49-F238E27FC236}">
+                  <a16:creationId xmlns:a16="http://schemas.microsoft.com/office/drawing/2014/main" id="{6AF7C831-770E-465B-85D7-6BDA8F97142E}"/>
+                </a:ext>
+              </a:extLst>
+            </p:cNvPr>
+            <p:cNvSpPr txBox="1"/>
+            <p:nvPr/>
+          </p:nvSpPr>
+          <p:spPr>
+            <a:xfrm>
+              <a:off x="5577376" y="5808733"/>
+              <a:ext cx="1329820" cy="276999"/>
+            </a:xfrm>
+            <a:prstGeom prst="rect">
+              <a:avLst/>
+            </a:prstGeom>
+            <a:noFill/>
+          </p:spPr>
+          <p:txBody>
+            <a:bodyPr wrap="square" rtlCol="0">
+              <a:spAutoFit/>
+            </a:bodyPr>
+            <a:lstStyle/>
+            <a:p>
+              <a:pPr algn="ctr"/>
+              <a:r>
+                <a:rPr lang="en-US" sz="1200" dirty="0">
+                  <a:solidFill>
+                    <a:schemeClr val="bg1"/>
+                  </a:solidFill>
+                </a:rPr>
+                <a:t>Trigger RPA</a:t>
+              </a:r>
+              <a:endParaRPr lang="en-GB" sz="1200" dirty="0">
+                <a:solidFill>
+                  <a:schemeClr val="bg1"/>
+                </a:solidFill>
+              </a:endParaRPr>
+            </a:p>
+          </p:txBody>
+        </p:sp>
+      </p:grpSp>
+      <p:sp>
+        <p:nvSpPr>
+          <p:cNvPr id="48" name="Rectangle 47">
+            <a:extLst>
+              <a:ext uri="{FF2B5EF4-FFF2-40B4-BE49-F238E27FC236}">
+                <a16:creationId xmlns:a16="http://schemas.microsoft.com/office/drawing/2014/main" id="{2469EECA-5CF9-45B0-A9C0-94B1BAC0EF45}"/>
+              </a:ext>
+            </a:extLst>
+          </p:cNvPr>
+          <p:cNvSpPr/>
+          <p:nvPr/>
+        </p:nvSpPr>
+        <p:spPr>
+          <a:xfrm>
+            <a:off x="10254038" y="5242549"/>
+            <a:ext cx="1035661" cy="1521124"/>
+          </a:xfrm>
+          <a:prstGeom prst="rect">
+            <a:avLst/>
+          </a:prstGeom>
+          <a:solidFill>
+            <a:schemeClr val="bg1">
+              <a:lumMod val="75000"/>
+            </a:schemeClr>
+          </a:solidFill>
+          <a:ln w="19050">
+            <a:solidFill>
+              <a:schemeClr val="tx1"/>
+            </a:solidFill>
+          </a:ln>
+        </p:spPr>
+        <p:style>
+          <a:lnRef idx="2">
+            <a:schemeClr val="accent1">
+              <a:shade val="50000"/>
+            </a:schemeClr>
+          </a:lnRef>
+          <a:fillRef idx="1">
+            <a:schemeClr val="accent1"/>
+          </a:fillRef>
+          <a:effectRef idx="0">
+            <a:schemeClr val="accent1"/>
+          </a:effectRef>
+          <a:fontRef idx="minor">
+            <a:schemeClr val="lt1"/>
+          </a:fontRef>
+        </p:style>
+        <p:txBody>
+          <a:bodyPr rtlCol="0" anchor="ctr"/>
+          <a:lstStyle/>
+          <a:p>
+            <a:pPr algn="ctr"/>
+            <a:r>
+              <a:rPr lang="en-US" sz="1400" dirty="0">
+                <a:solidFill>
+                  <a:sysClr val="windowText" lastClr="000000"/>
+                </a:solidFill>
+              </a:rPr>
+              <a:t>Parallel RPA Thread</a:t>
+            </a:r>
+          </a:p>
+        </p:txBody>
+      </p:sp>
+      <p:pic>
+        <p:nvPicPr>
+          <p:cNvPr id="25" name="Picture 24">
+            <a:extLst>
+              <a:ext uri="{FF2B5EF4-FFF2-40B4-BE49-F238E27FC236}">
+                <a16:creationId xmlns:a16="http://schemas.microsoft.com/office/drawing/2014/main" id="{D66BAF3E-1E8E-4760-BBB2-322ECFF86966}"/>
+              </a:ext>
+            </a:extLst>
+          </p:cNvPr>
+          <p:cNvPicPr>
+            <a:picLocks noChangeAspect="1"/>
+          </p:cNvPicPr>
+          <p:nvPr/>
+        </p:nvPicPr>
+        <p:blipFill rotWithShape="1">
+          <a:blip r:embed="rId3" cstate="print">
+            <a:extLst>
+              <a:ext uri="{28A0092B-C50C-407E-A947-70E740481C1C}">
+                <a14:useLocalDpi xmlns:a14="http://schemas.microsoft.com/office/drawing/2010/main" val="0"/>
+              </a:ext>
+            </a:extLst>
+          </a:blip>
+          <a:srcRect t="30168" b="46822"/>
+          <a:stretch/>
+        </p:blipFill>
+        <p:spPr bwMode="auto">
+          <a:xfrm>
+            <a:off x="5570250" y="3097150"/>
+            <a:ext cx="2286000" cy="1140211"/>
+          </a:xfrm>
+          <a:prstGeom prst="rect">
+            <a:avLst/>
+          </a:prstGeom>
+          <a:noFill/>
+          <a:ln>
+            <a:noFill/>
+          </a:ln>
+          <a:effectLst>
+            <a:outerShdw blurRad="50800" dist="38100" dir="2700000" algn="tl" rotWithShape="0">
+              <a:prstClr val="black">
+                <a:alpha val="40000"/>
+              </a:prstClr>
+            </a:outerShdw>
+          </a:effectLst>
+        </p:spPr>
+      </p:pic>
       <p:sp>
         <p:nvSpPr>
           <p:cNvPr id="24" name="TextBox 23">
@@ -7069,7 +10387,7 @@
         <p:spPr>
           <a:xfrm>
             <a:off x="597160" y="251927"/>
-            <a:ext cx="2551148" cy="369332"/>
+            <a:ext cx="3105594" cy="369332"/>
           </a:xfrm>
           <a:prstGeom prst="rect">
             <a:avLst/>
@@ -7083,13 +10401,1499 @@
           <a:lstStyle/>
           <a:p>
             <a:r>
-              <a:rPr lang="en-SG" b="1" u="sng" dirty="0" err="1"/>
-              <a:t>Converstional</a:t>
+              <a:rPr lang="en-SG" b="1" u="sng" dirty="0"/>
+              <a:t>Conversational UI Architecture</a:t>
             </a:r>
+          </a:p>
+        </p:txBody>
+      </p:sp>
+      <p:pic>
+        <p:nvPicPr>
+          <p:cNvPr id="3" name="Picture 2">
+            <a:extLst>
+              <a:ext uri="{FF2B5EF4-FFF2-40B4-BE49-F238E27FC236}">
+                <a16:creationId xmlns:a16="http://schemas.microsoft.com/office/drawing/2014/main" id="{3BC2829E-6E56-4B24-8D7C-6A816C4899C2}"/>
+              </a:ext>
+            </a:extLst>
+          </p:cNvPr>
+          <p:cNvPicPr>
+            <a:picLocks noChangeAspect="1" noChangeArrowheads="1"/>
+          </p:cNvPicPr>
+          <p:nvPr/>
+        </p:nvPicPr>
+        <p:blipFill>
+          <a:blip r:embed="rId4">
+            <a:extLst>
+              <a:ext uri="{28A0092B-C50C-407E-A947-70E740481C1C}">
+                <a14:useLocalDpi xmlns:a14="http://schemas.microsoft.com/office/drawing/2010/main" val="0"/>
+              </a:ext>
+            </a:extLst>
+          </a:blip>
+          <a:srcRect/>
+          <a:stretch>
+            <a:fillRect/>
+          </a:stretch>
+        </p:blipFill>
+        <p:spPr bwMode="auto">
+          <a:xfrm>
+            <a:off x="5848393" y="185285"/>
+            <a:ext cx="1010508" cy="267627"/>
+          </a:xfrm>
+          <a:prstGeom prst="rect">
+            <a:avLst/>
+          </a:prstGeom>
+          <a:solidFill>
+            <a:schemeClr val="bg1"/>
+          </a:solidFill>
+        </p:spPr>
+      </p:pic>
+      <p:pic>
+        <p:nvPicPr>
+          <p:cNvPr id="6" name="Picture 5">
+            <a:extLst>
+              <a:ext uri="{FF2B5EF4-FFF2-40B4-BE49-F238E27FC236}">
+                <a16:creationId xmlns:a16="http://schemas.microsoft.com/office/drawing/2014/main" id="{3176F6BD-50FD-4A8D-83A0-656A5F1AFEE2}"/>
+              </a:ext>
+            </a:extLst>
+          </p:cNvPr>
+          <p:cNvPicPr>
+            <a:picLocks noChangeAspect="1"/>
+          </p:cNvPicPr>
+          <p:nvPr/>
+        </p:nvPicPr>
+        <p:blipFill rotWithShape="1">
+          <a:blip r:embed="rId5" cstate="print">
+            <a:extLst>
+              <a:ext uri="{28A0092B-C50C-407E-A947-70E740481C1C}">
+                <a14:useLocalDpi xmlns:a14="http://schemas.microsoft.com/office/drawing/2010/main" val="0"/>
+              </a:ext>
+            </a:extLst>
+          </a:blip>
+          <a:srcRect b="75876"/>
+          <a:stretch/>
+        </p:blipFill>
+        <p:spPr bwMode="auto">
+          <a:xfrm>
+            <a:off x="4282196" y="609652"/>
+            <a:ext cx="2286000" cy="1195369"/>
+          </a:xfrm>
+          <a:prstGeom prst="rect">
+            <a:avLst/>
+          </a:prstGeom>
+          <a:noFill/>
+          <a:ln>
+            <a:noFill/>
+          </a:ln>
+          <a:effectLst>
+            <a:outerShdw blurRad="50800" dist="38100" dir="2700000" algn="tl" rotWithShape="0">
+              <a:prstClr val="black">
+                <a:alpha val="40000"/>
+              </a:prstClr>
+            </a:outerShdw>
+          </a:effectLst>
+        </p:spPr>
+      </p:pic>
+      <p:sp>
+        <p:nvSpPr>
+          <p:cNvPr id="8" name="TextBox 7">
+            <a:extLst>
+              <a:ext uri="{FF2B5EF4-FFF2-40B4-BE49-F238E27FC236}">
+                <a16:creationId xmlns:a16="http://schemas.microsoft.com/office/drawing/2014/main" id="{B075A168-0697-4D99-8925-122703737591}"/>
+              </a:ext>
+            </a:extLst>
+          </p:cNvPr>
+          <p:cNvSpPr txBox="1"/>
+          <p:nvPr/>
+        </p:nvSpPr>
+        <p:spPr>
+          <a:xfrm>
+            <a:off x="6151509" y="998237"/>
+            <a:ext cx="1501951" cy="261610"/>
+          </a:xfrm>
+          <a:prstGeom prst="rect">
+            <a:avLst/>
+          </a:prstGeom>
+          <a:solidFill>
+            <a:schemeClr val="accent4">
+              <a:lumMod val="20000"/>
+              <a:lumOff val="80000"/>
+            </a:schemeClr>
+          </a:solidFill>
+          <a:ln>
+            <a:solidFill>
+              <a:schemeClr val="tx1"/>
+            </a:solidFill>
+          </a:ln>
+          <a:effectLst>
+            <a:outerShdw blurRad="50800" dist="38100" dir="2700000" algn="tl" rotWithShape="0">
+              <a:prstClr val="black">
+                <a:alpha val="40000"/>
+              </a:prstClr>
+            </a:outerShdw>
+          </a:effectLst>
+        </p:spPr>
+        <p:txBody>
+          <a:bodyPr wrap="square" rtlCol="0">
+            <a:spAutoFit/>
+          </a:bodyPr>
+          <a:lstStyle/>
+          <a:p>
+            <a:pPr algn="ctr"/>
             <a:r>
-              <a:rPr lang="en-SG" b="1" u="sng" dirty="0"/>
-              <a:t> UI &amp; Email</a:t>
+              <a:rPr lang="en-US" sz="1100" dirty="0"/>
+              <a:t>Welcome Intent</a:t>
             </a:r>
+            <a:endParaRPr lang="en-GB" sz="1100" dirty="0"/>
+          </a:p>
+        </p:txBody>
+      </p:sp>
+      <p:pic>
+        <p:nvPicPr>
+          <p:cNvPr id="5" name="Picture 4">
+            <a:extLst>
+              <a:ext uri="{FF2B5EF4-FFF2-40B4-BE49-F238E27FC236}">
+                <a16:creationId xmlns:a16="http://schemas.microsoft.com/office/drawing/2014/main" id="{DA041C1C-9E33-4717-8602-A9113A634528}"/>
+              </a:ext>
+            </a:extLst>
+          </p:cNvPr>
+          <p:cNvPicPr>
+            <a:picLocks noChangeAspect="1"/>
+          </p:cNvPicPr>
+          <p:nvPr/>
+        </p:nvPicPr>
+        <p:blipFill rotWithShape="1">
+          <a:blip r:embed="rId6"/>
+          <a:srcRect l="24400" r="26838"/>
+          <a:stretch/>
+        </p:blipFill>
+        <p:spPr>
+          <a:xfrm>
+            <a:off x="998159" y="1151902"/>
+            <a:ext cx="1501951" cy="3080175"/>
+          </a:xfrm>
+          <a:prstGeom prst="rect">
+            <a:avLst/>
+          </a:prstGeom>
+        </p:spPr>
+      </p:pic>
+      <p:pic>
+        <p:nvPicPr>
+          <p:cNvPr id="2050" name="Picture 2" descr="Google Assistant Logo Png | Transparent PNG Download #2180302 - Vippng">
+            <a:extLst>
+              <a:ext uri="{FF2B5EF4-FFF2-40B4-BE49-F238E27FC236}">
+                <a16:creationId xmlns:a16="http://schemas.microsoft.com/office/drawing/2014/main" id="{241E48A7-CD5C-49F2-B603-FD4E96AE15A0}"/>
+              </a:ext>
+            </a:extLst>
+          </p:cNvPr>
+          <p:cNvPicPr>
+            <a:picLocks noChangeAspect="1" noChangeArrowheads="1"/>
+          </p:cNvPicPr>
+          <p:nvPr/>
+        </p:nvPicPr>
+        <p:blipFill>
+          <a:blip r:embed="rId7">
+            <a:extLst>
+              <a:ext uri="{28A0092B-C50C-407E-A947-70E740481C1C}">
+                <a14:useLocalDpi xmlns:a14="http://schemas.microsoft.com/office/drawing/2010/main" val="0"/>
+              </a:ext>
+            </a:extLst>
+          </a:blip>
+          <a:srcRect/>
+          <a:stretch>
+            <a:fillRect/>
+          </a:stretch>
+        </p:blipFill>
+        <p:spPr bwMode="auto">
+          <a:xfrm>
+            <a:off x="1956244" y="1151902"/>
+            <a:ext cx="805704" cy="639354"/>
+          </a:xfrm>
+          <a:prstGeom prst="rect">
+            <a:avLst/>
+          </a:prstGeom>
+          <a:noFill/>
+          <a:extLst>
+            <a:ext uri="{909E8E84-426E-40DD-AFC4-6F175D3DCCD1}">
+              <a14:hiddenFill xmlns:a14="http://schemas.microsoft.com/office/drawing/2010/main">
+                <a:solidFill>
+                  <a:srgbClr val="FFFFFF"/>
+                </a:solidFill>
+              </a14:hiddenFill>
+            </a:ext>
+          </a:extLst>
+        </p:spPr>
+      </p:pic>
+      <p:sp>
+        <p:nvSpPr>
+          <p:cNvPr id="12" name="Arrow: Left-Right 11">
+            <a:extLst>
+              <a:ext uri="{FF2B5EF4-FFF2-40B4-BE49-F238E27FC236}">
+                <a16:creationId xmlns:a16="http://schemas.microsoft.com/office/drawing/2014/main" id="{49EA33E7-8AD2-4E13-82A8-922442F47BD9}"/>
+              </a:ext>
+            </a:extLst>
+          </p:cNvPr>
+          <p:cNvSpPr/>
+          <p:nvPr/>
+        </p:nvSpPr>
+        <p:spPr>
+          <a:xfrm>
+            <a:off x="2564877" y="1831785"/>
+            <a:ext cx="1182384" cy="570493"/>
+          </a:xfrm>
+          <a:prstGeom prst="leftRightArrow">
+            <a:avLst/>
+          </a:prstGeom>
+          <a:solidFill>
+            <a:srgbClr val="002060"/>
+          </a:solidFill>
+        </p:spPr>
+        <p:style>
+          <a:lnRef idx="2">
+            <a:schemeClr val="accent1">
+              <a:shade val="50000"/>
+            </a:schemeClr>
+          </a:lnRef>
+          <a:fillRef idx="1">
+            <a:schemeClr val="accent1"/>
+          </a:fillRef>
+          <a:effectRef idx="0">
+            <a:schemeClr val="accent1"/>
+          </a:effectRef>
+          <a:fontRef idx="minor">
+            <a:schemeClr val="lt1"/>
+          </a:fontRef>
+        </p:style>
+        <p:txBody>
+          <a:bodyPr rtlCol="0" anchor="ctr"/>
+          <a:lstStyle/>
+          <a:p>
+            <a:pPr algn="ctr"/>
+            <a:endParaRPr lang="en-GB"/>
+          </a:p>
+        </p:txBody>
+      </p:sp>
+      <p:pic>
+        <p:nvPicPr>
+          <p:cNvPr id="17" name="Picture 16">
+            <a:extLst>
+              <a:ext uri="{FF2B5EF4-FFF2-40B4-BE49-F238E27FC236}">
+                <a16:creationId xmlns:a16="http://schemas.microsoft.com/office/drawing/2014/main" id="{84C6CB28-3944-4E42-9F12-634ED35251D9}"/>
+              </a:ext>
+            </a:extLst>
+          </p:cNvPr>
+          <p:cNvPicPr>
+            <a:picLocks noChangeAspect="1"/>
+          </p:cNvPicPr>
+          <p:nvPr/>
+        </p:nvPicPr>
+        <p:blipFill rotWithShape="1">
+          <a:blip r:embed="rId5" cstate="print">
+            <a:extLst>
+              <a:ext uri="{28A0092B-C50C-407E-A947-70E740481C1C}">
+                <a14:useLocalDpi xmlns:a14="http://schemas.microsoft.com/office/drawing/2010/main" val="0"/>
+              </a:ext>
+            </a:extLst>
+          </a:blip>
+          <a:srcRect t="24660" b="53823"/>
+          <a:stretch/>
+        </p:blipFill>
+        <p:spPr bwMode="auto">
+          <a:xfrm>
+            <a:off x="4282196" y="1831785"/>
+            <a:ext cx="2286000" cy="1066238"/>
+          </a:xfrm>
+          <a:prstGeom prst="rect">
+            <a:avLst/>
+          </a:prstGeom>
+          <a:noFill/>
+          <a:ln>
+            <a:noFill/>
+          </a:ln>
+          <a:effectLst>
+            <a:outerShdw blurRad="50800" dist="38100" dir="2700000" algn="tl" rotWithShape="0">
+              <a:prstClr val="black">
+                <a:alpha val="40000"/>
+              </a:prstClr>
+            </a:outerShdw>
+          </a:effectLst>
+        </p:spPr>
+      </p:pic>
+      <p:sp>
+        <p:nvSpPr>
+          <p:cNvPr id="18" name="TextBox 17">
+            <a:extLst>
+              <a:ext uri="{FF2B5EF4-FFF2-40B4-BE49-F238E27FC236}">
+                <a16:creationId xmlns:a16="http://schemas.microsoft.com/office/drawing/2014/main" id="{F3FB6979-11E4-46E3-A643-178F1B035A3C}"/>
+              </a:ext>
+            </a:extLst>
+          </p:cNvPr>
+          <p:cNvSpPr txBox="1"/>
+          <p:nvPr/>
+        </p:nvSpPr>
+        <p:spPr>
+          <a:xfrm>
+            <a:off x="6151509" y="1322132"/>
+            <a:ext cx="1501951" cy="430887"/>
+          </a:xfrm>
+          <a:prstGeom prst="rect">
+            <a:avLst/>
+          </a:prstGeom>
+          <a:solidFill>
+            <a:schemeClr val="accent5">
+              <a:lumMod val="20000"/>
+              <a:lumOff val="80000"/>
+            </a:schemeClr>
+          </a:solidFill>
+          <a:ln>
+            <a:solidFill>
+              <a:schemeClr val="tx1"/>
+            </a:solidFill>
+          </a:ln>
+          <a:effectLst>
+            <a:outerShdw blurRad="50800" dist="38100" dir="2700000" algn="tl" rotWithShape="0">
+              <a:prstClr val="black">
+                <a:alpha val="40000"/>
+              </a:prstClr>
+            </a:outerShdw>
+          </a:effectLst>
+        </p:spPr>
+        <p:txBody>
+          <a:bodyPr wrap="square" rtlCol="0">
+            <a:spAutoFit/>
+          </a:bodyPr>
+          <a:lstStyle/>
+          <a:p>
+            <a:pPr algn="ctr"/>
+            <a:r>
+              <a:rPr lang="en-US" sz="1100" dirty="0"/>
+              <a:t>Set Output Context: </a:t>
+            </a:r>
+          </a:p>
+          <a:p>
+            <a:pPr algn="ctr"/>
+            <a:r>
+              <a:rPr lang="en-US" sz="1100" dirty="0"/>
+              <a:t>Expecting Book Title</a:t>
+            </a:r>
+            <a:endParaRPr lang="en-GB" sz="1100" dirty="0"/>
+          </a:p>
+        </p:txBody>
+      </p:sp>
+      <p:sp>
+        <p:nvSpPr>
+          <p:cNvPr id="19" name="TextBox 18">
+            <a:extLst>
+              <a:ext uri="{FF2B5EF4-FFF2-40B4-BE49-F238E27FC236}">
+                <a16:creationId xmlns:a16="http://schemas.microsoft.com/office/drawing/2014/main" id="{20794A77-5D11-4C08-A940-40B0B434328D}"/>
+              </a:ext>
+            </a:extLst>
+          </p:cNvPr>
+          <p:cNvSpPr txBox="1"/>
+          <p:nvPr/>
+        </p:nvSpPr>
+        <p:spPr>
+          <a:xfrm>
+            <a:off x="6151508" y="2297859"/>
+            <a:ext cx="1501951" cy="600164"/>
+          </a:xfrm>
+          <a:prstGeom prst="rect">
+            <a:avLst/>
+          </a:prstGeom>
+          <a:solidFill>
+            <a:schemeClr val="accent5">
+              <a:lumMod val="20000"/>
+              <a:lumOff val="80000"/>
+            </a:schemeClr>
+          </a:solidFill>
+          <a:ln>
+            <a:solidFill>
+              <a:schemeClr val="tx1"/>
+            </a:solidFill>
+          </a:ln>
+          <a:effectLst>
+            <a:outerShdw blurRad="50800" dist="38100" dir="2700000" algn="tl" rotWithShape="0">
+              <a:prstClr val="black">
+                <a:alpha val="40000"/>
+              </a:prstClr>
+            </a:outerShdw>
+          </a:effectLst>
+        </p:spPr>
+        <p:txBody>
+          <a:bodyPr wrap="square" rtlCol="0">
+            <a:spAutoFit/>
+          </a:bodyPr>
+          <a:lstStyle/>
+          <a:p>
+            <a:pPr algn="ctr"/>
+            <a:r>
+              <a:rPr lang="en-US" sz="1100" dirty="0"/>
+              <a:t>Set Output Context: </a:t>
+            </a:r>
+          </a:p>
+          <a:p>
+            <a:pPr algn="ctr"/>
+            <a:r>
+              <a:rPr lang="en-US" sz="1100" dirty="0"/>
+              <a:t>Follow up context – yes, no</a:t>
+            </a:r>
+            <a:endParaRPr lang="en-GB" sz="1100" dirty="0"/>
+          </a:p>
+        </p:txBody>
+      </p:sp>
+      <p:sp>
+        <p:nvSpPr>
+          <p:cNvPr id="15" name="Arrow: Right 14">
+            <a:extLst>
+              <a:ext uri="{FF2B5EF4-FFF2-40B4-BE49-F238E27FC236}">
+                <a16:creationId xmlns:a16="http://schemas.microsoft.com/office/drawing/2014/main" id="{F16A7872-ABA3-47C6-B2EF-DF0AD6877DD3}"/>
+              </a:ext>
+            </a:extLst>
+          </p:cNvPr>
+          <p:cNvSpPr/>
+          <p:nvPr/>
+        </p:nvSpPr>
+        <p:spPr>
+          <a:xfrm>
+            <a:off x="6568196" y="1767783"/>
+            <a:ext cx="2620977" cy="536373"/>
+          </a:xfrm>
+          <a:prstGeom prst="rightArrow">
+            <a:avLst/>
+          </a:prstGeom>
+          <a:solidFill>
+            <a:srgbClr val="002060"/>
+          </a:solidFill>
+          <a:effectLst>
+            <a:outerShdw blurRad="50800" dist="38100" dir="2700000" algn="tl" rotWithShape="0">
+              <a:prstClr val="black">
+                <a:alpha val="40000"/>
+              </a:prstClr>
+            </a:outerShdw>
+          </a:effectLst>
+        </p:spPr>
+        <p:style>
+          <a:lnRef idx="2">
+            <a:schemeClr val="accent1">
+              <a:shade val="50000"/>
+            </a:schemeClr>
+          </a:lnRef>
+          <a:fillRef idx="1">
+            <a:schemeClr val="accent1"/>
+          </a:fillRef>
+          <a:effectRef idx="0">
+            <a:schemeClr val="accent1"/>
+          </a:effectRef>
+          <a:fontRef idx="minor">
+            <a:schemeClr val="lt1"/>
+          </a:fontRef>
+        </p:style>
+        <p:txBody>
+          <a:bodyPr rtlCol="0" anchor="ctr"/>
+          <a:lstStyle/>
+          <a:p>
+            <a:pPr algn="ctr"/>
+            <a:r>
+              <a:rPr lang="en-US" sz="1200" dirty="0"/>
+              <a:t>Add to Book List</a:t>
+            </a:r>
+            <a:endParaRPr lang="en-GB" sz="1200" dirty="0"/>
+          </a:p>
+        </p:txBody>
+      </p:sp>
+      <p:pic>
+        <p:nvPicPr>
+          <p:cNvPr id="21" name="Picture 20">
+            <a:extLst>
+              <a:ext uri="{FF2B5EF4-FFF2-40B4-BE49-F238E27FC236}">
+                <a16:creationId xmlns:a16="http://schemas.microsoft.com/office/drawing/2014/main" id="{FBDBF0E6-7A69-44FD-A398-6AB0FF618B4C}"/>
+              </a:ext>
+            </a:extLst>
+          </p:cNvPr>
+          <p:cNvPicPr>
+            <a:picLocks noChangeAspect="1"/>
+          </p:cNvPicPr>
+          <p:nvPr/>
+        </p:nvPicPr>
+        <p:blipFill rotWithShape="1">
+          <a:blip r:embed="rId8" cstate="print">
+            <a:extLst>
+              <a:ext uri="{28A0092B-C50C-407E-A947-70E740481C1C}">
+                <a14:useLocalDpi xmlns:a14="http://schemas.microsoft.com/office/drawing/2010/main" val="0"/>
+              </a:ext>
+            </a:extLst>
+          </a:blip>
+          <a:srcRect t="55444" b="23031"/>
+          <a:stretch/>
+        </p:blipFill>
+        <p:spPr bwMode="auto">
+          <a:xfrm>
+            <a:off x="3016692" y="3167099"/>
+            <a:ext cx="2286000" cy="1066238"/>
+          </a:xfrm>
+          <a:prstGeom prst="rect">
+            <a:avLst/>
+          </a:prstGeom>
+          <a:noFill/>
+          <a:ln>
+            <a:noFill/>
+          </a:ln>
+          <a:effectLst>
+            <a:outerShdw blurRad="50800" dist="38100" dir="2700000" algn="tl" rotWithShape="0">
+              <a:prstClr val="black">
+                <a:alpha val="40000"/>
+              </a:prstClr>
+            </a:outerShdw>
+          </a:effectLst>
+        </p:spPr>
+      </p:pic>
+      <p:sp>
+        <p:nvSpPr>
+          <p:cNvPr id="26" name="Arrow: Right 25">
+            <a:extLst>
+              <a:ext uri="{FF2B5EF4-FFF2-40B4-BE49-F238E27FC236}">
+                <a16:creationId xmlns:a16="http://schemas.microsoft.com/office/drawing/2014/main" id="{ACAF8BE2-7213-4FD6-B3DD-A4F2AD434C3A}"/>
+              </a:ext>
+            </a:extLst>
+          </p:cNvPr>
+          <p:cNvSpPr/>
+          <p:nvPr/>
+        </p:nvSpPr>
+        <p:spPr>
+          <a:xfrm rot="5400000" flipV="1">
+            <a:off x="4552881" y="2807188"/>
+            <a:ext cx="549983" cy="536373"/>
+          </a:xfrm>
+          <a:prstGeom prst="rightArrow">
+            <a:avLst/>
+          </a:prstGeom>
+          <a:solidFill>
+            <a:srgbClr val="002060"/>
+          </a:solidFill>
+          <a:effectLst>
+            <a:outerShdw blurRad="50800" dist="38100" dir="2700000" algn="tl" rotWithShape="0">
+              <a:prstClr val="black">
+                <a:alpha val="40000"/>
+              </a:prstClr>
+            </a:outerShdw>
+          </a:effectLst>
+        </p:spPr>
+        <p:style>
+          <a:lnRef idx="2">
+            <a:schemeClr val="accent1">
+              <a:shade val="50000"/>
+            </a:schemeClr>
+          </a:lnRef>
+          <a:fillRef idx="1">
+            <a:schemeClr val="accent1"/>
+          </a:fillRef>
+          <a:effectRef idx="0">
+            <a:schemeClr val="accent1"/>
+          </a:effectRef>
+          <a:fontRef idx="minor">
+            <a:schemeClr val="lt1"/>
+          </a:fontRef>
+        </p:style>
+        <p:txBody>
+          <a:bodyPr rtlCol="0" anchor="ctr"/>
+          <a:lstStyle/>
+          <a:p>
+            <a:pPr algn="ctr"/>
+            <a:r>
+              <a:rPr lang="en-US" sz="1200" dirty="0"/>
+              <a:t>No</a:t>
+            </a:r>
+            <a:endParaRPr lang="en-GB" sz="1200" dirty="0"/>
+          </a:p>
+        </p:txBody>
+      </p:sp>
+      <p:sp>
+        <p:nvSpPr>
+          <p:cNvPr id="27" name="TextBox 26">
+            <a:extLst>
+              <a:ext uri="{FF2B5EF4-FFF2-40B4-BE49-F238E27FC236}">
+                <a16:creationId xmlns:a16="http://schemas.microsoft.com/office/drawing/2014/main" id="{9B228543-F979-4591-88EF-91AC725D2762}"/>
+              </a:ext>
+            </a:extLst>
+          </p:cNvPr>
+          <p:cNvSpPr txBox="1"/>
+          <p:nvPr/>
+        </p:nvSpPr>
+        <p:spPr>
+          <a:xfrm>
+            <a:off x="4009394" y="4076409"/>
+            <a:ext cx="995530" cy="261610"/>
+          </a:xfrm>
+          <a:prstGeom prst="rect">
+            <a:avLst/>
+          </a:prstGeom>
+          <a:solidFill>
+            <a:schemeClr val="accent4">
+              <a:lumMod val="40000"/>
+              <a:lumOff val="60000"/>
+            </a:schemeClr>
+          </a:solidFill>
+          <a:ln>
+            <a:solidFill>
+              <a:schemeClr val="tx1"/>
+            </a:solidFill>
+          </a:ln>
+          <a:effectLst>
+            <a:outerShdw blurRad="50800" dist="38100" dir="2700000" algn="tl" rotWithShape="0">
+              <a:prstClr val="black">
+                <a:alpha val="40000"/>
+              </a:prstClr>
+            </a:outerShdw>
+          </a:effectLst>
+        </p:spPr>
+        <p:txBody>
+          <a:bodyPr wrap="square" rtlCol="0">
+            <a:spAutoFit/>
+          </a:bodyPr>
+          <a:lstStyle/>
+          <a:p>
+            <a:pPr algn="ctr"/>
+            <a:r>
+              <a:rPr lang="en-US" sz="1100" dirty="0"/>
+              <a:t>Reset Context</a:t>
+            </a:r>
+          </a:p>
+        </p:txBody>
+      </p:sp>
+      <p:sp>
+        <p:nvSpPr>
+          <p:cNvPr id="29" name="Arrow: Right 28">
+            <a:extLst>
+              <a:ext uri="{FF2B5EF4-FFF2-40B4-BE49-F238E27FC236}">
+                <a16:creationId xmlns:a16="http://schemas.microsoft.com/office/drawing/2014/main" id="{F2F2444D-B929-4904-A454-339CEBB4F431}"/>
+              </a:ext>
+            </a:extLst>
+          </p:cNvPr>
+          <p:cNvSpPr/>
+          <p:nvPr/>
+        </p:nvSpPr>
+        <p:spPr>
+          <a:xfrm>
+            <a:off x="7821318" y="3007707"/>
+            <a:ext cx="1367855" cy="536373"/>
+          </a:xfrm>
+          <a:prstGeom prst="rightArrow">
+            <a:avLst/>
+          </a:prstGeom>
+          <a:solidFill>
+            <a:srgbClr val="002060"/>
+          </a:solidFill>
+          <a:effectLst>
+            <a:outerShdw blurRad="50800" dist="38100" dir="2700000" algn="tl" rotWithShape="0">
+              <a:prstClr val="black">
+                <a:alpha val="40000"/>
+              </a:prstClr>
+            </a:outerShdw>
+          </a:effectLst>
+        </p:spPr>
+        <p:style>
+          <a:lnRef idx="2">
+            <a:schemeClr val="accent1">
+              <a:shade val="50000"/>
+            </a:schemeClr>
+          </a:lnRef>
+          <a:fillRef idx="1">
+            <a:schemeClr val="accent1"/>
+          </a:fillRef>
+          <a:effectRef idx="0">
+            <a:schemeClr val="accent1"/>
+          </a:effectRef>
+          <a:fontRef idx="minor">
+            <a:schemeClr val="lt1"/>
+          </a:fontRef>
+        </p:style>
+        <p:txBody>
+          <a:bodyPr rtlCol="0" anchor="ctr"/>
+          <a:lstStyle/>
+          <a:p>
+            <a:pPr algn="ctr"/>
+            <a:r>
+              <a:rPr lang="en-US" sz="1200" dirty="0"/>
+              <a:t>Add to Book List</a:t>
+            </a:r>
+            <a:endParaRPr lang="en-GB" sz="1200" dirty="0"/>
+          </a:p>
+        </p:txBody>
+      </p:sp>
+      <p:sp>
+        <p:nvSpPr>
+          <p:cNvPr id="30" name="Arrow: Right 29">
+            <a:extLst>
+              <a:ext uri="{FF2B5EF4-FFF2-40B4-BE49-F238E27FC236}">
+                <a16:creationId xmlns:a16="http://schemas.microsoft.com/office/drawing/2014/main" id="{93ABB3EE-02BF-496E-98D1-8B9DBF5B60FB}"/>
+              </a:ext>
+            </a:extLst>
+          </p:cNvPr>
+          <p:cNvSpPr/>
+          <p:nvPr/>
+        </p:nvSpPr>
+        <p:spPr>
+          <a:xfrm rot="10800000" flipV="1">
+            <a:off x="5011287" y="3637590"/>
+            <a:ext cx="685390" cy="536373"/>
+          </a:xfrm>
+          <a:prstGeom prst="rightArrow">
+            <a:avLst/>
+          </a:prstGeom>
+          <a:solidFill>
+            <a:srgbClr val="002060"/>
+          </a:solidFill>
+          <a:effectLst>
+            <a:outerShdw blurRad="50800" dist="38100" dir="2700000" algn="tl" rotWithShape="0">
+              <a:prstClr val="black">
+                <a:alpha val="40000"/>
+              </a:prstClr>
+            </a:outerShdw>
+          </a:effectLst>
+        </p:spPr>
+        <p:style>
+          <a:lnRef idx="2">
+            <a:schemeClr val="accent1">
+              <a:shade val="50000"/>
+            </a:schemeClr>
+          </a:lnRef>
+          <a:fillRef idx="1">
+            <a:schemeClr val="accent1"/>
+          </a:fillRef>
+          <a:effectRef idx="0">
+            <a:schemeClr val="accent1"/>
+          </a:effectRef>
+          <a:fontRef idx="minor">
+            <a:schemeClr val="lt1"/>
+          </a:fontRef>
+        </p:style>
+        <p:txBody>
+          <a:bodyPr rtlCol="0" anchor="ctr"/>
+          <a:lstStyle/>
+          <a:p>
+            <a:pPr algn="ctr"/>
+            <a:r>
+              <a:rPr lang="en-US" sz="1200" dirty="0"/>
+              <a:t>No</a:t>
+            </a:r>
+            <a:endParaRPr lang="en-GB" sz="1200" dirty="0"/>
+          </a:p>
+        </p:txBody>
+      </p:sp>
+      <p:pic>
+        <p:nvPicPr>
+          <p:cNvPr id="31" name="Picture 30">
+            <a:extLst>
+              <a:ext uri="{FF2B5EF4-FFF2-40B4-BE49-F238E27FC236}">
+                <a16:creationId xmlns:a16="http://schemas.microsoft.com/office/drawing/2014/main" id="{A3CB3C79-D0E6-4EB6-BD84-637BA8583EEA}"/>
+              </a:ext>
+            </a:extLst>
+          </p:cNvPr>
+          <p:cNvPicPr>
+            <a:picLocks noChangeAspect="1"/>
+          </p:cNvPicPr>
+          <p:nvPr/>
+        </p:nvPicPr>
+        <p:blipFill rotWithShape="1">
+          <a:blip r:embed="rId3" cstate="print">
+            <a:extLst>
+              <a:ext uri="{28A0092B-C50C-407E-A947-70E740481C1C}">
+                <a14:useLocalDpi xmlns:a14="http://schemas.microsoft.com/office/drawing/2010/main" val="0"/>
+              </a:ext>
+            </a:extLst>
+          </a:blip>
+          <a:srcRect t="54379" b="22010"/>
+          <a:stretch/>
+        </p:blipFill>
+        <p:spPr bwMode="auto">
+          <a:xfrm>
+            <a:off x="5580182" y="4385554"/>
+            <a:ext cx="2286000" cy="1169956"/>
+          </a:xfrm>
+          <a:prstGeom prst="rect">
+            <a:avLst/>
+          </a:prstGeom>
+          <a:noFill/>
+          <a:ln>
+            <a:noFill/>
+          </a:ln>
+          <a:effectLst>
+            <a:outerShdw blurRad="50800" dist="38100" dir="2700000" algn="tl" rotWithShape="0">
+              <a:prstClr val="black">
+                <a:alpha val="40000"/>
+              </a:prstClr>
+            </a:outerShdw>
+          </a:effectLst>
+        </p:spPr>
+      </p:pic>
+      <p:sp>
+        <p:nvSpPr>
+          <p:cNvPr id="32" name="TextBox 31">
+            <a:extLst>
+              <a:ext uri="{FF2B5EF4-FFF2-40B4-BE49-F238E27FC236}">
+                <a16:creationId xmlns:a16="http://schemas.microsoft.com/office/drawing/2014/main" id="{F7899094-ECCA-4982-983D-DF2444E4C4DA}"/>
+              </a:ext>
+            </a:extLst>
+          </p:cNvPr>
+          <p:cNvSpPr txBox="1"/>
+          <p:nvPr/>
+        </p:nvSpPr>
+        <p:spPr>
+          <a:xfrm>
+            <a:off x="7104418" y="5324351"/>
+            <a:ext cx="995530" cy="261610"/>
+          </a:xfrm>
+          <a:prstGeom prst="rect">
+            <a:avLst/>
+          </a:prstGeom>
+          <a:solidFill>
+            <a:schemeClr val="accent4">
+              <a:lumMod val="40000"/>
+              <a:lumOff val="60000"/>
+            </a:schemeClr>
+          </a:solidFill>
+          <a:ln>
+            <a:solidFill>
+              <a:schemeClr val="tx1"/>
+            </a:solidFill>
+          </a:ln>
+          <a:effectLst>
+            <a:outerShdw blurRad="50800" dist="38100" dir="2700000" algn="tl" rotWithShape="0">
+              <a:prstClr val="black">
+                <a:alpha val="40000"/>
+              </a:prstClr>
+            </a:outerShdw>
+          </a:effectLst>
+        </p:spPr>
+        <p:txBody>
+          <a:bodyPr wrap="square" rtlCol="0">
+            <a:spAutoFit/>
+          </a:bodyPr>
+          <a:lstStyle/>
+          <a:p>
+            <a:pPr algn="ctr"/>
+            <a:r>
+              <a:rPr lang="en-US" sz="1100" dirty="0"/>
+              <a:t>Reset Context</a:t>
+            </a:r>
+          </a:p>
+        </p:txBody>
+      </p:sp>
+      <p:sp>
+        <p:nvSpPr>
+          <p:cNvPr id="33" name="Arrow: Right 32">
+            <a:extLst>
+              <a:ext uri="{FF2B5EF4-FFF2-40B4-BE49-F238E27FC236}">
+                <a16:creationId xmlns:a16="http://schemas.microsoft.com/office/drawing/2014/main" id="{D8390B4D-897A-4201-9DC5-602FE5057D00}"/>
+              </a:ext>
+            </a:extLst>
+          </p:cNvPr>
+          <p:cNvSpPr/>
+          <p:nvPr/>
+        </p:nvSpPr>
+        <p:spPr>
+          <a:xfrm rot="5400000" flipV="1">
+            <a:off x="6255263" y="4144474"/>
+            <a:ext cx="536373" cy="536373"/>
+          </a:xfrm>
+          <a:prstGeom prst="rightArrow">
+            <a:avLst/>
+          </a:prstGeom>
+          <a:solidFill>
+            <a:srgbClr val="002060"/>
+          </a:solidFill>
+          <a:effectLst>
+            <a:outerShdw blurRad="50800" dist="38100" dir="2700000" algn="tl" rotWithShape="0">
+              <a:prstClr val="black">
+                <a:alpha val="40000"/>
+              </a:prstClr>
+            </a:outerShdw>
+          </a:effectLst>
+        </p:spPr>
+        <p:style>
+          <a:lnRef idx="2">
+            <a:schemeClr val="accent1">
+              <a:shade val="50000"/>
+            </a:schemeClr>
+          </a:lnRef>
+          <a:fillRef idx="1">
+            <a:schemeClr val="accent1"/>
+          </a:fillRef>
+          <a:effectRef idx="0">
+            <a:schemeClr val="accent1"/>
+          </a:effectRef>
+          <a:fontRef idx="minor">
+            <a:schemeClr val="lt1"/>
+          </a:fontRef>
+        </p:style>
+        <p:txBody>
+          <a:bodyPr rtlCol="0" anchor="ctr"/>
+          <a:lstStyle/>
+          <a:p>
+            <a:pPr algn="ctr"/>
+            <a:r>
+              <a:rPr lang="en-US" sz="1200" dirty="0"/>
+              <a:t>Yes</a:t>
+            </a:r>
+            <a:endParaRPr lang="en-GB" sz="1200" dirty="0"/>
+          </a:p>
+        </p:txBody>
+      </p:sp>
+      <p:sp>
+        <p:nvSpPr>
+          <p:cNvPr id="34" name="TextBox 33">
+            <a:extLst>
+              <a:ext uri="{FF2B5EF4-FFF2-40B4-BE49-F238E27FC236}">
+                <a16:creationId xmlns:a16="http://schemas.microsoft.com/office/drawing/2014/main" id="{20752D73-CB18-44E9-98C1-4E5F8FACA9BF}"/>
+              </a:ext>
+            </a:extLst>
+          </p:cNvPr>
+          <p:cNvSpPr txBox="1"/>
+          <p:nvPr/>
+        </p:nvSpPr>
+        <p:spPr>
+          <a:xfrm>
+            <a:off x="7523813" y="3567080"/>
+            <a:ext cx="1501951" cy="600164"/>
+          </a:xfrm>
+          <a:prstGeom prst="rect">
+            <a:avLst/>
+          </a:prstGeom>
+          <a:solidFill>
+            <a:schemeClr val="accent5">
+              <a:lumMod val="20000"/>
+              <a:lumOff val="80000"/>
+            </a:schemeClr>
+          </a:solidFill>
+          <a:ln>
+            <a:solidFill>
+              <a:schemeClr val="tx1"/>
+            </a:solidFill>
+          </a:ln>
+          <a:effectLst>
+            <a:outerShdw blurRad="50800" dist="38100" dir="2700000" algn="tl" rotWithShape="0">
+              <a:prstClr val="black">
+                <a:alpha val="40000"/>
+              </a:prstClr>
+            </a:outerShdw>
+          </a:effectLst>
+        </p:spPr>
+        <p:txBody>
+          <a:bodyPr wrap="square" rtlCol="0">
+            <a:spAutoFit/>
+          </a:bodyPr>
+          <a:lstStyle/>
+          <a:p>
+            <a:pPr algn="ctr"/>
+            <a:r>
+              <a:rPr lang="en-US" sz="1100" dirty="0"/>
+              <a:t>Set Output Context: </a:t>
+            </a:r>
+          </a:p>
+          <a:p>
+            <a:pPr algn="ctr"/>
+            <a:r>
+              <a:rPr lang="en-US" sz="1100" dirty="0"/>
+              <a:t>Follow up context – yes, no</a:t>
+            </a:r>
+            <a:endParaRPr lang="en-GB" sz="1100" dirty="0"/>
+          </a:p>
+        </p:txBody>
+      </p:sp>
+      <p:sp>
+        <p:nvSpPr>
+          <p:cNvPr id="35" name="Arrow: Right 34">
+            <a:extLst>
+              <a:ext uri="{FF2B5EF4-FFF2-40B4-BE49-F238E27FC236}">
+                <a16:creationId xmlns:a16="http://schemas.microsoft.com/office/drawing/2014/main" id="{EBF46B02-B016-4F27-A97E-7324AB1472EB}"/>
+              </a:ext>
+            </a:extLst>
+          </p:cNvPr>
+          <p:cNvSpPr/>
+          <p:nvPr/>
+        </p:nvSpPr>
+        <p:spPr>
+          <a:xfrm rot="5400000" flipV="1">
+            <a:off x="5638145" y="2803858"/>
+            <a:ext cx="549984" cy="536373"/>
+          </a:xfrm>
+          <a:prstGeom prst="rightArrow">
+            <a:avLst/>
+          </a:prstGeom>
+          <a:solidFill>
+            <a:srgbClr val="002060"/>
+          </a:solidFill>
+          <a:effectLst>
+            <a:outerShdw blurRad="50800" dist="38100" dir="2700000" algn="tl" rotWithShape="0">
+              <a:prstClr val="black">
+                <a:alpha val="40000"/>
+              </a:prstClr>
+            </a:outerShdw>
+          </a:effectLst>
+        </p:spPr>
+        <p:style>
+          <a:lnRef idx="2">
+            <a:schemeClr val="accent1">
+              <a:shade val="50000"/>
+            </a:schemeClr>
+          </a:lnRef>
+          <a:fillRef idx="1">
+            <a:schemeClr val="accent1"/>
+          </a:fillRef>
+          <a:effectRef idx="0">
+            <a:schemeClr val="accent1"/>
+          </a:effectRef>
+          <a:fontRef idx="minor">
+            <a:schemeClr val="lt1"/>
+          </a:fontRef>
+        </p:style>
+        <p:txBody>
+          <a:bodyPr rtlCol="0" anchor="ctr"/>
+          <a:lstStyle/>
+          <a:p>
+            <a:pPr algn="ctr"/>
+            <a:r>
+              <a:rPr lang="en-US" sz="1200" dirty="0"/>
+              <a:t>Yes</a:t>
+            </a:r>
+            <a:endParaRPr lang="en-GB" sz="1200" dirty="0"/>
+          </a:p>
+        </p:txBody>
+      </p:sp>
+      <p:sp>
+        <p:nvSpPr>
+          <p:cNvPr id="37" name="TextBox 36">
+            <a:extLst>
+              <a:ext uri="{FF2B5EF4-FFF2-40B4-BE49-F238E27FC236}">
+                <a16:creationId xmlns:a16="http://schemas.microsoft.com/office/drawing/2014/main" id="{25815E41-4245-4666-B130-583D59D97CD2}"/>
+              </a:ext>
+            </a:extLst>
+          </p:cNvPr>
+          <p:cNvSpPr txBox="1"/>
+          <p:nvPr/>
+        </p:nvSpPr>
+        <p:spPr>
+          <a:xfrm>
+            <a:off x="7887225" y="4719634"/>
+            <a:ext cx="995530" cy="261610"/>
+          </a:xfrm>
+          <a:prstGeom prst="rect">
+            <a:avLst/>
+          </a:prstGeom>
+          <a:solidFill>
+            <a:schemeClr val="accent6">
+              <a:lumMod val="60000"/>
+              <a:lumOff val="40000"/>
+            </a:schemeClr>
+          </a:solidFill>
+          <a:ln>
+            <a:solidFill>
+              <a:schemeClr val="tx1"/>
+            </a:solidFill>
+          </a:ln>
+          <a:effectLst>
+            <a:outerShdw blurRad="50800" dist="38100" dir="2700000" algn="tl" rotWithShape="0">
+              <a:prstClr val="black">
+                <a:alpha val="40000"/>
+              </a:prstClr>
+            </a:outerShdw>
+          </a:effectLst>
+        </p:spPr>
+        <p:txBody>
+          <a:bodyPr wrap="square" rtlCol="0">
+            <a:spAutoFit/>
+          </a:bodyPr>
+          <a:lstStyle/>
+          <a:p>
+            <a:pPr algn="ctr"/>
+            <a:r>
+              <a:rPr lang="en-US" sz="1100" dirty="0"/>
+              <a:t>Book List Full</a:t>
+            </a:r>
+          </a:p>
+        </p:txBody>
+      </p:sp>
+      <p:sp>
+        <p:nvSpPr>
+          <p:cNvPr id="38" name="Arrow: Right 37">
+            <a:extLst>
+              <a:ext uri="{FF2B5EF4-FFF2-40B4-BE49-F238E27FC236}">
+                <a16:creationId xmlns:a16="http://schemas.microsoft.com/office/drawing/2014/main" id="{4B91CFD3-F33A-486D-9D60-A28F6ADDCC6B}"/>
+              </a:ext>
+            </a:extLst>
+          </p:cNvPr>
+          <p:cNvSpPr/>
+          <p:nvPr/>
+        </p:nvSpPr>
+        <p:spPr>
+          <a:xfrm>
+            <a:off x="7821318" y="4302726"/>
+            <a:ext cx="1367855" cy="536373"/>
+          </a:xfrm>
+          <a:prstGeom prst="rightArrow">
+            <a:avLst/>
+          </a:prstGeom>
+          <a:solidFill>
+            <a:srgbClr val="002060"/>
+          </a:solidFill>
+          <a:effectLst>
+            <a:outerShdw blurRad="50800" dist="38100" dir="2700000" algn="tl" rotWithShape="0">
+              <a:prstClr val="black">
+                <a:alpha val="40000"/>
+              </a:prstClr>
+            </a:outerShdw>
+          </a:effectLst>
+        </p:spPr>
+        <p:style>
+          <a:lnRef idx="2">
+            <a:schemeClr val="accent1">
+              <a:shade val="50000"/>
+            </a:schemeClr>
+          </a:lnRef>
+          <a:fillRef idx="1">
+            <a:schemeClr val="accent1"/>
+          </a:fillRef>
+          <a:effectRef idx="0">
+            <a:schemeClr val="accent1"/>
+          </a:effectRef>
+          <a:fontRef idx="minor">
+            <a:schemeClr val="lt1"/>
+          </a:fontRef>
+        </p:style>
+        <p:txBody>
+          <a:bodyPr rtlCol="0" anchor="ctr"/>
+          <a:lstStyle/>
+          <a:p>
+            <a:pPr algn="ctr"/>
+            <a:r>
+              <a:rPr lang="en-US" sz="1200" dirty="0"/>
+              <a:t>Add to Book List</a:t>
+            </a:r>
+            <a:endParaRPr lang="en-GB" sz="1200" dirty="0"/>
+          </a:p>
+        </p:txBody>
+      </p:sp>
+      <p:sp>
+        <p:nvSpPr>
+          <p:cNvPr id="45" name="Arrow: Right 44">
+            <a:extLst>
+              <a:ext uri="{FF2B5EF4-FFF2-40B4-BE49-F238E27FC236}">
+                <a16:creationId xmlns:a16="http://schemas.microsoft.com/office/drawing/2014/main" id="{57C5FF74-CC8D-4A60-BD69-96FE1E07CB02}"/>
+              </a:ext>
+            </a:extLst>
+          </p:cNvPr>
+          <p:cNvSpPr/>
+          <p:nvPr/>
+        </p:nvSpPr>
+        <p:spPr>
+          <a:xfrm>
+            <a:off x="9153632" y="5253751"/>
+            <a:ext cx="1146934" cy="778152"/>
+          </a:xfrm>
+          <a:prstGeom prst="rightArrow">
+            <a:avLst/>
+          </a:prstGeom>
+          <a:noFill/>
+          <a:ln w="28575">
+            <a:prstDash val="sysDash"/>
+          </a:ln>
+        </p:spPr>
+        <p:style>
+          <a:lnRef idx="2">
+            <a:schemeClr val="accent1">
+              <a:shade val="50000"/>
+            </a:schemeClr>
+          </a:lnRef>
+          <a:fillRef idx="1">
+            <a:schemeClr val="accent1"/>
+          </a:fillRef>
+          <a:effectRef idx="0">
+            <a:schemeClr val="accent1"/>
+          </a:effectRef>
+          <a:fontRef idx="minor">
+            <a:schemeClr val="lt1"/>
+          </a:fontRef>
+        </p:style>
+        <p:txBody>
+          <a:bodyPr rtlCol="0" anchor="ctr"/>
+          <a:lstStyle/>
+          <a:p>
+            <a:pPr algn="ctr"/>
+            <a:r>
+              <a:rPr lang="en-US" sz="1200" dirty="0">
+                <a:solidFill>
+                  <a:sysClr val="windowText" lastClr="000000"/>
+                </a:solidFill>
+              </a:rPr>
+              <a:t>Triggers RPA Thread</a:t>
+            </a:r>
+            <a:endParaRPr lang="en-GB" sz="1200" dirty="0">
+              <a:solidFill>
+                <a:sysClr val="windowText" lastClr="000000"/>
+              </a:solidFill>
+            </a:endParaRPr>
+          </a:p>
+        </p:txBody>
+      </p:sp>
+      <p:pic>
+        <p:nvPicPr>
+          <p:cNvPr id="2052" name="Picture 4" descr="Installing Python 3 and Flask on GoDaddy | by Jordan Ireland | Towards Data  Science">
+            <a:extLst>
+              <a:ext uri="{FF2B5EF4-FFF2-40B4-BE49-F238E27FC236}">
+                <a16:creationId xmlns:a16="http://schemas.microsoft.com/office/drawing/2014/main" id="{E7B51BE6-C414-4D90-B1A9-59C0B0B78DFD}"/>
+              </a:ext>
+            </a:extLst>
+          </p:cNvPr>
+          <p:cNvPicPr>
+            <a:picLocks noChangeAspect="1" noChangeArrowheads="1"/>
+          </p:cNvPicPr>
+          <p:nvPr/>
+        </p:nvPicPr>
+        <p:blipFill>
+          <a:blip r:embed="rId9">
+            <a:extLst>
+              <a:ext uri="{28A0092B-C50C-407E-A947-70E740481C1C}">
+                <a14:useLocalDpi xmlns:a14="http://schemas.microsoft.com/office/drawing/2010/main" val="0"/>
+              </a:ext>
+            </a:extLst>
+          </a:blip>
+          <a:srcRect/>
+          <a:stretch>
+            <a:fillRect/>
+          </a:stretch>
+        </p:blipFill>
+        <p:spPr bwMode="auto">
+          <a:xfrm>
+            <a:off x="9116521" y="24656"/>
+            <a:ext cx="899277" cy="562048"/>
+          </a:xfrm>
+          <a:prstGeom prst="rect">
+            <a:avLst/>
+          </a:prstGeom>
+          <a:noFill/>
+          <a:extLst>
+            <a:ext uri="{909E8E84-426E-40DD-AFC4-6F175D3DCCD1}">
+              <a14:hiddenFill xmlns:a14="http://schemas.microsoft.com/office/drawing/2010/main">
+                <a:solidFill>
+                  <a:srgbClr val="FFFFFF"/>
+                </a:solidFill>
+              </a14:hiddenFill>
+            </a:ext>
+          </a:extLst>
+        </p:spPr>
+      </p:pic>
+      <p:pic>
+        <p:nvPicPr>
+          <p:cNvPr id="2054" name="Picture 6" descr="Release 6.14.0">
+            <a:extLst>
+              <a:ext uri="{FF2B5EF4-FFF2-40B4-BE49-F238E27FC236}">
+                <a16:creationId xmlns:a16="http://schemas.microsoft.com/office/drawing/2014/main" id="{25E97357-572E-4F6B-B05A-EBD92BEAD89F}"/>
+              </a:ext>
+            </a:extLst>
+          </p:cNvPr>
+          <p:cNvPicPr>
+            <a:picLocks noChangeAspect="1" noChangeArrowheads="1"/>
+          </p:cNvPicPr>
+          <p:nvPr/>
+        </p:nvPicPr>
+        <p:blipFill>
+          <a:blip r:embed="rId10">
+            <a:extLst>
+              <a:ext uri="{28A0092B-C50C-407E-A947-70E740481C1C}">
+                <a14:useLocalDpi xmlns:a14="http://schemas.microsoft.com/office/drawing/2010/main" val="0"/>
+              </a:ext>
+            </a:extLst>
+          </a:blip>
+          <a:srcRect/>
+          <a:stretch>
+            <a:fillRect/>
+          </a:stretch>
+        </p:blipFill>
+        <p:spPr bwMode="auto">
+          <a:xfrm>
+            <a:off x="10263217" y="4837170"/>
+            <a:ext cx="982211" cy="360056"/>
+          </a:xfrm>
+          <a:prstGeom prst="rect">
+            <a:avLst/>
+          </a:prstGeom>
+          <a:noFill/>
+          <a:extLst>
+            <a:ext uri="{909E8E84-426E-40DD-AFC4-6F175D3DCCD1}">
+              <a14:hiddenFill xmlns:a14="http://schemas.microsoft.com/office/drawing/2010/main">
+                <a:solidFill>
+                  <a:srgbClr val="FFFFFF"/>
+                </a:solidFill>
+              </a14:hiddenFill>
+            </a:ext>
+          </a:extLst>
+        </p:spPr>
+      </p:pic>
+      <p:sp>
+        <p:nvSpPr>
+          <p:cNvPr id="49" name="Arrow: Left 48">
+            <a:extLst>
+              <a:ext uri="{FF2B5EF4-FFF2-40B4-BE49-F238E27FC236}">
+                <a16:creationId xmlns:a16="http://schemas.microsoft.com/office/drawing/2014/main" id="{5A56997F-7AC2-47CC-969E-4857F13073ED}"/>
+              </a:ext>
+            </a:extLst>
+          </p:cNvPr>
+          <p:cNvSpPr/>
+          <p:nvPr/>
+        </p:nvSpPr>
+        <p:spPr>
+          <a:xfrm>
+            <a:off x="7523813" y="6202222"/>
+            <a:ext cx="1481673" cy="536373"/>
+          </a:xfrm>
+          <a:prstGeom prst="leftArrow">
+            <a:avLst/>
+          </a:prstGeom>
+          <a:solidFill>
+            <a:srgbClr val="002060"/>
+          </a:solidFill>
+        </p:spPr>
+        <p:style>
+          <a:lnRef idx="2">
+            <a:schemeClr val="accent1">
+              <a:shade val="50000"/>
+            </a:schemeClr>
+          </a:lnRef>
+          <a:fillRef idx="1">
+            <a:schemeClr val="accent1"/>
+          </a:fillRef>
+          <a:effectRef idx="0">
+            <a:schemeClr val="accent1"/>
+          </a:effectRef>
+          <a:fontRef idx="minor">
+            <a:schemeClr val="lt1"/>
+          </a:fontRef>
+        </p:style>
+        <p:txBody>
+          <a:bodyPr rtlCol="0" anchor="ctr"/>
+          <a:lstStyle/>
+          <a:p>
+            <a:pPr algn="ctr"/>
+            <a:r>
+              <a:rPr lang="en-US" sz="1200" dirty="0"/>
+              <a:t>Ongoing query</a:t>
+            </a:r>
+            <a:endParaRPr lang="en-GB" sz="1200" dirty="0"/>
+          </a:p>
+        </p:txBody>
+      </p:sp>
+      <p:sp>
+        <p:nvSpPr>
+          <p:cNvPr id="55" name="Arrow: Left-Right 54">
+            <a:extLst>
+              <a:ext uri="{FF2B5EF4-FFF2-40B4-BE49-F238E27FC236}">
+                <a16:creationId xmlns:a16="http://schemas.microsoft.com/office/drawing/2014/main" id="{259DC383-2E0B-437C-8921-FE18CF693B92}"/>
+              </a:ext>
+            </a:extLst>
+          </p:cNvPr>
+          <p:cNvSpPr/>
+          <p:nvPr/>
+        </p:nvSpPr>
+        <p:spPr>
+          <a:xfrm>
+            <a:off x="9025764" y="6120750"/>
+            <a:ext cx="1228274" cy="651609"/>
+          </a:xfrm>
+          <a:prstGeom prst="leftRightArrow">
+            <a:avLst/>
+          </a:prstGeom>
+          <a:noFill/>
+          <a:ln w="28575">
+            <a:prstDash val="sysDash"/>
+          </a:ln>
+        </p:spPr>
+        <p:style>
+          <a:lnRef idx="2">
+            <a:schemeClr val="accent1">
+              <a:shade val="50000"/>
+            </a:schemeClr>
+          </a:lnRef>
+          <a:fillRef idx="1">
+            <a:schemeClr val="accent1"/>
+          </a:fillRef>
+          <a:effectRef idx="0">
+            <a:schemeClr val="accent1"/>
+          </a:effectRef>
+          <a:fontRef idx="minor">
+            <a:schemeClr val="lt1"/>
+          </a:fontRef>
+        </p:style>
+        <p:txBody>
+          <a:bodyPr rtlCol="0" anchor="ctr"/>
+          <a:lstStyle/>
+          <a:p>
+            <a:pPr algn="ctr"/>
+            <a:r>
+              <a:rPr lang="en-US" sz="800" dirty="0">
+                <a:solidFill>
+                  <a:sysClr val="windowText" lastClr="000000"/>
+                </a:solidFill>
+              </a:rPr>
+              <a:t>Check presence of RPA Thread</a:t>
+            </a:r>
+            <a:endParaRPr lang="en-GB" sz="800" dirty="0">
+              <a:solidFill>
+                <a:sysClr val="windowText" lastClr="000000"/>
+              </a:solidFill>
+            </a:endParaRPr>
+          </a:p>
+        </p:txBody>
+      </p:sp>
+      <p:sp>
+        <p:nvSpPr>
+          <p:cNvPr id="56" name="TextBox 55">
+            <a:extLst>
+              <a:ext uri="{FF2B5EF4-FFF2-40B4-BE49-F238E27FC236}">
+                <a16:creationId xmlns:a16="http://schemas.microsoft.com/office/drawing/2014/main" id="{C2BAF97D-30BA-4029-B334-24A6EAFD18B0}"/>
+              </a:ext>
+            </a:extLst>
+          </p:cNvPr>
+          <p:cNvSpPr txBox="1"/>
+          <p:nvPr/>
+        </p:nvSpPr>
+        <p:spPr>
+          <a:xfrm>
+            <a:off x="7302164" y="5951161"/>
+            <a:ext cx="1501951" cy="261610"/>
+          </a:xfrm>
+          <a:prstGeom prst="rect">
+            <a:avLst/>
+          </a:prstGeom>
+          <a:solidFill>
+            <a:schemeClr val="accent4">
+              <a:lumMod val="20000"/>
+              <a:lumOff val="80000"/>
+            </a:schemeClr>
+          </a:solidFill>
+          <a:ln>
+            <a:solidFill>
+              <a:schemeClr val="tx1"/>
+            </a:solidFill>
+          </a:ln>
+          <a:effectLst>
+            <a:outerShdw blurRad="50800" dist="38100" dir="2700000" algn="tl" rotWithShape="0">
+              <a:prstClr val="black">
+                <a:alpha val="40000"/>
+              </a:prstClr>
+            </a:outerShdw>
+          </a:effectLst>
+        </p:spPr>
+        <p:txBody>
+          <a:bodyPr wrap="square" rtlCol="0">
+            <a:spAutoFit/>
+          </a:bodyPr>
+          <a:lstStyle/>
+          <a:p>
+            <a:pPr algn="ctr"/>
+            <a:r>
+              <a:rPr lang="en-US" sz="1100" dirty="0"/>
+              <a:t>Welcome Intent</a:t>
+            </a:r>
+            <a:endParaRPr lang="en-GB" sz="1100" dirty="0"/>
           </a:p>
         </p:txBody>
       </p:sp>
@@ -7227,6 +12031,891 @@
     <p:extLst>
       <p:ext uri="{BB962C8B-B14F-4D97-AF65-F5344CB8AC3E}">
         <p14:creationId xmlns:p14="http://schemas.microsoft.com/office/powerpoint/2010/main" val="3018560542"/>
+      </p:ext>
+    </p:extLst>
+  </p:cSld>
+  <p:clrMapOvr>
+    <a:masterClrMapping/>
+  </p:clrMapOvr>
+</p:sld>
+</file>
+
+<file path=ppt/slides/slide8.xml><?xml version="1.0" encoding="utf-8"?>
+<p:sld xmlns:a="http://schemas.openxmlformats.org/drawingml/2006/main" xmlns:r="http://schemas.openxmlformats.org/officeDocument/2006/relationships" xmlns:p="http://schemas.openxmlformats.org/presentationml/2006/main">
+  <p:cSld>
+    <p:spTree>
+      <p:nvGrpSpPr>
+        <p:cNvPr id="1" name=""/>
+        <p:cNvGrpSpPr/>
+        <p:nvPr/>
+      </p:nvGrpSpPr>
+      <p:grpSpPr>
+        <a:xfrm>
+          <a:off x="0" y="0"/>
+          <a:ext cx="0" cy="0"/>
+          <a:chOff x="0" y="0"/>
+          <a:chExt cx="0" cy="0"/>
+        </a:xfrm>
+      </p:grpSpPr>
+      <p:sp>
+        <p:nvSpPr>
+          <p:cNvPr id="24" name="TextBox 23">
+            <a:extLst>
+              <a:ext uri="{FF2B5EF4-FFF2-40B4-BE49-F238E27FC236}">
+                <a16:creationId xmlns:a16="http://schemas.microsoft.com/office/drawing/2014/main" id="{2728A82E-EB67-4925-A5D2-8F2ECE0F7D1B}"/>
+              </a:ext>
+            </a:extLst>
+          </p:cNvPr>
+          <p:cNvSpPr txBox="1"/>
+          <p:nvPr/>
+        </p:nvSpPr>
+        <p:spPr>
+          <a:xfrm>
+            <a:off x="597160" y="251927"/>
+            <a:ext cx="1820307" cy="369332"/>
+          </a:xfrm>
+          <a:prstGeom prst="rect">
+            <a:avLst/>
+          </a:prstGeom>
+          <a:noFill/>
+        </p:spPr>
+        <p:txBody>
+          <a:bodyPr wrap="none" rtlCol="0">
+            <a:spAutoFit/>
+          </a:bodyPr>
+          <a:lstStyle/>
+          <a:p>
+            <a:r>
+              <a:rPr lang="en-SG" b="1" u="sng" dirty="0"/>
+              <a:t>RPA: Email Agent</a:t>
+            </a:r>
+          </a:p>
+        </p:txBody>
+      </p:sp>
+      <p:pic>
+        <p:nvPicPr>
+          <p:cNvPr id="3074" name="Picture 2" descr="Gmail has a new logo that's a lot more Google - The Verge">
+            <a:extLst>
+              <a:ext uri="{FF2B5EF4-FFF2-40B4-BE49-F238E27FC236}">
+                <a16:creationId xmlns:a16="http://schemas.microsoft.com/office/drawing/2014/main" id="{911B1456-355C-4061-9352-BF0201EB31FC}"/>
+              </a:ext>
+            </a:extLst>
+          </p:cNvPr>
+          <p:cNvPicPr>
+            <a:picLocks noChangeAspect="1" noChangeArrowheads="1"/>
+          </p:cNvPicPr>
+          <p:nvPr/>
+        </p:nvPicPr>
+        <p:blipFill>
+          <a:blip r:embed="rId2">
+            <a:extLst>
+              <a:ext uri="{28A0092B-C50C-407E-A947-70E740481C1C}">
+                <a14:useLocalDpi xmlns:a14="http://schemas.microsoft.com/office/drawing/2010/main" val="0"/>
+              </a:ext>
+            </a:extLst>
+          </a:blip>
+          <a:srcRect/>
+          <a:stretch>
+            <a:fillRect/>
+          </a:stretch>
+        </p:blipFill>
+        <p:spPr bwMode="auto">
+          <a:xfrm>
+            <a:off x="364874" y="3115376"/>
+            <a:ext cx="1925480" cy="962740"/>
+          </a:xfrm>
+          <a:prstGeom prst="rect">
+            <a:avLst/>
+          </a:prstGeom>
+          <a:noFill/>
+          <a:extLst>
+            <a:ext uri="{909E8E84-426E-40DD-AFC4-6F175D3DCCD1}">
+              <a14:hiddenFill xmlns:a14="http://schemas.microsoft.com/office/drawing/2010/main">
+                <a:solidFill>
+                  <a:srgbClr val="FFFFFF"/>
+                </a:solidFill>
+              </a14:hiddenFill>
+            </a:ext>
+          </a:extLst>
+        </p:spPr>
+      </p:pic>
+      <p:sp>
+        <p:nvSpPr>
+          <p:cNvPr id="2" name="Arrow: Right 1">
+            <a:extLst>
+              <a:ext uri="{FF2B5EF4-FFF2-40B4-BE49-F238E27FC236}">
+                <a16:creationId xmlns:a16="http://schemas.microsoft.com/office/drawing/2014/main" id="{C9337120-277A-4AE3-BF02-19E327FA4391}"/>
+              </a:ext>
+            </a:extLst>
+          </p:cNvPr>
+          <p:cNvSpPr/>
+          <p:nvPr/>
+        </p:nvSpPr>
+        <p:spPr>
+          <a:xfrm>
+            <a:off x="2290354" y="3248403"/>
+            <a:ext cx="1537879" cy="696686"/>
+          </a:xfrm>
+          <a:prstGeom prst="rightArrow">
+            <a:avLst/>
+          </a:prstGeom>
+        </p:spPr>
+        <p:style>
+          <a:lnRef idx="2">
+            <a:schemeClr val="accent1">
+              <a:shade val="50000"/>
+            </a:schemeClr>
+          </a:lnRef>
+          <a:fillRef idx="1">
+            <a:schemeClr val="accent1"/>
+          </a:fillRef>
+          <a:effectRef idx="0">
+            <a:schemeClr val="accent1"/>
+          </a:effectRef>
+          <a:fontRef idx="minor">
+            <a:schemeClr val="lt1"/>
+          </a:fontRef>
+        </p:style>
+        <p:txBody>
+          <a:bodyPr rtlCol="0" anchor="ctr"/>
+          <a:lstStyle/>
+          <a:p>
+            <a:pPr algn="ctr"/>
+            <a:r>
+              <a:rPr lang="en-US" sz="1200" dirty="0"/>
+              <a:t>Checks for Logged in Account</a:t>
+            </a:r>
+            <a:endParaRPr lang="en-GB" sz="1200" dirty="0"/>
+          </a:p>
+        </p:txBody>
+      </p:sp>
+      <p:pic>
+        <p:nvPicPr>
+          <p:cNvPr id="5" name="Picture 6" descr="Release 6.14.0">
+            <a:extLst>
+              <a:ext uri="{FF2B5EF4-FFF2-40B4-BE49-F238E27FC236}">
+                <a16:creationId xmlns:a16="http://schemas.microsoft.com/office/drawing/2014/main" id="{90560B04-D1C9-4484-91F0-B91C71CE7BA9}"/>
+              </a:ext>
+            </a:extLst>
+          </p:cNvPr>
+          <p:cNvPicPr>
+            <a:picLocks noChangeAspect="1" noChangeArrowheads="1"/>
+          </p:cNvPicPr>
+          <p:nvPr/>
+        </p:nvPicPr>
+        <p:blipFill>
+          <a:blip r:embed="rId3">
+            <a:extLst>
+              <a:ext uri="{28A0092B-C50C-407E-A947-70E740481C1C}">
+                <a14:useLocalDpi xmlns:a14="http://schemas.microsoft.com/office/drawing/2010/main" val="0"/>
+              </a:ext>
+            </a:extLst>
+          </a:blip>
+          <a:srcRect/>
+          <a:stretch>
+            <a:fillRect/>
+          </a:stretch>
+        </p:blipFill>
+        <p:spPr bwMode="auto">
+          <a:xfrm>
+            <a:off x="867125" y="621259"/>
+            <a:ext cx="1153263" cy="422760"/>
+          </a:xfrm>
+          <a:prstGeom prst="rect">
+            <a:avLst/>
+          </a:prstGeom>
+          <a:noFill/>
+          <a:extLst>
+            <a:ext uri="{909E8E84-426E-40DD-AFC4-6F175D3DCCD1}">
+              <a14:hiddenFill xmlns:a14="http://schemas.microsoft.com/office/drawing/2010/main">
+                <a:solidFill>
+                  <a:srgbClr val="FFFFFF"/>
+                </a:solidFill>
+              </a14:hiddenFill>
+            </a:ext>
+          </a:extLst>
+        </p:spPr>
+      </p:pic>
+      <p:sp>
+        <p:nvSpPr>
+          <p:cNvPr id="6" name="Arrow: Right 5">
+            <a:extLst>
+              <a:ext uri="{FF2B5EF4-FFF2-40B4-BE49-F238E27FC236}">
+                <a16:creationId xmlns:a16="http://schemas.microsoft.com/office/drawing/2014/main" id="{694A85CA-3866-4D26-9C9F-155A0A753270}"/>
+              </a:ext>
+            </a:extLst>
+          </p:cNvPr>
+          <p:cNvSpPr/>
+          <p:nvPr/>
+        </p:nvSpPr>
+        <p:spPr>
+          <a:xfrm>
+            <a:off x="3828233" y="2354974"/>
+            <a:ext cx="685390" cy="536373"/>
+          </a:xfrm>
+          <a:prstGeom prst="rightArrow">
+            <a:avLst/>
+          </a:prstGeom>
+          <a:solidFill>
+            <a:srgbClr val="002060"/>
+          </a:solidFill>
+          <a:effectLst>
+            <a:outerShdw blurRad="50800" dist="38100" dir="2700000" algn="tl" rotWithShape="0">
+              <a:prstClr val="black">
+                <a:alpha val="40000"/>
+              </a:prstClr>
+            </a:outerShdw>
+          </a:effectLst>
+        </p:spPr>
+        <p:style>
+          <a:lnRef idx="2">
+            <a:schemeClr val="accent1">
+              <a:shade val="50000"/>
+            </a:schemeClr>
+          </a:lnRef>
+          <a:fillRef idx="1">
+            <a:schemeClr val="accent1"/>
+          </a:fillRef>
+          <a:effectRef idx="0">
+            <a:schemeClr val="accent1"/>
+          </a:effectRef>
+          <a:fontRef idx="minor">
+            <a:schemeClr val="lt1"/>
+          </a:fontRef>
+        </p:style>
+        <p:txBody>
+          <a:bodyPr rtlCol="0" anchor="ctr"/>
+          <a:lstStyle/>
+          <a:p>
+            <a:pPr algn="ctr"/>
+            <a:r>
+              <a:rPr lang="en-US" sz="1200" dirty="0"/>
+              <a:t>No</a:t>
+            </a:r>
+            <a:endParaRPr lang="en-GB" sz="1200" dirty="0"/>
+          </a:p>
+        </p:txBody>
+      </p:sp>
+      <p:sp>
+        <p:nvSpPr>
+          <p:cNvPr id="7" name="Arrow: Right 6">
+            <a:extLst>
+              <a:ext uri="{FF2B5EF4-FFF2-40B4-BE49-F238E27FC236}">
+                <a16:creationId xmlns:a16="http://schemas.microsoft.com/office/drawing/2014/main" id="{6EDEA6E6-FF61-4D30-8001-05622914BCE8}"/>
+              </a:ext>
+            </a:extLst>
+          </p:cNvPr>
+          <p:cNvSpPr/>
+          <p:nvPr/>
+        </p:nvSpPr>
+        <p:spPr>
+          <a:xfrm rot="10800000" flipH="1" flipV="1">
+            <a:off x="3828233" y="4305126"/>
+            <a:ext cx="685390" cy="536373"/>
+          </a:xfrm>
+          <a:prstGeom prst="rightArrow">
+            <a:avLst/>
+          </a:prstGeom>
+          <a:solidFill>
+            <a:srgbClr val="002060"/>
+          </a:solidFill>
+          <a:effectLst>
+            <a:outerShdw blurRad="50800" dist="38100" dir="2700000" algn="tl" rotWithShape="0">
+              <a:prstClr val="black">
+                <a:alpha val="40000"/>
+              </a:prstClr>
+            </a:outerShdw>
+          </a:effectLst>
+        </p:spPr>
+        <p:style>
+          <a:lnRef idx="2">
+            <a:schemeClr val="accent1">
+              <a:shade val="50000"/>
+            </a:schemeClr>
+          </a:lnRef>
+          <a:fillRef idx="1">
+            <a:schemeClr val="accent1"/>
+          </a:fillRef>
+          <a:effectRef idx="0">
+            <a:schemeClr val="accent1"/>
+          </a:effectRef>
+          <a:fontRef idx="minor">
+            <a:schemeClr val="lt1"/>
+          </a:fontRef>
+        </p:style>
+        <p:txBody>
+          <a:bodyPr rtlCol="0" anchor="ctr"/>
+          <a:lstStyle/>
+          <a:p>
+            <a:pPr algn="ctr"/>
+            <a:r>
+              <a:rPr lang="en-US" sz="1200" dirty="0"/>
+              <a:t>Yes</a:t>
+            </a:r>
+            <a:endParaRPr lang="en-GB" sz="1200" dirty="0"/>
+          </a:p>
+        </p:txBody>
+      </p:sp>
+      <p:pic>
+        <p:nvPicPr>
+          <p:cNvPr id="3" name="Picture 2">
+            <a:extLst>
+              <a:ext uri="{FF2B5EF4-FFF2-40B4-BE49-F238E27FC236}">
+                <a16:creationId xmlns:a16="http://schemas.microsoft.com/office/drawing/2014/main" id="{0B1B4FA2-C564-4092-924D-BB9D89E8E384}"/>
+              </a:ext>
+            </a:extLst>
+          </p:cNvPr>
+          <p:cNvPicPr>
+            <a:picLocks noChangeAspect="1"/>
+          </p:cNvPicPr>
+          <p:nvPr/>
+        </p:nvPicPr>
+        <p:blipFill>
+          <a:blip r:embed="rId4"/>
+          <a:stretch>
+            <a:fillRect/>
+          </a:stretch>
+        </p:blipFill>
+        <p:spPr>
+          <a:xfrm>
+            <a:off x="4564459" y="1413351"/>
+            <a:ext cx="1801507" cy="2140657"/>
+          </a:xfrm>
+          <a:prstGeom prst="rect">
+            <a:avLst/>
+          </a:prstGeom>
+          <a:effectLst>
+            <a:outerShdw blurRad="50800" dist="38100" dir="2700000" algn="tl" rotWithShape="0">
+              <a:prstClr val="black">
+                <a:alpha val="40000"/>
+              </a:prstClr>
+            </a:outerShdw>
+          </a:effectLst>
+        </p:spPr>
+      </p:pic>
+      <p:sp>
+        <p:nvSpPr>
+          <p:cNvPr id="4" name="TextBox 3">
+            <a:extLst>
+              <a:ext uri="{FF2B5EF4-FFF2-40B4-BE49-F238E27FC236}">
+                <a16:creationId xmlns:a16="http://schemas.microsoft.com/office/drawing/2014/main" id="{98BB56D2-E820-4AE3-9957-9F301585CEEC}"/>
+              </a:ext>
+            </a:extLst>
+          </p:cNvPr>
+          <p:cNvSpPr txBox="1"/>
+          <p:nvPr/>
+        </p:nvSpPr>
+        <p:spPr>
+          <a:xfrm>
+            <a:off x="6126832" y="1413351"/>
+            <a:ext cx="1071154" cy="646331"/>
+          </a:xfrm>
+          <a:prstGeom prst="rect">
+            <a:avLst/>
+          </a:prstGeom>
+          <a:solidFill>
+            <a:schemeClr val="accent5">
+              <a:lumMod val="20000"/>
+              <a:lumOff val="80000"/>
+            </a:schemeClr>
+          </a:solidFill>
+          <a:ln>
+            <a:solidFill>
+              <a:schemeClr val="tx1"/>
+            </a:solidFill>
+          </a:ln>
+          <a:effectLst>
+            <a:outerShdw blurRad="50800" dist="38100" dir="2700000" algn="tl" rotWithShape="0">
+              <a:prstClr val="black">
+                <a:alpha val="40000"/>
+              </a:prstClr>
+            </a:outerShdw>
+          </a:effectLst>
+        </p:spPr>
+        <p:txBody>
+          <a:bodyPr wrap="square" rtlCol="0">
+            <a:spAutoFit/>
+          </a:bodyPr>
+          <a:lstStyle/>
+          <a:p>
+            <a:r>
+              <a:rPr lang="en-US" sz="1200" dirty="0"/>
+              <a:t>Direct to log in page for user to log in</a:t>
+            </a:r>
+            <a:endParaRPr lang="en-GB" sz="1200" dirty="0"/>
+          </a:p>
+        </p:txBody>
+      </p:sp>
+      <p:sp>
+        <p:nvSpPr>
+          <p:cNvPr id="8" name="Rectangle 7">
+            <a:extLst>
+              <a:ext uri="{FF2B5EF4-FFF2-40B4-BE49-F238E27FC236}">
+                <a16:creationId xmlns:a16="http://schemas.microsoft.com/office/drawing/2014/main" id="{47F3C956-63F6-4084-B85B-8D6EC30BC807}"/>
+              </a:ext>
+            </a:extLst>
+          </p:cNvPr>
+          <p:cNvSpPr/>
+          <p:nvPr/>
+        </p:nvSpPr>
+        <p:spPr>
+          <a:xfrm>
+            <a:off x="4586756" y="4258723"/>
+            <a:ext cx="2611230" cy="801188"/>
+          </a:xfrm>
+          <a:prstGeom prst="rect">
+            <a:avLst/>
+          </a:prstGeom>
+        </p:spPr>
+        <p:style>
+          <a:lnRef idx="2">
+            <a:schemeClr val="accent1">
+              <a:shade val="50000"/>
+            </a:schemeClr>
+          </a:lnRef>
+          <a:fillRef idx="1">
+            <a:schemeClr val="accent1"/>
+          </a:fillRef>
+          <a:effectRef idx="0">
+            <a:schemeClr val="accent1"/>
+          </a:effectRef>
+          <a:fontRef idx="minor">
+            <a:schemeClr val="lt1"/>
+          </a:fontRef>
+        </p:style>
+        <p:txBody>
+          <a:bodyPr rtlCol="0" anchor="ctr"/>
+          <a:lstStyle/>
+          <a:p>
+            <a:pPr algn="ctr"/>
+            <a:r>
+              <a:rPr lang="en-US" sz="1200" dirty="0"/>
+              <a:t>If no recipient detected in “email_recipient.txt”</a:t>
+            </a:r>
+            <a:r>
+              <a:rPr lang="en-GB" sz="1200" dirty="0"/>
+              <a:t>, o</a:t>
+            </a:r>
+            <a:r>
+              <a:rPr lang="en-US" sz="1200" dirty="0" err="1"/>
+              <a:t>btain</a:t>
+            </a:r>
+            <a:r>
+              <a:rPr lang="en-US" sz="1200" dirty="0"/>
+              <a:t> currently logged in email to store as recipient</a:t>
+            </a:r>
+            <a:endParaRPr lang="en-GB" sz="1200" dirty="0"/>
+          </a:p>
+        </p:txBody>
+      </p:sp>
+      <p:sp>
+        <p:nvSpPr>
+          <p:cNvPr id="12" name="Arrow: Right 11">
+            <a:extLst>
+              <a:ext uri="{FF2B5EF4-FFF2-40B4-BE49-F238E27FC236}">
+                <a16:creationId xmlns:a16="http://schemas.microsoft.com/office/drawing/2014/main" id="{8FF6494A-8B82-4E55-ADF7-D1F32AD10AAA}"/>
+              </a:ext>
+            </a:extLst>
+          </p:cNvPr>
+          <p:cNvSpPr/>
+          <p:nvPr/>
+        </p:nvSpPr>
+        <p:spPr>
+          <a:xfrm rot="16200000" flipH="1" flipV="1">
+            <a:off x="5557068" y="3401253"/>
+            <a:ext cx="685390" cy="536373"/>
+          </a:xfrm>
+          <a:prstGeom prst="rightArrow">
+            <a:avLst/>
+          </a:prstGeom>
+          <a:solidFill>
+            <a:srgbClr val="002060"/>
+          </a:solidFill>
+          <a:effectLst>
+            <a:outerShdw blurRad="50800" dist="38100" dir="2700000" algn="tl" rotWithShape="0">
+              <a:prstClr val="black">
+                <a:alpha val="40000"/>
+              </a:prstClr>
+            </a:outerShdw>
+          </a:effectLst>
+        </p:spPr>
+        <p:style>
+          <a:lnRef idx="2">
+            <a:schemeClr val="accent1">
+              <a:shade val="50000"/>
+            </a:schemeClr>
+          </a:lnRef>
+          <a:fillRef idx="1">
+            <a:schemeClr val="accent1"/>
+          </a:fillRef>
+          <a:effectRef idx="0">
+            <a:schemeClr val="accent1"/>
+          </a:effectRef>
+          <a:fontRef idx="minor">
+            <a:schemeClr val="lt1"/>
+          </a:fontRef>
+        </p:style>
+        <p:txBody>
+          <a:bodyPr rtlCol="0" anchor="ctr"/>
+          <a:lstStyle/>
+          <a:p>
+            <a:pPr algn="ctr"/>
+            <a:endParaRPr lang="en-GB" sz="1200" dirty="0"/>
+          </a:p>
+        </p:txBody>
+      </p:sp>
+      <p:pic>
+        <p:nvPicPr>
+          <p:cNvPr id="10" name="Picture 9">
+            <a:extLst>
+              <a:ext uri="{FF2B5EF4-FFF2-40B4-BE49-F238E27FC236}">
+                <a16:creationId xmlns:a16="http://schemas.microsoft.com/office/drawing/2014/main" id="{46A08E8C-6CB1-4009-8CBC-2F2241924C49}"/>
+              </a:ext>
+            </a:extLst>
+          </p:cNvPr>
+          <p:cNvPicPr>
+            <a:picLocks noChangeAspect="1"/>
+          </p:cNvPicPr>
+          <p:nvPr/>
+        </p:nvPicPr>
+        <p:blipFill rotWithShape="1">
+          <a:blip r:embed="rId5"/>
+          <a:srcRect l="25693" t="10030"/>
+          <a:stretch/>
+        </p:blipFill>
+        <p:spPr>
+          <a:xfrm>
+            <a:off x="8265103" y="1665141"/>
+            <a:ext cx="3428739" cy="3741476"/>
+          </a:xfrm>
+          <a:prstGeom prst="rect">
+            <a:avLst/>
+          </a:prstGeom>
+          <a:effectLst>
+            <a:outerShdw blurRad="50800" dist="38100" dir="2700000" algn="tl" rotWithShape="0">
+              <a:prstClr val="black">
+                <a:alpha val="40000"/>
+              </a:prstClr>
+            </a:outerShdw>
+          </a:effectLst>
+        </p:spPr>
+      </p:pic>
+      <p:sp>
+        <p:nvSpPr>
+          <p:cNvPr id="14" name="Arrow: Right 13">
+            <a:extLst>
+              <a:ext uri="{FF2B5EF4-FFF2-40B4-BE49-F238E27FC236}">
+                <a16:creationId xmlns:a16="http://schemas.microsoft.com/office/drawing/2014/main" id="{4393335D-E542-4B73-AEB3-D9C87251F1F3}"/>
+              </a:ext>
+            </a:extLst>
+          </p:cNvPr>
+          <p:cNvSpPr/>
+          <p:nvPr/>
+        </p:nvSpPr>
+        <p:spPr>
+          <a:xfrm rot="10800000" flipH="1" flipV="1">
+            <a:off x="7142460" y="4391130"/>
+            <a:ext cx="1304854" cy="536373"/>
+          </a:xfrm>
+          <a:prstGeom prst="rightArrow">
+            <a:avLst/>
+          </a:prstGeom>
+          <a:solidFill>
+            <a:srgbClr val="002060"/>
+          </a:solidFill>
+          <a:effectLst>
+            <a:outerShdw blurRad="50800" dist="38100" dir="2700000" algn="tl" rotWithShape="0">
+              <a:prstClr val="black">
+                <a:alpha val="40000"/>
+              </a:prstClr>
+            </a:outerShdw>
+          </a:effectLst>
+        </p:spPr>
+        <p:style>
+          <a:lnRef idx="2">
+            <a:schemeClr val="accent1">
+              <a:shade val="50000"/>
+            </a:schemeClr>
+          </a:lnRef>
+          <a:fillRef idx="1">
+            <a:schemeClr val="accent1"/>
+          </a:fillRef>
+          <a:effectRef idx="0">
+            <a:schemeClr val="accent1"/>
+          </a:effectRef>
+          <a:fontRef idx="minor">
+            <a:schemeClr val="lt1"/>
+          </a:fontRef>
+        </p:style>
+        <p:txBody>
+          <a:bodyPr rtlCol="0" anchor="ctr"/>
+          <a:lstStyle/>
+          <a:p>
+            <a:pPr algn="ctr"/>
+            <a:r>
+              <a:rPr lang="en-US" sz="1200" dirty="0"/>
+              <a:t>Email Recipient</a:t>
+            </a:r>
+            <a:endParaRPr lang="en-GB" sz="1200" dirty="0"/>
+          </a:p>
+        </p:txBody>
+      </p:sp>
+      <p:sp>
+        <p:nvSpPr>
+          <p:cNvPr id="11" name="TextBox 10">
+            <a:extLst>
+              <a:ext uri="{FF2B5EF4-FFF2-40B4-BE49-F238E27FC236}">
+                <a16:creationId xmlns:a16="http://schemas.microsoft.com/office/drawing/2014/main" id="{F64BC3B4-A44C-4EF4-98BD-90A679178831}"/>
+              </a:ext>
+            </a:extLst>
+          </p:cNvPr>
+          <p:cNvSpPr txBox="1"/>
+          <p:nvPr/>
+        </p:nvSpPr>
+        <p:spPr>
+          <a:xfrm>
+            <a:off x="6507956" y="3379003"/>
+            <a:ext cx="1401364" cy="461665"/>
+          </a:xfrm>
+          <a:prstGeom prst="rect">
+            <a:avLst/>
+          </a:prstGeom>
+          <a:solidFill>
+            <a:srgbClr val="FFC000"/>
+          </a:solidFill>
+          <a:ln>
+            <a:solidFill>
+              <a:schemeClr val="tx1"/>
+            </a:solidFill>
+          </a:ln>
+          <a:effectLst>
+            <a:outerShdw blurRad="50800" dist="38100" dir="2700000" algn="tl" rotWithShape="0">
+              <a:prstClr val="black">
+                <a:alpha val="40000"/>
+              </a:prstClr>
+            </a:outerShdw>
+          </a:effectLst>
+        </p:spPr>
+        <p:txBody>
+          <a:bodyPr wrap="square" rtlCol="0" anchor="ctr">
+            <a:noAutofit/>
+          </a:bodyPr>
+          <a:lstStyle/>
+          <a:p>
+            <a:pPr algn="ctr"/>
+            <a:r>
+              <a:rPr lang="en-US" sz="1200" dirty="0"/>
+              <a:t>NLB Information</a:t>
+            </a:r>
+            <a:endParaRPr lang="en-GB" sz="1200" dirty="0"/>
+          </a:p>
+        </p:txBody>
+      </p:sp>
+      <p:sp>
+        <p:nvSpPr>
+          <p:cNvPr id="16" name="TextBox 15">
+            <a:extLst>
+              <a:ext uri="{FF2B5EF4-FFF2-40B4-BE49-F238E27FC236}">
+                <a16:creationId xmlns:a16="http://schemas.microsoft.com/office/drawing/2014/main" id="{91EF4F9C-D49C-4FAE-A803-632F879EBED9}"/>
+              </a:ext>
+            </a:extLst>
+          </p:cNvPr>
+          <p:cNvSpPr txBox="1"/>
+          <p:nvPr/>
+        </p:nvSpPr>
+        <p:spPr>
+          <a:xfrm>
+            <a:off x="6504552" y="2803787"/>
+            <a:ext cx="1401364" cy="461665"/>
+          </a:xfrm>
+          <a:prstGeom prst="rect">
+            <a:avLst/>
+          </a:prstGeom>
+          <a:solidFill>
+            <a:schemeClr val="accent4">
+              <a:lumMod val="40000"/>
+              <a:lumOff val="60000"/>
+            </a:schemeClr>
+          </a:solidFill>
+          <a:ln>
+            <a:solidFill>
+              <a:schemeClr val="tx1"/>
+            </a:solidFill>
+          </a:ln>
+          <a:effectLst>
+            <a:outerShdw blurRad="50800" dist="38100" dir="2700000" algn="tl" rotWithShape="0">
+              <a:prstClr val="black">
+                <a:alpha val="40000"/>
+              </a:prstClr>
+            </a:outerShdw>
+          </a:effectLst>
+        </p:spPr>
+        <p:txBody>
+          <a:bodyPr wrap="square" rtlCol="0" anchor="ctr">
+            <a:noAutofit/>
+          </a:bodyPr>
+          <a:lstStyle/>
+          <a:p>
+            <a:pPr algn="ctr"/>
+            <a:r>
+              <a:rPr lang="en-US" sz="1200" dirty="0"/>
+              <a:t>Amazon Information</a:t>
+            </a:r>
+            <a:endParaRPr lang="en-GB" sz="1200" dirty="0"/>
+          </a:p>
+        </p:txBody>
+      </p:sp>
+      <p:sp>
+        <p:nvSpPr>
+          <p:cNvPr id="17" name="TextBox 16">
+            <a:extLst>
+              <a:ext uri="{FF2B5EF4-FFF2-40B4-BE49-F238E27FC236}">
+                <a16:creationId xmlns:a16="http://schemas.microsoft.com/office/drawing/2014/main" id="{055B3711-C2B1-44FE-BA8D-A33F83429F97}"/>
+              </a:ext>
+            </a:extLst>
+          </p:cNvPr>
+          <p:cNvSpPr txBox="1"/>
+          <p:nvPr/>
+        </p:nvSpPr>
+        <p:spPr>
+          <a:xfrm>
+            <a:off x="8785074" y="1295809"/>
+            <a:ext cx="2388795" cy="369332"/>
+          </a:xfrm>
+          <a:prstGeom prst="rect">
+            <a:avLst/>
+          </a:prstGeom>
+          <a:noFill/>
+        </p:spPr>
+        <p:txBody>
+          <a:bodyPr wrap="none" rtlCol="0">
+            <a:spAutoFit/>
+          </a:bodyPr>
+          <a:lstStyle/>
+          <a:p>
+            <a:r>
+              <a:rPr lang="en-SG" b="1" dirty="0"/>
+              <a:t>Compose &amp; Send Email</a:t>
+            </a:r>
+          </a:p>
+        </p:txBody>
+      </p:sp>
+      <p:sp>
+        <p:nvSpPr>
+          <p:cNvPr id="18" name="Arrow: Right 17">
+            <a:extLst>
+              <a:ext uri="{FF2B5EF4-FFF2-40B4-BE49-F238E27FC236}">
+                <a16:creationId xmlns:a16="http://schemas.microsoft.com/office/drawing/2014/main" id="{2336A4F8-EABC-498F-95B3-2CF42B8D2ED5}"/>
+              </a:ext>
+            </a:extLst>
+          </p:cNvPr>
+          <p:cNvSpPr/>
+          <p:nvPr/>
+        </p:nvSpPr>
+        <p:spPr>
+          <a:xfrm rot="10800000" flipH="1" flipV="1">
+            <a:off x="7794886" y="2849953"/>
+            <a:ext cx="536375" cy="369332"/>
+          </a:xfrm>
+          <a:prstGeom prst="rightArrow">
+            <a:avLst/>
+          </a:prstGeom>
+          <a:solidFill>
+            <a:srgbClr val="002060"/>
+          </a:solidFill>
+          <a:effectLst>
+            <a:outerShdw blurRad="50800" dist="38100" dir="2700000" algn="tl" rotWithShape="0">
+              <a:prstClr val="black">
+                <a:alpha val="40000"/>
+              </a:prstClr>
+            </a:outerShdw>
+          </a:effectLst>
+        </p:spPr>
+        <p:style>
+          <a:lnRef idx="2">
+            <a:schemeClr val="accent1">
+              <a:shade val="50000"/>
+            </a:schemeClr>
+          </a:lnRef>
+          <a:fillRef idx="1">
+            <a:schemeClr val="accent1"/>
+          </a:fillRef>
+          <a:effectRef idx="0">
+            <a:schemeClr val="accent1"/>
+          </a:effectRef>
+          <a:fontRef idx="minor">
+            <a:schemeClr val="lt1"/>
+          </a:fontRef>
+        </p:style>
+        <p:txBody>
+          <a:bodyPr rtlCol="0" anchor="ctr"/>
+          <a:lstStyle/>
+          <a:p>
+            <a:pPr algn="ctr"/>
+            <a:endParaRPr lang="en-GB" sz="1200" dirty="0"/>
+          </a:p>
+        </p:txBody>
+      </p:sp>
+      <p:sp>
+        <p:nvSpPr>
+          <p:cNvPr id="20" name="Arrow: Right 19">
+            <a:extLst>
+              <a:ext uri="{FF2B5EF4-FFF2-40B4-BE49-F238E27FC236}">
+                <a16:creationId xmlns:a16="http://schemas.microsoft.com/office/drawing/2014/main" id="{F3D8BE11-6C75-4E5B-B9C4-010A04FD96FB}"/>
+              </a:ext>
+            </a:extLst>
+          </p:cNvPr>
+          <p:cNvSpPr/>
+          <p:nvPr/>
+        </p:nvSpPr>
+        <p:spPr>
+          <a:xfrm rot="10800000" flipH="1" flipV="1">
+            <a:off x="7794887" y="3456573"/>
+            <a:ext cx="536375" cy="369332"/>
+          </a:xfrm>
+          <a:prstGeom prst="rightArrow">
+            <a:avLst/>
+          </a:prstGeom>
+          <a:solidFill>
+            <a:srgbClr val="002060"/>
+          </a:solidFill>
+          <a:effectLst>
+            <a:outerShdw blurRad="50800" dist="38100" dir="2700000" algn="tl" rotWithShape="0">
+              <a:prstClr val="black">
+                <a:alpha val="40000"/>
+              </a:prstClr>
+            </a:outerShdw>
+          </a:effectLst>
+        </p:spPr>
+        <p:style>
+          <a:lnRef idx="2">
+            <a:schemeClr val="accent1">
+              <a:shade val="50000"/>
+            </a:schemeClr>
+          </a:lnRef>
+          <a:fillRef idx="1">
+            <a:schemeClr val="accent1"/>
+          </a:fillRef>
+          <a:effectRef idx="0">
+            <a:schemeClr val="accent1"/>
+          </a:effectRef>
+          <a:fontRef idx="minor">
+            <a:schemeClr val="lt1"/>
+          </a:fontRef>
+        </p:style>
+        <p:txBody>
+          <a:bodyPr rtlCol="0" anchor="ctr"/>
+          <a:lstStyle/>
+          <a:p>
+            <a:pPr algn="ctr"/>
+            <a:endParaRPr lang="en-GB" sz="1200" dirty="0"/>
+          </a:p>
+        </p:txBody>
+      </p:sp>
+    </p:spTree>
+    <p:extLst>
+      <p:ext uri="{BB962C8B-B14F-4D97-AF65-F5344CB8AC3E}">
+        <p14:creationId xmlns:p14="http://schemas.microsoft.com/office/powerpoint/2010/main" val="1802880563"/>
       </p:ext>
     </p:extLst>
   </p:cSld>

--- a/Video/ISS IPA PROJECT PRESENTATION - SYSTEM ARCHITECTURE.pptx
+++ b/Video/ISS IPA PROJECT PRESENTATION - SYSTEM ARCHITECTURE.pptx
@@ -10840,6 +10840,1003 @@
           </a:p>
         </p:txBody>
       </p:sp>
+      <p:pic>
+        <p:nvPicPr>
+          <p:cNvPr id="21" name="Picture 20">
+            <a:extLst>
+              <a:ext uri="{FF2B5EF4-FFF2-40B4-BE49-F238E27FC236}">
+                <a16:creationId xmlns:a16="http://schemas.microsoft.com/office/drawing/2014/main" id="{FBDBF0E6-7A69-44FD-A398-6AB0FF618B4C}"/>
+              </a:ext>
+            </a:extLst>
+          </p:cNvPr>
+          <p:cNvPicPr>
+            <a:picLocks noChangeAspect="1"/>
+          </p:cNvPicPr>
+          <p:nvPr/>
+        </p:nvPicPr>
+        <p:blipFill rotWithShape="1">
+          <a:blip r:embed="rId8" cstate="print">
+            <a:extLst>
+              <a:ext uri="{28A0092B-C50C-407E-A947-70E740481C1C}">
+                <a14:useLocalDpi xmlns:a14="http://schemas.microsoft.com/office/drawing/2010/main" val="0"/>
+              </a:ext>
+            </a:extLst>
+          </a:blip>
+          <a:srcRect t="55444" b="23031"/>
+          <a:stretch/>
+        </p:blipFill>
+        <p:spPr bwMode="auto">
+          <a:xfrm>
+            <a:off x="3016692" y="3167099"/>
+            <a:ext cx="2286000" cy="1066238"/>
+          </a:xfrm>
+          <a:prstGeom prst="rect">
+            <a:avLst/>
+          </a:prstGeom>
+          <a:noFill/>
+          <a:ln>
+            <a:noFill/>
+          </a:ln>
+          <a:effectLst>
+            <a:outerShdw blurRad="50800" dist="38100" dir="2700000" algn="tl" rotWithShape="0">
+              <a:prstClr val="black">
+                <a:alpha val="40000"/>
+              </a:prstClr>
+            </a:outerShdw>
+          </a:effectLst>
+        </p:spPr>
+      </p:pic>
+      <p:sp>
+        <p:nvSpPr>
+          <p:cNvPr id="26" name="Arrow: Right 25">
+            <a:extLst>
+              <a:ext uri="{FF2B5EF4-FFF2-40B4-BE49-F238E27FC236}">
+                <a16:creationId xmlns:a16="http://schemas.microsoft.com/office/drawing/2014/main" id="{ACAF8BE2-7213-4FD6-B3DD-A4F2AD434C3A}"/>
+              </a:ext>
+            </a:extLst>
+          </p:cNvPr>
+          <p:cNvSpPr/>
+          <p:nvPr/>
+        </p:nvSpPr>
+        <p:spPr>
+          <a:xfrm rot="5400000" flipV="1">
+            <a:off x="4552881" y="2807188"/>
+            <a:ext cx="549983" cy="536373"/>
+          </a:xfrm>
+          <a:prstGeom prst="rightArrow">
+            <a:avLst/>
+          </a:prstGeom>
+          <a:solidFill>
+            <a:srgbClr val="002060"/>
+          </a:solidFill>
+          <a:effectLst>
+            <a:outerShdw blurRad="50800" dist="38100" dir="2700000" algn="tl" rotWithShape="0">
+              <a:prstClr val="black">
+                <a:alpha val="40000"/>
+              </a:prstClr>
+            </a:outerShdw>
+          </a:effectLst>
+        </p:spPr>
+        <p:style>
+          <a:lnRef idx="2">
+            <a:schemeClr val="accent1">
+              <a:shade val="50000"/>
+            </a:schemeClr>
+          </a:lnRef>
+          <a:fillRef idx="1">
+            <a:schemeClr val="accent1"/>
+          </a:fillRef>
+          <a:effectRef idx="0">
+            <a:schemeClr val="accent1"/>
+          </a:effectRef>
+          <a:fontRef idx="minor">
+            <a:schemeClr val="lt1"/>
+          </a:fontRef>
+        </p:style>
+        <p:txBody>
+          <a:bodyPr rtlCol="0" anchor="ctr"/>
+          <a:lstStyle/>
+          <a:p>
+            <a:pPr algn="ctr"/>
+            <a:r>
+              <a:rPr lang="en-US" sz="1200" dirty="0"/>
+              <a:t>No</a:t>
+            </a:r>
+            <a:endParaRPr lang="en-GB" sz="1200" dirty="0"/>
+          </a:p>
+        </p:txBody>
+      </p:sp>
+      <p:sp>
+        <p:nvSpPr>
+          <p:cNvPr id="27" name="TextBox 26">
+            <a:extLst>
+              <a:ext uri="{FF2B5EF4-FFF2-40B4-BE49-F238E27FC236}">
+                <a16:creationId xmlns:a16="http://schemas.microsoft.com/office/drawing/2014/main" id="{9B228543-F979-4591-88EF-91AC725D2762}"/>
+              </a:ext>
+            </a:extLst>
+          </p:cNvPr>
+          <p:cNvSpPr txBox="1"/>
+          <p:nvPr/>
+        </p:nvSpPr>
+        <p:spPr>
+          <a:xfrm>
+            <a:off x="4009394" y="4076409"/>
+            <a:ext cx="995530" cy="261610"/>
+          </a:xfrm>
+          <a:prstGeom prst="rect">
+            <a:avLst/>
+          </a:prstGeom>
+          <a:solidFill>
+            <a:schemeClr val="accent4">
+              <a:lumMod val="40000"/>
+              <a:lumOff val="60000"/>
+            </a:schemeClr>
+          </a:solidFill>
+          <a:ln>
+            <a:solidFill>
+              <a:schemeClr val="tx1"/>
+            </a:solidFill>
+          </a:ln>
+          <a:effectLst>
+            <a:outerShdw blurRad="50800" dist="38100" dir="2700000" algn="tl" rotWithShape="0">
+              <a:prstClr val="black">
+                <a:alpha val="40000"/>
+              </a:prstClr>
+            </a:outerShdw>
+          </a:effectLst>
+        </p:spPr>
+        <p:txBody>
+          <a:bodyPr wrap="square" rtlCol="0">
+            <a:spAutoFit/>
+          </a:bodyPr>
+          <a:lstStyle/>
+          <a:p>
+            <a:pPr algn="ctr"/>
+            <a:r>
+              <a:rPr lang="en-US" sz="1100" dirty="0"/>
+              <a:t>Reset Context</a:t>
+            </a:r>
+          </a:p>
+        </p:txBody>
+      </p:sp>
+      <p:sp>
+        <p:nvSpPr>
+          <p:cNvPr id="29" name="Arrow: Right 28">
+            <a:extLst>
+              <a:ext uri="{FF2B5EF4-FFF2-40B4-BE49-F238E27FC236}">
+                <a16:creationId xmlns:a16="http://schemas.microsoft.com/office/drawing/2014/main" id="{F2F2444D-B929-4904-A454-339CEBB4F431}"/>
+              </a:ext>
+            </a:extLst>
+          </p:cNvPr>
+          <p:cNvSpPr/>
+          <p:nvPr/>
+        </p:nvSpPr>
+        <p:spPr>
+          <a:xfrm>
+            <a:off x="7821318" y="3007707"/>
+            <a:ext cx="1367855" cy="536373"/>
+          </a:xfrm>
+          <a:prstGeom prst="rightArrow">
+            <a:avLst/>
+          </a:prstGeom>
+          <a:solidFill>
+            <a:srgbClr val="002060"/>
+          </a:solidFill>
+          <a:effectLst>
+            <a:outerShdw blurRad="50800" dist="38100" dir="2700000" algn="tl" rotWithShape="0">
+              <a:prstClr val="black">
+                <a:alpha val="40000"/>
+              </a:prstClr>
+            </a:outerShdw>
+          </a:effectLst>
+        </p:spPr>
+        <p:style>
+          <a:lnRef idx="2">
+            <a:schemeClr val="accent1">
+              <a:shade val="50000"/>
+            </a:schemeClr>
+          </a:lnRef>
+          <a:fillRef idx="1">
+            <a:schemeClr val="accent1"/>
+          </a:fillRef>
+          <a:effectRef idx="0">
+            <a:schemeClr val="accent1"/>
+          </a:effectRef>
+          <a:fontRef idx="minor">
+            <a:schemeClr val="lt1"/>
+          </a:fontRef>
+        </p:style>
+        <p:txBody>
+          <a:bodyPr rtlCol="0" anchor="ctr"/>
+          <a:lstStyle/>
+          <a:p>
+            <a:pPr algn="ctr"/>
+            <a:r>
+              <a:rPr lang="en-US" sz="1200" dirty="0"/>
+              <a:t>Add to Book List</a:t>
+            </a:r>
+            <a:endParaRPr lang="en-GB" sz="1200" dirty="0"/>
+          </a:p>
+        </p:txBody>
+      </p:sp>
+      <p:sp>
+        <p:nvSpPr>
+          <p:cNvPr id="30" name="Arrow: Right 29">
+            <a:extLst>
+              <a:ext uri="{FF2B5EF4-FFF2-40B4-BE49-F238E27FC236}">
+                <a16:creationId xmlns:a16="http://schemas.microsoft.com/office/drawing/2014/main" id="{93ABB3EE-02BF-496E-98D1-8B9DBF5B60FB}"/>
+              </a:ext>
+            </a:extLst>
+          </p:cNvPr>
+          <p:cNvSpPr/>
+          <p:nvPr/>
+        </p:nvSpPr>
+        <p:spPr>
+          <a:xfrm rot="10800000" flipV="1">
+            <a:off x="5011287" y="3637590"/>
+            <a:ext cx="685390" cy="536373"/>
+          </a:xfrm>
+          <a:prstGeom prst="rightArrow">
+            <a:avLst/>
+          </a:prstGeom>
+          <a:solidFill>
+            <a:srgbClr val="002060"/>
+          </a:solidFill>
+          <a:effectLst>
+            <a:outerShdw blurRad="50800" dist="38100" dir="2700000" algn="tl" rotWithShape="0">
+              <a:prstClr val="black">
+                <a:alpha val="40000"/>
+              </a:prstClr>
+            </a:outerShdw>
+          </a:effectLst>
+        </p:spPr>
+        <p:style>
+          <a:lnRef idx="2">
+            <a:schemeClr val="accent1">
+              <a:shade val="50000"/>
+            </a:schemeClr>
+          </a:lnRef>
+          <a:fillRef idx="1">
+            <a:schemeClr val="accent1"/>
+          </a:fillRef>
+          <a:effectRef idx="0">
+            <a:schemeClr val="accent1"/>
+          </a:effectRef>
+          <a:fontRef idx="minor">
+            <a:schemeClr val="lt1"/>
+          </a:fontRef>
+        </p:style>
+        <p:txBody>
+          <a:bodyPr rtlCol="0" anchor="ctr"/>
+          <a:lstStyle/>
+          <a:p>
+            <a:pPr algn="ctr"/>
+            <a:r>
+              <a:rPr lang="en-US" sz="1200" dirty="0"/>
+              <a:t>No</a:t>
+            </a:r>
+            <a:endParaRPr lang="en-GB" sz="1200" dirty="0"/>
+          </a:p>
+        </p:txBody>
+      </p:sp>
+      <p:pic>
+        <p:nvPicPr>
+          <p:cNvPr id="31" name="Picture 30">
+            <a:extLst>
+              <a:ext uri="{FF2B5EF4-FFF2-40B4-BE49-F238E27FC236}">
+                <a16:creationId xmlns:a16="http://schemas.microsoft.com/office/drawing/2014/main" id="{A3CB3C79-D0E6-4EB6-BD84-637BA8583EEA}"/>
+              </a:ext>
+            </a:extLst>
+          </p:cNvPr>
+          <p:cNvPicPr>
+            <a:picLocks noChangeAspect="1"/>
+          </p:cNvPicPr>
+          <p:nvPr/>
+        </p:nvPicPr>
+        <p:blipFill rotWithShape="1">
+          <a:blip r:embed="rId3" cstate="print">
+            <a:extLst>
+              <a:ext uri="{28A0092B-C50C-407E-A947-70E740481C1C}">
+                <a14:useLocalDpi xmlns:a14="http://schemas.microsoft.com/office/drawing/2010/main" val="0"/>
+              </a:ext>
+            </a:extLst>
+          </a:blip>
+          <a:srcRect t="54379" b="22010"/>
+          <a:stretch/>
+        </p:blipFill>
+        <p:spPr bwMode="auto">
+          <a:xfrm>
+            <a:off x="5580182" y="4385554"/>
+            <a:ext cx="2286000" cy="1169956"/>
+          </a:xfrm>
+          <a:prstGeom prst="rect">
+            <a:avLst/>
+          </a:prstGeom>
+          <a:noFill/>
+          <a:ln>
+            <a:noFill/>
+          </a:ln>
+          <a:effectLst>
+            <a:outerShdw blurRad="50800" dist="38100" dir="2700000" algn="tl" rotWithShape="0">
+              <a:prstClr val="black">
+                <a:alpha val="40000"/>
+              </a:prstClr>
+            </a:outerShdw>
+          </a:effectLst>
+        </p:spPr>
+      </p:pic>
+      <p:sp>
+        <p:nvSpPr>
+          <p:cNvPr id="32" name="TextBox 31">
+            <a:extLst>
+              <a:ext uri="{FF2B5EF4-FFF2-40B4-BE49-F238E27FC236}">
+                <a16:creationId xmlns:a16="http://schemas.microsoft.com/office/drawing/2014/main" id="{F7899094-ECCA-4982-983D-DF2444E4C4DA}"/>
+              </a:ext>
+            </a:extLst>
+          </p:cNvPr>
+          <p:cNvSpPr txBox="1"/>
+          <p:nvPr/>
+        </p:nvSpPr>
+        <p:spPr>
+          <a:xfrm>
+            <a:off x="7104418" y="5324351"/>
+            <a:ext cx="995530" cy="261610"/>
+          </a:xfrm>
+          <a:prstGeom prst="rect">
+            <a:avLst/>
+          </a:prstGeom>
+          <a:solidFill>
+            <a:schemeClr val="accent4">
+              <a:lumMod val="40000"/>
+              <a:lumOff val="60000"/>
+            </a:schemeClr>
+          </a:solidFill>
+          <a:ln>
+            <a:solidFill>
+              <a:schemeClr val="tx1"/>
+            </a:solidFill>
+          </a:ln>
+          <a:effectLst>
+            <a:outerShdw blurRad="50800" dist="38100" dir="2700000" algn="tl" rotWithShape="0">
+              <a:prstClr val="black">
+                <a:alpha val="40000"/>
+              </a:prstClr>
+            </a:outerShdw>
+          </a:effectLst>
+        </p:spPr>
+        <p:txBody>
+          <a:bodyPr wrap="square" rtlCol="0">
+            <a:spAutoFit/>
+          </a:bodyPr>
+          <a:lstStyle/>
+          <a:p>
+            <a:pPr algn="ctr"/>
+            <a:r>
+              <a:rPr lang="en-US" sz="1100" dirty="0"/>
+              <a:t>Reset Context</a:t>
+            </a:r>
+          </a:p>
+        </p:txBody>
+      </p:sp>
+      <p:sp>
+        <p:nvSpPr>
+          <p:cNvPr id="33" name="Arrow: Right 32">
+            <a:extLst>
+              <a:ext uri="{FF2B5EF4-FFF2-40B4-BE49-F238E27FC236}">
+                <a16:creationId xmlns:a16="http://schemas.microsoft.com/office/drawing/2014/main" id="{D8390B4D-897A-4201-9DC5-602FE5057D00}"/>
+              </a:ext>
+            </a:extLst>
+          </p:cNvPr>
+          <p:cNvSpPr/>
+          <p:nvPr/>
+        </p:nvSpPr>
+        <p:spPr>
+          <a:xfrm rot="5400000" flipV="1">
+            <a:off x="6255263" y="4144474"/>
+            <a:ext cx="536373" cy="536373"/>
+          </a:xfrm>
+          <a:prstGeom prst="rightArrow">
+            <a:avLst/>
+          </a:prstGeom>
+          <a:solidFill>
+            <a:srgbClr val="002060"/>
+          </a:solidFill>
+          <a:effectLst>
+            <a:outerShdw blurRad="50800" dist="38100" dir="2700000" algn="tl" rotWithShape="0">
+              <a:prstClr val="black">
+                <a:alpha val="40000"/>
+              </a:prstClr>
+            </a:outerShdw>
+          </a:effectLst>
+        </p:spPr>
+        <p:style>
+          <a:lnRef idx="2">
+            <a:schemeClr val="accent1">
+              <a:shade val="50000"/>
+            </a:schemeClr>
+          </a:lnRef>
+          <a:fillRef idx="1">
+            <a:schemeClr val="accent1"/>
+          </a:fillRef>
+          <a:effectRef idx="0">
+            <a:schemeClr val="accent1"/>
+          </a:effectRef>
+          <a:fontRef idx="minor">
+            <a:schemeClr val="lt1"/>
+          </a:fontRef>
+        </p:style>
+        <p:txBody>
+          <a:bodyPr rtlCol="0" anchor="ctr"/>
+          <a:lstStyle/>
+          <a:p>
+            <a:pPr algn="ctr"/>
+            <a:r>
+              <a:rPr lang="en-US" sz="1200" dirty="0"/>
+              <a:t>Yes</a:t>
+            </a:r>
+            <a:endParaRPr lang="en-GB" sz="1200" dirty="0"/>
+          </a:p>
+        </p:txBody>
+      </p:sp>
+      <p:sp>
+        <p:nvSpPr>
+          <p:cNvPr id="34" name="TextBox 33">
+            <a:extLst>
+              <a:ext uri="{FF2B5EF4-FFF2-40B4-BE49-F238E27FC236}">
+                <a16:creationId xmlns:a16="http://schemas.microsoft.com/office/drawing/2014/main" id="{20752D73-CB18-44E9-98C1-4E5F8FACA9BF}"/>
+              </a:ext>
+            </a:extLst>
+          </p:cNvPr>
+          <p:cNvSpPr txBox="1"/>
+          <p:nvPr/>
+        </p:nvSpPr>
+        <p:spPr>
+          <a:xfrm>
+            <a:off x="7523813" y="3567080"/>
+            <a:ext cx="1501951" cy="600164"/>
+          </a:xfrm>
+          <a:prstGeom prst="rect">
+            <a:avLst/>
+          </a:prstGeom>
+          <a:solidFill>
+            <a:schemeClr val="accent5">
+              <a:lumMod val="20000"/>
+              <a:lumOff val="80000"/>
+            </a:schemeClr>
+          </a:solidFill>
+          <a:ln>
+            <a:solidFill>
+              <a:schemeClr val="tx1"/>
+            </a:solidFill>
+          </a:ln>
+          <a:effectLst>
+            <a:outerShdw blurRad="50800" dist="38100" dir="2700000" algn="tl" rotWithShape="0">
+              <a:prstClr val="black">
+                <a:alpha val="40000"/>
+              </a:prstClr>
+            </a:outerShdw>
+          </a:effectLst>
+        </p:spPr>
+        <p:txBody>
+          <a:bodyPr wrap="square" rtlCol="0">
+            <a:spAutoFit/>
+          </a:bodyPr>
+          <a:lstStyle/>
+          <a:p>
+            <a:pPr algn="ctr"/>
+            <a:r>
+              <a:rPr lang="en-US" sz="1100" dirty="0"/>
+              <a:t>Set Output Context: </a:t>
+            </a:r>
+          </a:p>
+          <a:p>
+            <a:pPr algn="ctr"/>
+            <a:r>
+              <a:rPr lang="en-US" sz="1100" dirty="0"/>
+              <a:t>Follow up context – yes, no</a:t>
+            </a:r>
+            <a:endParaRPr lang="en-GB" sz="1100" dirty="0"/>
+          </a:p>
+        </p:txBody>
+      </p:sp>
+      <p:sp>
+        <p:nvSpPr>
+          <p:cNvPr id="35" name="Arrow: Right 34">
+            <a:extLst>
+              <a:ext uri="{FF2B5EF4-FFF2-40B4-BE49-F238E27FC236}">
+                <a16:creationId xmlns:a16="http://schemas.microsoft.com/office/drawing/2014/main" id="{EBF46B02-B016-4F27-A97E-7324AB1472EB}"/>
+              </a:ext>
+            </a:extLst>
+          </p:cNvPr>
+          <p:cNvSpPr/>
+          <p:nvPr/>
+        </p:nvSpPr>
+        <p:spPr>
+          <a:xfrm rot="5400000" flipV="1">
+            <a:off x="5638145" y="2803858"/>
+            <a:ext cx="549984" cy="536373"/>
+          </a:xfrm>
+          <a:prstGeom prst="rightArrow">
+            <a:avLst/>
+          </a:prstGeom>
+          <a:solidFill>
+            <a:srgbClr val="002060"/>
+          </a:solidFill>
+          <a:effectLst>
+            <a:outerShdw blurRad="50800" dist="38100" dir="2700000" algn="tl" rotWithShape="0">
+              <a:prstClr val="black">
+                <a:alpha val="40000"/>
+              </a:prstClr>
+            </a:outerShdw>
+          </a:effectLst>
+        </p:spPr>
+        <p:style>
+          <a:lnRef idx="2">
+            <a:schemeClr val="accent1">
+              <a:shade val="50000"/>
+            </a:schemeClr>
+          </a:lnRef>
+          <a:fillRef idx="1">
+            <a:schemeClr val="accent1"/>
+          </a:fillRef>
+          <a:effectRef idx="0">
+            <a:schemeClr val="accent1"/>
+          </a:effectRef>
+          <a:fontRef idx="minor">
+            <a:schemeClr val="lt1"/>
+          </a:fontRef>
+        </p:style>
+        <p:txBody>
+          <a:bodyPr rtlCol="0" anchor="ctr"/>
+          <a:lstStyle/>
+          <a:p>
+            <a:pPr algn="ctr"/>
+            <a:r>
+              <a:rPr lang="en-US" sz="1200" dirty="0"/>
+              <a:t>Yes</a:t>
+            </a:r>
+            <a:endParaRPr lang="en-GB" sz="1200" dirty="0"/>
+          </a:p>
+        </p:txBody>
+      </p:sp>
+      <p:sp>
+        <p:nvSpPr>
+          <p:cNvPr id="37" name="TextBox 36">
+            <a:extLst>
+              <a:ext uri="{FF2B5EF4-FFF2-40B4-BE49-F238E27FC236}">
+                <a16:creationId xmlns:a16="http://schemas.microsoft.com/office/drawing/2014/main" id="{25815E41-4245-4666-B130-583D59D97CD2}"/>
+              </a:ext>
+            </a:extLst>
+          </p:cNvPr>
+          <p:cNvSpPr txBox="1"/>
+          <p:nvPr/>
+        </p:nvSpPr>
+        <p:spPr>
+          <a:xfrm>
+            <a:off x="7887225" y="4719634"/>
+            <a:ext cx="995530" cy="261610"/>
+          </a:xfrm>
+          <a:prstGeom prst="rect">
+            <a:avLst/>
+          </a:prstGeom>
+          <a:solidFill>
+            <a:schemeClr val="accent6">
+              <a:lumMod val="60000"/>
+              <a:lumOff val="40000"/>
+            </a:schemeClr>
+          </a:solidFill>
+          <a:ln>
+            <a:solidFill>
+              <a:schemeClr val="tx1"/>
+            </a:solidFill>
+          </a:ln>
+          <a:effectLst>
+            <a:outerShdw blurRad="50800" dist="38100" dir="2700000" algn="tl" rotWithShape="0">
+              <a:prstClr val="black">
+                <a:alpha val="40000"/>
+              </a:prstClr>
+            </a:outerShdw>
+          </a:effectLst>
+        </p:spPr>
+        <p:txBody>
+          <a:bodyPr wrap="square" rtlCol="0">
+            <a:spAutoFit/>
+          </a:bodyPr>
+          <a:lstStyle/>
+          <a:p>
+            <a:pPr algn="ctr"/>
+            <a:r>
+              <a:rPr lang="en-US" sz="1100" dirty="0"/>
+              <a:t>Book List Full</a:t>
+            </a:r>
+          </a:p>
+        </p:txBody>
+      </p:sp>
+      <p:sp>
+        <p:nvSpPr>
+          <p:cNvPr id="38" name="Arrow: Right 37">
+            <a:extLst>
+              <a:ext uri="{FF2B5EF4-FFF2-40B4-BE49-F238E27FC236}">
+                <a16:creationId xmlns:a16="http://schemas.microsoft.com/office/drawing/2014/main" id="{4B91CFD3-F33A-486D-9D60-A28F6ADDCC6B}"/>
+              </a:ext>
+            </a:extLst>
+          </p:cNvPr>
+          <p:cNvSpPr/>
+          <p:nvPr/>
+        </p:nvSpPr>
+        <p:spPr>
+          <a:xfrm>
+            <a:off x="7821318" y="4302726"/>
+            <a:ext cx="1367855" cy="536373"/>
+          </a:xfrm>
+          <a:prstGeom prst="rightArrow">
+            <a:avLst/>
+          </a:prstGeom>
+          <a:solidFill>
+            <a:srgbClr val="002060"/>
+          </a:solidFill>
+          <a:effectLst>
+            <a:outerShdw blurRad="50800" dist="38100" dir="2700000" algn="tl" rotWithShape="0">
+              <a:prstClr val="black">
+                <a:alpha val="40000"/>
+              </a:prstClr>
+            </a:outerShdw>
+          </a:effectLst>
+        </p:spPr>
+        <p:style>
+          <a:lnRef idx="2">
+            <a:schemeClr val="accent1">
+              <a:shade val="50000"/>
+            </a:schemeClr>
+          </a:lnRef>
+          <a:fillRef idx="1">
+            <a:schemeClr val="accent1"/>
+          </a:fillRef>
+          <a:effectRef idx="0">
+            <a:schemeClr val="accent1"/>
+          </a:effectRef>
+          <a:fontRef idx="minor">
+            <a:schemeClr val="lt1"/>
+          </a:fontRef>
+        </p:style>
+        <p:txBody>
+          <a:bodyPr rtlCol="0" anchor="ctr"/>
+          <a:lstStyle/>
+          <a:p>
+            <a:pPr algn="ctr"/>
+            <a:r>
+              <a:rPr lang="en-US" sz="1200" dirty="0"/>
+              <a:t>Add to Book List</a:t>
+            </a:r>
+            <a:endParaRPr lang="en-GB" sz="1200" dirty="0"/>
+          </a:p>
+        </p:txBody>
+      </p:sp>
+      <p:sp>
+        <p:nvSpPr>
+          <p:cNvPr id="45" name="Arrow: Right 44">
+            <a:extLst>
+              <a:ext uri="{FF2B5EF4-FFF2-40B4-BE49-F238E27FC236}">
+                <a16:creationId xmlns:a16="http://schemas.microsoft.com/office/drawing/2014/main" id="{57C5FF74-CC8D-4A60-BD69-96FE1E07CB02}"/>
+              </a:ext>
+            </a:extLst>
+          </p:cNvPr>
+          <p:cNvSpPr/>
+          <p:nvPr/>
+        </p:nvSpPr>
+        <p:spPr>
+          <a:xfrm>
+            <a:off x="9153632" y="5253751"/>
+            <a:ext cx="1146934" cy="778152"/>
+          </a:xfrm>
+          <a:prstGeom prst="rightArrow">
+            <a:avLst/>
+          </a:prstGeom>
+          <a:noFill/>
+          <a:ln w="28575">
+            <a:prstDash val="sysDash"/>
+          </a:ln>
+        </p:spPr>
+        <p:style>
+          <a:lnRef idx="2">
+            <a:schemeClr val="accent1">
+              <a:shade val="50000"/>
+            </a:schemeClr>
+          </a:lnRef>
+          <a:fillRef idx="1">
+            <a:schemeClr val="accent1"/>
+          </a:fillRef>
+          <a:effectRef idx="0">
+            <a:schemeClr val="accent1"/>
+          </a:effectRef>
+          <a:fontRef idx="minor">
+            <a:schemeClr val="lt1"/>
+          </a:fontRef>
+        </p:style>
+        <p:txBody>
+          <a:bodyPr rtlCol="0" anchor="ctr"/>
+          <a:lstStyle/>
+          <a:p>
+            <a:pPr algn="ctr"/>
+            <a:r>
+              <a:rPr lang="en-US" sz="1200" dirty="0">
+                <a:solidFill>
+                  <a:sysClr val="windowText" lastClr="000000"/>
+                </a:solidFill>
+              </a:rPr>
+              <a:t>Triggers RPA Thread</a:t>
+            </a:r>
+            <a:endParaRPr lang="en-GB" sz="1200" dirty="0">
+              <a:solidFill>
+                <a:sysClr val="windowText" lastClr="000000"/>
+              </a:solidFill>
+            </a:endParaRPr>
+          </a:p>
+        </p:txBody>
+      </p:sp>
+      <p:pic>
+        <p:nvPicPr>
+          <p:cNvPr id="2052" name="Picture 4" descr="Installing Python 3 and Flask on GoDaddy | by Jordan Ireland | Towards Data  Science">
+            <a:extLst>
+              <a:ext uri="{FF2B5EF4-FFF2-40B4-BE49-F238E27FC236}">
+                <a16:creationId xmlns:a16="http://schemas.microsoft.com/office/drawing/2014/main" id="{E7B51BE6-C414-4D90-B1A9-59C0B0B78DFD}"/>
+              </a:ext>
+            </a:extLst>
+          </p:cNvPr>
+          <p:cNvPicPr>
+            <a:picLocks noChangeAspect="1" noChangeArrowheads="1"/>
+          </p:cNvPicPr>
+          <p:nvPr/>
+        </p:nvPicPr>
+        <p:blipFill>
+          <a:blip r:embed="rId9">
+            <a:extLst>
+              <a:ext uri="{28A0092B-C50C-407E-A947-70E740481C1C}">
+                <a14:useLocalDpi xmlns:a14="http://schemas.microsoft.com/office/drawing/2010/main" val="0"/>
+              </a:ext>
+            </a:extLst>
+          </a:blip>
+          <a:srcRect/>
+          <a:stretch>
+            <a:fillRect/>
+          </a:stretch>
+        </p:blipFill>
+        <p:spPr bwMode="auto">
+          <a:xfrm>
+            <a:off x="9116521" y="24656"/>
+            <a:ext cx="899277" cy="562048"/>
+          </a:xfrm>
+          <a:prstGeom prst="rect">
+            <a:avLst/>
+          </a:prstGeom>
+          <a:noFill/>
+          <a:extLst>
+            <a:ext uri="{909E8E84-426E-40DD-AFC4-6F175D3DCCD1}">
+              <a14:hiddenFill xmlns:a14="http://schemas.microsoft.com/office/drawing/2010/main">
+                <a:solidFill>
+                  <a:srgbClr val="FFFFFF"/>
+                </a:solidFill>
+              </a14:hiddenFill>
+            </a:ext>
+          </a:extLst>
+        </p:spPr>
+      </p:pic>
+      <p:pic>
+        <p:nvPicPr>
+          <p:cNvPr id="2054" name="Picture 6" descr="Release 6.14.0">
+            <a:extLst>
+              <a:ext uri="{FF2B5EF4-FFF2-40B4-BE49-F238E27FC236}">
+                <a16:creationId xmlns:a16="http://schemas.microsoft.com/office/drawing/2014/main" id="{25E97357-572E-4F6B-B05A-EBD92BEAD89F}"/>
+              </a:ext>
+            </a:extLst>
+          </p:cNvPr>
+          <p:cNvPicPr>
+            <a:picLocks noChangeAspect="1" noChangeArrowheads="1"/>
+          </p:cNvPicPr>
+          <p:nvPr/>
+        </p:nvPicPr>
+        <p:blipFill>
+          <a:blip r:embed="rId10">
+            <a:extLst>
+              <a:ext uri="{28A0092B-C50C-407E-A947-70E740481C1C}">
+                <a14:useLocalDpi xmlns:a14="http://schemas.microsoft.com/office/drawing/2010/main" val="0"/>
+              </a:ext>
+            </a:extLst>
+          </a:blip>
+          <a:srcRect/>
+          <a:stretch>
+            <a:fillRect/>
+          </a:stretch>
+        </p:blipFill>
+        <p:spPr bwMode="auto">
+          <a:xfrm>
+            <a:off x="10263217" y="4837170"/>
+            <a:ext cx="982211" cy="360056"/>
+          </a:xfrm>
+          <a:prstGeom prst="rect">
+            <a:avLst/>
+          </a:prstGeom>
+          <a:noFill/>
+          <a:extLst>
+            <a:ext uri="{909E8E84-426E-40DD-AFC4-6F175D3DCCD1}">
+              <a14:hiddenFill xmlns:a14="http://schemas.microsoft.com/office/drawing/2010/main">
+                <a:solidFill>
+                  <a:srgbClr val="FFFFFF"/>
+                </a:solidFill>
+              </a14:hiddenFill>
+            </a:ext>
+          </a:extLst>
+        </p:spPr>
+      </p:pic>
+      <p:sp>
+        <p:nvSpPr>
+          <p:cNvPr id="49" name="Arrow: Left 48">
+            <a:extLst>
+              <a:ext uri="{FF2B5EF4-FFF2-40B4-BE49-F238E27FC236}">
+                <a16:creationId xmlns:a16="http://schemas.microsoft.com/office/drawing/2014/main" id="{5A56997F-7AC2-47CC-969E-4857F13073ED}"/>
+              </a:ext>
+            </a:extLst>
+          </p:cNvPr>
+          <p:cNvSpPr/>
+          <p:nvPr/>
+        </p:nvSpPr>
+        <p:spPr>
+          <a:xfrm>
+            <a:off x="7523813" y="6202222"/>
+            <a:ext cx="1481673" cy="536373"/>
+          </a:xfrm>
+          <a:prstGeom prst="leftArrow">
+            <a:avLst/>
+          </a:prstGeom>
+          <a:solidFill>
+            <a:srgbClr val="002060"/>
+          </a:solidFill>
+        </p:spPr>
+        <p:style>
+          <a:lnRef idx="2">
+            <a:schemeClr val="accent1">
+              <a:shade val="50000"/>
+            </a:schemeClr>
+          </a:lnRef>
+          <a:fillRef idx="1">
+            <a:schemeClr val="accent1"/>
+          </a:fillRef>
+          <a:effectRef idx="0">
+            <a:schemeClr val="accent1"/>
+          </a:effectRef>
+          <a:fontRef idx="minor">
+            <a:schemeClr val="lt1"/>
+          </a:fontRef>
+        </p:style>
+        <p:txBody>
+          <a:bodyPr rtlCol="0" anchor="ctr"/>
+          <a:lstStyle/>
+          <a:p>
+            <a:pPr algn="ctr"/>
+            <a:r>
+              <a:rPr lang="en-US" sz="1200" dirty="0"/>
+              <a:t>Ongoing query</a:t>
+            </a:r>
+            <a:endParaRPr lang="en-GB" sz="1200" dirty="0"/>
+          </a:p>
+        </p:txBody>
+      </p:sp>
+      <p:sp>
+        <p:nvSpPr>
+          <p:cNvPr id="55" name="Arrow: Left-Right 54">
+            <a:extLst>
+              <a:ext uri="{FF2B5EF4-FFF2-40B4-BE49-F238E27FC236}">
+                <a16:creationId xmlns:a16="http://schemas.microsoft.com/office/drawing/2014/main" id="{259DC383-2E0B-437C-8921-FE18CF693B92}"/>
+              </a:ext>
+            </a:extLst>
+          </p:cNvPr>
+          <p:cNvSpPr/>
+          <p:nvPr/>
+        </p:nvSpPr>
+        <p:spPr>
+          <a:xfrm>
+            <a:off x="9025764" y="6120750"/>
+            <a:ext cx="1228274" cy="651609"/>
+          </a:xfrm>
+          <a:prstGeom prst="leftRightArrow">
+            <a:avLst/>
+          </a:prstGeom>
+          <a:noFill/>
+          <a:ln w="28575">
+            <a:prstDash val="sysDash"/>
+          </a:ln>
+        </p:spPr>
+        <p:style>
+          <a:lnRef idx="2">
+            <a:schemeClr val="accent1">
+              <a:shade val="50000"/>
+            </a:schemeClr>
+          </a:lnRef>
+          <a:fillRef idx="1">
+            <a:schemeClr val="accent1"/>
+          </a:fillRef>
+          <a:effectRef idx="0">
+            <a:schemeClr val="accent1"/>
+          </a:effectRef>
+          <a:fontRef idx="minor">
+            <a:schemeClr val="lt1"/>
+          </a:fontRef>
+        </p:style>
+        <p:txBody>
+          <a:bodyPr rtlCol="0" anchor="ctr"/>
+          <a:lstStyle/>
+          <a:p>
+            <a:pPr algn="ctr"/>
+            <a:r>
+              <a:rPr lang="en-US" sz="800" dirty="0">
+                <a:solidFill>
+                  <a:sysClr val="windowText" lastClr="000000"/>
+                </a:solidFill>
+              </a:rPr>
+              <a:t>Check presence of RPA Thread</a:t>
+            </a:r>
+            <a:endParaRPr lang="en-GB" sz="800" dirty="0">
+              <a:solidFill>
+                <a:sysClr val="windowText" lastClr="000000"/>
+              </a:solidFill>
+            </a:endParaRPr>
+          </a:p>
+        </p:txBody>
+      </p:sp>
+      <p:sp>
+        <p:nvSpPr>
+          <p:cNvPr id="56" name="TextBox 55">
+            <a:extLst>
+              <a:ext uri="{FF2B5EF4-FFF2-40B4-BE49-F238E27FC236}">
+                <a16:creationId xmlns:a16="http://schemas.microsoft.com/office/drawing/2014/main" id="{C2BAF97D-30BA-4029-B334-24A6EAFD18B0}"/>
+              </a:ext>
+            </a:extLst>
+          </p:cNvPr>
+          <p:cNvSpPr txBox="1"/>
+          <p:nvPr/>
+        </p:nvSpPr>
+        <p:spPr>
+          <a:xfrm>
+            <a:off x="7302164" y="5951161"/>
+            <a:ext cx="1501951" cy="261610"/>
+          </a:xfrm>
+          <a:prstGeom prst="rect">
+            <a:avLst/>
+          </a:prstGeom>
+          <a:solidFill>
+            <a:schemeClr val="accent4">
+              <a:lumMod val="20000"/>
+              <a:lumOff val="80000"/>
+            </a:schemeClr>
+          </a:solidFill>
+          <a:ln>
+            <a:solidFill>
+              <a:schemeClr val="tx1"/>
+            </a:solidFill>
+          </a:ln>
+          <a:effectLst>
+            <a:outerShdw blurRad="50800" dist="38100" dir="2700000" algn="tl" rotWithShape="0">
+              <a:prstClr val="black">
+                <a:alpha val="40000"/>
+              </a:prstClr>
+            </a:outerShdw>
+          </a:effectLst>
+        </p:spPr>
+        <p:txBody>
+          <a:bodyPr wrap="square" rtlCol="0">
+            <a:spAutoFit/>
+          </a:bodyPr>
+          <a:lstStyle/>
+          <a:p>
+            <a:pPr algn="ctr"/>
+            <a:r>
+              <a:rPr lang="en-US" sz="1100" dirty="0"/>
+              <a:t>Welcome Intent</a:t>
+            </a:r>
+            <a:endParaRPr lang="en-GB" sz="1100" dirty="0"/>
+          </a:p>
+        </p:txBody>
+      </p:sp>
       <p:sp>
         <p:nvSpPr>
           <p:cNvPr id="15" name="Arrow: Right 14">
@@ -10897,1003 +11894,6 @@
               <a:t>Add to Book List</a:t>
             </a:r>
             <a:endParaRPr lang="en-GB" sz="1200" dirty="0"/>
-          </a:p>
-        </p:txBody>
-      </p:sp>
-      <p:pic>
-        <p:nvPicPr>
-          <p:cNvPr id="21" name="Picture 20">
-            <a:extLst>
-              <a:ext uri="{FF2B5EF4-FFF2-40B4-BE49-F238E27FC236}">
-                <a16:creationId xmlns:a16="http://schemas.microsoft.com/office/drawing/2014/main" id="{FBDBF0E6-7A69-44FD-A398-6AB0FF618B4C}"/>
-              </a:ext>
-            </a:extLst>
-          </p:cNvPr>
-          <p:cNvPicPr>
-            <a:picLocks noChangeAspect="1"/>
-          </p:cNvPicPr>
-          <p:nvPr/>
-        </p:nvPicPr>
-        <p:blipFill rotWithShape="1">
-          <a:blip r:embed="rId8" cstate="print">
-            <a:extLst>
-              <a:ext uri="{28A0092B-C50C-407E-A947-70E740481C1C}">
-                <a14:useLocalDpi xmlns:a14="http://schemas.microsoft.com/office/drawing/2010/main" val="0"/>
-              </a:ext>
-            </a:extLst>
-          </a:blip>
-          <a:srcRect t="55444" b="23031"/>
-          <a:stretch/>
-        </p:blipFill>
-        <p:spPr bwMode="auto">
-          <a:xfrm>
-            <a:off x="3016692" y="3167099"/>
-            <a:ext cx="2286000" cy="1066238"/>
-          </a:xfrm>
-          <a:prstGeom prst="rect">
-            <a:avLst/>
-          </a:prstGeom>
-          <a:noFill/>
-          <a:ln>
-            <a:noFill/>
-          </a:ln>
-          <a:effectLst>
-            <a:outerShdw blurRad="50800" dist="38100" dir="2700000" algn="tl" rotWithShape="0">
-              <a:prstClr val="black">
-                <a:alpha val="40000"/>
-              </a:prstClr>
-            </a:outerShdw>
-          </a:effectLst>
-        </p:spPr>
-      </p:pic>
-      <p:sp>
-        <p:nvSpPr>
-          <p:cNvPr id="26" name="Arrow: Right 25">
-            <a:extLst>
-              <a:ext uri="{FF2B5EF4-FFF2-40B4-BE49-F238E27FC236}">
-                <a16:creationId xmlns:a16="http://schemas.microsoft.com/office/drawing/2014/main" id="{ACAF8BE2-7213-4FD6-B3DD-A4F2AD434C3A}"/>
-              </a:ext>
-            </a:extLst>
-          </p:cNvPr>
-          <p:cNvSpPr/>
-          <p:nvPr/>
-        </p:nvSpPr>
-        <p:spPr>
-          <a:xfrm rot="5400000" flipV="1">
-            <a:off x="4552881" y="2807188"/>
-            <a:ext cx="549983" cy="536373"/>
-          </a:xfrm>
-          <a:prstGeom prst="rightArrow">
-            <a:avLst/>
-          </a:prstGeom>
-          <a:solidFill>
-            <a:srgbClr val="002060"/>
-          </a:solidFill>
-          <a:effectLst>
-            <a:outerShdw blurRad="50800" dist="38100" dir="2700000" algn="tl" rotWithShape="0">
-              <a:prstClr val="black">
-                <a:alpha val="40000"/>
-              </a:prstClr>
-            </a:outerShdw>
-          </a:effectLst>
-        </p:spPr>
-        <p:style>
-          <a:lnRef idx="2">
-            <a:schemeClr val="accent1">
-              <a:shade val="50000"/>
-            </a:schemeClr>
-          </a:lnRef>
-          <a:fillRef idx="1">
-            <a:schemeClr val="accent1"/>
-          </a:fillRef>
-          <a:effectRef idx="0">
-            <a:schemeClr val="accent1"/>
-          </a:effectRef>
-          <a:fontRef idx="minor">
-            <a:schemeClr val="lt1"/>
-          </a:fontRef>
-        </p:style>
-        <p:txBody>
-          <a:bodyPr rtlCol="0" anchor="ctr"/>
-          <a:lstStyle/>
-          <a:p>
-            <a:pPr algn="ctr"/>
-            <a:r>
-              <a:rPr lang="en-US" sz="1200" dirty="0"/>
-              <a:t>No</a:t>
-            </a:r>
-            <a:endParaRPr lang="en-GB" sz="1200" dirty="0"/>
-          </a:p>
-        </p:txBody>
-      </p:sp>
-      <p:sp>
-        <p:nvSpPr>
-          <p:cNvPr id="27" name="TextBox 26">
-            <a:extLst>
-              <a:ext uri="{FF2B5EF4-FFF2-40B4-BE49-F238E27FC236}">
-                <a16:creationId xmlns:a16="http://schemas.microsoft.com/office/drawing/2014/main" id="{9B228543-F979-4591-88EF-91AC725D2762}"/>
-              </a:ext>
-            </a:extLst>
-          </p:cNvPr>
-          <p:cNvSpPr txBox="1"/>
-          <p:nvPr/>
-        </p:nvSpPr>
-        <p:spPr>
-          <a:xfrm>
-            <a:off x="4009394" y="4076409"/>
-            <a:ext cx="995530" cy="261610"/>
-          </a:xfrm>
-          <a:prstGeom prst="rect">
-            <a:avLst/>
-          </a:prstGeom>
-          <a:solidFill>
-            <a:schemeClr val="accent4">
-              <a:lumMod val="40000"/>
-              <a:lumOff val="60000"/>
-            </a:schemeClr>
-          </a:solidFill>
-          <a:ln>
-            <a:solidFill>
-              <a:schemeClr val="tx1"/>
-            </a:solidFill>
-          </a:ln>
-          <a:effectLst>
-            <a:outerShdw blurRad="50800" dist="38100" dir="2700000" algn="tl" rotWithShape="0">
-              <a:prstClr val="black">
-                <a:alpha val="40000"/>
-              </a:prstClr>
-            </a:outerShdw>
-          </a:effectLst>
-        </p:spPr>
-        <p:txBody>
-          <a:bodyPr wrap="square" rtlCol="0">
-            <a:spAutoFit/>
-          </a:bodyPr>
-          <a:lstStyle/>
-          <a:p>
-            <a:pPr algn="ctr"/>
-            <a:r>
-              <a:rPr lang="en-US" sz="1100" dirty="0"/>
-              <a:t>Reset Context</a:t>
-            </a:r>
-          </a:p>
-        </p:txBody>
-      </p:sp>
-      <p:sp>
-        <p:nvSpPr>
-          <p:cNvPr id="29" name="Arrow: Right 28">
-            <a:extLst>
-              <a:ext uri="{FF2B5EF4-FFF2-40B4-BE49-F238E27FC236}">
-                <a16:creationId xmlns:a16="http://schemas.microsoft.com/office/drawing/2014/main" id="{F2F2444D-B929-4904-A454-339CEBB4F431}"/>
-              </a:ext>
-            </a:extLst>
-          </p:cNvPr>
-          <p:cNvSpPr/>
-          <p:nvPr/>
-        </p:nvSpPr>
-        <p:spPr>
-          <a:xfrm>
-            <a:off x="7821318" y="3007707"/>
-            <a:ext cx="1367855" cy="536373"/>
-          </a:xfrm>
-          <a:prstGeom prst="rightArrow">
-            <a:avLst/>
-          </a:prstGeom>
-          <a:solidFill>
-            <a:srgbClr val="002060"/>
-          </a:solidFill>
-          <a:effectLst>
-            <a:outerShdw blurRad="50800" dist="38100" dir="2700000" algn="tl" rotWithShape="0">
-              <a:prstClr val="black">
-                <a:alpha val="40000"/>
-              </a:prstClr>
-            </a:outerShdw>
-          </a:effectLst>
-        </p:spPr>
-        <p:style>
-          <a:lnRef idx="2">
-            <a:schemeClr val="accent1">
-              <a:shade val="50000"/>
-            </a:schemeClr>
-          </a:lnRef>
-          <a:fillRef idx="1">
-            <a:schemeClr val="accent1"/>
-          </a:fillRef>
-          <a:effectRef idx="0">
-            <a:schemeClr val="accent1"/>
-          </a:effectRef>
-          <a:fontRef idx="minor">
-            <a:schemeClr val="lt1"/>
-          </a:fontRef>
-        </p:style>
-        <p:txBody>
-          <a:bodyPr rtlCol="0" anchor="ctr"/>
-          <a:lstStyle/>
-          <a:p>
-            <a:pPr algn="ctr"/>
-            <a:r>
-              <a:rPr lang="en-US" sz="1200" dirty="0"/>
-              <a:t>Add to Book List</a:t>
-            </a:r>
-            <a:endParaRPr lang="en-GB" sz="1200" dirty="0"/>
-          </a:p>
-        </p:txBody>
-      </p:sp>
-      <p:sp>
-        <p:nvSpPr>
-          <p:cNvPr id="30" name="Arrow: Right 29">
-            <a:extLst>
-              <a:ext uri="{FF2B5EF4-FFF2-40B4-BE49-F238E27FC236}">
-                <a16:creationId xmlns:a16="http://schemas.microsoft.com/office/drawing/2014/main" id="{93ABB3EE-02BF-496E-98D1-8B9DBF5B60FB}"/>
-              </a:ext>
-            </a:extLst>
-          </p:cNvPr>
-          <p:cNvSpPr/>
-          <p:nvPr/>
-        </p:nvSpPr>
-        <p:spPr>
-          <a:xfrm rot="10800000" flipV="1">
-            <a:off x="5011287" y="3637590"/>
-            <a:ext cx="685390" cy="536373"/>
-          </a:xfrm>
-          <a:prstGeom prst="rightArrow">
-            <a:avLst/>
-          </a:prstGeom>
-          <a:solidFill>
-            <a:srgbClr val="002060"/>
-          </a:solidFill>
-          <a:effectLst>
-            <a:outerShdw blurRad="50800" dist="38100" dir="2700000" algn="tl" rotWithShape="0">
-              <a:prstClr val="black">
-                <a:alpha val="40000"/>
-              </a:prstClr>
-            </a:outerShdw>
-          </a:effectLst>
-        </p:spPr>
-        <p:style>
-          <a:lnRef idx="2">
-            <a:schemeClr val="accent1">
-              <a:shade val="50000"/>
-            </a:schemeClr>
-          </a:lnRef>
-          <a:fillRef idx="1">
-            <a:schemeClr val="accent1"/>
-          </a:fillRef>
-          <a:effectRef idx="0">
-            <a:schemeClr val="accent1"/>
-          </a:effectRef>
-          <a:fontRef idx="minor">
-            <a:schemeClr val="lt1"/>
-          </a:fontRef>
-        </p:style>
-        <p:txBody>
-          <a:bodyPr rtlCol="0" anchor="ctr"/>
-          <a:lstStyle/>
-          <a:p>
-            <a:pPr algn="ctr"/>
-            <a:r>
-              <a:rPr lang="en-US" sz="1200" dirty="0"/>
-              <a:t>No</a:t>
-            </a:r>
-            <a:endParaRPr lang="en-GB" sz="1200" dirty="0"/>
-          </a:p>
-        </p:txBody>
-      </p:sp>
-      <p:pic>
-        <p:nvPicPr>
-          <p:cNvPr id="31" name="Picture 30">
-            <a:extLst>
-              <a:ext uri="{FF2B5EF4-FFF2-40B4-BE49-F238E27FC236}">
-                <a16:creationId xmlns:a16="http://schemas.microsoft.com/office/drawing/2014/main" id="{A3CB3C79-D0E6-4EB6-BD84-637BA8583EEA}"/>
-              </a:ext>
-            </a:extLst>
-          </p:cNvPr>
-          <p:cNvPicPr>
-            <a:picLocks noChangeAspect="1"/>
-          </p:cNvPicPr>
-          <p:nvPr/>
-        </p:nvPicPr>
-        <p:blipFill rotWithShape="1">
-          <a:blip r:embed="rId3" cstate="print">
-            <a:extLst>
-              <a:ext uri="{28A0092B-C50C-407E-A947-70E740481C1C}">
-                <a14:useLocalDpi xmlns:a14="http://schemas.microsoft.com/office/drawing/2010/main" val="0"/>
-              </a:ext>
-            </a:extLst>
-          </a:blip>
-          <a:srcRect t="54379" b="22010"/>
-          <a:stretch/>
-        </p:blipFill>
-        <p:spPr bwMode="auto">
-          <a:xfrm>
-            <a:off x="5580182" y="4385554"/>
-            <a:ext cx="2286000" cy="1169956"/>
-          </a:xfrm>
-          <a:prstGeom prst="rect">
-            <a:avLst/>
-          </a:prstGeom>
-          <a:noFill/>
-          <a:ln>
-            <a:noFill/>
-          </a:ln>
-          <a:effectLst>
-            <a:outerShdw blurRad="50800" dist="38100" dir="2700000" algn="tl" rotWithShape="0">
-              <a:prstClr val="black">
-                <a:alpha val="40000"/>
-              </a:prstClr>
-            </a:outerShdw>
-          </a:effectLst>
-        </p:spPr>
-      </p:pic>
-      <p:sp>
-        <p:nvSpPr>
-          <p:cNvPr id="32" name="TextBox 31">
-            <a:extLst>
-              <a:ext uri="{FF2B5EF4-FFF2-40B4-BE49-F238E27FC236}">
-                <a16:creationId xmlns:a16="http://schemas.microsoft.com/office/drawing/2014/main" id="{F7899094-ECCA-4982-983D-DF2444E4C4DA}"/>
-              </a:ext>
-            </a:extLst>
-          </p:cNvPr>
-          <p:cNvSpPr txBox="1"/>
-          <p:nvPr/>
-        </p:nvSpPr>
-        <p:spPr>
-          <a:xfrm>
-            <a:off x="7104418" y="5324351"/>
-            <a:ext cx="995530" cy="261610"/>
-          </a:xfrm>
-          <a:prstGeom prst="rect">
-            <a:avLst/>
-          </a:prstGeom>
-          <a:solidFill>
-            <a:schemeClr val="accent4">
-              <a:lumMod val="40000"/>
-              <a:lumOff val="60000"/>
-            </a:schemeClr>
-          </a:solidFill>
-          <a:ln>
-            <a:solidFill>
-              <a:schemeClr val="tx1"/>
-            </a:solidFill>
-          </a:ln>
-          <a:effectLst>
-            <a:outerShdw blurRad="50800" dist="38100" dir="2700000" algn="tl" rotWithShape="0">
-              <a:prstClr val="black">
-                <a:alpha val="40000"/>
-              </a:prstClr>
-            </a:outerShdw>
-          </a:effectLst>
-        </p:spPr>
-        <p:txBody>
-          <a:bodyPr wrap="square" rtlCol="0">
-            <a:spAutoFit/>
-          </a:bodyPr>
-          <a:lstStyle/>
-          <a:p>
-            <a:pPr algn="ctr"/>
-            <a:r>
-              <a:rPr lang="en-US" sz="1100" dirty="0"/>
-              <a:t>Reset Context</a:t>
-            </a:r>
-          </a:p>
-        </p:txBody>
-      </p:sp>
-      <p:sp>
-        <p:nvSpPr>
-          <p:cNvPr id="33" name="Arrow: Right 32">
-            <a:extLst>
-              <a:ext uri="{FF2B5EF4-FFF2-40B4-BE49-F238E27FC236}">
-                <a16:creationId xmlns:a16="http://schemas.microsoft.com/office/drawing/2014/main" id="{D8390B4D-897A-4201-9DC5-602FE5057D00}"/>
-              </a:ext>
-            </a:extLst>
-          </p:cNvPr>
-          <p:cNvSpPr/>
-          <p:nvPr/>
-        </p:nvSpPr>
-        <p:spPr>
-          <a:xfrm rot="5400000" flipV="1">
-            <a:off x="6255263" y="4144474"/>
-            <a:ext cx="536373" cy="536373"/>
-          </a:xfrm>
-          <a:prstGeom prst="rightArrow">
-            <a:avLst/>
-          </a:prstGeom>
-          <a:solidFill>
-            <a:srgbClr val="002060"/>
-          </a:solidFill>
-          <a:effectLst>
-            <a:outerShdw blurRad="50800" dist="38100" dir="2700000" algn="tl" rotWithShape="0">
-              <a:prstClr val="black">
-                <a:alpha val="40000"/>
-              </a:prstClr>
-            </a:outerShdw>
-          </a:effectLst>
-        </p:spPr>
-        <p:style>
-          <a:lnRef idx="2">
-            <a:schemeClr val="accent1">
-              <a:shade val="50000"/>
-            </a:schemeClr>
-          </a:lnRef>
-          <a:fillRef idx="1">
-            <a:schemeClr val="accent1"/>
-          </a:fillRef>
-          <a:effectRef idx="0">
-            <a:schemeClr val="accent1"/>
-          </a:effectRef>
-          <a:fontRef idx="minor">
-            <a:schemeClr val="lt1"/>
-          </a:fontRef>
-        </p:style>
-        <p:txBody>
-          <a:bodyPr rtlCol="0" anchor="ctr"/>
-          <a:lstStyle/>
-          <a:p>
-            <a:pPr algn="ctr"/>
-            <a:r>
-              <a:rPr lang="en-US" sz="1200" dirty="0"/>
-              <a:t>Yes</a:t>
-            </a:r>
-            <a:endParaRPr lang="en-GB" sz="1200" dirty="0"/>
-          </a:p>
-        </p:txBody>
-      </p:sp>
-      <p:sp>
-        <p:nvSpPr>
-          <p:cNvPr id="34" name="TextBox 33">
-            <a:extLst>
-              <a:ext uri="{FF2B5EF4-FFF2-40B4-BE49-F238E27FC236}">
-                <a16:creationId xmlns:a16="http://schemas.microsoft.com/office/drawing/2014/main" id="{20752D73-CB18-44E9-98C1-4E5F8FACA9BF}"/>
-              </a:ext>
-            </a:extLst>
-          </p:cNvPr>
-          <p:cNvSpPr txBox="1"/>
-          <p:nvPr/>
-        </p:nvSpPr>
-        <p:spPr>
-          <a:xfrm>
-            <a:off x="7523813" y="3567080"/>
-            <a:ext cx="1501951" cy="600164"/>
-          </a:xfrm>
-          <a:prstGeom prst="rect">
-            <a:avLst/>
-          </a:prstGeom>
-          <a:solidFill>
-            <a:schemeClr val="accent5">
-              <a:lumMod val="20000"/>
-              <a:lumOff val="80000"/>
-            </a:schemeClr>
-          </a:solidFill>
-          <a:ln>
-            <a:solidFill>
-              <a:schemeClr val="tx1"/>
-            </a:solidFill>
-          </a:ln>
-          <a:effectLst>
-            <a:outerShdw blurRad="50800" dist="38100" dir="2700000" algn="tl" rotWithShape="0">
-              <a:prstClr val="black">
-                <a:alpha val="40000"/>
-              </a:prstClr>
-            </a:outerShdw>
-          </a:effectLst>
-        </p:spPr>
-        <p:txBody>
-          <a:bodyPr wrap="square" rtlCol="0">
-            <a:spAutoFit/>
-          </a:bodyPr>
-          <a:lstStyle/>
-          <a:p>
-            <a:pPr algn="ctr"/>
-            <a:r>
-              <a:rPr lang="en-US" sz="1100" dirty="0"/>
-              <a:t>Set Output Context: </a:t>
-            </a:r>
-          </a:p>
-          <a:p>
-            <a:pPr algn="ctr"/>
-            <a:r>
-              <a:rPr lang="en-US" sz="1100" dirty="0"/>
-              <a:t>Follow up context – yes, no</a:t>
-            </a:r>
-            <a:endParaRPr lang="en-GB" sz="1100" dirty="0"/>
-          </a:p>
-        </p:txBody>
-      </p:sp>
-      <p:sp>
-        <p:nvSpPr>
-          <p:cNvPr id="35" name="Arrow: Right 34">
-            <a:extLst>
-              <a:ext uri="{FF2B5EF4-FFF2-40B4-BE49-F238E27FC236}">
-                <a16:creationId xmlns:a16="http://schemas.microsoft.com/office/drawing/2014/main" id="{EBF46B02-B016-4F27-A97E-7324AB1472EB}"/>
-              </a:ext>
-            </a:extLst>
-          </p:cNvPr>
-          <p:cNvSpPr/>
-          <p:nvPr/>
-        </p:nvSpPr>
-        <p:spPr>
-          <a:xfrm rot="5400000" flipV="1">
-            <a:off x="5638145" y="2803858"/>
-            <a:ext cx="549984" cy="536373"/>
-          </a:xfrm>
-          <a:prstGeom prst="rightArrow">
-            <a:avLst/>
-          </a:prstGeom>
-          <a:solidFill>
-            <a:srgbClr val="002060"/>
-          </a:solidFill>
-          <a:effectLst>
-            <a:outerShdw blurRad="50800" dist="38100" dir="2700000" algn="tl" rotWithShape="0">
-              <a:prstClr val="black">
-                <a:alpha val="40000"/>
-              </a:prstClr>
-            </a:outerShdw>
-          </a:effectLst>
-        </p:spPr>
-        <p:style>
-          <a:lnRef idx="2">
-            <a:schemeClr val="accent1">
-              <a:shade val="50000"/>
-            </a:schemeClr>
-          </a:lnRef>
-          <a:fillRef idx="1">
-            <a:schemeClr val="accent1"/>
-          </a:fillRef>
-          <a:effectRef idx="0">
-            <a:schemeClr val="accent1"/>
-          </a:effectRef>
-          <a:fontRef idx="minor">
-            <a:schemeClr val="lt1"/>
-          </a:fontRef>
-        </p:style>
-        <p:txBody>
-          <a:bodyPr rtlCol="0" anchor="ctr"/>
-          <a:lstStyle/>
-          <a:p>
-            <a:pPr algn="ctr"/>
-            <a:r>
-              <a:rPr lang="en-US" sz="1200" dirty="0"/>
-              <a:t>Yes</a:t>
-            </a:r>
-            <a:endParaRPr lang="en-GB" sz="1200" dirty="0"/>
-          </a:p>
-        </p:txBody>
-      </p:sp>
-      <p:sp>
-        <p:nvSpPr>
-          <p:cNvPr id="37" name="TextBox 36">
-            <a:extLst>
-              <a:ext uri="{FF2B5EF4-FFF2-40B4-BE49-F238E27FC236}">
-                <a16:creationId xmlns:a16="http://schemas.microsoft.com/office/drawing/2014/main" id="{25815E41-4245-4666-B130-583D59D97CD2}"/>
-              </a:ext>
-            </a:extLst>
-          </p:cNvPr>
-          <p:cNvSpPr txBox="1"/>
-          <p:nvPr/>
-        </p:nvSpPr>
-        <p:spPr>
-          <a:xfrm>
-            <a:off x="7887225" y="4719634"/>
-            <a:ext cx="995530" cy="261610"/>
-          </a:xfrm>
-          <a:prstGeom prst="rect">
-            <a:avLst/>
-          </a:prstGeom>
-          <a:solidFill>
-            <a:schemeClr val="accent6">
-              <a:lumMod val="60000"/>
-              <a:lumOff val="40000"/>
-            </a:schemeClr>
-          </a:solidFill>
-          <a:ln>
-            <a:solidFill>
-              <a:schemeClr val="tx1"/>
-            </a:solidFill>
-          </a:ln>
-          <a:effectLst>
-            <a:outerShdw blurRad="50800" dist="38100" dir="2700000" algn="tl" rotWithShape="0">
-              <a:prstClr val="black">
-                <a:alpha val="40000"/>
-              </a:prstClr>
-            </a:outerShdw>
-          </a:effectLst>
-        </p:spPr>
-        <p:txBody>
-          <a:bodyPr wrap="square" rtlCol="0">
-            <a:spAutoFit/>
-          </a:bodyPr>
-          <a:lstStyle/>
-          <a:p>
-            <a:pPr algn="ctr"/>
-            <a:r>
-              <a:rPr lang="en-US" sz="1100" dirty="0"/>
-              <a:t>Book List Full</a:t>
-            </a:r>
-          </a:p>
-        </p:txBody>
-      </p:sp>
-      <p:sp>
-        <p:nvSpPr>
-          <p:cNvPr id="38" name="Arrow: Right 37">
-            <a:extLst>
-              <a:ext uri="{FF2B5EF4-FFF2-40B4-BE49-F238E27FC236}">
-                <a16:creationId xmlns:a16="http://schemas.microsoft.com/office/drawing/2014/main" id="{4B91CFD3-F33A-486D-9D60-A28F6ADDCC6B}"/>
-              </a:ext>
-            </a:extLst>
-          </p:cNvPr>
-          <p:cNvSpPr/>
-          <p:nvPr/>
-        </p:nvSpPr>
-        <p:spPr>
-          <a:xfrm>
-            <a:off x="7821318" y="4302726"/>
-            <a:ext cx="1367855" cy="536373"/>
-          </a:xfrm>
-          <a:prstGeom prst="rightArrow">
-            <a:avLst/>
-          </a:prstGeom>
-          <a:solidFill>
-            <a:srgbClr val="002060"/>
-          </a:solidFill>
-          <a:effectLst>
-            <a:outerShdw blurRad="50800" dist="38100" dir="2700000" algn="tl" rotWithShape="0">
-              <a:prstClr val="black">
-                <a:alpha val="40000"/>
-              </a:prstClr>
-            </a:outerShdw>
-          </a:effectLst>
-        </p:spPr>
-        <p:style>
-          <a:lnRef idx="2">
-            <a:schemeClr val="accent1">
-              <a:shade val="50000"/>
-            </a:schemeClr>
-          </a:lnRef>
-          <a:fillRef idx="1">
-            <a:schemeClr val="accent1"/>
-          </a:fillRef>
-          <a:effectRef idx="0">
-            <a:schemeClr val="accent1"/>
-          </a:effectRef>
-          <a:fontRef idx="minor">
-            <a:schemeClr val="lt1"/>
-          </a:fontRef>
-        </p:style>
-        <p:txBody>
-          <a:bodyPr rtlCol="0" anchor="ctr"/>
-          <a:lstStyle/>
-          <a:p>
-            <a:pPr algn="ctr"/>
-            <a:r>
-              <a:rPr lang="en-US" sz="1200" dirty="0"/>
-              <a:t>Add to Book List</a:t>
-            </a:r>
-            <a:endParaRPr lang="en-GB" sz="1200" dirty="0"/>
-          </a:p>
-        </p:txBody>
-      </p:sp>
-      <p:sp>
-        <p:nvSpPr>
-          <p:cNvPr id="45" name="Arrow: Right 44">
-            <a:extLst>
-              <a:ext uri="{FF2B5EF4-FFF2-40B4-BE49-F238E27FC236}">
-                <a16:creationId xmlns:a16="http://schemas.microsoft.com/office/drawing/2014/main" id="{57C5FF74-CC8D-4A60-BD69-96FE1E07CB02}"/>
-              </a:ext>
-            </a:extLst>
-          </p:cNvPr>
-          <p:cNvSpPr/>
-          <p:nvPr/>
-        </p:nvSpPr>
-        <p:spPr>
-          <a:xfrm>
-            <a:off x="9153632" y="5253751"/>
-            <a:ext cx="1146934" cy="778152"/>
-          </a:xfrm>
-          <a:prstGeom prst="rightArrow">
-            <a:avLst/>
-          </a:prstGeom>
-          <a:noFill/>
-          <a:ln w="28575">
-            <a:prstDash val="sysDash"/>
-          </a:ln>
-        </p:spPr>
-        <p:style>
-          <a:lnRef idx="2">
-            <a:schemeClr val="accent1">
-              <a:shade val="50000"/>
-            </a:schemeClr>
-          </a:lnRef>
-          <a:fillRef idx="1">
-            <a:schemeClr val="accent1"/>
-          </a:fillRef>
-          <a:effectRef idx="0">
-            <a:schemeClr val="accent1"/>
-          </a:effectRef>
-          <a:fontRef idx="minor">
-            <a:schemeClr val="lt1"/>
-          </a:fontRef>
-        </p:style>
-        <p:txBody>
-          <a:bodyPr rtlCol="0" anchor="ctr"/>
-          <a:lstStyle/>
-          <a:p>
-            <a:pPr algn="ctr"/>
-            <a:r>
-              <a:rPr lang="en-US" sz="1200" dirty="0">
-                <a:solidFill>
-                  <a:sysClr val="windowText" lastClr="000000"/>
-                </a:solidFill>
-              </a:rPr>
-              <a:t>Triggers RPA Thread</a:t>
-            </a:r>
-            <a:endParaRPr lang="en-GB" sz="1200" dirty="0">
-              <a:solidFill>
-                <a:sysClr val="windowText" lastClr="000000"/>
-              </a:solidFill>
-            </a:endParaRPr>
-          </a:p>
-        </p:txBody>
-      </p:sp>
-      <p:pic>
-        <p:nvPicPr>
-          <p:cNvPr id="2052" name="Picture 4" descr="Installing Python 3 and Flask on GoDaddy | by Jordan Ireland | Towards Data  Science">
-            <a:extLst>
-              <a:ext uri="{FF2B5EF4-FFF2-40B4-BE49-F238E27FC236}">
-                <a16:creationId xmlns:a16="http://schemas.microsoft.com/office/drawing/2014/main" id="{E7B51BE6-C414-4D90-B1A9-59C0B0B78DFD}"/>
-              </a:ext>
-            </a:extLst>
-          </p:cNvPr>
-          <p:cNvPicPr>
-            <a:picLocks noChangeAspect="1" noChangeArrowheads="1"/>
-          </p:cNvPicPr>
-          <p:nvPr/>
-        </p:nvPicPr>
-        <p:blipFill>
-          <a:blip r:embed="rId9">
-            <a:extLst>
-              <a:ext uri="{28A0092B-C50C-407E-A947-70E740481C1C}">
-                <a14:useLocalDpi xmlns:a14="http://schemas.microsoft.com/office/drawing/2010/main" val="0"/>
-              </a:ext>
-            </a:extLst>
-          </a:blip>
-          <a:srcRect/>
-          <a:stretch>
-            <a:fillRect/>
-          </a:stretch>
-        </p:blipFill>
-        <p:spPr bwMode="auto">
-          <a:xfrm>
-            <a:off x="9116521" y="24656"/>
-            <a:ext cx="899277" cy="562048"/>
-          </a:xfrm>
-          <a:prstGeom prst="rect">
-            <a:avLst/>
-          </a:prstGeom>
-          <a:noFill/>
-          <a:extLst>
-            <a:ext uri="{909E8E84-426E-40DD-AFC4-6F175D3DCCD1}">
-              <a14:hiddenFill xmlns:a14="http://schemas.microsoft.com/office/drawing/2010/main">
-                <a:solidFill>
-                  <a:srgbClr val="FFFFFF"/>
-                </a:solidFill>
-              </a14:hiddenFill>
-            </a:ext>
-          </a:extLst>
-        </p:spPr>
-      </p:pic>
-      <p:pic>
-        <p:nvPicPr>
-          <p:cNvPr id="2054" name="Picture 6" descr="Release 6.14.0">
-            <a:extLst>
-              <a:ext uri="{FF2B5EF4-FFF2-40B4-BE49-F238E27FC236}">
-                <a16:creationId xmlns:a16="http://schemas.microsoft.com/office/drawing/2014/main" id="{25E97357-572E-4F6B-B05A-EBD92BEAD89F}"/>
-              </a:ext>
-            </a:extLst>
-          </p:cNvPr>
-          <p:cNvPicPr>
-            <a:picLocks noChangeAspect="1" noChangeArrowheads="1"/>
-          </p:cNvPicPr>
-          <p:nvPr/>
-        </p:nvPicPr>
-        <p:blipFill>
-          <a:blip r:embed="rId10">
-            <a:extLst>
-              <a:ext uri="{28A0092B-C50C-407E-A947-70E740481C1C}">
-                <a14:useLocalDpi xmlns:a14="http://schemas.microsoft.com/office/drawing/2010/main" val="0"/>
-              </a:ext>
-            </a:extLst>
-          </a:blip>
-          <a:srcRect/>
-          <a:stretch>
-            <a:fillRect/>
-          </a:stretch>
-        </p:blipFill>
-        <p:spPr bwMode="auto">
-          <a:xfrm>
-            <a:off x="10263217" y="4837170"/>
-            <a:ext cx="982211" cy="360056"/>
-          </a:xfrm>
-          <a:prstGeom prst="rect">
-            <a:avLst/>
-          </a:prstGeom>
-          <a:noFill/>
-          <a:extLst>
-            <a:ext uri="{909E8E84-426E-40DD-AFC4-6F175D3DCCD1}">
-              <a14:hiddenFill xmlns:a14="http://schemas.microsoft.com/office/drawing/2010/main">
-                <a:solidFill>
-                  <a:srgbClr val="FFFFFF"/>
-                </a:solidFill>
-              </a14:hiddenFill>
-            </a:ext>
-          </a:extLst>
-        </p:spPr>
-      </p:pic>
-      <p:sp>
-        <p:nvSpPr>
-          <p:cNvPr id="49" name="Arrow: Left 48">
-            <a:extLst>
-              <a:ext uri="{FF2B5EF4-FFF2-40B4-BE49-F238E27FC236}">
-                <a16:creationId xmlns:a16="http://schemas.microsoft.com/office/drawing/2014/main" id="{5A56997F-7AC2-47CC-969E-4857F13073ED}"/>
-              </a:ext>
-            </a:extLst>
-          </p:cNvPr>
-          <p:cNvSpPr/>
-          <p:nvPr/>
-        </p:nvSpPr>
-        <p:spPr>
-          <a:xfrm>
-            <a:off x="7523813" y="6202222"/>
-            <a:ext cx="1481673" cy="536373"/>
-          </a:xfrm>
-          <a:prstGeom prst="leftArrow">
-            <a:avLst/>
-          </a:prstGeom>
-          <a:solidFill>
-            <a:srgbClr val="002060"/>
-          </a:solidFill>
-        </p:spPr>
-        <p:style>
-          <a:lnRef idx="2">
-            <a:schemeClr val="accent1">
-              <a:shade val="50000"/>
-            </a:schemeClr>
-          </a:lnRef>
-          <a:fillRef idx="1">
-            <a:schemeClr val="accent1"/>
-          </a:fillRef>
-          <a:effectRef idx="0">
-            <a:schemeClr val="accent1"/>
-          </a:effectRef>
-          <a:fontRef idx="minor">
-            <a:schemeClr val="lt1"/>
-          </a:fontRef>
-        </p:style>
-        <p:txBody>
-          <a:bodyPr rtlCol="0" anchor="ctr"/>
-          <a:lstStyle/>
-          <a:p>
-            <a:pPr algn="ctr"/>
-            <a:r>
-              <a:rPr lang="en-US" sz="1200" dirty="0"/>
-              <a:t>Ongoing query</a:t>
-            </a:r>
-            <a:endParaRPr lang="en-GB" sz="1200" dirty="0"/>
-          </a:p>
-        </p:txBody>
-      </p:sp>
-      <p:sp>
-        <p:nvSpPr>
-          <p:cNvPr id="55" name="Arrow: Left-Right 54">
-            <a:extLst>
-              <a:ext uri="{FF2B5EF4-FFF2-40B4-BE49-F238E27FC236}">
-                <a16:creationId xmlns:a16="http://schemas.microsoft.com/office/drawing/2014/main" id="{259DC383-2E0B-437C-8921-FE18CF693B92}"/>
-              </a:ext>
-            </a:extLst>
-          </p:cNvPr>
-          <p:cNvSpPr/>
-          <p:nvPr/>
-        </p:nvSpPr>
-        <p:spPr>
-          <a:xfrm>
-            <a:off x="9025764" y="6120750"/>
-            <a:ext cx="1228274" cy="651609"/>
-          </a:xfrm>
-          <a:prstGeom prst="leftRightArrow">
-            <a:avLst/>
-          </a:prstGeom>
-          <a:noFill/>
-          <a:ln w="28575">
-            <a:prstDash val="sysDash"/>
-          </a:ln>
-        </p:spPr>
-        <p:style>
-          <a:lnRef idx="2">
-            <a:schemeClr val="accent1">
-              <a:shade val="50000"/>
-            </a:schemeClr>
-          </a:lnRef>
-          <a:fillRef idx="1">
-            <a:schemeClr val="accent1"/>
-          </a:fillRef>
-          <a:effectRef idx="0">
-            <a:schemeClr val="accent1"/>
-          </a:effectRef>
-          <a:fontRef idx="minor">
-            <a:schemeClr val="lt1"/>
-          </a:fontRef>
-        </p:style>
-        <p:txBody>
-          <a:bodyPr rtlCol="0" anchor="ctr"/>
-          <a:lstStyle/>
-          <a:p>
-            <a:pPr algn="ctr"/>
-            <a:r>
-              <a:rPr lang="en-US" sz="800" dirty="0">
-                <a:solidFill>
-                  <a:sysClr val="windowText" lastClr="000000"/>
-                </a:solidFill>
-              </a:rPr>
-              <a:t>Check presence of RPA Thread</a:t>
-            </a:r>
-            <a:endParaRPr lang="en-GB" sz="800" dirty="0">
-              <a:solidFill>
-                <a:sysClr val="windowText" lastClr="000000"/>
-              </a:solidFill>
-            </a:endParaRPr>
-          </a:p>
-        </p:txBody>
-      </p:sp>
-      <p:sp>
-        <p:nvSpPr>
-          <p:cNvPr id="56" name="TextBox 55">
-            <a:extLst>
-              <a:ext uri="{FF2B5EF4-FFF2-40B4-BE49-F238E27FC236}">
-                <a16:creationId xmlns:a16="http://schemas.microsoft.com/office/drawing/2014/main" id="{C2BAF97D-30BA-4029-B334-24A6EAFD18B0}"/>
-              </a:ext>
-            </a:extLst>
-          </p:cNvPr>
-          <p:cNvSpPr txBox="1"/>
-          <p:nvPr/>
-        </p:nvSpPr>
-        <p:spPr>
-          <a:xfrm>
-            <a:off x="7302164" y="5951161"/>
-            <a:ext cx="1501951" cy="261610"/>
-          </a:xfrm>
-          <a:prstGeom prst="rect">
-            <a:avLst/>
-          </a:prstGeom>
-          <a:solidFill>
-            <a:schemeClr val="accent4">
-              <a:lumMod val="20000"/>
-              <a:lumOff val="80000"/>
-            </a:schemeClr>
-          </a:solidFill>
-          <a:ln>
-            <a:solidFill>
-              <a:schemeClr val="tx1"/>
-            </a:solidFill>
-          </a:ln>
-          <a:effectLst>
-            <a:outerShdw blurRad="50800" dist="38100" dir="2700000" algn="tl" rotWithShape="0">
-              <a:prstClr val="black">
-                <a:alpha val="40000"/>
-              </a:prstClr>
-            </a:outerShdw>
-          </a:effectLst>
-        </p:spPr>
-        <p:txBody>
-          <a:bodyPr wrap="square" rtlCol="0">
-            <a:spAutoFit/>
-          </a:bodyPr>
-          <a:lstStyle/>
-          <a:p>
-            <a:pPr algn="ctr"/>
-            <a:r>
-              <a:rPr lang="en-US" sz="1100" dirty="0"/>
-              <a:t>Welcome Intent</a:t>
-            </a:r>
-            <a:endParaRPr lang="en-GB" sz="1100" dirty="0"/>
           </a:p>
         </p:txBody>
       </p:sp>

--- a/Video/ISS IPA PROJECT PRESENTATION - SYSTEM ARCHITECTURE.pptx
+++ b/Video/ISS IPA PROJECT PRESENTATION - SYSTEM ARCHITECTURE.pptx
@@ -3112,7 +3112,7 @@
           <a:p>
             <a:fld id="{A5DFF91C-4E09-4FFC-8A24-B7B9DFB15E04}" type="datetimeFigureOut">
               <a:rPr lang="en-SG" smtClean="0"/>
-              <a:t>25/4/2021</a:t>
+              <a:t>27/4/2021</a:t>
             </a:fld>
             <a:endParaRPr lang="en-SG"/>
           </a:p>
@@ -3312,7 +3312,7 @@
           <a:p>
             <a:fld id="{A5DFF91C-4E09-4FFC-8A24-B7B9DFB15E04}" type="datetimeFigureOut">
               <a:rPr lang="en-SG" smtClean="0"/>
-              <a:t>25/4/2021</a:t>
+              <a:t>27/4/2021</a:t>
             </a:fld>
             <a:endParaRPr lang="en-SG"/>
           </a:p>
@@ -3522,7 +3522,7 @@
           <a:p>
             <a:fld id="{A5DFF91C-4E09-4FFC-8A24-B7B9DFB15E04}" type="datetimeFigureOut">
               <a:rPr lang="en-SG" smtClean="0"/>
-              <a:t>25/4/2021</a:t>
+              <a:t>27/4/2021</a:t>
             </a:fld>
             <a:endParaRPr lang="en-SG"/>
           </a:p>
@@ -3722,7 +3722,7 @@
           <a:p>
             <a:fld id="{A5DFF91C-4E09-4FFC-8A24-B7B9DFB15E04}" type="datetimeFigureOut">
               <a:rPr lang="en-SG" smtClean="0"/>
-              <a:t>25/4/2021</a:t>
+              <a:t>27/4/2021</a:t>
             </a:fld>
             <a:endParaRPr lang="en-SG"/>
           </a:p>
@@ -3998,7 +3998,7 @@
           <a:p>
             <a:fld id="{A5DFF91C-4E09-4FFC-8A24-B7B9DFB15E04}" type="datetimeFigureOut">
               <a:rPr lang="en-SG" smtClean="0"/>
-              <a:t>25/4/2021</a:t>
+              <a:t>27/4/2021</a:t>
             </a:fld>
             <a:endParaRPr lang="en-SG"/>
           </a:p>
@@ -4266,7 +4266,7 @@
           <a:p>
             <a:fld id="{A5DFF91C-4E09-4FFC-8A24-B7B9DFB15E04}" type="datetimeFigureOut">
               <a:rPr lang="en-SG" smtClean="0"/>
-              <a:t>25/4/2021</a:t>
+              <a:t>27/4/2021</a:t>
             </a:fld>
             <a:endParaRPr lang="en-SG"/>
           </a:p>
@@ -4681,7 +4681,7 @@
           <a:p>
             <a:fld id="{A5DFF91C-4E09-4FFC-8A24-B7B9DFB15E04}" type="datetimeFigureOut">
               <a:rPr lang="en-SG" smtClean="0"/>
-              <a:t>25/4/2021</a:t>
+              <a:t>27/4/2021</a:t>
             </a:fld>
             <a:endParaRPr lang="en-SG"/>
           </a:p>
@@ -4823,7 +4823,7 @@
           <a:p>
             <a:fld id="{A5DFF91C-4E09-4FFC-8A24-B7B9DFB15E04}" type="datetimeFigureOut">
               <a:rPr lang="en-SG" smtClean="0"/>
-              <a:t>25/4/2021</a:t>
+              <a:t>27/4/2021</a:t>
             </a:fld>
             <a:endParaRPr lang="en-SG"/>
           </a:p>
@@ -4936,7 +4936,7 @@
           <a:p>
             <a:fld id="{A5DFF91C-4E09-4FFC-8A24-B7B9DFB15E04}" type="datetimeFigureOut">
               <a:rPr lang="en-SG" smtClean="0"/>
-              <a:t>25/4/2021</a:t>
+              <a:t>27/4/2021</a:t>
             </a:fld>
             <a:endParaRPr lang="en-SG"/>
           </a:p>
@@ -5249,7 +5249,7 @@
           <a:p>
             <a:fld id="{A5DFF91C-4E09-4FFC-8A24-B7B9DFB15E04}" type="datetimeFigureOut">
               <a:rPr lang="en-SG" smtClean="0"/>
-              <a:t>25/4/2021</a:t>
+              <a:t>27/4/2021</a:t>
             </a:fld>
             <a:endParaRPr lang="en-SG"/>
           </a:p>
@@ -5538,7 +5538,7 @@
           <a:p>
             <a:fld id="{A5DFF91C-4E09-4FFC-8A24-B7B9DFB15E04}" type="datetimeFigureOut">
               <a:rPr lang="en-SG" smtClean="0"/>
-              <a:t>25/4/2021</a:t>
+              <a:t>27/4/2021</a:t>
             </a:fld>
             <a:endParaRPr lang="en-SG"/>
           </a:p>
@@ -5781,7 +5781,7 @@
           <a:p>
             <a:fld id="{A5DFF91C-4E09-4FFC-8A24-B7B9DFB15E04}" type="datetimeFigureOut">
               <a:rPr lang="en-SG" smtClean="0"/>
-              <a:t>25/4/2021</a:t>
+              <a:t>27/4/2021</a:t>
             </a:fld>
             <a:endParaRPr lang="en-SG"/>
           </a:p>
@@ -6395,10 +6395,10 @@
       </p:sp>
       <p:sp>
         <p:nvSpPr>
-          <p:cNvPr id="27" name="TextBox 26">
-            <a:extLst>
-              <a:ext uri="{FF2B5EF4-FFF2-40B4-BE49-F238E27FC236}">
-                <a16:creationId xmlns:a16="http://schemas.microsoft.com/office/drawing/2014/main" id="{2A048165-A4F4-436C-B202-CBF8DE1F08C0}"/>
+          <p:cNvPr id="7" name="TextBox 6">
+            <a:extLst>
+              <a:ext uri="{FF2B5EF4-FFF2-40B4-BE49-F238E27FC236}">
+                <a16:creationId xmlns:a16="http://schemas.microsoft.com/office/drawing/2014/main" id="{5DF13793-D211-420A-A33B-A817869B311A}"/>
               </a:ext>
             </a:extLst>
           </p:cNvPr>
@@ -6407,8 +6407,8 @@
         </p:nvSpPr>
         <p:spPr>
           <a:xfrm>
-            <a:off x="4587061" y="5133419"/>
-            <a:ext cx="1508939" cy="646331"/>
+            <a:off x="3862440" y="5392211"/>
+            <a:ext cx="2233560" cy="830997"/>
           </a:xfrm>
           <a:prstGeom prst="rect">
             <a:avLst/>
@@ -6423,21 +6423,29 @@
           <a:p>
             <a:pPr algn="r"/>
             <a:r>
-              <a:rPr lang="en-SG" sz="1200" dirty="0"/>
-              <a:t>ONN WEI CHENG</a:t>
-            </a:r>
-            <a:br>
-              <a:rPr lang="en-SG" sz="1200" dirty="0"/>
-            </a:br>
-            <a:r>
-              <a:rPr lang="en-SG" sz="1200" dirty="0"/>
-              <a:t>YANG JIE SHEN</a:t>
-            </a:r>
-          </a:p>
-          <a:p>
-            <a:r>
-              <a:rPr lang="en-SG" sz="1200" dirty="0"/>
-              <a:t>NIRAV JANAK PARIKH</a:t>
+              <a:rPr lang="en-US" sz="1200" dirty="0"/>
+              <a:t>ONN WEI CHENG A0092201X</a:t>
+            </a:r>
+          </a:p>
+          <a:p>
+            <a:pPr algn="r"/>
+            <a:r>
+              <a:rPr lang="en-US" sz="1200" dirty="0"/>
+              <a:t>YANG JIESHEN A0003901Y</a:t>
+            </a:r>
+          </a:p>
+          <a:p>
+            <a:pPr algn="r"/>
+            <a:r>
+              <a:rPr lang="en-US" sz="1200" dirty="0"/>
+              <a:t>NIRAV JANAK PARIKH A0213573J</a:t>
+            </a:r>
+          </a:p>
+          <a:p>
+            <a:pPr algn="r"/>
+            <a:r>
+              <a:rPr lang="en-US" sz="1200" dirty="0"/>
+              <a:t>ISA-PM-IPA-2021-01-09-IS02PT</a:t>
             </a:r>
           </a:p>
         </p:txBody>
@@ -6933,53 +6941,6 @@
           </a:fontRef>
         </p:style>
       </p:cxnSp>
-      <p:pic>
-        <p:nvPicPr>
-          <p:cNvPr id="22" name="Picture 2" descr="Google Assistant - Wikipedia">
-            <a:extLst>
-              <a:ext uri="{FF2B5EF4-FFF2-40B4-BE49-F238E27FC236}">
-                <a16:creationId xmlns:a16="http://schemas.microsoft.com/office/drawing/2014/main" id="{EF700927-5EDC-4D6B-881A-3DAB0989C576}"/>
-              </a:ext>
-            </a:extLst>
-          </p:cNvPr>
-          <p:cNvPicPr>
-            <a:picLocks noChangeAspect="1" noChangeArrowheads="1"/>
-          </p:cNvPicPr>
-          <p:nvPr/>
-        </p:nvPicPr>
-        <p:blipFill>
-          <a:blip r:embed="rId2">
-            <a:extLst>
-              <a:ext uri="{28A0092B-C50C-407E-A947-70E740481C1C}">
-                <a14:useLocalDpi xmlns:a14="http://schemas.microsoft.com/office/drawing/2010/main" val="0"/>
-              </a:ext>
-            </a:extLst>
-          </a:blip>
-          <a:srcRect/>
-          <a:stretch>
-            <a:fillRect/>
-          </a:stretch>
-        </p:blipFill>
-        <p:spPr bwMode="auto">
-          <a:xfrm>
-            <a:off x="10760508" y="121836"/>
-            <a:ext cx="1291532" cy="1292775"/>
-          </a:xfrm>
-          <a:prstGeom prst="rect">
-            <a:avLst/>
-          </a:prstGeom>
-          <a:noFill/>
-          <a:extLst>
-            <a:ext uri="{909E8E84-426E-40DD-AFC4-6F175D3DCCD1}">
-              <a14:hiddenFill xmlns:a14="http://schemas.microsoft.com/office/drawing/2010/main">
-                <a:solidFill>
-                  <a:srgbClr val="FFFFFF"/>
-                </a:solidFill>
-              </a14:hiddenFill>
-            </a:ext>
-          </a:extLst>
-        </p:spPr>
-      </p:pic>
       <p:grpSp>
         <p:nvGrpSpPr>
           <p:cNvPr id="5" name="Group 4">
@@ -7015,7 +6976,7 @@
             <p:nvPr/>
           </p:nvPicPr>
           <p:blipFill rotWithShape="1">
-            <a:blip r:embed="rId3"/>
+            <a:blip r:embed="rId2"/>
             <a:srcRect l="16475"/>
             <a:stretch/>
           </p:blipFill>
@@ -7688,7 +7649,7 @@
                   <a:effectLst/>
                   <a:latin typeface="Arial" panose="020B0604020202020204" pitchFamily="34" charset="0"/>
                   <a:cs typeface="Arial" panose="020B0604020202020204" pitchFamily="34" charset="0"/>
-                  <a:hlinkClick r:id="rId4"/>
+                  <a:hlinkClick r:id="rId3"/>
                 </a:rPr>
                 <a:t>https://nlb.overdrive.com/media/790959</a:t>
               </a:r>
@@ -10507,7 +10468,7 @@
         </p:nvSpPr>
         <p:spPr>
           <a:xfrm>
-            <a:off x="6151509" y="998237"/>
+            <a:off x="6155180" y="645541"/>
             <a:ext cx="1501951" cy="261610"/>
           </a:xfrm>
           <a:prstGeom prst="rect">
@@ -10732,7 +10693,7 @@
         </p:nvSpPr>
         <p:spPr>
           <a:xfrm>
-            <a:off x="6151509" y="1322132"/>
+            <a:off x="6155180" y="969436"/>
             <a:ext cx="1501951" cy="430887"/>
           </a:xfrm>
           <a:prstGeom prst="rect">
@@ -10793,7 +10754,7 @@
         </p:nvSpPr>
         <p:spPr>
           <a:xfrm>
-            <a:off x="6151508" y="2297859"/>
+            <a:off x="6146388" y="2315980"/>
             <a:ext cx="1501951" cy="600164"/>
           </a:xfrm>
           <a:prstGeom prst="rect">
@@ -11894,6 +11855,64 @@
               <a:t>Add to Book List</a:t>
             </a:r>
             <a:endParaRPr lang="en-GB" sz="1200" dirty="0"/>
+          </a:p>
+        </p:txBody>
+      </p:sp>
+      <p:sp>
+        <p:nvSpPr>
+          <p:cNvPr id="39" name="TextBox 38">
+            <a:extLst>
+              <a:ext uri="{FF2B5EF4-FFF2-40B4-BE49-F238E27FC236}">
+                <a16:creationId xmlns:a16="http://schemas.microsoft.com/office/drawing/2014/main" id="{448673F2-4789-4609-8B77-F1311966E4F4}"/>
+              </a:ext>
+            </a:extLst>
+          </p:cNvPr>
+          <p:cNvSpPr txBox="1"/>
+          <p:nvPr/>
+        </p:nvSpPr>
+        <p:spPr>
+          <a:xfrm>
+            <a:off x="6151508" y="1421602"/>
+            <a:ext cx="1501951" cy="261610"/>
+          </a:xfrm>
+          <a:prstGeom prst="rect">
+            <a:avLst/>
+          </a:prstGeom>
+          <a:solidFill>
+            <a:schemeClr val="accent4">
+              <a:lumMod val="20000"/>
+              <a:lumOff val="80000"/>
+            </a:schemeClr>
+          </a:solidFill>
+          <a:ln>
+            <a:solidFill>
+              <a:schemeClr val="tx1"/>
+            </a:solidFill>
+          </a:ln>
+          <a:effectLst>
+            <a:outerShdw blurRad="50800" dist="38100" dir="2700000" algn="tl" rotWithShape="0">
+              <a:prstClr val="black">
+                <a:alpha val="40000"/>
+              </a:prstClr>
+            </a:outerShdw>
+          </a:effectLst>
+        </p:spPr>
+        <p:txBody>
+          <a:bodyPr wrap="square" rtlCol="0">
+            <a:spAutoFit/>
+          </a:bodyPr>
+          <a:lstStyle/>
+          <a:p>
+            <a:pPr algn="ctr"/>
+            <a:r>
+              <a:rPr lang="en-US" sz="1100" dirty="0" err="1"/>
+              <a:t>GetBookTitle</a:t>
+            </a:r>
+            <a:r>
+              <a:rPr lang="en-US" sz="1100" dirty="0"/>
+              <a:t> Intent</a:t>
+            </a:r>
+            <a:endParaRPr lang="en-GB" sz="1100" dirty="0"/>
           </a:p>
         </p:txBody>
       </p:sp>

--- a/Video/ISS IPA PROJECT PRESENTATION - SYSTEM ARCHITECTURE.pptx
+++ b/Video/ISS IPA PROJECT PRESENTATION - SYSTEM ARCHITECTURE.pptx
@@ -8,7 +8,7 @@
     <p:sldId id="256" r:id="rId2"/>
     <p:sldId id="260" r:id="rId3"/>
     <p:sldId id="257" r:id="rId4"/>
-    <p:sldId id="261" r:id="rId5"/>
+    <p:sldId id="267" r:id="rId5"/>
     <p:sldId id="262" r:id="rId6"/>
     <p:sldId id="263" r:id="rId7"/>
     <p:sldId id="264" r:id="rId8"/>
@@ -3112,7 +3112,7 @@
           <a:p>
             <a:fld id="{A5DFF91C-4E09-4FFC-8A24-B7B9DFB15E04}" type="datetimeFigureOut">
               <a:rPr lang="en-SG" smtClean="0"/>
-              <a:t>27/4/2021</a:t>
+              <a:t>29/4/2021</a:t>
             </a:fld>
             <a:endParaRPr lang="en-SG"/>
           </a:p>
@@ -3312,7 +3312,7 @@
           <a:p>
             <a:fld id="{A5DFF91C-4E09-4FFC-8A24-B7B9DFB15E04}" type="datetimeFigureOut">
               <a:rPr lang="en-SG" smtClean="0"/>
-              <a:t>27/4/2021</a:t>
+              <a:t>29/4/2021</a:t>
             </a:fld>
             <a:endParaRPr lang="en-SG"/>
           </a:p>
@@ -3522,7 +3522,7 @@
           <a:p>
             <a:fld id="{A5DFF91C-4E09-4FFC-8A24-B7B9DFB15E04}" type="datetimeFigureOut">
               <a:rPr lang="en-SG" smtClean="0"/>
-              <a:t>27/4/2021</a:t>
+              <a:t>29/4/2021</a:t>
             </a:fld>
             <a:endParaRPr lang="en-SG"/>
           </a:p>
@@ -3722,7 +3722,7 @@
           <a:p>
             <a:fld id="{A5DFF91C-4E09-4FFC-8A24-B7B9DFB15E04}" type="datetimeFigureOut">
               <a:rPr lang="en-SG" smtClean="0"/>
-              <a:t>27/4/2021</a:t>
+              <a:t>29/4/2021</a:t>
             </a:fld>
             <a:endParaRPr lang="en-SG"/>
           </a:p>
@@ -3998,7 +3998,7 @@
           <a:p>
             <a:fld id="{A5DFF91C-4E09-4FFC-8A24-B7B9DFB15E04}" type="datetimeFigureOut">
               <a:rPr lang="en-SG" smtClean="0"/>
-              <a:t>27/4/2021</a:t>
+              <a:t>29/4/2021</a:t>
             </a:fld>
             <a:endParaRPr lang="en-SG"/>
           </a:p>
@@ -4266,7 +4266,7 @@
           <a:p>
             <a:fld id="{A5DFF91C-4E09-4FFC-8A24-B7B9DFB15E04}" type="datetimeFigureOut">
               <a:rPr lang="en-SG" smtClean="0"/>
-              <a:t>27/4/2021</a:t>
+              <a:t>29/4/2021</a:t>
             </a:fld>
             <a:endParaRPr lang="en-SG"/>
           </a:p>
@@ -4681,7 +4681,7 @@
           <a:p>
             <a:fld id="{A5DFF91C-4E09-4FFC-8A24-B7B9DFB15E04}" type="datetimeFigureOut">
               <a:rPr lang="en-SG" smtClean="0"/>
-              <a:t>27/4/2021</a:t>
+              <a:t>29/4/2021</a:t>
             </a:fld>
             <a:endParaRPr lang="en-SG"/>
           </a:p>
@@ -4823,7 +4823,7 @@
           <a:p>
             <a:fld id="{A5DFF91C-4E09-4FFC-8A24-B7B9DFB15E04}" type="datetimeFigureOut">
               <a:rPr lang="en-SG" smtClean="0"/>
-              <a:t>27/4/2021</a:t>
+              <a:t>29/4/2021</a:t>
             </a:fld>
             <a:endParaRPr lang="en-SG"/>
           </a:p>
@@ -4936,7 +4936,7 @@
           <a:p>
             <a:fld id="{A5DFF91C-4E09-4FFC-8A24-B7B9DFB15E04}" type="datetimeFigureOut">
               <a:rPr lang="en-SG" smtClean="0"/>
-              <a:t>27/4/2021</a:t>
+              <a:t>29/4/2021</a:t>
             </a:fld>
             <a:endParaRPr lang="en-SG"/>
           </a:p>
@@ -5249,7 +5249,7 @@
           <a:p>
             <a:fld id="{A5DFF91C-4E09-4FFC-8A24-B7B9DFB15E04}" type="datetimeFigureOut">
               <a:rPr lang="en-SG" smtClean="0"/>
-              <a:t>27/4/2021</a:t>
+              <a:t>29/4/2021</a:t>
             </a:fld>
             <a:endParaRPr lang="en-SG"/>
           </a:p>
@@ -5538,7 +5538,7 @@
           <a:p>
             <a:fld id="{A5DFF91C-4E09-4FFC-8A24-B7B9DFB15E04}" type="datetimeFigureOut">
               <a:rPr lang="en-SG" smtClean="0"/>
-              <a:t>27/4/2021</a:t>
+              <a:t>29/4/2021</a:t>
             </a:fld>
             <a:endParaRPr lang="en-SG"/>
           </a:p>
@@ -5781,7 +5781,7 @@
           <a:p>
             <a:fld id="{A5DFF91C-4E09-4FFC-8A24-B7B9DFB15E04}" type="datetimeFigureOut">
               <a:rPr lang="en-SG" smtClean="0"/>
-              <a:t>27/4/2021</a:t>
+              <a:t>29/4/2021</a:t>
             </a:fld>
             <a:endParaRPr lang="en-SG"/>
           </a:p>
@@ -9296,6 +9296,579 @@
       </p:sp>
       <p:sp>
         <p:nvSpPr>
+          <p:cNvPr id="31" name="Rectangle 30">
+            <a:extLst>
+              <a:ext uri="{FF2B5EF4-FFF2-40B4-BE49-F238E27FC236}">
+                <a16:creationId xmlns:a16="http://schemas.microsoft.com/office/drawing/2014/main" id="{0872BC5F-BD41-4A94-B46D-E7EFFA0F55D7}"/>
+              </a:ext>
+            </a:extLst>
+          </p:cNvPr>
+          <p:cNvSpPr/>
+          <p:nvPr/>
+        </p:nvSpPr>
+        <p:spPr>
+          <a:xfrm>
+            <a:off x="4594015" y="4410624"/>
+            <a:ext cx="2915919" cy="1857983"/>
+          </a:xfrm>
+          <a:prstGeom prst="rect">
+            <a:avLst/>
+          </a:prstGeom>
+          <a:noFill/>
+          <a:ln w="25400">
+            <a:solidFill>
+              <a:srgbClr val="EA4335"/>
+            </a:solidFill>
+          </a:ln>
+        </p:spPr>
+        <p:style>
+          <a:lnRef idx="2">
+            <a:schemeClr val="accent1">
+              <a:shade val="50000"/>
+            </a:schemeClr>
+          </a:lnRef>
+          <a:fillRef idx="1">
+            <a:schemeClr val="accent1"/>
+          </a:fillRef>
+          <a:effectRef idx="0">
+            <a:schemeClr val="accent1"/>
+          </a:effectRef>
+          <a:fontRef idx="minor">
+            <a:schemeClr val="lt1"/>
+          </a:fontRef>
+        </p:style>
+        <p:txBody>
+          <a:bodyPr rtlCol="0" anchor="ctr"/>
+          <a:lstStyle/>
+          <a:p>
+            <a:pPr marL="285750" indent="-285750">
+              <a:buFont typeface="Arial" panose="020B0604020202020204" pitchFamily="34" charset="0"/>
+              <a:buChar char="•"/>
+            </a:pPr>
+            <a:r>
+              <a:rPr lang="en-SG" dirty="0">
+                <a:solidFill>
+                  <a:schemeClr val="tx1"/>
+                </a:solidFill>
+              </a:rPr>
+              <a:t>Powered by UI Tag</a:t>
+            </a:r>
+          </a:p>
+        </p:txBody>
+      </p:sp>
+      <p:sp>
+        <p:nvSpPr>
+          <p:cNvPr id="32" name="Rectangle 31">
+            <a:extLst>
+              <a:ext uri="{FF2B5EF4-FFF2-40B4-BE49-F238E27FC236}">
+                <a16:creationId xmlns:a16="http://schemas.microsoft.com/office/drawing/2014/main" id="{263A4C2F-3FCE-4954-87E5-2E588684D122}"/>
+              </a:ext>
+            </a:extLst>
+          </p:cNvPr>
+          <p:cNvSpPr/>
+          <p:nvPr/>
+        </p:nvSpPr>
+        <p:spPr>
+          <a:xfrm>
+            <a:off x="8780202" y="4359260"/>
+            <a:ext cx="2915919" cy="1857983"/>
+          </a:xfrm>
+          <a:prstGeom prst="rect">
+            <a:avLst/>
+          </a:prstGeom>
+          <a:noFill/>
+          <a:ln w="25400">
+            <a:solidFill>
+              <a:srgbClr val="FBBC05"/>
+            </a:solidFill>
+          </a:ln>
+        </p:spPr>
+        <p:style>
+          <a:lnRef idx="2">
+            <a:schemeClr val="accent1">
+              <a:shade val="50000"/>
+            </a:schemeClr>
+          </a:lnRef>
+          <a:fillRef idx="1">
+            <a:schemeClr val="accent1"/>
+          </a:fillRef>
+          <a:effectRef idx="0">
+            <a:schemeClr val="accent1"/>
+          </a:effectRef>
+          <a:fontRef idx="minor">
+            <a:schemeClr val="lt1"/>
+          </a:fontRef>
+        </p:style>
+        <p:txBody>
+          <a:bodyPr rtlCol="0" anchor="ctr"/>
+          <a:lstStyle/>
+          <a:p>
+            <a:pPr marL="285750" indent="-285750">
+              <a:buFont typeface="Arial" panose="020B0604020202020204" pitchFamily="34" charset="0"/>
+              <a:buChar char="•"/>
+            </a:pPr>
+            <a:r>
+              <a:rPr lang="en-SG" dirty="0">
+                <a:solidFill>
+                  <a:schemeClr val="tx1"/>
+                </a:solidFill>
+              </a:rPr>
+              <a:t>Powered by Bert </a:t>
+            </a:r>
+          </a:p>
+        </p:txBody>
+      </p:sp>
+      <p:pic>
+        <p:nvPicPr>
+          <p:cNvPr id="9" name="Picture 8">
+            <a:extLst>
+              <a:ext uri="{FF2B5EF4-FFF2-40B4-BE49-F238E27FC236}">
+                <a16:creationId xmlns:a16="http://schemas.microsoft.com/office/drawing/2014/main" id="{9E0F87DA-55CB-4B07-85D3-CD32A59E5178}"/>
+              </a:ext>
+            </a:extLst>
+          </p:cNvPr>
+          <p:cNvPicPr>
+            <a:picLocks noChangeAspect="1"/>
+          </p:cNvPicPr>
+          <p:nvPr/>
+        </p:nvPicPr>
+        <p:blipFill>
+          <a:blip r:embed="rId2"/>
+          <a:stretch>
+            <a:fillRect/>
+          </a:stretch>
+        </p:blipFill>
+        <p:spPr>
+          <a:xfrm>
+            <a:off x="701092" y="1512343"/>
+            <a:ext cx="2590024" cy="1333850"/>
+          </a:xfrm>
+          <a:prstGeom prst="rect">
+            <a:avLst/>
+          </a:prstGeom>
+        </p:spPr>
+      </p:pic>
+      <p:pic>
+        <p:nvPicPr>
+          <p:cNvPr id="36" name="Picture 2" descr="Google Assistant - Wikipedia">
+            <a:extLst>
+              <a:ext uri="{FF2B5EF4-FFF2-40B4-BE49-F238E27FC236}">
+                <a16:creationId xmlns:a16="http://schemas.microsoft.com/office/drawing/2014/main" id="{2BA0ECC8-1A81-48E9-807F-381E5C63762F}"/>
+              </a:ext>
+            </a:extLst>
+          </p:cNvPr>
+          <p:cNvPicPr>
+            <a:picLocks noChangeAspect="1" noChangeArrowheads="1"/>
+          </p:cNvPicPr>
+          <p:nvPr/>
+        </p:nvPicPr>
+        <p:blipFill>
+          <a:blip r:embed="rId3">
+            <a:extLst>
+              <a:ext uri="{28A0092B-C50C-407E-A947-70E740481C1C}">
+                <a14:useLocalDpi xmlns:a14="http://schemas.microsoft.com/office/drawing/2010/main" val="0"/>
+              </a:ext>
+            </a:extLst>
+          </a:blip>
+          <a:srcRect/>
+          <a:stretch>
+            <a:fillRect/>
+          </a:stretch>
+        </p:blipFill>
+        <p:spPr bwMode="auto">
+          <a:xfrm>
+            <a:off x="2787275" y="620462"/>
+            <a:ext cx="1189127" cy="1190271"/>
+          </a:xfrm>
+          <a:prstGeom prst="rect">
+            <a:avLst/>
+          </a:prstGeom>
+          <a:noFill/>
+          <a:extLst>
+            <a:ext uri="{909E8E84-426E-40DD-AFC4-6F175D3DCCD1}">
+              <a14:hiddenFill xmlns:a14="http://schemas.microsoft.com/office/drawing/2010/main">
+                <a:solidFill>
+                  <a:srgbClr val="FFFFFF"/>
+                </a:solidFill>
+              </a14:hiddenFill>
+            </a:ext>
+          </a:extLst>
+        </p:spPr>
+      </p:pic>
+      <p:pic>
+        <p:nvPicPr>
+          <p:cNvPr id="1026" name="Picture 2" descr="Amazon to expand to South East Asia through Singapore - KLGadgetGuy">
+            <a:extLst>
+              <a:ext uri="{FF2B5EF4-FFF2-40B4-BE49-F238E27FC236}">
+                <a16:creationId xmlns:a16="http://schemas.microsoft.com/office/drawing/2014/main" id="{10D99925-2D82-42A7-BC92-60BD91ABD7F2}"/>
+              </a:ext>
+            </a:extLst>
+          </p:cNvPr>
+          <p:cNvPicPr>
+            <a:picLocks noChangeAspect="1" noChangeArrowheads="1"/>
+          </p:cNvPicPr>
+          <p:nvPr/>
+        </p:nvPicPr>
+        <p:blipFill rotWithShape="1">
+          <a:blip r:embed="rId4">
+            <a:extLst>
+              <a:ext uri="{28A0092B-C50C-407E-A947-70E740481C1C}">
+                <a14:useLocalDpi xmlns:a14="http://schemas.microsoft.com/office/drawing/2010/main" val="0"/>
+              </a:ext>
+            </a:extLst>
+          </a:blip>
+          <a:srcRect l="7264" t="29085" r="7174" b="34689"/>
+          <a:stretch/>
+        </p:blipFill>
+        <p:spPr bwMode="auto">
+          <a:xfrm>
+            <a:off x="6225471" y="1397231"/>
+            <a:ext cx="1730449" cy="732652"/>
+          </a:xfrm>
+          <a:prstGeom prst="rect">
+            <a:avLst/>
+          </a:prstGeom>
+          <a:noFill/>
+          <a:extLst>
+            <a:ext uri="{909E8E84-426E-40DD-AFC4-6F175D3DCCD1}">
+              <a14:hiddenFill xmlns:a14="http://schemas.microsoft.com/office/drawing/2010/main">
+                <a:solidFill>
+                  <a:srgbClr val="FFFFFF"/>
+                </a:solidFill>
+              </a14:hiddenFill>
+            </a:ext>
+          </a:extLst>
+        </p:spPr>
+      </p:pic>
+      <p:pic>
+        <p:nvPicPr>
+          <p:cNvPr id="1028" name="Picture 4" descr="Global Civica Office Locations Civica - induced.info">
+            <a:extLst>
+              <a:ext uri="{FF2B5EF4-FFF2-40B4-BE49-F238E27FC236}">
+                <a16:creationId xmlns:a16="http://schemas.microsoft.com/office/drawing/2014/main" id="{406ABC36-8590-4A24-AB54-21773F5013C8}"/>
+              </a:ext>
+            </a:extLst>
+          </p:cNvPr>
+          <p:cNvPicPr>
+            <a:picLocks noChangeAspect="1" noChangeArrowheads="1"/>
+          </p:cNvPicPr>
+          <p:nvPr/>
+        </p:nvPicPr>
+        <p:blipFill rotWithShape="1">
+          <a:blip r:embed="rId5">
+            <a:extLst>
+              <a:ext uri="{28A0092B-C50C-407E-A947-70E740481C1C}">
+                <a14:useLocalDpi xmlns:a14="http://schemas.microsoft.com/office/drawing/2010/main" val="0"/>
+              </a:ext>
+            </a:extLst>
+          </a:blip>
+          <a:srcRect l="12647" t="19936"/>
+          <a:stretch/>
+        </p:blipFill>
+        <p:spPr bwMode="auto">
+          <a:xfrm>
+            <a:off x="4463092" y="1121982"/>
+            <a:ext cx="1762379" cy="1371221"/>
+          </a:xfrm>
+          <a:prstGeom prst="rect">
+            <a:avLst/>
+          </a:prstGeom>
+          <a:noFill/>
+          <a:extLst>
+            <a:ext uri="{909E8E84-426E-40DD-AFC4-6F175D3DCCD1}">
+              <a14:hiddenFill xmlns:a14="http://schemas.microsoft.com/office/drawing/2010/main">
+                <a:solidFill>
+                  <a:srgbClr val="FFFFFF"/>
+                </a:solidFill>
+              </a14:hiddenFill>
+            </a:ext>
+          </a:extLst>
+        </p:spPr>
+      </p:pic>
+      <p:pic>
+        <p:nvPicPr>
+          <p:cNvPr id="1030" name="Picture 6" descr="Building a More Intelligent Enterprise">
+            <a:extLst>
+              <a:ext uri="{FF2B5EF4-FFF2-40B4-BE49-F238E27FC236}">
+                <a16:creationId xmlns:a16="http://schemas.microsoft.com/office/drawing/2014/main" id="{8B61D762-D553-41C8-BDFB-2008277CCCEA}"/>
+              </a:ext>
+            </a:extLst>
+          </p:cNvPr>
+          <p:cNvPicPr>
+            <a:picLocks noChangeAspect="1" noChangeArrowheads="1"/>
+          </p:cNvPicPr>
+          <p:nvPr/>
+        </p:nvPicPr>
+        <p:blipFill>
+          <a:blip r:embed="rId6">
+            <a:extLst>
+              <a:ext uri="{28A0092B-C50C-407E-A947-70E740481C1C}">
+                <a14:useLocalDpi xmlns:a14="http://schemas.microsoft.com/office/drawing/2010/main" val="0"/>
+              </a:ext>
+            </a:extLst>
+          </a:blip>
+          <a:srcRect/>
+          <a:stretch>
+            <a:fillRect/>
+          </a:stretch>
+        </p:blipFill>
+        <p:spPr bwMode="auto">
+          <a:xfrm>
+            <a:off x="9076850" y="767323"/>
+            <a:ext cx="1992469" cy="1992469"/>
+          </a:xfrm>
+          <a:prstGeom prst="rect">
+            <a:avLst/>
+          </a:prstGeom>
+          <a:noFill/>
+          <a:extLst>
+            <a:ext uri="{909E8E84-426E-40DD-AFC4-6F175D3DCCD1}">
+              <a14:hiddenFill xmlns:a14="http://schemas.microsoft.com/office/drawing/2010/main">
+                <a:solidFill>
+                  <a:srgbClr val="FFFFFF"/>
+                </a:solidFill>
+              </a14:hiddenFill>
+            </a:ext>
+          </a:extLst>
+        </p:spPr>
+      </p:pic>
+      <p:pic>
+        <p:nvPicPr>
+          <p:cNvPr id="2" name="Picture 2">
+            <a:extLst>
+              <a:ext uri="{FF2B5EF4-FFF2-40B4-BE49-F238E27FC236}">
+                <a16:creationId xmlns:a16="http://schemas.microsoft.com/office/drawing/2014/main" id="{E9ACEE18-34A1-433F-BCE3-148909EDB217}"/>
+              </a:ext>
+            </a:extLst>
+          </p:cNvPr>
+          <p:cNvPicPr>
+            <a:picLocks noChangeAspect="1" noChangeArrowheads="1"/>
+          </p:cNvPicPr>
+          <p:nvPr/>
+        </p:nvPicPr>
+        <p:blipFill>
+          <a:blip r:embed="rId7">
+            <a:extLst>
+              <a:ext uri="{28A0092B-C50C-407E-A947-70E740481C1C}">
+                <a14:useLocalDpi xmlns:a14="http://schemas.microsoft.com/office/drawing/2010/main" val="0"/>
+              </a:ext>
+            </a:extLst>
+          </a:blip>
+          <a:srcRect/>
+          <a:stretch>
+            <a:fillRect/>
+          </a:stretch>
+        </p:blipFill>
+        <p:spPr bwMode="auto">
+          <a:xfrm>
+            <a:off x="800548" y="5613355"/>
+            <a:ext cx="1851870" cy="490456"/>
+          </a:xfrm>
+          <a:prstGeom prst="rect">
+            <a:avLst/>
+          </a:prstGeom>
+          <a:solidFill>
+            <a:schemeClr val="bg1"/>
+          </a:solidFill>
+        </p:spPr>
+      </p:pic>
+      <p:pic>
+        <p:nvPicPr>
+          <p:cNvPr id="17" name="Picture 6" descr="Release 6.14.0">
+            <a:extLst>
+              <a:ext uri="{FF2B5EF4-FFF2-40B4-BE49-F238E27FC236}">
+                <a16:creationId xmlns:a16="http://schemas.microsoft.com/office/drawing/2014/main" id="{B9708D2D-7439-4C37-9549-9E86CF20F61F}"/>
+              </a:ext>
+            </a:extLst>
+          </p:cNvPr>
+          <p:cNvPicPr>
+            <a:picLocks noChangeAspect="1" noChangeArrowheads="1"/>
+          </p:cNvPicPr>
+          <p:nvPr/>
+        </p:nvPicPr>
+        <p:blipFill>
+          <a:blip r:embed="rId8">
+            <a:extLst>
+              <a:ext uri="{28A0092B-C50C-407E-A947-70E740481C1C}">
+                <a14:useLocalDpi xmlns:a14="http://schemas.microsoft.com/office/drawing/2010/main" val="0"/>
+              </a:ext>
+            </a:extLst>
+          </a:blip>
+          <a:srcRect/>
+          <a:stretch>
+            <a:fillRect/>
+          </a:stretch>
+        </p:blipFill>
+        <p:spPr bwMode="auto">
+          <a:xfrm>
+            <a:off x="4725767" y="4875152"/>
+            <a:ext cx="2626842" cy="962940"/>
+          </a:xfrm>
+          <a:prstGeom prst="rect">
+            <a:avLst/>
+          </a:prstGeom>
+          <a:noFill/>
+          <a:effectLst>
+            <a:outerShdw blurRad="50800" dist="38100" dir="2700000" algn="tl" rotWithShape="0">
+              <a:prstClr val="black">
+                <a:alpha val="40000"/>
+              </a:prstClr>
+            </a:outerShdw>
+          </a:effectLst>
+          <a:extLst>
+            <a:ext uri="{909E8E84-426E-40DD-AFC4-6F175D3DCCD1}">
+              <a14:hiddenFill xmlns:a14="http://schemas.microsoft.com/office/drawing/2010/main">
+                <a:solidFill>
+                  <a:srgbClr val="FFFFFF"/>
+                </a:solidFill>
+              </a14:hiddenFill>
+            </a:ext>
+          </a:extLst>
+        </p:spPr>
+      </p:pic>
+      <p:pic>
+        <p:nvPicPr>
+          <p:cNvPr id="4" name="Picture 4" descr="Google Assistant gets 'Tell Me a Story' feature on Android and iOS -  SlashGear">
+            <a:extLst>
+              <a:ext uri="{FF2B5EF4-FFF2-40B4-BE49-F238E27FC236}">
+                <a16:creationId xmlns:a16="http://schemas.microsoft.com/office/drawing/2014/main" id="{40144525-B641-4A23-9A3B-F1997C4914D3}"/>
+              </a:ext>
+            </a:extLst>
+          </p:cNvPr>
+          <p:cNvPicPr>
+            <a:picLocks noChangeAspect="1" noChangeArrowheads="1"/>
+          </p:cNvPicPr>
+          <p:nvPr/>
+        </p:nvPicPr>
+        <p:blipFill>
+          <a:blip r:embed="rId9">
+            <a:extLst>
+              <a:ext uri="{28A0092B-C50C-407E-A947-70E740481C1C}">
+                <a14:useLocalDpi xmlns:a14="http://schemas.microsoft.com/office/drawing/2010/main" val="0"/>
+              </a:ext>
+            </a:extLst>
+          </a:blip>
+          <a:srcRect/>
+          <a:stretch>
+            <a:fillRect/>
+          </a:stretch>
+        </p:blipFill>
+        <p:spPr bwMode="auto">
+          <a:xfrm>
+            <a:off x="1754256" y="4429877"/>
+            <a:ext cx="2076846" cy="1286295"/>
+          </a:xfrm>
+          <a:prstGeom prst="rect">
+            <a:avLst/>
+          </a:prstGeom>
+          <a:noFill/>
+          <a:extLst>
+            <a:ext uri="{909E8E84-426E-40DD-AFC4-6F175D3DCCD1}">
+              <a14:hiddenFill xmlns:a14="http://schemas.microsoft.com/office/drawing/2010/main">
+                <a:solidFill>
+                  <a:srgbClr val="FFFFFF"/>
+                </a:solidFill>
+              </a14:hiddenFill>
+            </a:ext>
+          </a:extLst>
+        </p:spPr>
+      </p:pic>
+      <p:pic>
+        <p:nvPicPr>
+          <p:cNvPr id="5" name="Picture 6" descr="Gmail has a new logo that's a lot more Google - The Verge">
+            <a:extLst>
+              <a:ext uri="{FF2B5EF4-FFF2-40B4-BE49-F238E27FC236}">
+                <a16:creationId xmlns:a16="http://schemas.microsoft.com/office/drawing/2014/main" id="{E67AA7C0-A72F-42E0-82C5-086A791003BC}"/>
+              </a:ext>
+            </a:extLst>
+          </p:cNvPr>
+          <p:cNvPicPr>
+            <a:picLocks noChangeAspect="1" noChangeArrowheads="1"/>
+          </p:cNvPicPr>
+          <p:nvPr/>
+        </p:nvPicPr>
+        <p:blipFill>
+          <a:blip r:embed="rId10">
+            <a:extLst>
+              <a:ext uri="{28A0092B-C50C-407E-A947-70E740481C1C}">
+                <a14:useLocalDpi xmlns:a14="http://schemas.microsoft.com/office/drawing/2010/main" val="0"/>
+              </a:ext>
+            </a:extLst>
+          </a:blip>
+          <a:srcRect/>
+          <a:stretch>
+            <a:fillRect/>
+          </a:stretch>
+        </p:blipFill>
+        <p:spPr bwMode="auto">
+          <a:xfrm>
+            <a:off x="839516" y="4638419"/>
+            <a:ext cx="1423986" cy="800099"/>
+          </a:xfrm>
+          <a:prstGeom prst="rect">
+            <a:avLst/>
+          </a:prstGeom>
+          <a:noFill/>
+          <a:extLst>
+            <a:ext uri="{909E8E84-426E-40DD-AFC4-6F175D3DCCD1}">
+              <a14:hiddenFill xmlns:a14="http://schemas.microsoft.com/office/drawing/2010/main">
+                <a:solidFill>
+                  <a:srgbClr val="FFFFFF"/>
+                </a:solidFill>
+              </a14:hiddenFill>
+            </a:ext>
+          </a:extLst>
+        </p:spPr>
+      </p:pic>
+      <p:pic>
+        <p:nvPicPr>
+          <p:cNvPr id="1032" name="Picture 8" descr="GitHub - RaRe-Technologies/gensim: Topic Modelling for Humans">
+            <a:extLst>
+              <a:ext uri="{FF2B5EF4-FFF2-40B4-BE49-F238E27FC236}">
+                <a16:creationId xmlns:a16="http://schemas.microsoft.com/office/drawing/2014/main" id="{F8FDBA89-47F0-4714-B21B-6EC8165CA655}"/>
+              </a:ext>
+            </a:extLst>
+          </p:cNvPr>
+          <p:cNvPicPr>
+            <a:picLocks noChangeAspect="1" noChangeArrowheads="1"/>
+          </p:cNvPicPr>
+          <p:nvPr/>
+        </p:nvPicPr>
+        <p:blipFill>
+          <a:blip r:embed="rId11">
+            <a:extLst>
+              <a:ext uri="{28A0092B-C50C-407E-A947-70E740481C1C}">
+                <a14:useLocalDpi xmlns:a14="http://schemas.microsoft.com/office/drawing/2010/main" val="0"/>
+              </a:ext>
+            </a:extLst>
+          </a:blip>
+          <a:srcRect/>
+          <a:stretch>
+            <a:fillRect/>
+          </a:stretch>
+        </p:blipFill>
+        <p:spPr bwMode="auto">
+          <a:xfrm>
+            <a:off x="8878603" y="4423908"/>
+            <a:ext cx="2434810" cy="959655"/>
+          </a:xfrm>
+          <a:prstGeom prst="rect">
+            <a:avLst/>
+          </a:prstGeom>
+          <a:noFill/>
+          <a:extLst>
+            <a:ext uri="{909E8E84-426E-40DD-AFC4-6F175D3DCCD1}">
+              <a14:hiddenFill xmlns:a14="http://schemas.microsoft.com/office/drawing/2010/main">
+                <a:solidFill>
+                  <a:srgbClr val="FFFFFF"/>
+                </a:solidFill>
+              </a14:hiddenFill>
+            </a:ext>
+          </a:extLst>
+        </p:spPr>
+      </p:pic>
+      <p:sp>
+        <p:nvSpPr>
           <p:cNvPr id="30" name="Rectangle 29">
             <a:extLst>
               <a:ext uri="{FF2B5EF4-FFF2-40B4-BE49-F238E27FC236}">
@@ -9345,215 +9918,20 @@
               <a:buFont typeface="Arial" panose="020B0604020202020204" pitchFamily="34" charset="0"/>
               <a:buChar char="•"/>
             </a:pPr>
-            <a:r>
-              <a:rPr lang="en-SG" dirty="0">
-                <a:solidFill>
-                  <a:schemeClr val="tx1"/>
-                </a:solidFill>
-              </a:rPr>
-              <a:t>Powered by Google Assistant &amp; </a:t>
-            </a:r>
-            <a:r>
-              <a:rPr lang="en-SG" dirty="0" err="1">
-                <a:solidFill>
-                  <a:schemeClr val="tx1"/>
-                </a:solidFill>
-              </a:rPr>
-              <a:t>Dialogflow</a:t>
-            </a:r>
             <a:endParaRPr lang="en-SG" dirty="0">
               <a:solidFill>
                 <a:schemeClr val="tx1"/>
               </a:solidFill>
             </a:endParaRPr>
           </a:p>
-          <a:p>
-            <a:pPr marL="285750" indent="-285750">
-              <a:buFont typeface="Arial" panose="020B0604020202020204" pitchFamily="34" charset="0"/>
-              <a:buChar char="•"/>
-            </a:pPr>
-            <a:endParaRPr lang="en-SG" dirty="0">
-              <a:solidFill>
-                <a:schemeClr val="tx1"/>
-              </a:solidFill>
-            </a:endParaRPr>
-          </a:p>
-          <a:p>
-            <a:pPr marL="285750" indent="-285750">
-              <a:buFont typeface="Arial" panose="020B0604020202020204" pitchFamily="34" charset="0"/>
-              <a:buChar char="•"/>
-            </a:pPr>
-            <a:r>
-              <a:rPr lang="en-SG" dirty="0">
-                <a:solidFill>
-                  <a:schemeClr val="tx1"/>
-                </a:solidFill>
-              </a:rPr>
-              <a:t>Powered by Gmail</a:t>
-            </a:r>
-          </a:p>
-        </p:txBody>
-      </p:sp>
-      <p:sp>
-        <p:nvSpPr>
-          <p:cNvPr id="31" name="Rectangle 30">
-            <a:extLst>
-              <a:ext uri="{FF2B5EF4-FFF2-40B4-BE49-F238E27FC236}">
-                <a16:creationId xmlns:a16="http://schemas.microsoft.com/office/drawing/2014/main" id="{0872BC5F-BD41-4A94-B46D-E7EFFA0F55D7}"/>
-              </a:ext>
-            </a:extLst>
-          </p:cNvPr>
-          <p:cNvSpPr/>
-          <p:nvPr/>
-        </p:nvSpPr>
-        <p:spPr>
-          <a:xfrm>
-            <a:off x="4594015" y="4410624"/>
-            <a:ext cx="2915919" cy="1857983"/>
-          </a:xfrm>
-          <a:prstGeom prst="rect">
-            <a:avLst/>
-          </a:prstGeom>
-          <a:noFill/>
-          <a:ln w="25400">
-            <a:solidFill>
-              <a:srgbClr val="EA4335"/>
-            </a:solidFill>
-          </a:ln>
-        </p:spPr>
-        <p:style>
-          <a:lnRef idx="2">
-            <a:schemeClr val="accent1">
-              <a:shade val="50000"/>
-            </a:schemeClr>
-          </a:lnRef>
-          <a:fillRef idx="1">
-            <a:schemeClr val="accent1"/>
-          </a:fillRef>
-          <a:effectRef idx="0">
-            <a:schemeClr val="accent1"/>
-          </a:effectRef>
-          <a:fontRef idx="minor">
-            <a:schemeClr val="lt1"/>
-          </a:fontRef>
-        </p:style>
-        <p:txBody>
-          <a:bodyPr rtlCol="0" anchor="ctr"/>
-          <a:lstStyle/>
-          <a:p>
-            <a:pPr marL="285750" indent="-285750">
-              <a:buFont typeface="Arial" panose="020B0604020202020204" pitchFamily="34" charset="0"/>
-              <a:buChar char="•"/>
-            </a:pPr>
-            <a:r>
-              <a:rPr lang="en-SG" dirty="0">
-                <a:solidFill>
-                  <a:schemeClr val="tx1"/>
-                </a:solidFill>
-              </a:rPr>
-              <a:t>Powered by UI Tag</a:t>
-            </a:r>
-          </a:p>
-        </p:txBody>
-      </p:sp>
-      <p:sp>
-        <p:nvSpPr>
-          <p:cNvPr id="32" name="Rectangle 31">
-            <a:extLst>
-              <a:ext uri="{FF2B5EF4-FFF2-40B4-BE49-F238E27FC236}">
-                <a16:creationId xmlns:a16="http://schemas.microsoft.com/office/drawing/2014/main" id="{263A4C2F-3FCE-4954-87E5-2E588684D122}"/>
-              </a:ext>
-            </a:extLst>
-          </p:cNvPr>
-          <p:cNvSpPr/>
-          <p:nvPr/>
-        </p:nvSpPr>
-        <p:spPr>
-          <a:xfrm>
-            <a:off x="8615126" y="4410624"/>
-            <a:ext cx="2915919" cy="1857983"/>
-          </a:xfrm>
-          <a:prstGeom prst="rect">
-            <a:avLst/>
-          </a:prstGeom>
-          <a:noFill/>
-          <a:ln w="25400">
-            <a:solidFill>
-              <a:srgbClr val="FBBC05"/>
-            </a:solidFill>
-          </a:ln>
-        </p:spPr>
-        <p:style>
-          <a:lnRef idx="2">
-            <a:schemeClr val="accent1">
-              <a:shade val="50000"/>
-            </a:schemeClr>
-          </a:lnRef>
-          <a:fillRef idx="1">
-            <a:schemeClr val="accent1"/>
-          </a:fillRef>
-          <a:effectRef idx="0">
-            <a:schemeClr val="accent1"/>
-          </a:effectRef>
-          <a:fontRef idx="minor">
-            <a:schemeClr val="lt1"/>
-          </a:fontRef>
-        </p:style>
-        <p:txBody>
-          <a:bodyPr rtlCol="0" anchor="ctr"/>
-          <a:lstStyle/>
-          <a:p>
-            <a:pPr marL="285750" indent="-285750">
-              <a:buFont typeface="Arial" panose="020B0604020202020204" pitchFamily="34" charset="0"/>
-              <a:buChar char="•"/>
-            </a:pPr>
-            <a:r>
-              <a:rPr lang="en-SG" dirty="0">
-                <a:solidFill>
-                  <a:schemeClr val="tx1"/>
-                </a:solidFill>
-              </a:rPr>
-              <a:t>Powered by Bert </a:t>
-            </a:r>
-          </a:p>
         </p:txBody>
       </p:sp>
       <p:pic>
         <p:nvPicPr>
-          <p:cNvPr id="9" name="Picture 8">
-            <a:extLst>
-              <a:ext uri="{FF2B5EF4-FFF2-40B4-BE49-F238E27FC236}">
-                <a16:creationId xmlns:a16="http://schemas.microsoft.com/office/drawing/2014/main" id="{9E0F87DA-55CB-4B07-85D3-CD32A59E5178}"/>
-              </a:ext>
-            </a:extLst>
-          </p:cNvPr>
-          <p:cNvPicPr>
-            <a:picLocks noChangeAspect="1"/>
-          </p:cNvPicPr>
-          <p:nvPr/>
-        </p:nvPicPr>
-        <p:blipFill>
-          <a:blip r:embed="rId2"/>
-          <a:stretch>
-            <a:fillRect/>
-          </a:stretch>
-        </p:blipFill>
-        <p:spPr>
-          <a:xfrm>
-            <a:off x="640563" y="1548418"/>
-            <a:ext cx="2264130" cy="1333850"/>
-          </a:xfrm>
-          <a:prstGeom prst="rect">
-            <a:avLst/>
-          </a:prstGeom>
-        </p:spPr>
-      </p:pic>
-      <p:pic>
-        <p:nvPicPr>
-          <p:cNvPr id="36" name="Picture 2" descr="Google Assistant - Wikipedia">
-            <a:extLst>
-              <a:ext uri="{FF2B5EF4-FFF2-40B4-BE49-F238E27FC236}">
-                <a16:creationId xmlns:a16="http://schemas.microsoft.com/office/drawing/2014/main" id="{2BA0ECC8-1A81-48E9-807F-381E5C63762F}"/>
+          <p:cNvPr id="3" name="Picture 2" descr="5 Key Takeaways About Google's BERT Update | by Amarpreet Singh |  Brandlitic | Medium">
+            <a:extLst>
+              <a:ext uri="{FF2B5EF4-FFF2-40B4-BE49-F238E27FC236}">
+                <a16:creationId xmlns:a16="http://schemas.microsoft.com/office/drawing/2014/main" id="{7C60A221-318A-416A-8F2E-1BF59C628E73}"/>
               </a:ext>
             </a:extLst>
           </p:cNvPr>
@@ -9563,7 +9941,7 @@
           <p:nvPr/>
         </p:nvPicPr>
         <p:blipFill>
-          <a:blip r:embed="rId3">
+          <a:blip r:embed="rId12">
             <a:extLst>
               <a:ext uri="{28A0092B-C50C-407E-A947-70E740481C1C}">
                 <a14:useLocalDpi xmlns:a14="http://schemas.microsoft.com/office/drawing/2010/main" val="0"/>
@@ -9577,8 +9955,8 @@
         </p:blipFill>
         <p:spPr bwMode="auto">
           <a:xfrm>
-            <a:off x="2069721" y="777786"/>
-            <a:ext cx="1703428" cy="1705067"/>
+            <a:off x="9298950" y="5131022"/>
+            <a:ext cx="2168952" cy="959655"/>
           </a:xfrm>
           <a:prstGeom prst="rect">
             <a:avLst/>
@@ -9595,241 +9973,10 @@
           </a:extLst>
         </p:spPr>
       </p:pic>
-      <p:pic>
-        <p:nvPicPr>
-          <p:cNvPr id="1026" name="Picture 2" descr="Amazon to expand to South East Asia through Singapore - KLGadgetGuy">
-            <a:extLst>
-              <a:ext uri="{FF2B5EF4-FFF2-40B4-BE49-F238E27FC236}">
-                <a16:creationId xmlns:a16="http://schemas.microsoft.com/office/drawing/2014/main" id="{10D99925-2D82-42A7-BC92-60BD91ABD7F2}"/>
-              </a:ext>
-            </a:extLst>
-          </p:cNvPr>
-          <p:cNvPicPr>
-            <a:picLocks noChangeAspect="1" noChangeArrowheads="1"/>
-          </p:cNvPicPr>
-          <p:nvPr/>
-        </p:nvPicPr>
-        <p:blipFill rotWithShape="1">
-          <a:blip r:embed="rId4">
-            <a:extLst>
-              <a:ext uri="{28A0092B-C50C-407E-A947-70E740481C1C}">
-                <a14:useLocalDpi xmlns:a14="http://schemas.microsoft.com/office/drawing/2010/main" val="0"/>
-              </a:ext>
-            </a:extLst>
-          </a:blip>
-          <a:srcRect l="7264" t="29085" r="7174" b="34689"/>
-          <a:stretch/>
-        </p:blipFill>
-        <p:spPr bwMode="auto">
-          <a:xfrm>
-            <a:off x="6225471" y="1397231"/>
-            <a:ext cx="1730449" cy="732652"/>
-          </a:xfrm>
-          <a:prstGeom prst="rect">
-            <a:avLst/>
-          </a:prstGeom>
-          <a:noFill/>
-          <a:extLst>
-            <a:ext uri="{909E8E84-426E-40DD-AFC4-6F175D3DCCD1}">
-              <a14:hiddenFill xmlns:a14="http://schemas.microsoft.com/office/drawing/2010/main">
-                <a:solidFill>
-                  <a:srgbClr val="FFFFFF"/>
-                </a:solidFill>
-              </a14:hiddenFill>
-            </a:ext>
-          </a:extLst>
-        </p:spPr>
-      </p:pic>
-      <p:pic>
-        <p:nvPicPr>
-          <p:cNvPr id="1028" name="Picture 4" descr="Global Civica Office Locations Civica - induced.info">
-            <a:extLst>
-              <a:ext uri="{FF2B5EF4-FFF2-40B4-BE49-F238E27FC236}">
-                <a16:creationId xmlns:a16="http://schemas.microsoft.com/office/drawing/2014/main" id="{406ABC36-8590-4A24-AB54-21773F5013C8}"/>
-              </a:ext>
-            </a:extLst>
-          </p:cNvPr>
-          <p:cNvPicPr>
-            <a:picLocks noChangeAspect="1" noChangeArrowheads="1"/>
-          </p:cNvPicPr>
-          <p:nvPr/>
-        </p:nvPicPr>
-        <p:blipFill rotWithShape="1">
-          <a:blip r:embed="rId5">
-            <a:extLst>
-              <a:ext uri="{28A0092B-C50C-407E-A947-70E740481C1C}">
-                <a14:useLocalDpi xmlns:a14="http://schemas.microsoft.com/office/drawing/2010/main" val="0"/>
-              </a:ext>
-            </a:extLst>
-          </a:blip>
-          <a:srcRect l="12647" t="19936"/>
-          <a:stretch/>
-        </p:blipFill>
-        <p:spPr bwMode="auto">
-          <a:xfrm>
-            <a:off x="4463092" y="1121982"/>
-            <a:ext cx="1762379" cy="1371221"/>
-          </a:xfrm>
-          <a:prstGeom prst="rect">
-            <a:avLst/>
-          </a:prstGeom>
-          <a:noFill/>
-          <a:extLst>
-            <a:ext uri="{909E8E84-426E-40DD-AFC4-6F175D3DCCD1}">
-              <a14:hiddenFill xmlns:a14="http://schemas.microsoft.com/office/drawing/2010/main">
-                <a:solidFill>
-                  <a:srgbClr val="FFFFFF"/>
-                </a:solidFill>
-              </a14:hiddenFill>
-            </a:ext>
-          </a:extLst>
-        </p:spPr>
-      </p:pic>
-      <p:pic>
-        <p:nvPicPr>
-          <p:cNvPr id="1030" name="Picture 6" descr="Building a More Intelligent Enterprise">
-            <a:extLst>
-              <a:ext uri="{FF2B5EF4-FFF2-40B4-BE49-F238E27FC236}">
-                <a16:creationId xmlns:a16="http://schemas.microsoft.com/office/drawing/2014/main" id="{8B61D762-D553-41C8-BDFB-2008277CCCEA}"/>
-              </a:ext>
-            </a:extLst>
-          </p:cNvPr>
-          <p:cNvPicPr>
-            <a:picLocks noChangeAspect="1" noChangeArrowheads="1"/>
-          </p:cNvPicPr>
-          <p:nvPr/>
-        </p:nvPicPr>
-        <p:blipFill>
-          <a:blip r:embed="rId6">
-            <a:extLst>
-              <a:ext uri="{28A0092B-C50C-407E-A947-70E740481C1C}">
-                <a14:useLocalDpi xmlns:a14="http://schemas.microsoft.com/office/drawing/2010/main" val="0"/>
-              </a:ext>
-            </a:extLst>
-          </a:blip>
-          <a:srcRect/>
-          <a:stretch>
-            <a:fillRect/>
-          </a:stretch>
-        </p:blipFill>
-        <p:spPr bwMode="auto">
-          <a:xfrm>
-            <a:off x="9076850" y="767323"/>
-            <a:ext cx="1992469" cy="1992469"/>
-          </a:xfrm>
-          <a:prstGeom prst="rect">
-            <a:avLst/>
-          </a:prstGeom>
-          <a:noFill/>
-          <a:extLst>
-            <a:ext uri="{909E8E84-426E-40DD-AFC4-6F175D3DCCD1}">
-              <a14:hiddenFill xmlns:a14="http://schemas.microsoft.com/office/drawing/2010/main">
-                <a:solidFill>
-                  <a:srgbClr val="FFFFFF"/>
-                </a:solidFill>
-              </a14:hiddenFill>
-            </a:ext>
-          </a:extLst>
-        </p:spPr>
-      </p:pic>
-      <p:pic>
-        <p:nvPicPr>
-          <p:cNvPr id="2" name="Picture 2">
-            <a:extLst>
-              <a:ext uri="{FF2B5EF4-FFF2-40B4-BE49-F238E27FC236}">
-                <a16:creationId xmlns:a16="http://schemas.microsoft.com/office/drawing/2014/main" id="{E9ACEE18-34A1-433F-BCE3-148909EDB217}"/>
-              </a:ext>
-            </a:extLst>
-          </p:cNvPr>
-          <p:cNvPicPr>
-            <a:picLocks noChangeAspect="1" noChangeArrowheads="1"/>
-          </p:cNvPicPr>
-          <p:nvPr/>
-        </p:nvPicPr>
-        <p:blipFill>
-          <a:blip r:embed="rId7">
-            <a:extLst>
-              <a:ext uri="{28A0092B-C50C-407E-A947-70E740481C1C}">
-                <a14:useLocalDpi xmlns:a14="http://schemas.microsoft.com/office/drawing/2010/main" val="0"/>
-              </a:ext>
-            </a:extLst>
-          </a:blip>
-          <a:srcRect/>
-          <a:stretch>
-            <a:fillRect/>
-          </a:stretch>
-        </p:blipFill>
-        <p:spPr bwMode="auto">
-          <a:xfrm>
-            <a:off x="1950268" y="2557479"/>
-            <a:ext cx="1998895" cy="529395"/>
-          </a:xfrm>
-          <a:prstGeom prst="rect">
-            <a:avLst/>
-          </a:prstGeom>
-          <a:solidFill>
-            <a:schemeClr val="bg1"/>
-          </a:solidFill>
-        </p:spPr>
-      </p:pic>
-      <p:pic>
-        <p:nvPicPr>
-          <p:cNvPr id="17" name="Picture 6" descr="Release 6.14.0">
-            <a:extLst>
-              <a:ext uri="{FF2B5EF4-FFF2-40B4-BE49-F238E27FC236}">
-                <a16:creationId xmlns:a16="http://schemas.microsoft.com/office/drawing/2014/main" id="{B9708D2D-7439-4C37-9549-9E86CF20F61F}"/>
-              </a:ext>
-            </a:extLst>
-          </p:cNvPr>
-          <p:cNvPicPr>
-            <a:picLocks noChangeAspect="1" noChangeArrowheads="1"/>
-          </p:cNvPicPr>
-          <p:nvPr/>
-        </p:nvPicPr>
-        <p:blipFill>
-          <a:blip r:embed="rId8">
-            <a:extLst>
-              <a:ext uri="{28A0092B-C50C-407E-A947-70E740481C1C}">
-                <a14:useLocalDpi xmlns:a14="http://schemas.microsoft.com/office/drawing/2010/main" val="0"/>
-              </a:ext>
-            </a:extLst>
-          </a:blip>
-          <a:srcRect/>
-          <a:stretch>
-            <a:fillRect/>
-          </a:stretch>
-        </p:blipFill>
-        <p:spPr bwMode="auto">
-          <a:xfrm>
-            <a:off x="5349447" y="2369735"/>
-            <a:ext cx="1628678" cy="597036"/>
-          </a:xfrm>
-          <a:prstGeom prst="rect">
-            <a:avLst/>
-          </a:prstGeom>
-          <a:noFill/>
-          <a:effectLst>
-            <a:outerShdw blurRad="50800" dist="38100" dir="2700000" algn="tl" rotWithShape="0">
-              <a:prstClr val="black">
-                <a:alpha val="40000"/>
-              </a:prstClr>
-            </a:outerShdw>
-          </a:effectLst>
-          <a:extLst>
-            <a:ext uri="{909E8E84-426E-40DD-AFC4-6F175D3DCCD1}">
-              <a14:hiddenFill xmlns:a14="http://schemas.microsoft.com/office/drawing/2010/main">
-                <a:solidFill>
-                  <a:srgbClr val="FFFFFF"/>
-                </a:solidFill>
-              </a14:hiddenFill>
-            </a:ext>
-          </a:extLst>
-        </p:spPr>
-      </p:pic>
     </p:spTree>
     <p:extLst>
       <p:ext uri="{BB962C8B-B14F-4D97-AF65-F5344CB8AC3E}">
-        <p14:creationId xmlns:p14="http://schemas.microsoft.com/office/powerpoint/2010/main" val="2019296104"/>
+        <p14:creationId xmlns:p14="http://schemas.microsoft.com/office/powerpoint/2010/main" val="2957680443"/>
       </p:ext>
     </p:extLst>
   </p:cSld>

--- a/Video/ISS IPA PROJECT PRESENTATION - SYSTEM ARCHITECTURE.pptx
+++ b/Video/ISS IPA PROJECT PRESENTATION - SYSTEM ARCHITECTURE.pptx
@@ -3112,7 +3112,7 @@
           <a:p>
             <a:fld id="{A5DFF91C-4E09-4FFC-8A24-B7B9DFB15E04}" type="datetimeFigureOut">
               <a:rPr lang="en-SG" smtClean="0"/>
-              <a:t>29/4/2021</a:t>
+              <a:t>30/4/2021</a:t>
             </a:fld>
             <a:endParaRPr lang="en-SG"/>
           </a:p>
@@ -3312,7 +3312,7 @@
           <a:p>
             <a:fld id="{A5DFF91C-4E09-4FFC-8A24-B7B9DFB15E04}" type="datetimeFigureOut">
               <a:rPr lang="en-SG" smtClean="0"/>
-              <a:t>29/4/2021</a:t>
+              <a:t>30/4/2021</a:t>
             </a:fld>
             <a:endParaRPr lang="en-SG"/>
           </a:p>
@@ -3522,7 +3522,7 @@
           <a:p>
             <a:fld id="{A5DFF91C-4E09-4FFC-8A24-B7B9DFB15E04}" type="datetimeFigureOut">
               <a:rPr lang="en-SG" smtClean="0"/>
-              <a:t>29/4/2021</a:t>
+              <a:t>30/4/2021</a:t>
             </a:fld>
             <a:endParaRPr lang="en-SG"/>
           </a:p>
@@ -3722,7 +3722,7 @@
           <a:p>
             <a:fld id="{A5DFF91C-4E09-4FFC-8A24-B7B9DFB15E04}" type="datetimeFigureOut">
               <a:rPr lang="en-SG" smtClean="0"/>
-              <a:t>29/4/2021</a:t>
+              <a:t>30/4/2021</a:t>
             </a:fld>
             <a:endParaRPr lang="en-SG"/>
           </a:p>
@@ -3998,7 +3998,7 @@
           <a:p>
             <a:fld id="{A5DFF91C-4E09-4FFC-8A24-B7B9DFB15E04}" type="datetimeFigureOut">
               <a:rPr lang="en-SG" smtClean="0"/>
-              <a:t>29/4/2021</a:t>
+              <a:t>30/4/2021</a:t>
             </a:fld>
             <a:endParaRPr lang="en-SG"/>
           </a:p>
@@ -4266,7 +4266,7 @@
           <a:p>
             <a:fld id="{A5DFF91C-4E09-4FFC-8A24-B7B9DFB15E04}" type="datetimeFigureOut">
               <a:rPr lang="en-SG" smtClean="0"/>
-              <a:t>29/4/2021</a:t>
+              <a:t>30/4/2021</a:t>
             </a:fld>
             <a:endParaRPr lang="en-SG"/>
           </a:p>
@@ -4681,7 +4681,7 @@
           <a:p>
             <a:fld id="{A5DFF91C-4E09-4FFC-8A24-B7B9DFB15E04}" type="datetimeFigureOut">
               <a:rPr lang="en-SG" smtClean="0"/>
-              <a:t>29/4/2021</a:t>
+              <a:t>30/4/2021</a:t>
             </a:fld>
             <a:endParaRPr lang="en-SG"/>
           </a:p>
@@ -4823,7 +4823,7 @@
           <a:p>
             <a:fld id="{A5DFF91C-4E09-4FFC-8A24-B7B9DFB15E04}" type="datetimeFigureOut">
               <a:rPr lang="en-SG" smtClean="0"/>
-              <a:t>29/4/2021</a:t>
+              <a:t>30/4/2021</a:t>
             </a:fld>
             <a:endParaRPr lang="en-SG"/>
           </a:p>
@@ -4936,7 +4936,7 @@
           <a:p>
             <a:fld id="{A5DFF91C-4E09-4FFC-8A24-B7B9DFB15E04}" type="datetimeFigureOut">
               <a:rPr lang="en-SG" smtClean="0"/>
-              <a:t>29/4/2021</a:t>
+              <a:t>30/4/2021</a:t>
             </a:fld>
             <a:endParaRPr lang="en-SG"/>
           </a:p>
@@ -5249,7 +5249,7 @@
           <a:p>
             <a:fld id="{A5DFF91C-4E09-4FFC-8A24-B7B9DFB15E04}" type="datetimeFigureOut">
               <a:rPr lang="en-SG" smtClean="0"/>
-              <a:t>29/4/2021</a:t>
+              <a:t>30/4/2021</a:t>
             </a:fld>
             <a:endParaRPr lang="en-SG"/>
           </a:p>
@@ -5538,7 +5538,7 @@
           <a:p>
             <a:fld id="{A5DFF91C-4E09-4FFC-8A24-B7B9DFB15E04}" type="datetimeFigureOut">
               <a:rPr lang="en-SG" smtClean="0"/>
-              <a:t>29/4/2021</a:t>
+              <a:t>30/4/2021</a:t>
             </a:fld>
             <a:endParaRPr lang="en-SG"/>
           </a:p>
@@ -5781,7 +5781,7 @@
           <a:p>
             <a:fld id="{A5DFF91C-4E09-4FFC-8A24-B7B9DFB15E04}" type="datetimeFigureOut">
               <a:rPr lang="en-SG" smtClean="0"/>
-              <a:t>29/4/2021</a:t>
+              <a:t>30/4/2021</a:t>
             </a:fld>
             <a:endParaRPr lang="en-SG"/>
           </a:p>
@@ -12173,7 +12173,7 @@
         <p:spPr>
           <a:xfrm>
             <a:off x="597160" y="251927"/>
-            <a:ext cx="4747903" cy="369332"/>
+            <a:ext cx="8923725" cy="369332"/>
           </a:xfrm>
           <a:prstGeom prst="rect">
             <a:avLst/>
@@ -12187,9 +12187,1368 @@
           <a:lstStyle/>
           <a:p>
             <a:r>
-              <a:rPr lang="en-SG" b="1" u="sng" dirty="0"/>
-              <a:t>Intelligent Title Matcher &amp; Abstract Summarizer</a:t>
-            </a:r>
+              <a:rPr lang="en-SG" b="1" dirty="0"/>
+              <a:t>                      Intelligent Title Matcher                                                               Abstract Summarizer</a:t>
+            </a:r>
+          </a:p>
+        </p:txBody>
+      </p:sp>
+      <p:cxnSp>
+        <p:nvCxnSpPr>
+          <p:cNvPr id="3" name="Straight Connector 2">
+            <a:extLst>
+              <a:ext uri="{FF2B5EF4-FFF2-40B4-BE49-F238E27FC236}">
+                <a16:creationId xmlns:a16="http://schemas.microsoft.com/office/drawing/2014/main" id="{38716481-CD86-4FB4-9149-6976D268F6B2}"/>
+              </a:ext>
+            </a:extLst>
+          </p:cNvPr>
+          <p:cNvCxnSpPr>
+            <a:cxnSpLocks/>
+          </p:cNvCxnSpPr>
+          <p:nvPr/>
+        </p:nvCxnSpPr>
+        <p:spPr>
+          <a:xfrm>
+            <a:off x="5716172" y="251927"/>
+            <a:ext cx="0" cy="6257019"/>
+          </a:xfrm>
+          <a:prstGeom prst="line">
+            <a:avLst/>
+          </a:prstGeom>
+          <a:ln>
+            <a:solidFill>
+              <a:schemeClr val="bg1">
+                <a:lumMod val="50000"/>
+              </a:schemeClr>
+            </a:solidFill>
+            <a:prstDash val="lgDashDot"/>
+          </a:ln>
+        </p:spPr>
+        <p:style>
+          <a:lnRef idx="1">
+            <a:schemeClr val="accent1"/>
+          </a:lnRef>
+          <a:fillRef idx="0">
+            <a:schemeClr val="accent1"/>
+          </a:fillRef>
+          <a:effectRef idx="0">
+            <a:schemeClr val="accent1"/>
+          </a:effectRef>
+          <a:fontRef idx="minor">
+            <a:schemeClr val="tx1"/>
+          </a:fontRef>
+        </p:style>
+      </p:cxnSp>
+      <p:sp>
+        <p:nvSpPr>
+          <p:cNvPr id="7" name="TextBox 6">
+            <a:extLst>
+              <a:ext uri="{FF2B5EF4-FFF2-40B4-BE49-F238E27FC236}">
+                <a16:creationId xmlns:a16="http://schemas.microsoft.com/office/drawing/2014/main" id="{79F0DD64-9B7E-40E8-B5B5-79BE3E759BC0}"/>
+              </a:ext>
+            </a:extLst>
+          </p:cNvPr>
+          <p:cNvSpPr txBox="1"/>
+          <p:nvPr/>
+        </p:nvSpPr>
+        <p:spPr>
+          <a:xfrm>
+            <a:off x="2226031" y="975042"/>
+            <a:ext cx="1861270" cy="600164"/>
+          </a:xfrm>
+          <a:prstGeom prst="rect">
+            <a:avLst/>
+          </a:prstGeom>
+          <a:solidFill>
+            <a:schemeClr val="accent4">
+              <a:lumMod val="20000"/>
+              <a:lumOff val="80000"/>
+            </a:schemeClr>
+          </a:solidFill>
+          <a:ln>
+            <a:solidFill>
+              <a:schemeClr val="tx1"/>
+            </a:solidFill>
+          </a:ln>
+          <a:effectLst>
+            <a:outerShdw blurRad="50800" dist="38100" dir="2700000" algn="tl" rotWithShape="0">
+              <a:prstClr val="black">
+                <a:alpha val="40000"/>
+              </a:prstClr>
+            </a:outerShdw>
+          </a:effectLst>
+        </p:spPr>
+        <p:txBody>
+          <a:bodyPr wrap="square" rtlCol="0">
+            <a:spAutoFit/>
+          </a:bodyPr>
+          <a:lstStyle/>
+          <a:p>
+            <a:pPr algn="ctr"/>
+            <a:r>
+              <a:rPr lang="en-US" sz="1100" dirty="0"/>
+              <a:t>Preload the </a:t>
+            </a:r>
+          </a:p>
+          <a:p>
+            <a:pPr algn="ctr"/>
+            <a:r>
+              <a:rPr lang="en-US" sz="1100" dirty="0"/>
+              <a:t>WORD2VEC model </a:t>
+            </a:r>
+          </a:p>
+          <a:p>
+            <a:pPr algn="ctr"/>
+            <a:r>
+              <a:rPr lang="en-US" sz="1100" dirty="0"/>
+              <a:t>on application startup</a:t>
+            </a:r>
+            <a:endParaRPr lang="en-GB" sz="1100" dirty="0"/>
+          </a:p>
+        </p:txBody>
+      </p:sp>
+      <p:sp>
+        <p:nvSpPr>
+          <p:cNvPr id="9" name="Arrow: Right 8">
+            <a:extLst>
+              <a:ext uri="{FF2B5EF4-FFF2-40B4-BE49-F238E27FC236}">
+                <a16:creationId xmlns:a16="http://schemas.microsoft.com/office/drawing/2014/main" id="{8EE07CD9-2DE6-4EF7-8EDC-02BB391F0E78}"/>
+              </a:ext>
+            </a:extLst>
+          </p:cNvPr>
+          <p:cNvSpPr/>
+          <p:nvPr/>
+        </p:nvSpPr>
+        <p:spPr>
+          <a:xfrm rot="5400000" flipV="1">
+            <a:off x="2898647" y="1619077"/>
+            <a:ext cx="536373" cy="536373"/>
+          </a:xfrm>
+          <a:prstGeom prst="rightArrow">
+            <a:avLst/>
+          </a:prstGeom>
+          <a:noFill/>
+          <a:ln>
+            <a:prstDash val="dash"/>
+          </a:ln>
+          <a:effectLst>
+            <a:outerShdw blurRad="50800" dist="38100" dir="2700000" algn="tl" rotWithShape="0">
+              <a:prstClr val="black">
+                <a:alpha val="40000"/>
+              </a:prstClr>
+            </a:outerShdw>
+          </a:effectLst>
+        </p:spPr>
+        <p:style>
+          <a:lnRef idx="2">
+            <a:schemeClr val="accent1">
+              <a:shade val="50000"/>
+            </a:schemeClr>
+          </a:lnRef>
+          <a:fillRef idx="1">
+            <a:schemeClr val="accent1"/>
+          </a:fillRef>
+          <a:effectRef idx="0">
+            <a:schemeClr val="accent1"/>
+          </a:effectRef>
+          <a:fontRef idx="minor">
+            <a:schemeClr val="lt1"/>
+          </a:fontRef>
+        </p:style>
+        <p:txBody>
+          <a:bodyPr rtlCol="0" anchor="ctr"/>
+          <a:lstStyle/>
+          <a:p>
+            <a:pPr algn="ctr"/>
+            <a:endParaRPr lang="en-GB" sz="1200" dirty="0"/>
+          </a:p>
+        </p:txBody>
+      </p:sp>
+      <p:sp>
+        <p:nvSpPr>
+          <p:cNvPr id="10" name="TextBox 9">
+            <a:extLst>
+              <a:ext uri="{FF2B5EF4-FFF2-40B4-BE49-F238E27FC236}">
+                <a16:creationId xmlns:a16="http://schemas.microsoft.com/office/drawing/2014/main" id="{13542E75-AB1E-4B99-8AFA-59137ED20270}"/>
+              </a:ext>
+            </a:extLst>
+          </p:cNvPr>
+          <p:cNvSpPr txBox="1"/>
+          <p:nvPr/>
+        </p:nvSpPr>
+        <p:spPr>
+          <a:xfrm>
+            <a:off x="2414599" y="2157040"/>
+            <a:ext cx="1501951" cy="600164"/>
+          </a:xfrm>
+          <a:prstGeom prst="rect">
+            <a:avLst/>
+          </a:prstGeom>
+          <a:solidFill>
+            <a:schemeClr val="accent5">
+              <a:lumMod val="20000"/>
+              <a:lumOff val="80000"/>
+            </a:schemeClr>
+          </a:solidFill>
+          <a:ln>
+            <a:solidFill>
+              <a:schemeClr val="tx1"/>
+            </a:solidFill>
+          </a:ln>
+          <a:effectLst>
+            <a:outerShdw blurRad="50800" dist="38100" dir="2700000" algn="tl" rotWithShape="0">
+              <a:prstClr val="black">
+                <a:alpha val="40000"/>
+              </a:prstClr>
+            </a:outerShdw>
+          </a:effectLst>
+        </p:spPr>
+        <p:txBody>
+          <a:bodyPr wrap="square" rtlCol="0">
+            <a:spAutoFit/>
+          </a:bodyPr>
+          <a:lstStyle/>
+          <a:p>
+            <a:pPr algn="ctr"/>
+            <a:r>
+              <a:rPr lang="en-US" sz="1100" dirty="0"/>
+              <a:t>Remove STOPWORDS and TOKENIZE remaining words</a:t>
+            </a:r>
+            <a:endParaRPr lang="en-GB" sz="1100" dirty="0"/>
+          </a:p>
+        </p:txBody>
+      </p:sp>
+      <p:sp>
+        <p:nvSpPr>
+          <p:cNvPr id="11" name="Arrow: Right 10">
+            <a:extLst>
+              <a:ext uri="{FF2B5EF4-FFF2-40B4-BE49-F238E27FC236}">
+                <a16:creationId xmlns:a16="http://schemas.microsoft.com/office/drawing/2014/main" id="{95330CC8-7B0C-4E58-87B2-69C10E0FD942}"/>
+              </a:ext>
+            </a:extLst>
+          </p:cNvPr>
+          <p:cNvSpPr/>
+          <p:nvPr/>
+        </p:nvSpPr>
+        <p:spPr>
+          <a:xfrm>
+            <a:off x="439520" y="2113353"/>
+            <a:ext cx="1861269" cy="673341"/>
+          </a:xfrm>
+          <a:prstGeom prst="rightArrow">
+            <a:avLst/>
+          </a:prstGeom>
+          <a:solidFill>
+            <a:srgbClr val="002060"/>
+          </a:solidFill>
+          <a:effectLst>
+            <a:outerShdw blurRad="50800" dist="38100" dir="2700000" algn="tl" rotWithShape="0">
+              <a:prstClr val="black">
+                <a:alpha val="40000"/>
+              </a:prstClr>
+            </a:outerShdw>
+          </a:effectLst>
+        </p:spPr>
+        <p:style>
+          <a:lnRef idx="2">
+            <a:schemeClr val="accent1">
+              <a:shade val="50000"/>
+            </a:schemeClr>
+          </a:lnRef>
+          <a:fillRef idx="1">
+            <a:schemeClr val="accent1"/>
+          </a:fillRef>
+          <a:effectRef idx="0">
+            <a:schemeClr val="accent1"/>
+          </a:effectRef>
+          <a:fontRef idx="minor">
+            <a:schemeClr val="lt1"/>
+          </a:fontRef>
+        </p:style>
+        <p:txBody>
+          <a:bodyPr rtlCol="0" anchor="ctr"/>
+          <a:lstStyle/>
+          <a:p>
+            <a:pPr algn="ctr"/>
+            <a:r>
+              <a:rPr lang="en-US" sz="1200" dirty="0"/>
+              <a:t>Receive  Original Title</a:t>
+            </a:r>
+            <a:endParaRPr lang="en-GB" sz="1200" dirty="0"/>
+          </a:p>
+        </p:txBody>
+      </p:sp>
+      <p:sp>
+        <p:nvSpPr>
+          <p:cNvPr id="12" name="TextBox 11">
+            <a:extLst>
+              <a:ext uri="{FF2B5EF4-FFF2-40B4-BE49-F238E27FC236}">
+                <a16:creationId xmlns:a16="http://schemas.microsoft.com/office/drawing/2014/main" id="{D5D02C33-A366-490F-A540-8C07D1D6AF58}"/>
+              </a:ext>
+            </a:extLst>
+          </p:cNvPr>
+          <p:cNvSpPr txBox="1"/>
+          <p:nvPr/>
+        </p:nvSpPr>
+        <p:spPr>
+          <a:xfrm>
+            <a:off x="2414599" y="3125253"/>
+            <a:ext cx="1501951" cy="600164"/>
+          </a:xfrm>
+          <a:prstGeom prst="rect">
+            <a:avLst/>
+          </a:prstGeom>
+          <a:solidFill>
+            <a:schemeClr val="accent5">
+              <a:lumMod val="20000"/>
+              <a:lumOff val="80000"/>
+            </a:schemeClr>
+          </a:solidFill>
+          <a:ln>
+            <a:solidFill>
+              <a:schemeClr val="tx1"/>
+            </a:solidFill>
+          </a:ln>
+          <a:effectLst>
+            <a:outerShdw blurRad="50800" dist="38100" dir="2700000" algn="tl" rotWithShape="0">
+              <a:prstClr val="black">
+                <a:alpha val="40000"/>
+              </a:prstClr>
+            </a:outerShdw>
+          </a:effectLst>
+        </p:spPr>
+        <p:txBody>
+          <a:bodyPr wrap="square" rtlCol="0">
+            <a:spAutoFit/>
+          </a:bodyPr>
+          <a:lstStyle/>
+          <a:p>
+            <a:pPr algn="ctr"/>
+            <a:r>
+              <a:rPr lang="en-US" sz="1100" dirty="0"/>
+              <a:t>Generate WORD VECTORS for each token</a:t>
+            </a:r>
+            <a:endParaRPr lang="en-GB" sz="1100" dirty="0"/>
+          </a:p>
+        </p:txBody>
+      </p:sp>
+      <p:sp>
+        <p:nvSpPr>
+          <p:cNvPr id="13" name="TextBox 12">
+            <a:extLst>
+              <a:ext uri="{FF2B5EF4-FFF2-40B4-BE49-F238E27FC236}">
+                <a16:creationId xmlns:a16="http://schemas.microsoft.com/office/drawing/2014/main" id="{D6944417-E8AC-4288-9955-C28A29BF8D7B}"/>
+              </a:ext>
+            </a:extLst>
+          </p:cNvPr>
+          <p:cNvSpPr txBox="1"/>
+          <p:nvPr/>
+        </p:nvSpPr>
+        <p:spPr>
+          <a:xfrm>
+            <a:off x="2414599" y="4093466"/>
+            <a:ext cx="1501951" cy="600164"/>
+          </a:xfrm>
+          <a:prstGeom prst="rect">
+            <a:avLst/>
+          </a:prstGeom>
+          <a:solidFill>
+            <a:schemeClr val="accent5">
+              <a:lumMod val="20000"/>
+              <a:lumOff val="80000"/>
+            </a:schemeClr>
+          </a:solidFill>
+          <a:ln>
+            <a:solidFill>
+              <a:schemeClr val="tx1"/>
+            </a:solidFill>
+          </a:ln>
+          <a:effectLst>
+            <a:outerShdw blurRad="50800" dist="38100" dir="2700000" algn="tl" rotWithShape="0">
+              <a:prstClr val="black">
+                <a:alpha val="40000"/>
+              </a:prstClr>
+            </a:outerShdw>
+          </a:effectLst>
+        </p:spPr>
+        <p:txBody>
+          <a:bodyPr wrap="square" rtlCol="0">
+            <a:spAutoFit/>
+          </a:bodyPr>
+          <a:lstStyle/>
+          <a:p>
+            <a:pPr algn="ctr"/>
+            <a:r>
+              <a:rPr lang="en-US" sz="1100" dirty="0"/>
+              <a:t>Aggregate Word Vectors to TITLE VECTORS</a:t>
+            </a:r>
+            <a:endParaRPr lang="en-GB" sz="1100" dirty="0"/>
+          </a:p>
+        </p:txBody>
+      </p:sp>
+      <p:sp>
+        <p:nvSpPr>
+          <p:cNvPr id="14" name="TextBox 13">
+            <a:extLst>
+              <a:ext uri="{FF2B5EF4-FFF2-40B4-BE49-F238E27FC236}">
+                <a16:creationId xmlns:a16="http://schemas.microsoft.com/office/drawing/2014/main" id="{FD35EF72-A795-4ED3-BE0B-B191A8A880C5}"/>
+              </a:ext>
+            </a:extLst>
+          </p:cNvPr>
+          <p:cNvSpPr txBox="1"/>
+          <p:nvPr/>
+        </p:nvSpPr>
+        <p:spPr>
+          <a:xfrm>
+            <a:off x="2414599" y="5061679"/>
+            <a:ext cx="1501951" cy="600164"/>
+          </a:xfrm>
+          <a:prstGeom prst="rect">
+            <a:avLst/>
+          </a:prstGeom>
+          <a:solidFill>
+            <a:schemeClr val="accent5">
+              <a:lumMod val="20000"/>
+              <a:lumOff val="80000"/>
+            </a:schemeClr>
+          </a:solidFill>
+          <a:ln>
+            <a:solidFill>
+              <a:schemeClr val="tx1"/>
+            </a:solidFill>
+          </a:ln>
+          <a:effectLst>
+            <a:outerShdw blurRad="50800" dist="38100" dir="2700000" algn="tl" rotWithShape="0">
+              <a:prstClr val="black">
+                <a:alpha val="40000"/>
+              </a:prstClr>
+            </a:outerShdw>
+          </a:effectLst>
+        </p:spPr>
+        <p:txBody>
+          <a:bodyPr wrap="square" rtlCol="0">
+            <a:spAutoFit/>
+          </a:bodyPr>
+          <a:lstStyle/>
+          <a:p>
+            <a:pPr algn="ctr"/>
+            <a:r>
+              <a:rPr lang="en-US" sz="1100" dirty="0"/>
+              <a:t>Find shortest </a:t>
+            </a:r>
+          </a:p>
+          <a:p>
+            <a:pPr algn="ctr"/>
+            <a:r>
+              <a:rPr lang="en-US" sz="1100" dirty="0"/>
+              <a:t>COSINE DISTANCE between Titles</a:t>
+            </a:r>
+            <a:endParaRPr lang="en-GB" sz="1100" dirty="0"/>
+          </a:p>
+        </p:txBody>
+      </p:sp>
+      <p:sp>
+        <p:nvSpPr>
+          <p:cNvPr id="15" name="Arrow: Right 14">
+            <a:extLst>
+              <a:ext uri="{FF2B5EF4-FFF2-40B4-BE49-F238E27FC236}">
+                <a16:creationId xmlns:a16="http://schemas.microsoft.com/office/drawing/2014/main" id="{F100703B-57BD-461E-9E4C-03A11602A12F}"/>
+              </a:ext>
+            </a:extLst>
+          </p:cNvPr>
+          <p:cNvSpPr/>
+          <p:nvPr/>
+        </p:nvSpPr>
+        <p:spPr>
+          <a:xfrm flipH="1">
+            <a:off x="422372" y="5028918"/>
+            <a:ext cx="1861268" cy="673341"/>
+          </a:xfrm>
+          <a:prstGeom prst="rightArrow">
+            <a:avLst/>
+          </a:prstGeom>
+          <a:solidFill>
+            <a:srgbClr val="002060"/>
+          </a:solidFill>
+          <a:effectLst>
+            <a:outerShdw blurRad="50800" dist="38100" dir="2700000" algn="tl" rotWithShape="0">
+              <a:prstClr val="black">
+                <a:alpha val="40000"/>
+              </a:prstClr>
+            </a:outerShdw>
+          </a:effectLst>
+        </p:spPr>
+        <p:style>
+          <a:lnRef idx="2">
+            <a:schemeClr val="accent1">
+              <a:shade val="50000"/>
+            </a:schemeClr>
+          </a:lnRef>
+          <a:fillRef idx="1">
+            <a:schemeClr val="accent1"/>
+          </a:fillRef>
+          <a:effectRef idx="0">
+            <a:schemeClr val="accent1"/>
+          </a:effectRef>
+          <a:fontRef idx="minor">
+            <a:schemeClr val="lt1"/>
+          </a:fontRef>
+        </p:style>
+        <p:txBody>
+          <a:bodyPr rtlCol="0" anchor="ctr"/>
+          <a:lstStyle/>
+          <a:p>
+            <a:pPr algn="ctr"/>
+            <a:r>
+              <a:rPr lang="en-US" sz="1200" dirty="0"/>
+              <a:t>Return Matching  Title</a:t>
+            </a:r>
+            <a:endParaRPr lang="en-GB" sz="1200" dirty="0"/>
+          </a:p>
+        </p:txBody>
+      </p:sp>
+      <p:sp>
+        <p:nvSpPr>
+          <p:cNvPr id="16" name="Arrow: Right 15">
+            <a:extLst>
+              <a:ext uri="{FF2B5EF4-FFF2-40B4-BE49-F238E27FC236}">
+                <a16:creationId xmlns:a16="http://schemas.microsoft.com/office/drawing/2014/main" id="{96FD69BB-E1DF-4019-90CB-29D4FD7A2D69}"/>
+              </a:ext>
+            </a:extLst>
+          </p:cNvPr>
+          <p:cNvSpPr/>
+          <p:nvPr/>
+        </p:nvSpPr>
+        <p:spPr>
+          <a:xfrm rot="5400000" flipV="1">
+            <a:off x="2997554" y="2687787"/>
+            <a:ext cx="338559" cy="536373"/>
+          </a:xfrm>
+          <a:prstGeom prst="rightArrow">
+            <a:avLst/>
+          </a:prstGeom>
+          <a:noFill/>
+          <a:ln>
+            <a:prstDash val="dash"/>
+          </a:ln>
+          <a:effectLst>
+            <a:outerShdw blurRad="50800" dist="38100" dir="2700000" algn="tl" rotWithShape="0">
+              <a:prstClr val="black">
+                <a:alpha val="40000"/>
+              </a:prstClr>
+            </a:outerShdw>
+          </a:effectLst>
+        </p:spPr>
+        <p:style>
+          <a:lnRef idx="2">
+            <a:schemeClr val="accent1">
+              <a:shade val="50000"/>
+            </a:schemeClr>
+          </a:lnRef>
+          <a:fillRef idx="1">
+            <a:schemeClr val="accent1"/>
+          </a:fillRef>
+          <a:effectRef idx="0">
+            <a:schemeClr val="accent1"/>
+          </a:effectRef>
+          <a:fontRef idx="minor">
+            <a:schemeClr val="lt1"/>
+          </a:fontRef>
+        </p:style>
+        <p:txBody>
+          <a:bodyPr rtlCol="0" anchor="ctr"/>
+          <a:lstStyle/>
+          <a:p>
+            <a:pPr algn="ctr"/>
+            <a:endParaRPr lang="en-GB" sz="1200" dirty="0"/>
+          </a:p>
+        </p:txBody>
+      </p:sp>
+      <p:sp>
+        <p:nvSpPr>
+          <p:cNvPr id="17" name="Arrow: Right 16">
+            <a:extLst>
+              <a:ext uri="{FF2B5EF4-FFF2-40B4-BE49-F238E27FC236}">
+                <a16:creationId xmlns:a16="http://schemas.microsoft.com/office/drawing/2014/main" id="{311550AC-8E7F-4E4C-99C0-4F252E152C89}"/>
+              </a:ext>
+            </a:extLst>
+          </p:cNvPr>
+          <p:cNvSpPr/>
+          <p:nvPr/>
+        </p:nvSpPr>
+        <p:spPr>
+          <a:xfrm rot="5400000" flipV="1">
+            <a:off x="2997554" y="3645974"/>
+            <a:ext cx="338559" cy="536373"/>
+          </a:xfrm>
+          <a:prstGeom prst="rightArrow">
+            <a:avLst/>
+          </a:prstGeom>
+          <a:noFill/>
+          <a:ln>
+            <a:prstDash val="dash"/>
+          </a:ln>
+          <a:effectLst>
+            <a:outerShdw blurRad="50800" dist="38100" dir="2700000" algn="tl" rotWithShape="0">
+              <a:prstClr val="black">
+                <a:alpha val="40000"/>
+              </a:prstClr>
+            </a:outerShdw>
+          </a:effectLst>
+        </p:spPr>
+        <p:style>
+          <a:lnRef idx="2">
+            <a:schemeClr val="accent1">
+              <a:shade val="50000"/>
+            </a:schemeClr>
+          </a:lnRef>
+          <a:fillRef idx="1">
+            <a:schemeClr val="accent1"/>
+          </a:fillRef>
+          <a:effectRef idx="0">
+            <a:schemeClr val="accent1"/>
+          </a:effectRef>
+          <a:fontRef idx="minor">
+            <a:schemeClr val="lt1"/>
+          </a:fontRef>
+        </p:style>
+        <p:txBody>
+          <a:bodyPr rtlCol="0" anchor="ctr"/>
+          <a:lstStyle/>
+          <a:p>
+            <a:pPr algn="ctr"/>
+            <a:endParaRPr lang="en-GB" sz="1200" dirty="0"/>
+          </a:p>
+        </p:txBody>
+      </p:sp>
+      <p:sp>
+        <p:nvSpPr>
+          <p:cNvPr id="18" name="Arrow: Right 17">
+            <a:extLst>
+              <a:ext uri="{FF2B5EF4-FFF2-40B4-BE49-F238E27FC236}">
+                <a16:creationId xmlns:a16="http://schemas.microsoft.com/office/drawing/2014/main" id="{E583724D-586A-40BA-9950-BA5C92926D78}"/>
+              </a:ext>
+            </a:extLst>
+          </p:cNvPr>
+          <p:cNvSpPr/>
+          <p:nvPr/>
+        </p:nvSpPr>
+        <p:spPr>
+          <a:xfrm rot="5400000" flipV="1">
+            <a:off x="2997554" y="4624369"/>
+            <a:ext cx="338559" cy="536373"/>
+          </a:xfrm>
+          <a:prstGeom prst="rightArrow">
+            <a:avLst/>
+          </a:prstGeom>
+          <a:noFill/>
+          <a:ln>
+            <a:prstDash val="dash"/>
+          </a:ln>
+          <a:effectLst>
+            <a:outerShdw blurRad="50800" dist="38100" dir="2700000" algn="tl" rotWithShape="0">
+              <a:prstClr val="black">
+                <a:alpha val="40000"/>
+              </a:prstClr>
+            </a:outerShdw>
+          </a:effectLst>
+        </p:spPr>
+        <p:style>
+          <a:lnRef idx="2">
+            <a:schemeClr val="accent1">
+              <a:shade val="50000"/>
+            </a:schemeClr>
+          </a:lnRef>
+          <a:fillRef idx="1">
+            <a:schemeClr val="accent1"/>
+          </a:fillRef>
+          <a:effectRef idx="0">
+            <a:schemeClr val="accent1"/>
+          </a:effectRef>
+          <a:fontRef idx="minor">
+            <a:schemeClr val="lt1"/>
+          </a:fontRef>
+        </p:style>
+        <p:txBody>
+          <a:bodyPr rtlCol="0" anchor="ctr"/>
+          <a:lstStyle/>
+          <a:p>
+            <a:pPr algn="ctr"/>
+            <a:endParaRPr lang="en-GB" sz="1200" dirty="0"/>
+          </a:p>
+        </p:txBody>
+      </p:sp>
+      <p:sp>
+        <p:nvSpPr>
+          <p:cNvPr id="19" name="TextBox 18">
+            <a:extLst>
+              <a:ext uri="{FF2B5EF4-FFF2-40B4-BE49-F238E27FC236}">
+                <a16:creationId xmlns:a16="http://schemas.microsoft.com/office/drawing/2014/main" id="{A7241656-6FA1-489E-9B2F-8CEC11613E65}"/>
+              </a:ext>
+            </a:extLst>
+          </p:cNvPr>
+          <p:cNvSpPr txBox="1"/>
+          <p:nvPr/>
+        </p:nvSpPr>
+        <p:spPr>
+          <a:xfrm>
+            <a:off x="7051452" y="1001142"/>
+            <a:ext cx="1861270" cy="600164"/>
+          </a:xfrm>
+          <a:prstGeom prst="rect">
+            <a:avLst/>
+          </a:prstGeom>
+          <a:solidFill>
+            <a:schemeClr val="accent4">
+              <a:lumMod val="20000"/>
+              <a:lumOff val="80000"/>
+            </a:schemeClr>
+          </a:solidFill>
+          <a:ln>
+            <a:solidFill>
+              <a:schemeClr val="tx1"/>
+            </a:solidFill>
+          </a:ln>
+          <a:effectLst>
+            <a:outerShdw blurRad="50800" dist="38100" dir="2700000" algn="tl" rotWithShape="0">
+              <a:prstClr val="black">
+                <a:alpha val="40000"/>
+              </a:prstClr>
+            </a:outerShdw>
+          </a:effectLst>
+        </p:spPr>
+        <p:txBody>
+          <a:bodyPr wrap="square" rtlCol="0">
+            <a:spAutoFit/>
+          </a:bodyPr>
+          <a:lstStyle/>
+          <a:p>
+            <a:pPr algn="ctr"/>
+            <a:r>
+              <a:rPr lang="en-US" sz="1100" dirty="0"/>
+              <a:t>Preload the pre-trained </a:t>
+            </a:r>
+          </a:p>
+          <a:p>
+            <a:pPr algn="ctr"/>
+            <a:r>
+              <a:rPr lang="en-US" sz="1100" dirty="0"/>
+              <a:t>BERT model </a:t>
+            </a:r>
+          </a:p>
+          <a:p>
+            <a:pPr algn="ctr"/>
+            <a:r>
+              <a:rPr lang="en-US" sz="1100" dirty="0"/>
+              <a:t>on application startup</a:t>
+            </a:r>
+            <a:endParaRPr lang="en-GB" sz="1100" dirty="0"/>
+          </a:p>
+        </p:txBody>
+      </p:sp>
+      <p:sp>
+        <p:nvSpPr>
+          <p:cNvPr id="20" name="Arrow: Right 19">
+            <a:extLst>
+              <a:ext uri="{FF2B5EF4-FFF2-40B4-BE49-F238E27FC236}">
+                <a16:creationId xmlns:a16="http://schemas.microsoft.com/office/drawing/2014/main" id="{CFD0AD2A-232B-4F2B-9F80-6E5C737748C0}"/>
+              </a:ext>
+            </a:extLst>
+          </p:cNvPr>
+          <p:cNvSpPr/>
+          <p:nvPr/>
+        </p:nvSpPr>
+        <p:spPr>
+          <a:xfrm rot="5400000" flipV="1">
+            <a:off x="7724068" y="1619917"/>
+            <a:ext cx="536373" cy="536373"/>
+          </a:xfrm>
+          <a:prstGeom prst="rightArrow">
+            <a:avLst/>
+          </a:prstGeom>
+          <a:noFill/>
+          <a:ln>
+            <a:prstDash val="dash"/>
+          </a:ln>
+          <a:effectLst>
+            <a:outerShdw blurRad="50800" dist="38100" dir="2700000" algn="tl" rotWithShape="0">
+              <a:prstClr val="black">
+                <a:alpha val="40000"/>
+              </a:prstClr>
+            </a:outerShdw>
+          </a:effectLst>
+        </p:spPr>
+        <p:style>
+          <a:lnRef idx="2">
+            <a:schemeClr val="accent1">
+              <a:shade val="50000"/>
+            </a:schemeClr>
+          </a:lnRef>
+          <a:fillRef idx="1">
+            <a:schemeClr val="accent1"/>
+          </a:fillRef>
+          <a:effectRef idx="0">
+            <a:schemeClr val="accent1"/>
+          </a:effectRef>
+          <a:fontRef idx="minor">
+            <a:schemeClr val="lt1"/>
+          </a:fontRef>
+        </p:style>
+        <p:txBody>
+          <a:bodyPr rtlCol="0" anchor="ctr"/>
+          <a:lstStyle/>
+          <a:p>
+            <a:pPr algn="ctr"/>
+            <a:endParaRPr lang="en-GB" sz="1200" dirty="0"/>
+          </a:p>
+        </p:txBody>
+      </p:sp>
+      <p:sp>
+        <p:nvSpPr>
+          <p:cNvPr id="21" name="TextBox 20">
+            <a:extLst>
+              <a:ext uri="{FF2B5EF4-FFF2-40B4-BE49-F238E27FC236}">
+                <a16:creationId xmlns:a16="http://schemas.microsoft.com/office/drawing/2014/main" id="{AFEBA4DC-B158-4077-AC3D-C31A1EE02B9D}"/>
+              </a:ext>
+            </a:extLst>
+          </p:cNvPr>
+          <p:cNvSpPr txBox="1"/>
+          <p:nvPr/>
+        </p:nvSpPr>
+        <p:spPr>
+          <a:xfrm>
+            <a:off x="7240020" y="2157880"/>
+            <a:ext cx="1501951" cy="600164"/>
+          </a:xfrm>
+          <a:prstGeom prst="rect">
+            <a:avLst/>
+          </a:prstGeom>
+          <a:solidFill>
+            <a:schemeClr val="accent5">
+              <a:lumMod val="20000"/>
+              <a:lumOff val="80000"/>
+            </a:schemeClr>
+          </a:solidFill>
+          <a:ln>
+            <a:solidFill>
+              <a:schemeClr val="tx1"/>
+            </a:solidFill>
+          </a:ln>
+          <a:effectLst>
+            <a:outerShdw blurRad="50800" dist="38100" dir="2700000" algn="tl" rotWithShape="0">
+              <a:prstClr val="black">
+                <a:alpha val="40000"/>
+              </a:prstClr>
+            </a:outerShdw>
+          </a:effectLst>
+        </p:spPr>
+        <p:txBody>
+          <a:bodyPr wrap="square" rtlCol="0">
+            <a:spAutoFit/>
+          </a:bodyPr>
+          <a:lstStyle/>
+          <a:p>
+            <a:pPr algn="ctr"/>
+            <a:r>
+              <a:rPr lang="en-US" sz="1100" dirty="0"/>
+              <a:t>Receive the </a:t>
+            </a:r>
+          </a:p>
+          <a:p>
+            <a:pPr algn="ctr"/>
+            <a:r>
+              <a:rPr lang="en-US" sz="1100" dirty="0"/>
+              <a:t>FULL TEXT to be abstracted</a:t>
+            </a:r>
+            <a:endParaRPr lang="en-GB" sz="1100" dirty="0"/>
+          </a:p>
+        </p:txBody>
+      </p:sp>
+      <p:sp>
+        <p:nvSpPr>
+          <p:cNvPr id="22" name="Arrow: Right 21">
+            <a:extLst>
+              <a:ext uri="{FF2B5EF4-FFF2-40B4-BE49-F238E27FC236}">
+                <a16:creationId xmlns:a16="http://schemas.microsoft.com/office/drawing/2014/main" id="{F974E47A-0430-4104-9E0C-F80AC1DBB177}"/>
+              </a:ext>
+            </a:extLst>
+          </p:cNvPr>
+          <p:cNvSpPr/>
+          <p:nvPr/>
+        </p:nvSpPr>
+        <p:spPr>
+          <a:xfrm>
+            <a:off x="9085140" y="4988502"/>
+            <a:ext cx="1861269" cy="673341"/>
+          </a:xfrm>
+          <a:prstGeom prst="rightArrow">
+            <a:avLst/>
+          </a:prstGeom>
+          <a:solidFill>
+            <a:srgbClr val="002060"/>
+          </a:solidFill>
+          <a:effectLst>
+            <a:outerShdw blurRad="50800" dist="38100" dir="2700000" algn="tl" rotWithShape="0">
+              <a:prstClr val="black">
+                <a:alpha val="40000"/>
+              </a:prstClr>
+            </a:outerShdw>
+          </a:effectLst>
+        </p:spPr>
+        <p:style>
+          <a:lnRef idx="2">
+            <a:schemeClr val="accent1">
+              <a:shade val="50000"/>
+            </a:schemeClr>
+          </a:lnRef>
+          <a:fillRef idx="1">
+            <a:schemeClr val="accent1"/>
+          </a:fillRef>
+          <a:effectRef idx="0">
+            <a:schemeClr val="accent1"/>
+          </a:effectRef>
+          <a:fontRef idx="minor">
+            <a:schemeClr val="lt1"/>
+          </a:fontRef>
+        </p:style>
+        <p:txBody>
+          <a:bodyPr rtlCol="0" anchor="ctr"/>
+          <a:lstStyle/>
+          <a:p>
+            <a:pPr algn="ctr"/>
+            <a:r>
+              <a:rPr lang="en-US" sz="1200" dirty="0"/>
+              <a:t>Return ABSTRACT</a:t>
+            </a:r>
+            <a:endParaRPr lang="en-GB" sz="1200" dirty="0"/>
+          </a:p>
+        </p:txBody>
+      </p:sp>
+      <p:sp>
+        <p:nvSpPr>
+          <p:cNvPr id="23" name="TextBox 22">
+            <a:extLst>
+              <a:ext uri="{FF2B5EF4-FFF2-40B4-BE49-F238E27FC236}">
+                <a16:creationId xmlns:a16="http://schemas.microsoft.com/office/drawing/2014/main" id="{53E574DE-78D6-41B0-AB16-B65D535F826C}"/>
+              </a:ext>
+            </a:extLst>
+          </p:cNvPr>
+          <p:cNvSpPr txBox="1"/>
+          <p:nvPr/>
+        </p:nvSpPr>
+        <p:spPr>
+          <a:xfrm>
+            <a:off x="7240020" y="3126093"/>
+            <a:ext cx="1501951" cy="600164"/>
+          </a:xfrm>
+          <a:prstGeom prst="rect">
+            <a:avLst/>
+          </a:prstGeom>
+          <a:solidFill>
+            <a:schemeClr val="accent5">
+              <a:lumMod val="20000"/>
+              <a:lumOff val="80000"/>
+            </a:schemeClr>
+          </a:solidFill>
+          <a:ln>
+            <a:solidFill>
+              <a:schemeClr val="tx1"/>
+            </a:solidFill>
+          </a:ln>
+          <a:effectLst>
+            <a:outerShdw blurRad="50800" dist="38100" dir="2700000" algn="tl" rotWithShape="0">
+              <a:prstClr val="black">
+                <a:alpha val="40000"/>
+              </a:prstClr>
+            </a:outerShdw>
+          </a:effectLst>
+        </p:spPr>
+        <p:txBody>
+          <a:bodyPr wrap="square" rtlCol="0">
+            <a:spAutoFit/>
+          </a:bodyPr>
+          <a:lstStyle/>
+          <a:p>
+            <a:pPr algn="ctr"/>
+            <a:r>
+              <a:rPr lang="en-US" sz="1100" dirty="0"/>
+              <a:t>Parameterize the </a:t>
+            </a:r>
+          </a:p>
+          <a:p>
+            <a:pPr algn="ctr"/>
+            <a:r>
+              <a:rPr lang="en-US" sz="1100" dirty="0"/>
+              <a:t>MAX LENGTH </a:t>
+            </a:r>
+          </a:p>
+          <a:p>
+            <a:pPr algn="ctr"/>
+            <a:r>
+              <a:rPr lang="en-US" sz="1100" dirty="0"/>
+              <a:t>of abstract</a:t>
+            </a:r>
+            <a:endParaRPr lang="en-GB" sz="1100" dirty="0"/>
+          </a:p>
+        </p:txBody>
+      </p:sp>
+      <p:sp>
+        <p:nvSpPr>
+          <p:cNvPr id="25" name="TextBox 24">
+            <a:extLst>
+              <a:ext uri="{FF2B5EF4-FFF2-40B4-BE49-F238E27FC236}">
+                <a16:creationId xmlns:a16="http://schemas.microsoft.com/office/drawing/2014/main" id="{1D9C9966-EF32-46C0-BEAE-A19A9495072E}"/>
+              </a:ext>
+            </a:extLst>
+          </p:cNvPr>
+          <p:cNvSpPr txBox="1"/>
+          <p:nvPr/>
+        </p:nvSpPr>
+        <p:spPr>
+          <a:xfrm>
+            <a:off x="7240020" y="4094306"/>
+            <a:ext cx="1501951" cy="600164"/>
+          </a:xfrm>
+          <a:prstGeom prst="rect">
+            <a:avLst/>
+          </a:prstGeom>
+          <a:solidFill>
+            <a:schemeClr val="accent5">
+              <a:lumMod val="20000"/>
+              <a:lumOff val="80000"/>
+            </a:schemeClr>
+          </a:solidFill>
+          <a:ln>
+            <a:solidFill>
+              <a:schemeClr val="tx1"/>
+            </a:solidFill>
+          </a:ln>
+          <a:effectLst>
+            <a:outerShdw blurRad="50800" dist="38100" dir="2700000" algn="tl" rotWithShape="0">
+              <a:prstClr val="black">
+                <a:alpha val="40000"/>
+              </a:prstClr>
+            </a:outerShdw>
+          </a:effectLst>
+        </p:spPr>
+        <p:txBody>
+          <a:bodyPr wrap="square" rtlCol="0">
+            <a:spAutoFit/>
+          </a:bodyPr>
+          <a:lstStyle/>
+          <a:p>
+            <a:pPr algn="ctr"/>
+            <a:r>
+              <a:rPr lang="en-US" sz="1100" dirty="0"/>
+              <a:t>Extract </a:t>
+            </a:r>
+          </a:p>
+          <a:p>
+            <a:pPr algn="ctr"/>
+            <a:r>
+              <a:rPr lang="en-US" sz="1100" dirty="0"/>
+              <a:t>KEY SENTENCES </a:t>
+            </a:r>
+          </a:p>
+          <a:p>
+            <a:pPr algn="ctr"/>
+            <a:r>
+              <a:rPr lang="en-US" sz="1100" dirty="0"/>
+              <a:t>from text</a:t>
+            </a:r>
+            <a:endParaRPr lang="en-GB" sz="1100" dirty="0"/>
+          </a:p>
+        </p:txBody>
+      </p:sp>
+      <p:sp>
+        <p:nvSpPr>
+          <p:cNvPr id="26" name="TextBox 25">
+            <a:extLst>
+              <a:ext uri="{FF2B5EF4-FFF2-40B4-BE49-F238E27FC236}">
+                <a16:creationId xmlns:a16="http://schemas.microsoft.com/office/drawing/2014/main" id="{96B5FE53-79BC-48D4-A4CF-D81ADF10CD68}"/>
+              </a:ext>
+            </a:extLst>
+          </p:cNvPr>
+          <p:cNvSpPr txBox="1"/>
+          <p:nvPr/>
+        </p:nvSpPr>
+        <p:spPr>
+          <a:xfrm>
+            <a:off x="7240020" y="5062519"/>
+            <a:ext cx="1501951" cy="600164"/>
+          </a:xfrm>
+          <a:prstGeom prst="rect">
+            <a:avLst/>
+          </a:prstGeom>
+          <a:solidFill>
+            <a:schemeClr val="accent5">
+              <a:lumMod val="20000"/>
+              <a:lumOff val="80000"/>
+            </a:schemeClr>
+          </a:solidFill>
+          <a:ln>
+            <a:solidFill>
+              <a:schemeClr val="tx1"/>
+            </a:solidFill>
+          </a:ln>
+          <a:effectLst>
+            <a:outerShdw blurRad="50800" dist="38100" dir="2700000" algn="tl" rotWithShape="0">
+              <a:prstClr val="black">
+                <a:alpha val="40000"/>
+              </a:prstClr>
+            </a:outerShdw>
+          </a:effectLst>
+        </p:spPr>
+        <p:txBody>
+          <a:bodyPr wrap="square" rtlCol="0">
+            <a:spAutoFit/>
+          </a:bodyPr>
+          <a:lstStyle/>
+          <a:p>
+            <a:pPr algn="ctr"/>
+            <a:r>
+              <a:rPr lang="en-US" sz="1100" dirty="0"/>
+              <a:t>Concatenate sentences to generate </a:t>
+            </a:r>
+          </a:p>
+          <a:p>
+            <a:pPr algn="ctr"/>
+            <a:r>
+              <a:rPr lang="en-US" sz="1100" dirty="0"/>
+              <a:t>ABSTRACT</a:t>
+            </a:r>
+            <a:endParaRPr lang="en-GB" sz="1100" dirty="0"/>
+          </a:p>
+        </p:txBody>
+      </p:sp>
+      <p:sp>
+        <p:nvSpPr>
+          <p:cNvPr id="27" name="Arrow: Right 26">
+            <a:extLst>
+              <a:ext uri="{FF2B5EF4-FFF2-40B4-BE49-F238E27FC236}">
+                <a16:creationId xmlns:a16="http://schemas.microsoft.com/office/drawing/2014/main" id="{2486F6BB-66BD-4964-9DDE-4745CE93D586}"/>
+              </a:ext>
+            </a:extLst>
+          </p:cNvPr>
+          <p:cNvSpPr/>
+          <p:nvPr/>
+        </p:nvSpPr>
+        <p:spPr>
+          <a:xfrm flipH="1">
+            <a:off x="8888598" y="2086981"/>
+            <a:ext cx="1861268" cy="673341"/>
+          </a:xfrm>
+          <a:prstGeom prst="rightArrow">
+            <a:avLst/>
+          </a:prstGeom>
+          <a:solidFill>
+            <a:srgbClr val="002060"/>
+          </a:solidFill>
+          <a:effectLst>
+            <a:outerShdw blurRad="50800" dist="38100" dir="2700000" algn="tl" rotWithShape="0">
+              <a:prstClr val="black">
+                <a:alpha val="40000"/>
+              </a:prstClr>
+            </a:outerShdw>
+          </a:effectLst>
+        </p:spPr>
+        <p:style>
+          <a:lnRef idx="2">
+            <a:schemeClr val="accent1">
+              <a:shade val="50000"/>
+            </a:schemeClr>
+          </a:lnRef>
+          <a:fillRef idx="1">
+            <a:schemeClr val="accent1"/>
+          </a:fillRef>
+          <a:effectRef idx="0">
+            <a:schemeClr val="accent1"/>
+          </a:effectRef>
+          <a:fontRef idx="minor">
+            <a:schemeClr val="lt1"/>
+          </a:fontRef>
+        </p:style>
+        <p:txBody>
+          <a:bodyPr rtlCol="0" anchor="ctr"/>
+          <a:lstStyle/>
+          <a:p>
+            <a:pPr algn="ctr"/>
+            <a:r>
+              <a:rPr lang="en-US" sz="1200" dirty="0"/>
+              <a:t>Receive FULL TEXT</a:t>
+            </a:r>
+            <a:endParaRPr lang="en-GB" sz="1200" dirty="0"/>
+          </a:p>
+        </p:txBody>
+      </p:sp>
+      <p:sp>
+        <p:nvSpPr>
+          <p:cNvPr id="28" name="Arrow: Right 27">
+            <a:extLst>
+              <a:ext uri="{FF2B5EF4-FFF2-40B4-BE49-F238E27FC236}">
+                <a16:creationId xmlns:a16="http://schemas.microsoft.com/office/drawing/2014/main" id="{F711591D-D811-46C2-9418-167B7605EA5C}"/>
+              </a:ext>
+            </a:extLst>
+          </p:cNvPr>
+          <p:cNvSpPr/>
+          <p:nvPr/>
+        </p:nvSpPr>
+        <p:spPr>
+          <a:xfrm rot="5400000" flipV="1">
+            <a:off x="7822975" y="2688627"/>
+            <a:ext cx="338559" cy="536373"/>
+          </a:xfrm>
+          <a:prstGeom prst="rightArrow">
+            <a:avLst/>
+          </a:prstGeom>
+          <a:noFill/>
+          <a:ln>
+            <a:prstDash val="dash"/>
+          </a:ln>
+          <a:effectLst>
+            <a:outerShdw blurRad="50800" dist="38100" dir="2700000" algn="tl" rotWithShape="0">
+              <a:prstClr val="black">
+                <a:alpha val="40000"/>
+              </a:prstClr>
+            </a:outerShdw>
+          </a:effectLst>
+        </p:spPr>
+        <p:style>
+          <a:lnRef idx="2">
+            <a:schemeClr val="accent1">
+              <a:shade val="50000"/>
+            </a:schemeClr>
+          </a:lnRef>
+          <a:fillRef idx="1">
+            <a:schemeClr val="accent1"/>
+          </a:fillRef>
+          <a:effectRef idx="0">
+            <a:schemeClr val="accent1"/>
+          </a:effectRef>
+          <a:fontRef idx="minor">
+            <a:schemeClr val="lt1"/>
+          </a:fontRef>
+        </p:style>
+        <p:txBody>
+          <a:bodyPr rtlCol="0" anchor="ctr"/>
+          <a:lstStyle/>
+          <a:p>
+            <a:pPr algn="ctr"/>
+            <a:endParaRPr lang="en-GB" sz="1200" dirty="0"/>
+          </a:p>
+        </p:txBody>
+      </p:sp>
+      <p:sp>
+        <p:nvSpPr>
+          <p:cNvPr id="29" name="Arrow: Right 28">
+            <a:extLst>
+              <a:ext uri="{FF2B5EF4-FFF2-40B4-BE49-F238E27FC236}">
+                <a16:creationId xmlns:a16="http://schemas.microsoft.com/office/drawing/2014/main" id="{93E3162F-FB1B-4FCD-ACF3-90568DD775B1}"/>
+              </a:ext>
+            </a:extLst>
+          </p:cNvPr>
+          <p:cNvSpPr/>
+          <p:nvPr/>
+        </p:nvSpPr>
+        <p:spPr>
+          <a:xfrm rot="5400000" flipV="1">
+            <a:off x="7822975" y="3646814"/>
+            <a:ext cx="338559" cy="536373"/>
+          </a:xfrm>
+          <a:prstGeom prst="rightArrow">
+            <a:avLst/>
+          </a:prstGeom>
+          <a:noFill/>
+          <a:ln>
+            <a:prstDash val="dash"/>
+          </a:ln>
+          <a:effectLst>
+            <a:outerShdw blurRad="50800" dist="38100" dir="2700000" algn="tl" rotWithShape="0">
+              <a:prstClr val="black">
+                <a:alpha val="40000"/>
+              </a:prstClr>
+            </a:outerShdw>
+          </a:effectLst>
+        </p:spPr>
+        <p:style>
+          <a:lnRef idx="2">
+            <a:schemeClr val="accent1">
+              <a:shade val="50000"/>
+            </a:schemeClr>
+          </a:lnRef>
+          <a:fillRef idx="1">
+            <a:schemeClr val="accent1"/>
+          </a:fillRef>
+          <a:effectRef idx="0">
+            <a:schemeClr val="accent1"/>
+          </a:effectRef>
+          <a:fontRef idx="minor">
+            <a:schemeClr val="lt1"/>
+          </a:fontRef>
+        </p:style>
+        <p:txBody>
+          <a:bodyPr rtlCol="0" anchor="ctr"/>
+          <a:lstStyle/>
+          <a:p>
+            <a:pPr algn="ctr"/>
+            <a:endParaRPr lang="en-GB" sz="1200" dirty="0"/>
+          </a:p>
+        </p:txBody>
+      </p:sp>
+      <p:sp>
+        <p:nvSpPr>
+          <p:cNvPr id="30" name="Arrow: Right 29">
+            <a:extLst>
+              <a:ext uri="{FF2B5EF4-FFF2-40B4-BE49-F238E27FC236}">
+                <a16:creationId xmlns:a16="http://schemas.microsoft.com/office/drawing/2014/main" id="{9C8E5B49-DA98-48D3-9CB7-EB30B095EF06}"/>
+              </a:ext>
+            </a:extLst>
+          </p:cNvPr>
+          <p:cNvSpPr/>
+          <p:nvPr/>
+        </p:nvSpPr>
+        <p:spPr>
+          <a:xfrm rot="5400000" flipV="1">
+            <a:off x="7822975" y="4625209"/>
+            <a:ext cx="338559" cy="536373"/>
+          </a:xfrm>
+          <a:prstGeom prst="rightArrow">
+            <a:avLst/>
+          </a:prstGeom>
+          <a:noFill/>
+          <a:ln>
+            <a:prstDash val="dash"/>
+          </a:ln>
+          <a:effectLst>
+            <a:outerShdw blurRad="50800" dist="38100" dir="2700000" algn="tl" rotWithShape="0">
+              <a:prstClr val="black">
+                <a:alpha val="40000"/>
+              </a:prstClr>
+            </a:outerShdw>
+          </a:effectLst>
+        </p:spPr>
+        <p:style>
+          <a:lnRef idx="2">
+            <a:schemeClr val="accent1">
+              <a:shade val="50000"/>
+            </a:schemeClr>
+          </a:lnRef>
+          <a:fillRef idx="1">
+            <a:schemeClr val="accent1"/>
+          </a:fillRef>
+          <a:effectRef idx="0">
+            <a:schemeClr val="accent1"/>
+          </a:effectRef>
+          <a:fontRef idx="minor">
+            <a:schemeClr val="lt1"/>
+          </a:fontRef>
+        </p:style>
+        <p:txBody>
+          <a:bodyPr rtlCol="0" anchor="ctr"/>
+          <a:lstStyle/>
+          <a:p>
+            <a:pPr algn="ctr"/>
+            <a:endParaRPr lang="en-GB" sz="1200" dirty="0"/>
           </a:p>
         </p:txBody>
       </p:sp>
